--- a/curriculum/3_modeling_and_machine_learning/quantitative-social-science/We're All Social Scientists Now.pptx
+++ b/curriculum/3_modeling_and_machine_learning/quantitative-social-science/We're All Social Scientists Now.pptx
@@ -8293,7 +8293,7 @@
             <a:tbl>
               <a:tblPr>
                 <a:noFill/>
-                <a:tableStyleId>{8C1CB2F9-FC5D-4E89-BFFB-F7EB3D720372}</a:tableStyleId>
+                <a:tableStyleId>{9D89CBAC-87FF-44C3-AA51-7410B9017C42}</a:tableStyleId>
               </a:tblPr>
               <a:tblGrid>
                 <a:gridCol w="2392475"/>
@@ -8822,7 +8822,7 @@
         </p:nvSpPr>
         <p:spPr>
           <a:xfrm>
-            <a:off x="311700" y="0"/>
+            <a:off x="311700" y="-129650"/>
             <a:ext cx="8520600" cy="572700"/>
           </a:xfrm>
           <a:prstGeom prst="rect">
@@ -8862,7 +8862,7 @@
         </p:nvSpPr>
         <p:spPr>
           <a:xfrm>
-            <a:off x="311700" y="507700"/>
+            <a:off x="311700" y="356425"/>
             <a:ext cx="8520600" cy="3416400"/>
           </a:xfrm>
           <a:prstGeom prst="rect">
@@ -9091,7 +9091,7 @@
                   <a:schemeClr val="dk1"/>
                 </a:solidFill>
               </a:rPr>
-              <a:t>E.g. Post-treatment controls</a:t>
+              <a:t>p hacking, in-sample fitting and testing</a:t>
             </a:r>
             <a:endParaRPr>
               <a:solidFill>
@@ -9185,6 +9185,37 @@
                 </a:solidFill>
               </a:rPr>
               <a:t>Too many columns</a:t>
+            </a:r>
+            <a:endParaRPr>
+              <a:solidFill>
+                <a:schemeClr val="dk1"/>
+              </a:solidFill>
+            </a:endParaRPr>
+          </a:p>
+          <a:p>
+            <a:pPr indent="-317500" lvl="1" marL="914400" rtl="0">
+              <a:lnSpc>
+                <a:spcPct val="100000"/>
+              </a:lnSpc>
+              <a:spcBef>
+                <a:spcPts val="0"/>
+              </a:spcBef>
+              <a:spcAft>
+                <a:spcPts val="0"/>
+              </a:spcAft>
+              <a:buClr>
+                <a:schemeClr val="dk1"/>
+              </a:buClr>
+              <a:buSzPts val="1400"/>
+              <a:buChar char="○"/>
+            </a:pPr>
+            <a:r>
+              <a:rPr lang="en">
+                <a:solidFill>
+                  <a:schemeClr val="dk1"/>
+                </a:solidFill>
+              </a:rPr>
+              <a:t>Post-treatment controls</a:t>
             </a:r>
             <a:endParaRPr>
               <a:solidFill>

--- a/curriculum/3_modeling_and_machine_learning/quantitative-social-science/We're All Social Scientists Now.pptx
+++ b/curriculum/3_modeling_and_machine_learning/quantitative-social-science/We're All Social Scientists Now.pptx
@@ -8293,7 +8293,7 @@
             <a:tbl>
               <a:tblPr>
                 <a:noFill/>
-                <a:tableStyleId>{9D89CBAC-87FF-44C3-AA51-7410B9017C42}</a:tableStyleId>
+                <a:tableStyleId>{A455968A-FAE1-40E4-B6BB-1E9309CD5A88}</a:tableStyleId>
               </a:tblPr>
               <a:tblGrid>
                 <a:gridCol w="2392475"/>
@@ -9839,6 +9839,23 @@
             <a:r>
               <a:rPr lang="en"/>
               <a:t>Model all people involved (politicians, inspectors, judges, not just defendants)</a:t>
+            </a:r>
+            <a:endParaRPr/>
+          </a:p>
+          <a:p>
+            <a:pPr indent="-342900" lvl="0" marL="457200" rtl="0">
+              <a:spcBef>
+                <a:spcPts val="0"/>
+              </a:spcBef>
+              <a:spcAft>
+                <a:spcPts val="0"/>
+              </a:spcAft>
+              <a:buSzPts val="1800"/>
+              <a:buChar char="●"/>
+            </a:pPr>
+            <a:r>
+              <a:rPr lang="en"/>
+              <a:t>Potential bias at every step</a:t>
             </a:r>
             <a:endParaRPr/>
           </a:p>

--- a/curriculum/3_modeling_and_machine_learning/quantitative-social-science/We're All Social Scientists Now.pptx
+++ b/curriculum/3_modeling_and_machine_learning/quantitative-social-science/We're All Social Scientists Now.pptx
@@ -1,37 +1,40 @@
 
 <file path=ppt/presentation.xml><?xml version="1.0" encoding="utf-8"?>
-<p:presentation xmlns:a="http://schemas.openxmlformats.org/drawingml/2006/main" xmlns:r="http://schemas.openxmlformats.org/officeDocument/2006/relationships" xmlns:mc="http://schemas.openxmlformats.org/markup-compatibility/2006" xmlns:mv="urn:schemas-microsoft-com:mac:vml" xmlns:p="http://schemas.openxmlformats.org/presentationml/2006/main" xmlns:c="http://schemas.openxmlformats.org/drawingml/2006/chart" xmlns:dgm="http://schemas.openxmlformats.org/drawingml/2006/diagram" xmlns:o="urn:schemas-microsoft-com:office:office" xmlns:v="urn:schemas-microsoft-com:vml" xmlns:pvml="urn:schemas-microsoft-com:office:powerpoint" xmlns:com="http://schemas.openxmlformats.org/drawingml/2006/compatibility" xmlns:p14="http://schemas.microsoft.com/office/powerpoint/2010/main" xmlns:p15="http://schemas.microsoft.com/office/powerpoint/2012/main" autoCompressPictures="0" strictFirstAndLastChars="0" saveSubsetFonts="1">
+<p:presentation xmlns:a="http://schemas.openxmlformats.org/drawingml/2006/main" xmlns:r="http://schemas.openxmlformats.org/officeDocument/2006/relationships" xmlns:p="http://schemas.openxmlformats.org/presentationml/2006/main" strictFirstAndLastChars="0" saveSubsetFonts="1" autoCompressPictures="0">
   <p:sldMasterIdLst>
-    <p:sldMasterId id="2147483659" r:id="rId4"/>
+    <p:sldMasterId id="2147483659" r:id="rId1"/>
   </p:sldMasterIdLst>
   <p:notesMasterIdLst>
-    <p:notesMasterId r:id="rId5"/>
+    <p:notesMasterId r:id="rId24"/>
   </p:notesMasterIdLst>
   <p:sldIdLst>
-    <p:sldId id="256" r:id="rId6"/>
-    <p:sldId id="257" r:id="rId7"/>
-    <p:sldId id="258" r:id="rId8"/>
-    <p:sldId id="259" r:id="rId9"/>
-    <p:sldId id="260" r:id="rId10"/>
-    <p:sldId id="261" r:id="rId11"/>
-    <p:sldId id="262" r:id="rId12"/>
-    <p:sldId id="263" r:id="rId13"/>
-    <p:sldId id="264" r:id="rId14"/>
-    <p:sldId id="265" r:id="rId15"/>
-    <p:sldId id="266" r:id="rId16"/>
-    <p:sldId id="267" r:id="rId17"/>
-    <p:sldId id="268" r:id="rId18"/>
-    <p:sldId id="269" r:id="rId19"/>
-    <p:sldId id="270" r:id="rId20"/>
-    <p:sldId id="271" r:id="rId21"/>
-    <p:sldId id="272" r:id="rId22"/>
-    <p:sldId id="273" r:id="rId23"/>
-    <p:sldId id="274" r:id="rId24"/>
+    <p:sldId id="256" r:id="rId2"/>
+    <p:sldId id="257" r:id="rId3"/>
+    <p:sldId id="258" r:id="rId4"/>
+    <p:sldId id="259" r:id="rId5"/>
+    <p:sldId id="260" r:id="rId6"/>
+    <p:sldId id="261" r:id="rId7"/>
+    <p:sldId id="262" r:id="rId8"/>
+    <p:sldId id="263" r:id="rId9"/>
+    <p:sldId id="264" r:id="rId10"/>
+    <p:sldId id="265" r:id="rId11"/>
+    <p:sldId id="266" r:id="rId12"/>
+    <p:sldId id="267" r:id="rId13"/>
+    <p:sldId id="268" r:id="rId14"/>
+    <p:sldId id="269" r:id="rId15"/>
+    <p:sldId id="270" r:id="rId16"/>
+    <p:sldId id="271" r:id="rId17"/>
+    <p:sldId id="276" r:id="rId18"/>
+    <p:sldId id="275" r:id="rId19"/>
+    <p:sldId id="277" r:id="rId20"/>
+    <p:sldId id="272" r:id="rId21"/>
+    <p:sldId id="273" r:id="rId22"/>
+    <p:sldId id="274" r:id="rId23"/>
   </p:sldIdLst>
-  <p:sldSz cy="5143500" cx="9144000"/>
+  <p:sldSz cx="9144000" cy="5143500" type="screen16x9"/>
   <p:notesSz cx="6858000" cy="9144000"/>
   <p:defaultTextStyle>
-    <a:defPPr lvl="0" marR="0" rtl="0" algn="l">
+    <a:defPPr marR="0" lvl="0" algn="l" rtl="0">
       <a:lnSpc>
         <a:spcPct val="100000"/>
       </a:lnSpc>
@@ -42,7 +45,7 @@
         <a:spcPts val="0"/>
       </a:spcAft>
     </a:defPPr>
-    <a:lvl1pPr lvl="0" marR="0" rtl="0" algn="l">
+    <a:lvl1pPr marR="0" lvl="0" algn="l" rtl="0">
       <a:lnSpc>
         <a:spcPct val="100000"/>
       </a:lnSpc>
@@ -56,7 +59,7 @@
         <a:srgbClr val="000000"/>
       </a:buClr>
       <a:buFont typeface="Arial"/>
-      <a:defRPr b="0" i="0" sz="1400" u="none" cap="none" strike="noStrike">
+      <a:defRPr sz="1400" b="0" i="0" u="none" strike="noStrike" cap="none">
         <a:solidFill>
           <a:srgbClr val="000000"/>
         </a:solidFill>
@@ -66,7 +69,7 @@
         <a:sym typeface="Arial"/>
       </a:defRPr>
     </a:lvl1pPr>
-    <a:lvl2pPr lvl="1" marR="0" rtl="0" algn="l">
+    <a:lvl2pPr marR="0" lvl="1" algn="l" rtl="0">
       <a:lnSpc>
         <a:spcPct val="100000"/>
       </a:lnSpc>
@@ -80,7 +83,7 @@
         <a:srgbClr val="000000"/>
       </a:buClr>
       <a:buFont typeface="Arial"/>
-      <a:defRPr b="0" i="0" sz="1400" u="none" cap="none" strike="noStrike">
+      <a:defRPr sz="1400" b="0" i="0" u="none" strike="noStrike" cap="none">
         <a:solidFill>
           <a:srgbClr val="000000"/>
         </a:solidFill>
@@ -90,7 +93,7 @@
         <a:sym typeface="Arial"/>
       </a:defRPr>
     </a:lvl2pPr>
-    <a:lvl3pPr lvl="2" marR="0" rtl="0" algn="l">
+    <a:lvl3pPr marR="0" lvl="2" algn="l" rtl="0">
       <a:lnSpc>
         <a:spcPct val="100000"/>
       </a:lnSpc>
@@ -104,7 +107,7 @@
         <a:srgbClr val="000000"/>
       </a:buClr>
       <a:buFont typeface="Arial"/>
-      <a:defRPr b="0" i="0" sz="1400" u="none" cap="none" strike="noStrike">
+      <a:defRPr sz="1400" b="0" i="0" u="none" strike="noStrike" cap="none">
         <a:solidFill>
           <a:srgbClr val="000000"/>
         </a:solidFill>
@@ -114,7 +117,7 @@
         <a:sym typeface="Arial"/>
       </a:defRPr>
     </a:lvl3pPr>
-    <a:lvl4pPr lvl="3" marR="0" rtl="0" algn="l">
+    <a:lvl4pPr marR="0" lvl="3" algn="l" rtl="0">
       <a:lnSpc>
         <a:spcPct val="100000"/>
       </a:lnSpc>
@@ -128,7 +131,7 @@
         <a:srgbClr val="000000"/>
       </a:buClr>
       <a:buFont typeface="Arial"/>
-      <a:defRPr b="0" i="0" sz="1400" u="none" cap="none" strike="noStrike">
+      <a:defRPr sz="1400" b="0" i="0" u="none" strike="noStrike" cap="none">
         <a:solidFill>
           <a:srgbClr val="000000"/>
         </a:solidFill>
@@ -138,7 +141,7 @@
         <a:sym typeface="Arial"/>
       </a:defRPr>
     </a:lvl4pPr>
-    <a:lvl5pPr lvl="4" marR="0" rtl="0" algn="l">
+    <a:lvl5pPr marR="0" lvl="4" algn="l" rtl="0">
       <a:lnSpc>
         <a:spcPct val="100000"/>
       </a:lnSpc>
@@ -152,7 +155,7 @@
         <a:srgbClr val="000000"/>
       </a:buClr>
       <a:buFont typeface="Arial"/>
-      <a:defRPr b="0" i="0" sz="1400" u="none" cap="none" strike="noStrike">
+      <a:defRPr sz="1400" b="0" i="0" u="none" strike="noStrike" cap="none">
         <a:solidFill>
           <a:srgbClr val="000000"/>
         </a:solidFill>
@@ -162,7 +165,7 @@
         <a:sym typeface="Arial"/>
       </a:defRPr>
     </a:lvl5pPr>
-    <a:lvl6pPr lvl="5" marR="0" rtl="0" algn="l">
+    <a:lvl6pPr marR="0" lvl="5" algn="l" rtl="0">
       <a:lnSpc>
         <a:spcPct val="100000"/>
       </a:lnSpc>
@@ -176,7 +179,7 @@
         <a:srgbClr val="000000"/>
       </a:buClr>
       <a:buFont typeface="Arial"/>
-      <a:defRPr b="0" i="0" sz="1400" u="none" cap="none" strike="noStrike">
+      <a:defRPr sz="1400" b="0" i="0" u="none" strike="noStrike" cap="none">
         <a:solidFill>
           <a:srgbClr val="000000"/>
         </a:solidFill>
@@ -186,7 +189,7 @@
         <a:sym typeface="Arial"/>
       </a:defRPr>
     </a:lvl6pPr>
-    <a:lvl7pPr lvl="6" marR="0" rtl="0" algn="l">
+    <a:lvl7pPr marR="0" lvl="6" algn="l" rtl="0">
       <a:lnSpc>
         <a:spcPct val="100000"/>
       </a:lnSpc>
@@ -200,7 +203,7 @@
         <a:srgbClr val="000000"/>
       </a:buClr>
       <a:buFont typeface="Arial"/>
-      <a:defRPr b="0" i="0" sz="1400" u="none" cap="none" strike="noStrike">
+      <a:defRPr sz="1400" b="0" i="0" u="none" strike="noStrike" cap="none">
         <a:solidFill>
           <a:srgbClr val="000000"/>
         </a:solidFill>
@@ -210,7 +213,7 @@
         <a:sym typeface="Arial"/>
       </a:defRPr>
     </a:lvl7pPr>
-    <a:lvl8pPr lvl="7" marR="0" rtl="0" algn="l">
+    <a:lvl8pPr marR="0" lvl="7" algn="l" rtl="0">
       <a:lnSpc>
         <a:spcPct val="100000"/>
       </a:lnSpc>
@@ -224,7 +227,7 @@
         <a:srgbClr val="000000"/>
       </a:buClr>
       <a:buFont typeface="Arial"/>
-      <a:defRPr b="0" i="0" sz="1400" u="none" cap="none" strike="noStrike">
+      <a:defRPr sz="1400" b="0" i="0" u="none" strike="noStrike" cap="none">
         <a:solidFill>
           <a:srgbClr val="000000"/>
         </a:solidFill>
@@ -234,7 +237,7 @@
         <a:sym typeface="Arial"/>
       </a:defRPr>
     </a:lvl8pPr>
-    <a:lvl9pPr lvl="8" marR="0" rtl="0" algn="l">
+    <a:lvl9pPr marR="0" lvl="8" algn="l" rtl="0">
       <a:lnSpc>
         <a:spcPct val="100000"/>
       </a:lnSpc>
@@ -248,7 +251,7 @@
         <a:srgbClr val="000000"/>
       </a:buClr>
       <a:buFont typeface="Arial"/>
-      <a:defRPr b="0" i="0" sz="1400" u="none" cap="none" strike="noStrike">
+      <a:defRPr sz="1400" b="0" i="0" u="none" strike="noStrike" cap="none">
         <a:solidFill>
           <a:srgbClr val="000000"/>
         </a:solidFill>
@@ -263,11 +266,16 @@
 </file>
 
 <file path=ppt/notesMasters/notesMaster1.xml><?xml version="1.0" encoding="utf-8"?>
-<p:notesMaster xmlns:a="http://schemas.openxmlformats.org/drawingml/2006/main" xmlns:r="http://schemas.openxmlformats.org/officeDocument/2006/relationships" xmlns:mc="http://schemas.openxmlformats.org/markup-compatibility/2006" xmlns:mv="urn:schemas-microsoft-com:mac:vml" xmlns:p="http://schemas.openxmlformats.org/presentationml/2006/main" xmlns:c="http://schemas.openxmlformats.org/drawingml/2006/chart" xmlns:dgm="http://schemas.openxmlformats.org/drawingml/2006/diagram" xmlns:o="urn:schemas-microsoft-com:office:office" xmlns:v="urn:schemas-microsoft-com:vml" xmlns:pvml="urn:schemas-microsoft-com:office:powerpoint" xmlns:com="http://schemas.openxmlformats.org/drawingml/2006/compatibility" xmlns:p14="http://schemas.microsoft.com/office/powerpoint/2010/main" xmlns:p15="http://schemas.microsoft.com/office/powerpoint/2012/main">
+<p:notesMaster xmlns:a="http://schemas.openxmlformats.org/drawingml/2006/main" xmlns:r="http://schemas.openxmlformats.org/officeDocument/2006/relationships" xmlns:p="http://schemas.openxmlformats.org/presentationml/2006/main">
   <p:cSld>
+    <p:bg>
+      <p:bgRef idx="1001">
+        <a:schemeClr val="bg1"/>
+      </p:bgRef>
+    </p:bg>
     <p:spTree>
       <p:nvGrpSpPr>
-        <p:cNvPr id="2" name="Shape 2"/>
+        <p:cNvPr id="1" name="Shape 2"/>
         <p:cNvGrpSpPr/>
         <p:nvPr/>
       </p:nvGrpSpPr>
@@ -282,9 +290,11 @@
       <p:sp>
         <p:nvSpPr>
           <p:cNvPr id="3" name="Shape 3"/>
-          <p:cNvSpPr/>
+          <p:cNvSpPr>
+            <a:spLocks noGrp="1" noRot="1" noChangeAspect="1"/>
+          </p:cNvSpPr>
           <p:nvPr>
-            <p:ph idx="2" type="sldImg"/>
+            <p:ph type="sldImg" idx="2"/>
           </p:nvPr>
         </p:nvSpPr>
         <p:spPr>
@@ -293,8 +303,13 @@
             <a:ext cx="6096075" cy="3429000"/>
           </a:xfrm>
           <a:custGeom>
+            <a:avLst/>
+            <a:gdLst/>
+            <a:ahLst/>
+            <a:cxnLst/>
+            <a:rect l="0" t="0" r="0" b="0"/>
             <a:pathLst>
-              <a:path extrusionOk="0" h="120000" w="120000">
+              <a:path w="120000" h="120000" extrusionOk="0">
                 <a:moveTo>
                   <a:pt x="0" y="0"/>
                 </a:moveTo>
@@ -312,23 +327,25 @@
             </a:pathLst>
           </a:custGeom>
           <a:noFill/>
-          <a:ln cap="flat" cmpd="sng" w="9525">
+          <a:ln w="9525" cap="flat" cmpd="sng">
             <a:solidFill>
               <a:srgbClr val="000000"/>
             </a:solidFill>
             <a:prstDash val="solid"/>
             <a:round/>
-            <a:headEnd len="sm" w="sm" type="none"/>
-            <a:tailEnd len="sm" w="sm" type="none"/>
+            <a:headEnd type="none" w="sm" len="sm"/>
+            <a:tailEnd type="none" w="sm" len="sm"/>
           </a:ln>
         </p:spPr>
       </p:sp>
       <p:sp>
         <p:nvSpPr>
           <p:cNvPr id="4" name="Shape 4"/>
-          <p:cNvSpPr txBox="1"/>
+          <p:cNvSpPr txBox="1">
+            <a:spLocks noGrp="1"/>
+          </p:cNvSpPr>
           <p:nvPr>
-            <p:ph idx="1" type="body"/>
+            <p:ph type="body" idx="1"/>
           </p:nvPr>
         </p:nvSpPr>
         <p:spPr>
@@ -345,9 +362,9 @@
           </a:ln>
         </p:spPr>
         <p:txBody>
-          <a:bodyPr anchorCtr="0" anchor="t" bIns="91425" lIns="91425" spcFirstLastPara="1" rIns="91425" wrap="square" tIns="91425"/>
+          <a:bodyPr spcFirstLastPara="1" wrap="square" lIns="91425" tIns="91425" rIns="91425" bIns="91425" anchor="t" anchorCtr="0"/>
           <a:lstStyle>
-            <a:lvl1pPr indent="-317500" lvl="0" marL="457200">
+            <a:lvl1pPr marL="457200" lvl="0" indent="-317500">
               <a:spcBef>
                 <a:spcPts val="0"/>
               </a:spcBef>
@@ -358,7 +375,7 @@
               <a:buChar char="●"/>
               <a:defRPr sz="1100"/>
             </a:lvl1pPr>
-            <a:lvl2pPr indent="-317500" lvl="1" marL="914400">
+            <a:lvl2pPr marL="914400" lvl="1" indent="-317500">
               <a:spcBef>
                 <a:spcPts val="0"/>
               </a:spcBef>
@@ -369,7 +386,7 @@
               <a:buChar char="○"/>
               <a:defRPr sz="1100"/>
             </a:lvl2pPr>
-            <a:lvl3pPr indent="-317500" lvl="2" marL="1371600">
+            <a:lvl3pPr marL="1371600" lvl="2" indent="-317500">
               <a:spcBef>
                 <a:spcPts val="0"/>
               </a:spcBef>
@@ -380,7 +397,7 @@
               <a:buChar char="■"/>
               <a:defRPr sz="1100"/>
             </a:lvl3pPr>
-            <a:lvl4pPr indent="-317500" lvl="3" marL="1828800">
+            <a:lvl4pPr marL="1828800" lvl="3" indent="-317500">
               <a:spcBef>
                 <a:spcPts val="0"/>
               </a:spcBef>
@@ -391,7 +408,7 @@
               <a:buChar char="●"/>
               <a:defRPr sz="1100"/>
             </a:lvl4pPr>
-            <a:lvl5pPr indent="-317500" lvl="4" marL="2286000">
+            <a:lvl5pPr marL="2286000" lvl="4" indent="-317500">
               <a:spcBef>
                 <a:spcPts val="0"/>
               </a:spcBef>
@@ -402,7 +419,7 @@
               <a:buChar char="○"/>
               <a:defRPr sz="1100"/>
             </a:lvl5pPr>
-            <a:lvl6pPr indent="-317500" lvl="5" marL="2743200">
+            <a:lvl6pPr marL="2743200" lvl="5" indent="-317500">
               <a:spcBef>
                 <a:spcPts val="0"/>
               </a:spcBef>
@@ -413,7 +430,7 @@
               <a:buChar char="■"/>
               <a:defRPr sz="1100"/>
             </a:lvl6pPr>
-            <a:lvl7pPr indent="-317500" lvl="6" marL="3200400">
+            <a:lvl7pPr marL="3200400" lvl="6" indent="-317500">
               <a:spcBef>
                 <a:spcPts val="0"/>
               </a:spcBef>
@@ -424,7 +441,7 @@
               <a:buChar char="●"/>
               <a:defRPr sz="1100"/>
             </a:lvl7pPr>
-            <a:lvl8pPr indent="-317500" lvl="7" marL="3657600">
+            <a:lvl8pPr marL="3657600" lvl="7" indent="-317500">
               <a:spcBef>
                 <a:spcPts val="0"/>
               </a:spcBef>
@@ -435,7 +452,7 @@
               <a:buChar char="○"/>
               <a:defRPr sz="1100"/>
             </a:lvl8pPr>
-            <a:lvl9pPr indent="-317500" lvl="8" marL="4114800">
+            <a:lvl9pPr marL="4114800" lvl="8" indent="-317500">
               <a:spcBef>
                 <a:spcPts val="0"/>
               </a:spcBef>
@@ -447,14 +464,21 @@
               <a:defRPr sz="1100"/>
             </a:lvl9pPr>
           </a:lstStyle>
-          <a:p/>
+          <a:p>
+            <a:endParaRPr/>
+          </a:p>
         </p:txBody>
       </p:sp>
     </p:spTree>
+    <p:extLst>
+      <p:ext uri="{BB962C8B-B14F-4D97-AF65-F5344CB8AC3E}">
+        <p14:creationId xmlns:p14="http://schemas.microsoft.com/office/powerpoint/2010/main" val="946568385"/>
+      </p:ext>
+    </p:extLst>
   </p:cSld>
-  <p:clrMap accent1="accent1" accent2="accent2" accent3="accent3" accent4="accent4" accent5="accent5" accent6="accent6" bg1="lt1" bg2="dk2" tx1="dk1" tx2="lt2" folHlink="folHlink" hlink="hlink"/>
+  <p:clrMap bg1="lt1" tx1="dk1" bg2="dk2" tx2="lt2" accent1="accent1" accent2="accent2" accent3="accent3" accent4="accent4" accent5="accent5" accent6="accent6" hlink="hlink" folHlink="folHlink"/>
   <p:notesStyle>
-    <a:defPPr lvl="0" marR="0" rtl="0" algn="l">
+    <a:defPPr marR="0" lvl="0" algn="l" rtl="0">
       <a:lnSpc>
         <a:spcPct val="100000"/>
       </a:lnSpc>
@@ -465,7 +489,7 @@
         <a:spcPts val="0"/>
       </a:spcAft>
     </a:defPPr>
-    <a:lvl1pPr lvl="0" marR="0" rtl="0" algn="l">
+    <a:lvl1pPr marR="0" lvl="0" algn="l" rtl="0">
       <a:lnSpc>
         <a:spcPct val="100000"/>
       </a:lnSpc>
@@ -479,7 +503,7 @@
         <a:srgbClr val="000000"/>
       </a:buClr>
       <a:buFont typeface="Arial"/>
-      <a:defRPr b="0" i="0" sz="1400" u="none" cap="none" strike="noStrike">
+      <a:defRPr sz="1400" b="0" i="0" u="none" strike="noStrike" cap="none">
         <a:solidFill>
           <a:srgbClr val="000000"/>
         </a:solidFill>
@@ -489,7 +513,7 @@
         <a:sym typeface="Arial"/>
       </a:defRPr>
     </a:lvl1pPr>
-    <a:lvl2pPr lvl="1" marR="0" rtl="0" algn="l">
+    <a:lvl2pPr marR="0" lvl="1" algn="l" rtl="0">
       <a:lnSpc>
         <a:spcPct val="100000"/>
       </a:lnSpc>
@@ -503,7 +527,7 @@
         <a:srgbClr val="000000"/>
       </a:buClr>
       <a:buFont typeface="Arial"/>
-      <a:defRPr b="0" i="0" sz="1400" u="none" cap="none" strike="noStrike">
+      <a:defRPr sz="1400" b="0" i="0" u="none" strike="noStrike" cap="none">
         <a:solidFill>
           <a:srgbClr val="000000"/>
         </a:solidFill>
@@ -513,7 +537,7 @@
         <a:sym typeface="Arial"/>
       </a:defRPr>
     </a:lvl2pPr>
-    <a:lvl3pPr lvl="2" marR="0" rtl="0" algn="l">
+    <a:lvl3pPr marR="0" lvl="2" algn="l" rtl="0">
       <a:lnSpc>
         <a:spcPct val="100000"/>
       </a:lnSpc>
@@ -527,7 +551,7 @@
         <a:srgbClr val="000000"/>
       </a:buClr>
       <a:buFont typeface="Arial"/>
-      <a:defRPr b="0" i="0" sz="1400" u="none" cap="none" strike="noStrike">
+      <a:defRPr sz="1400" b="0" i="0" u="none" strike="noStrike" cap="none">
         <a:solidFill>
           <a:srgbClr val="000000"/>
         </a:solidFill>
@@ -537,7 +561,7 @@
         <a:sym typeface="Arial"/>
       </a:defRPr>
     </a:lvl3pPr>
-    <a:lvl4pPr lvl="3" marR="0" rtl="0" algn="l">
+    <a:lvl4pPr marR="0" lvl="3" algn="l" rtl="0">
       <a:lnSpc>
         <a:spcPct val="100000"/>
       </a:lnSpc>
@@ -551,7 +575,7 @@
         <a:srgbClr val="000000"/>
       </a:buClr>
       <a:buFont typeface="Arial"/>
-      <a:defRPr b="0" i="0" sz="1400" u="none" cap="none" strike="noStrike">
+      <a:defRPr sz="1400" b="0" i="0" u="none" strike="noStrike" cap="none">
         <a:solidFill>
           <a:srgbClr val="000000"/>
         </a:solidFill>
@@ -561,7 +585,7 @@
         <a:sym typeface="Arial"/>
       </a:defRPr>
     </a:lvl4pPr>
-    <a:lvl5pPr lvl="4" marR="0" rtl="0" algn="l">
+    <a:lvl5pPr marR="0" lvl="4" algn="l" rtl="0">
       <a:lnSpc>
         <a:spcPct val="100000"/>
       </a:lnSpc>
@@ -575,7 +599,7 @@
         <a:srgbClr val="000000"/>
       </a:buClr>
       <a:buFont typeface="Arial"/>
-      <a:defRPr b="0" i="0" sz="1400" u="none" cap="none" strike="noStrike">
+      <a:defRPr sz="1400" b="0" i="0" u="none" strike="noStrike" cap="none">
         <a:solidFill>
           <a:srgbClr val="000000"/>
         </a:solidFill>
@@ -585,7 +609,7 @@
         <a:sym typeface="Arial"/>
       </a:defRPr>
     </a:lvl5pPr>
-    <a:lvl6pPr lvl="5" marR="0" rtl="0" algn="l">
+    <a:lvl6pPr marR="0" lvl="5" algn="l" rtl="0">
       <a:lnSpc>
         <a:spcPct val="100000"/>
       </a:lnSpc>
@@ -599,7 +623,7 @@
         <a:srgbClr val="000000"/>
       </a:buClr>
       <a:buFont typeface="Arial"/>
-      <a:defRPr b="0" i="0" sz="1400" u="none" cap="none" strike="noStrike">
+      <a:defRPr sz="1400" b="0" i="0" u="none" strike="noStrike" cap="none">
         <a:solidFill>
           <a:srgbClr val="000000"/>
         </a:solidFill>
@@ -609,7 +633,7 @@
         <a:sym typeface="Arial"/>
       </a:defRPr>
     </a:lvl6pPr>
-    <a:lvl7pPr lvl="6" marR="0" rtl="0" algn="l">
+    <a:lvl7pPr marR="0" lvl="6" algn="l" rtl="0">
       <a:lnSpc>
         <a:spcPct val="100000"/>
       </a:lnSpc>
@@ -623,7 +647,7 @@
         <a:srgbClr val="000000"/>
       </a:buClr>
       <a:buFont typeface="Arial"/>
-      <a:defRPr b="0" i="0" sz="1400" u="none" cap="none" strike="noStrike">
+      <a:defRPr sz="1400" b="0" i="0" u="none" strike="noStrike" cap="none">
         <a:solidFill>
           <a:srgbClr val="000000"/>
         </a:solidFill>
@@ -633,7 +657,7 @@
         <a:sym typeface="Arial"/>
       </a:defRPr>
     </a:lvl7pPr>
-    <a:lvl8pPr lvl="7" marR="0" rtl="0" algn="l">
+    <a:lvl8pPr marR="0" lvl="7" algn="l" rtl="0">
       <a:lnSpc>
         <a:spcPct val="100000"/>
       </a:lnSpc>
@@ -647,7 +671,7 @@
         <a:srgbClr val="000000"/>
       </a:buClr>
       <a:buFont typeface="Arial"/>
-      <a:defRPr b="0" i="0" sz="1400" u="none" cap="none" strike="noStrike">
+      <a:defRPr sz="1400" b="0" i="0" u="none" strike="noStrike" cap="none">
         <a:solidFill>
           <a:srgbClr val="000000"/>
         </a:solidFill>
@@ -657,7 +681,7 @@
         <a:sym typeface="Arial"/>
       </a:defRPr>
     </a:lvl8pPr>
-    <a:lvl9pPr lvl="8" marR="0" rtl="0" algn="l">
+    <a:lvl9pPr marR="0" lvl="8" algn="l" rtl="0">
       <a:lnSpc>
         <a:spcPct val="100000"/>
       </a:lnSpc>
@@ -671,7 +695,7 @@
         <a:srgbClr val="000000"/>
       </a:buClr>
       <a:buFont typeface="Arial"/>
-      <a:defRPr b="0" i="0" sz="1400" u="none" cap="none" strike="noStrike">
+      <a:defRPr sz="1400" b="0" i="0" u="none" strike="noStrike" cap="none">
         <a:solidFill>
           <a:srgbClr val="000000"/>
         </a:solidFill>
@@ -686,11 +710,11 @@
 </file>
 
 <file path=ppt/notesSlides/notesSlide1.xml><?xml version="1.0" encoding="utf-8"?>
-<p:notes xmlns:a="http://schemas.openxmlformats.org/drawingml/2006/main" xmlns:r="http://schemas.openxmlformats.org/officeDocument/2006/relationships" xmlns:mc="http://schemas.openxmlformats.org/markup-compatibility/2006" xmlns:mv="urn:schemas-microsoft-com:mac:vml" xmlns:p="http://schemas.openxmlformats.org/presentationml/2006/main" xmlns:c="http://schemas.openxmlformats.org/drawingml/2006/chart" xmlns:dgm="http://schemas.openxmlformats.org/drawingml/2006/diagram" xmlns:o="urn:schemas-microsoft-com:office:office" xmlns:v="urn:schemas-microsoft-com:vml" xmlns:pvml="urn:schemas-microsoft-com:office:powerpoint" xmlns:com="http://schemas.openxmlformats.org/drawingml/2006/compatibility" xmlns:p14="http://schemas.microsoft.com/office/powerpoint/2010/main" xmlns:p15="http://schemas.microsoft.com/office/powerpoint/2012/main" showMasterPhAnim="0" showMasterSp="0">
+<p:notes xmlns:a="http://schemas.openxmlformats.org/drawingml/2006/main" xmlns:r="http://schemas.openxmlformats.org/officeDocument/2006/relationships" xmlns:p="http://schemas.openxmlformats.org/presentationml/2006/main" showMasterSp="0" showMasterPhAnim="0">
   <p:cSld>
     <p:spTree>
       <p:nvGrpSpPr>
-        <p:cNvPr id="50" name="Shape 50"/>
+        <p:cNvPr id="1" name="Shape 50"/>
         <p:cNvGrpSpPr/>
         <p:nvPr/>
       </p:nvGrpSpPr>
@@ -705,9 +729,11 @@
       <p:sp>
         <p:nvSpPr>
           <p:cNvPr id="51" name="Shape 51"/>
-          <p:cNvSpPr/>
+          <p:cNvSpPr>
+            <a:spLocks noGrp="1" noRot="1" noChangeAspect="1"/>
+          </p:cNvSpPr>
           <p:nvPr>
-            <p:ph idx="2" type="sldImg"/>
+            <p:ph type="sldImg" idx="2"/>
           </p:nvPr>
         </p:nvSpPr>
         <p:spPr>
@@ -716,8 +742,13 @@
             <a:ext cx="6096075" cy="3429000"/>
           </a:xfrm>
           <a:custGeom>
+            <a:avLst/>
+            <a:gdLst/>
+            <a:ahLst/>
+            <a:cxnLst/>
+            <a:rect l="0" t="0" r="0" b="0"/>
             <a:pathLst>
-              <a:path extrusionOk="0" h="120000" w="120000">
+              <a:path w="120000" h="120000" extrusionOk="0">
                 <a:moveTo>
                   <a:pt x="0" y="0"/>
                 </a:moveTo>
@@ -739,9 +770,11 @@
       <p:sp>
         <p:nvSpPr>
           <p:cNvPr id="52" name="Shape 52"/>
-          <p:cNvSpPr txBox="1"/>
+          <p:cNvSpPr txBox="1">
+            <a:spLocks noGrp="1"/>
+          </p:cNvSpPr>
           <p:nvPr>
-            <p:ph idx="1" type="body"/>
+            <p:ph type="body" idx="1"/>
           </p:nvPr>
         </p:nvSpPr>
         <p:spPr>
@@ -754,23 +787,20 @@
           </a:prstGeom>
         </p:spPr>
         <p:txBody>
-          <a:bodyPr anchorCtr="0" anchor="t" bIns="91425" lIns="91425" spcFirstLastPara="1" rIns="91425" wrap="square" tIns="91425">
+          <a:bodyPr spcFirstLastPara="1" wrap="square" lIns="91425" tIns="91425" rIns="91425" bIns="91425" anchor="t" anchorCtr="0">
             <a:noAutofit/>
           </a:bodyPr>
           <a:lstStyle/>
           <a:p>
-            <a:pPr indent="0" lvl="0" marL="0">
-              <a:spcBef>
-                <a:spcPts val="0"/>
-              </a:spcBef>
-              <a:spcAft>
-                <a:spcPts val="0"/>
-              </a:spcAft>
-              <a:buNone/>
-            </a:pPr>
-            <a:r>
-              <a:t/>
-            </a:r>
+            <a:pPr marL="0" lvl="0" indent="0">
+              <a:spcBef>
+                <a:spcPts val="0"/>
+              </a:spcBef>
+              <a:spcAft>
+                <a:spcPts val="0"/>
+              </a:spcAft>
+              <a:buNone/>
+            </a:pPr>
             <a:endParaRPr/>
           </a:p>
         </p:txBody>
@@ -784,11 +814,11 @@
 </file>
 
 <file path=ppt/notesSlides/notesSlide10.xml><?xml version="1.0" encoding="utf-8"?>
-<p:notes xmlns:a="http://schemas.openxmlformats.org/drawingml/2006/main" xmlns:r="http://schemas.openxmlformats.org/officeDocument/2006/relationships" xmlns:mc="http://schemas.openxmlformats.org/markup-compatibility/2006" xmlns:mv="urn:schemas-microsoft-com:mac:vml" xmlns:p="http://schemas.openxmlformats.org/presentationml/2006/main" xmlns:c="http://schemas.openxmlformats.org/drawingml/2006/chart" xmlns:dgm="http://schemas.openxmlformats.org/drawingml/2006/diagram" xmlns:o="urn:schemas-microsoft-com:office:office" xmlns:v="urn:schemas-microsoft-com:vml" xmlns:pvml="urn:schemas-microsoft-com:office:powerpoint" xmlns:com="http://schemas.openxmlformats.org/drawingml/2006/compatibility" xmlns:p14="http://schemas.microsoft.com/office/powerpoint/2010/main" xmlns:p15="http://schemas.microsoft.com/office/powerpoint/2012/main" showMasterPhAnim="0" showMasterSp="0">
+<p:notes xmlns:a="http://schemas.openxmlformats.org/drawingml/2006/main" xmlns:r="http://schemas.openxmlformats.org/officeDocument/2006/relationships" xmlns:p="http://schemas.openxmlformats.org/presentationml/2006/main" showMasterSp="0" showMasterPhAnim="0">
   <p:cSld>
     <p:spTree>
       <p:nvGrpSpPr>
-        <p:cNvPr id="138" name="Shape 138"/>
+        <p:cNvPr id="1" name="Shape 138"/>
         <p:cNvGrpSpPr/>
         <p:nvPr/>
       </p:nvGrpSpPr>
@@ -803,9 +833,11 @@
       <p:sp>
         <p:nvSpPr>
           <p:cNvPr id="139" name="Shape 139"/>
-          <p:cNvSpPr/>
+          <p:cNvSpPr>
+            <a:spLocks noGrp="1" noRot="1" noChangeAspect="1"/>
+          </p:cNvSpPr>
           <p:nvPr>
-            <p:ph idx="2" type="sldImg"/>
+            <p:ph type="sldImg" idx="2"/>
           </p:nvPr>
         </p:nvSpPr>
         <p:spPr>
@@ -814,8 +846,13 @@
             <a:ext cx="6096000" cy="3429000"/>
           </a:xfrm>
           <a:custGeom>
+            <a:avLst/>
+            <a:gdLst/>
+            <a:ahLst/>
+            <a:cxnLst/>
+            <a:rect l="0" t="0" r="0" b="0"/>
             <a:pathLst>
-              <a:path extrusionOk="0" h="120000" w="120000">
+              <a:path w="120000" h="120000" extrusionOk="0">
                 <a:moveTo>
                   <a:pt x="0" y="0"/>
                 </a:moveTo>
@@ -837,9 +874,11 @@
       <p:sp>
         <p:nvSpPr>
           <p:cNvPr id="140" name="Shape 140"/>
-          <p:cNvSpPr txBox="1"/>
+          <p:cNvSpPr txBox="1">
+            <a:spLocks noGrp="1"/>
+          </p:cNvSpPr>
           <p:nvPr>
-            <p:ph idx="1" type="body"/>
+            <p:ph type="body" idx="1"/>
           </p:nvPr>
         </p:nvSpPr>
         <p:spPr>
@@ -852,23 +891,20 @@
           </a:prstGeom>
         </p:spPr>
         <p:txBody>
-          <a:bodyPr anchorCtr="0" anchor="t" bIns="91425" lIns="91425" spcFirstLastPara="1" rIns="91425" wrap="square" tIns="91425">
+          <a:bodyPr spcFirstLastPara="1" wrap="square" lIns="91425" tIns="91425" rIns="91425" bIns="91425" anchor="t" anchorCtr="0">
             <a:noAutofit/>
           </a:bodyPr>
           <a:lstStyle/>
           <a:p>
-            <a:pPr indent="0" lvl="0" marL="0" rtl="0">
-              <a:spcBef>
-                <a:spcPts val="0"/>
-              </a:spcBef>
-              <a:spcAft>
-                <a:spcPts val="0"/>
-              </a:spcAft>
-              <a:buNone/>
-            </a:pPr>
-            <a:r>
-              <a:t/>
-            </a:r>
+            <a:pPr marL="0" lvl="0" indent="0" rtl="0">
+              <a:spcBef>
+                <a:spcPts val="0"/>
+              </a:spcBef>
+              <a:spcAft>
+                <a:spcPts val="0"/>
+              </a:spcAft>
+              <a:buNone/>
+            </a:pPr>
             <a:endParaRPr/>
           </a:p>
         </p:txBody>
@@ -882,11 +918,11 @@
 </file>
 
 <file path=ppt/notesSlides/notesSlide11.xml><?xml version="1.0" encoding="utf-8"?>
-<p:notes xmlns:a="http://schemas.openxmlformats.org/drawingml/2006/main" xmlns:r="http://schemas.openxmlformats.org/officeDocument/2006/relationships" xmlns:mc="http://schemas.openxmlformats.org/markup-compatibility/2006" xmlns:mv="urn:schemas-microsoft-com:mac:vml" xmlns:p="http://schemas.openxmlformats.org/presentationml/2006/main" xmlns:c="http://schemas.openxmlformats.org/drawingml/2006/chart" xmlns:dgm="http://schemas.openxmlformats.org/drawingml/2006/diagram" xmlns:o="urn:schemas-microsoft-com:office:office" xmlns:v="urn:schemas-microsoft-com:vml" xmlns:pvml="urn:schemas-microsoft-com:office:powerpoint" xmlns:com="http://schemas.openxmlformats.org/drawingml/2006/compatibility" xmlns:p14="http://schemas.microsoft.com/office/powerpoint/2010/main" xmlns:p15="http://schemas.microsoft.com/office/powerpoint/2012/main" showMasterPhAnim="0" showMasterSp="0">
+<p:notes xmlns:a="http://schemas.openxmlformats.org/drawingml/2006/main" xmlns:r="http://schemas.openxmlformats.org/officeDocument/2006/relationships" xmlns:p="http://schemas.openxmlformats.org/presentationml/2006/main" showMasterSp="0" showMasterPhAnim="0">
   <p:cSld>
     <p:spTree>
       <p:nvGrpSpPr>
-        <p:cNvPr id="150" name="Shape 150"/>
+        <p:cNvPr id="1" name="Shape 150"/>
         <p:cNvGrpSpPr/>
         <p:nvPr/>
       </p:nvGrpSpPr>
@@ -901,9 +937,11 @@
       <p:sp>
         <p:nvSpPr>
           <p:cNvPr id="151" name="Shape 151"/>
-          <p:cNvSpPr/>
+          <p:cNvSpPr>
+            <a:spLocks noGrp="1" noRot="1" noChangeAspect="1"/>
+          </p:cNvSpPr>
           <p:nvPr>
-            <p:ph idx="2" type="sldImg"/>
+            <p:ph type="sldImg" idx="2"/>
           </p:nvPr>
         </p:nvSpPr>
         <p:spPr>
@@ -912,8 +950,13 @@
             <a:ext cx="6096000" cy="3429000"/>
           </a:xfrm>
           <a:custGeom>
+            <a:avLst/>
+            <a:gdLst/>
+            <a:ahLst/>
+            <a:cxnLst/>
+            <a:rect l="0" t="0" r="0" b="0"/>
             <a:pathLst>
-              <a:path extrusionOk="0" h="120000" w="120000">
+              <a:path w="120000" h="120000" extrusionOk="0">
                 <a:moveTo>
                   <a:pt x="0" y="0"/>
                 </a:moveTo>
@@ -935,9 +978,11 @@
       <p:sp>
         <p:nvSpPr>
           <p:cNvPr id="152" name="Shape 152"/>
-          <p:cNvSpPr txBox="1"/>
+          <p:cNvSpPr txBox="1">
+            <a:spLocks noGrp="1"/>
+          </p:cNvSpPr>
           <p:nvPr>
-            <p:ph idx="1" type="body"/>
+            <p:ph type="body" idx="1"/>
           </p:nvPr>
         </p:nvSpPr>
         <p:spPr>
@@ -950,23 +995,20 @@
           </a:prstGeom>
         </p:spPr>
         <p:txBody>
-          <a:bodyPr anchorCtr="0" anchor="t" bIns="91425" lIns="91425" spcFirstLastPara="1" rIns="91425" wrap="square" tIns="91425">
+          <a:bodyPr spcFirstLastPara="1" wrap="square" lIns="91425" tIns="91425" rIns="91425" bIns="91425" anchor="t" anchorCtr="0">
             <a:noAutofit/>
           </a:bodyPr>
           <a:lstStyle/>
           <a:p>
-            <a:pPr indent="0" lvl="0" marL="0">
-              <a:spcBef>
-                <a:spcPts val="0"/>
-              </a:spcBef>
-              <a:spcAft>
-                <a:spcPts val="0"/>
-              </a:spcAft>
-              <a:buNone/>
-            </a:pPr>
-            <a:r>
-              <a:t/>
-            </a:r>
+            <a:pPr marL="0" lvl="0" indent="0">
+              <a:spcBef>
+                <a:spcPts val="0"/>
+              </a:spcBef>
+              <a:spcAft>
+                <a:spcPts val="0"/>
+              </a:spcAft>
+              <a:buNone/>
+            </a:pPr>
             <a:endParaRPr/>
           </a:p>
         </p:txBody>
@@ -980,11 +1022,11 @@
 </file>
 
 <file path=ppt/notesSlides/notesSlide12.xml><?xml version="1.0" encoding="utf-8"?>
-<p:notes xmlns:a="http://schemas.openxmlformats.org/drawingml/2006/main" xmlns:r="http://schemas.openxmlformats.org/officeDocument/2006/relationships" xmlns:mc="http://schemas.openxmlformats.org/markup-compatibility/2006" xmlns:mv="urn:schemas-microsoft-com:mac:vml" xmlns:p="http://schemas.openxmlformats.org/presentationml/2006/main" xmlns:c="http://schemas.openxmlformats.org/drawingml/2006/chart" xmlns:dgm="http://schemas.openxmlformats.org/drawingml/2006/diagram" xmlns:o="urn:schemas-microsoft-com:office:office" xmlns:v="urn:schemas-microsoft-com:vml" xmlns:pvml="urn:schemas-microsoft-com:office:powerpoint" xmlns:com="http://schemas.openxmlformats.org/drawingml/2006/compatibility" xmlns:p14="http://schemas.microsoft.com/office/powerpoint/2010/main" xmlns:p15="http://schemas.microsoft.com/office/powerpoint/2012/main" showMasterPhAnim="0" showMasterSp="0">
+<p:notes xmlns:a="http://schemas.openxmlformats.org/drawingml/2006/main" xmlns:r="http://schemas.openxmlformats.org/officeDocument/2006/relationships" xmlns:p="http://schemas.openxmlformats.org/presentationml/2006/main" showMasterSp="0" showMasterPhAnim="0">
   <p:cSld>
     <p:spTree>
       <p:nvGrpSpPr>
-        <p:cNvPr id="155" name="Shape 155"/>
+        <p:cNvPr id="1" name="Shape 155"/>
         <p:cNvGrpSpPr/>
         <p:nvPr/>
       </p:nvGrpSpPr>
@@ -999,9 +1041,11 @@
       <p:sp>
         <p:nvSpPr>
           <p:cNvPr id="156" name="Shape 156"/>
-          <p:cNvSpPr/>
+          <p:cNvSpPr>
+            <a:spLocks noGrp="1" noRot="1" noChangeAspect="1"/>
+          </p:cNvSpPr>
           <p:nvPr>
-            <p:ph idx="2" type="sldImg"/>
+            <p:ph type="sldImg" idx="2"/>
           </p:nvPr>
         </p:nvSpPr>
         <p:spPr>
@@ -1010,8 +1054,13 @@
             <a:ext cx="6096000" cy="3429000"/>
           </a:xfrm>
           <a:custGeom>
+            <a:avLst/>
+            <a:gdLst/>
+            <a:ahLst/>
+            <a:cxnLst/>
+            <a:rect l="0" t="0" r="0" b="0"/>
             <a:pathLst>
-              <a:path extrusionOk="0" h="120000" w="120000">
+              <a:path w="120000" h="120000" extrusionOk="0">
                 <a:moveTo>
                   <a:pt x="0" y="0"/>
                 </a:moveTo>
@@ -1033,9 +1082,11 @@
       <p:sp>
         <p:nvSpPr>
           <p:cNvPr id="157" name="Shape 157"/>
-          <p:cNvSpPr txBox="1"/>
+          <p:cNvSpPr txBox="1">
+            <a:spLocks noGrp="1"/>
+          </p:cNvSpPr>
           <p:nvPr>
-            <p:ph idx="1" type="body"/>
+            <p:ph type="body" idx="1"/>
           </p:nvPr>
         </p:nvSpPr>
         <p:spPr>
@@ -1048,23 +1099,20 @@
           </a:prstGeom>
         </p:spPr>
         <p:txBody>
-          <a:bodyPr anchorCtr="0" anchor="t" bIns="91425" lIns="91425" spcFirstLastPara="1" rIns="91425" wrap="square" tIns="91425">
+          <a:bodyPr spcFirstLastPara="1" wrap="square" lIns="91425" tIns="91425" rIns="91425" bIns="91425" anchor="t" anchorCtr="0">
             <a:noAutofit/>
           </a:bodyPr>
           <a:lstStyle/>
           <a:p>
-            <a:pPr indent="0" lvl="0" marL="0">
-              <a:spcBef>
-                <a:spcPts val="0"/>
-              </a:spcBef>
-              <a:spcAft>
-                <a:spcPts val="0"/>
-              </a:spcAft>
-              <a:buNone/>
-            </a:pPr>
-            <a:r>
-              <a:t/>
-            </a:r>
+            <a:pPr marL="0" lvl="0" indent="0">
+              <a:spcBef>
+                <a:spcPts val="0"/>
+              </a:spcBef>
+              <a:spcAft>
+                <a:spcPts val="0"/>
+              </a:spcAft>
+              <a:buNone/>
+            </a:pPr>
             <a:endParaRPr/>
           </a:p>
         </p:txBody>
@@ -1078,11 +1126,11 @@
 </file>
 
 <file path=ppt/notesSlides/notesSlide13.xml><?xml version="1.0" encoding="utf-8"?>
-<p:notes xmlns:a="http://schemas.openxmlformats.org/drawingml/2006/main" xmlns:r="http://schemas.openxmlformats.org/officeDocument/2006/relationships" xmlns:mc="http://schemas.openxmlformats.org/markup-compatibility/2006" xmlns:mv="urn:schemas-microsoft-com:mac:vml" xmlns:p="http://schemas.openxmlformats.org/presentationml/2006/main" xmlns:c="http://schemas.openxmlformats.org/drawingml/2006/chart" xmlns:dgm="http://schemas.openxmlformats.org/drawingml/2006/diagram" xmlns:o="urn:schemas-microsoft-com:office:office" xmlns:v="urn:schemas-microsoft-com:vml" xmlns:pvml="urn:schemas-microsoft-com:office:powerpoint" xmlns:com="http://schemas.openxmlformats.org/drawingml/2006/compatibility" xmlns:p14="http://schemas.microsoft.com/office/powerpoint/2010/main" xmlns:p15="http://schemas.microsoft.com/office/powerpoint/2012/main" showMasterPhAnim="0" showMasterSp="0">
+<p:notes xmlns:a="http://schemas.openxmlformats.org/drawingml/2006/main" xmlns:r="http://schemas.openxmlformats.org/officeDocument/2006/relationships" xmlns:p="http://schemas.openxmlformats.org/presentationml/2006/main" showMasterSp="0" showMasterPhAnim="0">
   <p:cSld>
     <p:spTree>
       <p:nvGrpSpPr>
-        <p:cNvPr id="161" name="Shape 161"/>
+        <p:cNvPr id="1" name="Shape 161"/>
         <p:cNvGrpSpPr/>
         <p:nvPr/>
       </p:nvGrpSpPr>
@@ -1097,9 +1145,11 @@
       <p:sp>
         <p:nvSpPr>
           <p:cNvPr id="162" name="Shape 162"/>
-          <p:cNvSpPr/>
+          <p:cNvSpPr>
+            <a:spLocks noGrp="1" noRot="1" noChangeAspect="1"/>
+          </p:cNvSpPr>
           <p:nvPr>
-            <p:ph idx="2" type="sldImg"/>
+            <p:ph type="sldImg" idx="2"/>
           </p:nvPr>
         </p:nvSpPr>
         <p:spPr>
@@ -1108,8 +1158,13 @@
             <a:ext cx="6096000" cy="3429000"/>
           </a:xfrm>
           <a:custGeom>
+            <a:avLst/>
+            <a:gdLst/>
+            <a:ahLst/>
+            <a:cxnLst/>
+            <a:rect l="0" t="0" r="0" b="0"/>
             <a:pathLst>
-              <a:path extrusionOk="0" h="120000" w="120000">
+              <a:path w="120000" h="120000" extrusionOk="0">
                 <a:moveTo>
                   <a:pt x="0" y="0"/>
                 </a:moveTo>
@@ -1131,9 +1186,11 @@
       <p:sp>
         <p:nvSpPr>
           <p:cNvPr id="163" name="Shape 163"/>
-          <p:cNvSpPr txBox="1"/>
+          <p:cNvSpPr txBox="1">
+            <a:spLocks noGrp="1"/>
+          </p:cNvSpPr>
           <p:nvPr>
-            <p:ph idx="1" type="body"/>
+            <p:ph type="body" idx="1"/>
           </p:nvPr>
         </p:nvSpPr>
         <p:spPr>
@@ -1146,23 +1203,20 @@
           </a:prstGeom>
         </p:spPr>
         <p:txBody>
-          <a:bodyPr anchorCtr="0" anchor="t" bIns="91425" lIns="91425" spcFirstLastPara="1" rIns="91425" wrap="square" tIns="91425">
+          <a:bodyPr spcFirstLastPara="1" wrap="square" lIns="91425" tIns="91425" rIns="91425" bIns="91425" anchor="t" anchorCtr="0">
             <a:noAutofit/>
           </a:bodyPr>
           <a:lstStyle/>
           <a:p>
-            <a:pPr indent="0" lvl="0" marL="0" rtl="0">
-              <a:spcBef>
-                <a:spcPts val="0"/>
-              </a:spcBef>
-              <a:spcAft>
-                <a:spcPts val="0"/>
-              </a:spcAft>
-              <a:buNone/>
-            </a:pPr>
-            <a:r>
-              <a:t/>
-            </a:r>
+            <a:pPr marL="0" lvl="0" indent="0" rtl="0">
+              <a:spcBef>
+                <a:spcPts val="0"/>
+              </a:spcBef>
+              <a:spcAft>
+                <a:spcPts val="0"/>
+              </a:spcAft>
+              <a:buNone/>
+            </a:pPr>
             <a:endParaRPr/>
           </a:p>
         </p:txBody>
@@ -1176,11 +1230,11 @@
 </file>
 
 <file path=ppt/notesSlides/notesSlide14.xml><?xml version="1.0" encoding="utf-8"?>
-<p:notes xmlns:a="http://schemas.openxmlformats.org/drawingml/2006/main" xmlns:r="http://schemas.openxmlformats.org/officeDocument/2006/relationships" xmlns:mc="http://schemas.openxmlformats.org/markup-compatibility/2006" xmlns:mv="urn:schemas-microsoft-com:mac:vml" xmlns:p="http://schemas.openxmlformats.org/presentationml/2006/main" xmlns:c="http://schemas.openxmlformats.org/drawingml/2006/chart" xmlns:dgm="http://schemas.openxmlformats.org/drawingml/2006/diagram" xmlns:o="urn:schemas-microsoft-com:office:office" xmlns:v="urn:schemas-microsoft-com:vml" xmlns:pvml="urn:schemas-microsoft-com:office:powerpoint" xmlns:com="http://schemas.openxmlformats.org/drawingml/2006/compatibility" xmlns:p14="http://schemas.microsoft.com/office/powerpoint/2010/main" xmlns:p15="http://schemas.microsoft.com/office/powerpoint/2012/main" showMasterPhAnim="0" showMasterSp="0">
+<p:notes xmlns:a="http://schemas.openxmlformats.org/drawingml/2006/main" xmlns:r="http://schemas.openxmlformats.org/officeDocument/2006/relationships" xmlns:p="http://schemas.openxmlformats.org/presentationml/2006/main" showMasterSp="0" showMasterPhAnim="0">
   <p:cSld>
     <p:spTree>
       <p:nvGrpSpPr>
-        <p:cNvPr id="167" name="Shape 167"/>
+        <p:cNvPr id="1" name="Shape 167"/>
         <p:cNvGrpSpPr/>
         <p:nvPr/>
       </p:nvGrpSpPr>
@@ -1195,9 +1249,11 @@
       <p:sp>
         <p:nvSpPr>
           <p:cNvPr id="168" name="Shape 168"/>
-          <p:cNvSpPr/>
+          <p:cNvSpPr>
+            <a:spLocks noGrp="1" noRot="1" noChangeAspect="1"/>
+          </p:cNvSpPr>
           <p:nvPr>
-            <p:ph idx="2" type="sldImg"/>
+            <p:ph type="sldImg" idx="2"/>
           </p:nvPr>
         </p:nvSpPr>
         <p:spPr>
@@ -1206,8 +1262,13 @@
             <a:ext cx="6096000" cy="3429000"/>
           </a:xfrm>
           <a:custGeom>
+            <a:avLst/>
+            <a:gdLst/>
+            <a:ahLst/>
+            <a:cxnLst/>
+            <a:rect l="0" t="0" r="0" b="0"/>
             <a:pathLst>
-              <a:path extrusionOk="0" h="120000" w="120000">
+              <a:path w="120000" h="120000" extrusionOk="0">
                 <a:moveTo>
                   <a:pt x="0" y="0"/>
                 </a:moveTo>
@@ -1229,9 +1290,11 @@
       <p:sp>
         <p:nvSpPr>
           <p:cNvPr id="169" name="Shape 169"/>
-          <p:cNvSpPr txBox="1"/>
+          <p:cNvSpPr txBox="1">
+            <a:spLocks noGrp="1"/>
+          </p:cNvSpPr>
           <p:nvPr>
-            <p:ph idx="1" type="body"/>
+            <p:ph type="body" idx="1"/>
           </p:nvPr>
         </p:nvSpPr>
         <p:spPr>
@@ -1244,23 +1307,20 @@
           </a:prstGeom>
         </p:spPr>
         <p:txBody>
-          <a:bodyPr anchorCtr="0" anchor="t" bIns="91425" lIns="91425" spcFirstLastPara="1" rIns="91425" wrap="square" tIns="91425">
+          <a:bodyPr spcFirstLastPara="1" wrap="square" lIns="91425" tIns="91425" rIns="91425" bIns="91425" anchor="t" anchorCtr="0">
             <a:noAutofit/>
           </a:bodyPr>
           <a:lstStyle/>
           <a:p>
-            <a:pPr indent="0" lvl="0" marL="0" rtl="0">
-              <a:spcBef>
-                <a:spcPts val="0"/>
-              </a:spcBef>
-              <a:spcAft>
-                <a:spcPts val="0"/>
-              </a:spcAft>
-              <a:buNone/>
-            </a:pPr>
-            <a:r>
-              <a:t/>
-            </a:r>
+            <a:pPr marL="0" lvl="0" indent="0" rtl="0">
+              <a:spcBef>
+                <a:spcPts val="0"/>
+              </a:spcBef>
+              <a:spcAft>
+                <a:spcPts val="0"/>
+              </a:spcAft>
+              <a:buNone/>
+            </a:pPr>
             <a:endParaRPr/>
           </a:p>
         </p:txBody>
@@ -1274,11 +1334,11 @@
 </file>
 
 <file path=ppt/notesSlides/notesSlide15.xml><?xml version="1.0" encoding="utf-8"?>
-<p:notes xmlns:a="http://schemas.openxmlformats.org/drawingml/2006/main" xmlns:r="http://schemas.openxmlformats.org/officeDocument/2006/relationships" xmlns:mc="http://schemas.openxmlformats.org/markup-compatibility/2006" xmlns:mv="urn:schemas-microsoft-com:mac:vml" xmlns:p="http://schemas.openxmlformats.org/presentationml/2006/main" xmlns:c="http://schemas.openxmlformats.org/drawingml/2006/chart" xmlns:dgm="http://schemas.openxmlformats.org/drawingml/2006/diagram" xmlns:o="urn:schemas-microsoft-com:office:office" xmlns:v="urn:schemas-microsoft-com:vml" xmlns:pvml="urn:schemas-microsoft-com:office:powerpoint" xmlns:com="http://schemas.openxmlformats.org/drawingml/2006/compatibility" xmlns:p14="http://schemas.microsoft.com/office/powerpoint/2010/main" xmlns:p15="http://schemas.microsoft.com/office/powerpoint/2012/main" showMasterPhAnim="0" showMasterSp="0">
+<p:notes xmlns:a="http://schemas.openxmlformats.org/drawingml/2006/main" xmlns:r="http://schemas.openxmlformats.org/officeDocument/2006/relationships" xmlns:p="http://schemas.openxmlformats.org/presentationml/2006/main" showMasterSp="0" showMasterPhAnim="0">
   <p:cSld>
     <p:spTree>
       <p:nvGrpSpPr>
-        <p:cNvPr id="173" name="Shape 173"/>
+        <p:cNvPr id="1" name="Shape 173"/>
         <p:cNvGrpSpPr/>
         <p:nvPr/>
       </p:nvGrpSpPr>
@@ -1293,9 +1353,11 @@
       <p:sp>
         <p:nvSpPr>
           <p:cNvPr id="174" name="Shape 174"/>
-          <p:cNvSpPr/>
+          <p:cNvSpPr>
+            <a:spLocks noGrp="1" noRot="1" noChangeAspect="1"/>
+          </p:cNvSpPr>
           <p:nvPr>
-            <p:ph idx="2" type="sldImg"/>
+            <p:ph type="sldImg" idx="2"/>
           </p:nvPr>
         </p:nvSpPr>
         <p:spPr>
@@ -1304,8 +1366,13 @@
             <a:ext cx="6096000" cy="3429000"/>
           </a:xfrm>
           <a:custGeom>
+            <a:avLst/>
+            <a:gdLst/>
+            <a:ahLst/>
+            <a:cxnLst/>
+            <a:rect l="0" t="0" r="0" b="0"/>
             <a:pathLst>
-              <a:path extrusionOk="0" h="120000" w="120000">
+              <a:path w="120000" h="120000" extrusionOk="0">
                 <a:moveTo>
                   <a:pt x="0" y="0"/>
                 </a:moveTo>
@@ -1327,9 +1394,11 @@
       <p:sp>
         <p:nvSpPr>
           <p:cNvPr id="175" name="Shape 175"/>
-          <p:cNvSpPr txBox="1"/>
+          <p:cNvSpPr txBox="1">
+            <a:spLocks noGrp="1"/>
+          </p:cNvSpPr>
           <p:nvPr>
-            <p:ph idx="1" type="body"/>
+            <p:ph type="body" idx="1"/>
           </p:nvPr>
         </p:nvSpPr>
         <p:spPr>
@@ -1342,23 +1411,20 @@
           </a:prstGeom>
         </p:spPr>
         <p:txBody>
-          <a:bodyPr anchorCtr="0" anchor="t" bIns="91425" lIns="91425" spcFirstLastPara="1" rIns="91425" wrap="square" tIns="91425">
+          <a:bodyPr spcFirstLastPara="1" wrap="square" lIns="91425" tIns="91425" rIns="91425" bIns="91425" anchor="t" anchorCtr="0">
             <a:noAutofit/>
           </a:bodyPr>
           <a:lstStyle/>
           <a:p>
-            <a:pPr indent="0" lvl="0" marL="0" rtl="0">
-              <a:spcBef>
-                <a:spcPts val="0"/>
-              </a:spcBef>
-              <a:spcAft>
-                <a:spcPts val="0"/>
-              </a:spcAft>
-              <a:buNone/>
-            </a:pPr>
-            <a:r>
-              <a:t/>
-            </a:r>
+            <a:pPr marL="0" lvl="0" indent="0" rtl="0">
+              <a:spcBef>
+                <a:spcPts val="0"/>
+              </a:spcBef>
+              <a:spcAft>
+                <a:spcPts val="0"/>
+              </a:spcAft>
+              <a:buNone/>
+            </a:pPr>
             <a:endParaRPr/>
           </a:p>
         </p:txBody>
@@ -1372,11 +1438,11 @@
 </file>
 
 <file path=ppt/notesSlides/notesSlide16.xml><?xml version="1.0" encoding="utf-8"?>
-<p:notes xmlns:a="http://schemas.openxmlformats.org/drawingml/2006/main" xmlns:r="http://schemas.openxmlformats.org/officeDocument/2006/relationships" xmlns:mc="http://schemas.openxmlformats.org/markup-compatibility/2006" xmlns:mv="urn:schemas-microsoft-com:mac:vml" xmlns:p="http://schemas.openxmlformats.org/presentationml/2006/main" xmlns:c="http://schemas.openxmlformats.org/drawingml/2006/chart" xmlns:dgm="http://schemas.openxmlformats.org/drawingml/2006/diagram" xmlns:o="urn:schemas-microsoft-com:office:office" xmlns:v="urn:schemas-microsoft-com:vml" xmlns:pvml="urn:schemas-microsoft-com:office:powerpoint" xmlns:com="http://schemas.openxmlformats.org/drawingml/2006/compatibility" xmlns:p14="http://schemas.microsoft.com/office/powerpoint/2010/main" xmlns:p15="http://schemas.microsoft.com/office/powerpoint/2012/main" showMasterPhAnim="0" showMasterSp="0">
+<p:notes xmlns:a="http://schemas.openxmlformats.org/drawingml/2006/main" xmlns:r="http://schemas.openxmlformats.org/officeDocument/2006/relationships" xmlns:p="http://schemas.openxmlformats.org/presentationml/2006/main" showMasterSp="0" showMasterPhAnim="0">
   <p:cSld>
     <p:spTree>
       <p:nvGrpSpPr>
-        <p:cNvPr id="179" name="Shape 179"/>
+        <p:cNvPr id="1" name="Shape 179"/>
         <p:cNvGrpSpPr/>
         <p:nvPr/>
       </p:nvGrpSpPr>
@@ -1391,9 +1457,11 @@
       <p:sp>
         <p:nvSpPr>
           <p:cNvPr id="180" name="Shape 180"/>
-          <p:cNvSpPr/>
+          <p:cNvSpPr>
+            <a:spLocks noGrp="1" noRot="1" noChangeAspect="1"/>
+          </p:cNvSpPr>
           <p:nvPr>
-            <p:ph idx="2" type="sldImg"/>
+            <p:ph type="sldImg" idx="2"/>
           </p:nvPr>
         </p:nvSpPr>
         <p:spPr>
@@ -1402,8 +1470,13 @@
             <a:ext cx="6096000" cy="3429000"/>
           </a:xfrm>
           <a:custGeom>
+            <a:avLst/>
+            <a:gdLst/>
+            <a:ahLst/>
+            <a:cxnLst/>
+            <a:rect l="0" t="0" r="0" b="0"/>
             <a:pathLst>
-              <a:path extrusionOk="0" h="120000" w="120000">
+              <a:path w="120000" h="120000" extrusionOk="0">
                 <a:moveTo>
                   <a:pt x="0" y="0"/>
                 </a:moveTo>
@@ -1425,9 +1498,11 @@
       <p:sp>
         <p:nvSpPr>
           <p:cNvPr id="181" name="Shape 181"/>
-          <p:cNvSpPr txBox="1"/>
+          <p:cNvSpPr txBox="1">
+            <a:spLocks noGrp="1"/>
+          </p:cNvSpPr>
           <p:nvPr>
-            <p:ph idx="1" type="body"/>
+            <p:ph type="body" idx="1"/>
           </p:nvPr>
         </p:nvSpPr>
         <p:spPr>
@@ -1440,23 +1515,20 @@
           </a:prstGeom>
         </p:spPr>
         <p:txBody>
-          <a:bodyPr anchorCtr="0" anchor="t" bIns="91425" lIns="91425" spcFirstLastPara="1" rIns="91425" wrap="square" tIns="91425">
+          <a:bodyPr spcFirstLastPara="1" wrap="square" lIns="91425" tIns="91425" rIns="91425" bIns="91425" anchor="t" anchorCtr="0">
             <a:noAutofit/>
           </a:bodyPr>
           <a:lstStyle/>
           <a:p>
-            <a:pPr indent="0" lvl="0" marL="0" rtl="0">
-              <a:spcBef>
-                <a:spcPts val="0"/>
-              </a:spcBef>
-              <a:spcAft>
-                <a:spcPts val="0"/>
-              </a:spcAft>
-              <a:buNone/>
-            </a:pPr>
-            <a:r>
-              <a:t/>
-            </a:r>
+            <a:pPr marL="0" lvl="0" indent="0" rtl="0">
+              <a:spcBef>
+                <a:spcPts val="0"/>
+              </a:spcBef>
+              <a:spcAft>
+                <a:spcPts val="0"/>
+              </a:spcAft>
+              <a:buNone/>
+            </a:pPr>
             <a:endParaRPr/>
           </a:p>
         </p:txBody>
@@ -1470,11 +1542,11 @@
 </file>
 
 <file path=ppt/notesSlides/notesSlide17.xml><?xml version="1.0" encoding="utf-8"?>
-<p:notes xmlns:a="http://schemas.openxmlformats.org/drawingml/2006/main" xmlns:r="http://schemas.openxmlformats.org/officeDocument/2006/relationships" xmlns:mc="http://schemas.openxmlformats.org/markup-compatibility/2006" xmlns:mv="urn:schemas-microsoft-com:mac:vml" xmlns:p="http://schemas.openxmlformats.org/presentationml/2006/main" xmlns:c="http://schemas.openxmlformats.org/drawingml/2006/chart" xmlns:dgm="http://schemas.openxmlformats.org/drawingml/2006/diagram" xmlns:o="urn:schemas-microsoft-com:office:office" xmlns:v="urn:schemas-microsoft-com:vml" xmlns:pvml="urn:schemas-microsoft-com:office:powerpoint" xmlns:com="http://schemas.openxmlformats.org/drawingml/2006/compatibility" xmlns:p14="http://schemas.microsoft.com/office/powerpoint/2010/main" xmlns:p15="http://schemas.microsoft.com/office/powerpoint/2012/main" showMasterPhAnim="0" showMasterSp="0">
+<p:notes xmlns:a="http://schemas.openxmlformats.org/drawingml/2006/main" xmlns:r="http://schemas.openxmlformats.org/officeDocument/2006/relationships" xmlns:p="http://schemas.openxmlformats.org/presentationml/2006/main" showMasterSp="0" showMasterPhAnim="0">
   <p:cSld>
     <p:spTree>
       <p:nvGrpSpPr>
-        <p:cNvPr id="185" name="Shape 185"/>
+        <p:cNvPr id="1" name="Shape 185"/>
         <p:cNvGrpSpPr/>
         <p:nvPr/>
       </p:nvGrpSpPr>
@@ -1489,19 +1561,26 @@
       <p:sp>
         <p:nvSpPr>
           <p:cNvPr id="186" name="Shape 186"/>
-          <p:cNvSpPr/>
+          <p:cNvSpPr>
+            <a:spLocks noGrp="1" noRot="1" noChangeAspect="1"/>
+          </p:cNvSpPr>
           <p:nvPr>
-            <p:ph idx="2" type="sldImg"/>
+            <p:ph type="sldImg" idx="2"/>
           </p:nvPr>
         </p:nvSpPr>
         <p:spPr>
           <a:xfrm>
-            <a:off x="381300" y="685800"/>
+            <a:off x="381000" y="685800"/>
             <a:ext cx="6096000" cy="3429000"/>
           </a:xfrm>
           <a:custGeom>
+            <a:avLst/>
+            <a:gdLst/>
+            <a:ahLst/>
+            <a:cxnLst/>
+            <a:rect l="0" t="0" r="0" b="0"/>
             <a:pathLst>
-              <a:path extrusionOk="0" h="120000" w="120000">
+              <a:path w="120000" h="120000" extrusionOk="0">
                 <a:moveTo>
                   <a:pt x="0" y="0"/>
                 </a:moveTo>
@@ -1523,9 +1602,11 @@
       <p:sp>
         <p:nvSpPr>
           <p:cNvPr id="187" name="Shape 187"/>
-          <p:cNvSpPr txBox="1"/>
+          <p:cNvSpPr txBox="1">
+            <a:spLocks noGrp="1"/>
+          </p:cNvSpPr>
           <p:nvPr>
-            <p:ph idx="1" type="body"/>
+            <p:ph type="body" idx="1"/>
           </p:nvPr>
         </p:nvSpPr>
         <p:spPr>
@@ -1538,24 +1619,21 @@
           </a:prstGeom>
         </p:spPr>
         <p:txBody>
-          <a:bodyPr anchorCtr="0" anchor="t" bIns="91425" lIns="91425" spcFirstLastPara="1" rIns="91425" wrap="square" tIns="91425">
+          <a:bodyPr spcFirstLastPara="1" wrap="square" lIns="91425" tIns="91425" rIns="91425" bIns="91425" anchor="t" anchorCtr="0">
             <a:noAutofit/>
           </a:bodyPr>
           <a:lstStyle/>
           <a:p>
-            <a:pPr indent="0" lvl="0" marL="0" rtl="0">
-              <a:spcBef>
-                <a:spcPts val="0"/>
-              </a:spcBef>
-              <a:spcAft>
-                <a:spcPts val="0"/>
-              </a:spcAft>
-              <a:buNone/>
-            </a:pPr>
-            <a:r>
-              <a:t/>
-            </a:r>
-            <a:endParaRPr/>
+            <a:pPr marL="0" lvl="0" indent="0" rtl="0">
+              <a:spcBef>
+                <a:spcPts val="0"/>
+              </a:spcBef>
+              <a:spcAft>
+                <a:spcPts val="0"/>
+              </a:spcAft>
+              <a:buNone/>
+            </a:pPr>
+            <a:endParaRPr dirty="0"/>
           </a:p>
         </p:txBody>
       </p:sp>
@@ -1568,11 +1646,11 @@
 </file>
 
 <file path=ppt/notesSlides/notesSlide18.xml><?xml version="1.0" encoding="utf-8"?>
-<p:notes xmlns:a="http://schemas.openxmlformats.org/drawingml/2006/main" xmlns:r="http://schemas.openxmlformats.org/officeDocument/2006/relationships" xmlns:mc="http://schemas.openxmlformats.org/markup-compatibility/2006" xmlns:mv="urn:schemas-microsoft-com:mac:vml" xmlns:p="http://schemas.openxmlformats.org/presentationml/2006/main" xmlns:c="http://schemas.openxmlformats.org/drawingml/2006/chart" xmlns:dgm="http://schemas.openxmlformats.org/drawingml/2006/diagram" xmlns:o="urn:schemas-microsoft-com:office:office" xmlns:v="urn:schemas-microsoft-com:vml" xmlns:pvml="urn:schemas-microsoft-com:office:powerpoint" xmlns:com="http://schemas.openxmlformats.org/drawingml/2006/compatibility" xmlns:p14="http://schemas.microsoft.com/office/powerpoint/2010/main" xmlns:p15="http://schemas.microsoft.com/office/powerpoint/2012/main" showMasterPhAnim="0" showMasterSp="0">
+<p:notes xmlns:a="http://schemas.openxmlformats.org/drawingml/2006/main" xmlns:r="http://schemas.openxmlformats.org/officeDocument/2006/relationships" xmlns:p="http://schemas.openxmlformats.org/presentationml/2006/main" showMasterSp="0" showMasterPhAnim="0">
   <p:cSld>
     <p:spTree>
       <p:nvGrpSpPr>
-        <p:cNvPr id="191" name="Shape 191"/>
+        <p:cNvPr id="1" name="Shape 191"/>
         <p:cNvGrpSpPr/>
         <p:nvPr/>
       </p:nvGrpSpPr>
@@ -1587,9 +1665,11 @@
       <p:sp>
         <p:nvSpPr>
           <p:cNvPr id="192" name="Shape 192"/>
-          <p:cNvSpPr/>
+          <p:cNvSpPr>
+            <a:spLocks noGrp="1" noRot="1" noChangeAspect="1"/>
+          </p:cNvSpPr>
           <p:nvPr>
-            <p:ph idx="2" type="sldImg"/>
+            <p:ph type="sldImg" idx="2"/>
           </p:nvPr>
         </p:nvSpPr>
         <p:spPr>
@@ -1598,8 +1678,13 @@
             <a:ext cx="6096000" cy="3429000"/>
           </a:xfrm>
           <a:custGeom>
+            <a:avLst/>
+            <a:gdLst/>
+            <a:ahLst/>
+            <a:cxnLst/>
+            <a:rect l="0" t="0" r="0" b="0"/>
             <a:pathLst>
-              <a:path extrusionOk="0" h="120000" w="120000">
+              <a:path w="120000" h="120000" extrusionOk="0">
                 <a:moveTo>
                   <a:pt x="0" y="0"/>
                 </a:moveTo>
@@ -1621,9 +1706,11 @@
       <p:sp>
         <p:nvSpPr>
           <p:cNvPr id="193" name="Shape 193"/>
-          <p:cNvSpPr txBox="1"/>
+          <p:cNvSpPr txBox="1">
+            <a:spLocks noGrp="1"/>
+          </p:cNvSpPr>
           <p:nvPr>
-            <p:ph idx="1" type="body"/>
+            <p:ph type="body" idx="1"/>
           </p:nvPr>
         </p:nvSpPr>
         <p:spPr>
@@ -1636,23 +1723,20 @@
           </a:prstGeom>
         </p:spPr>
         <p:txBody>
-          <a:bodyPr anchorCtr="0" anchor="t" bIns="91425" lIns="91425" spcFirstLastPara="1" rIns="91425" wrap="square" tIns="91425">
+          <a:bodyPr spcFirstLastPara="1" wrap="square" lIns="91425" tIns="91425" rIns="91425" bIns="91425" anchor="t" anchorCtr="0">
             <a:noAutofit/>
           </a:bodyPr>
           <a:lstStyle/>
           <a:p>
-            <a:pPr indent="0" lvl="0" marL="0" rtl="0">
-              <a:spcBef>
-                <a:spcPts val="0"/>
-              </a:spcBef>
-              <a:spcAft>
-                <a:spcPts val="0"/>
-              </a:spcAft>
-              <a:buNone/>
-            </a:pPr>
-            <a:r>
-              <a:t/>
-            </a:r>
+            <a:pPr marL="0" lvl="0" indent="0" rtl="0">
+              <a:spcBef>
+                <a:spcPts val="0"/>
+              </a:spcBef>
+              <a:spcAft>
+                <a:spcPts val="0"/>
+              </a:spcAft>
+              <a:buNone/>
+            </a:pPr>
             <a:endParaRPr/>
           </a:p>
         </p:txBody>
@@ -1666,11 +1750,11 @@
 </file>
 
 <file path=ppt/notesSlides/notesSlide19.xml><?xml version="1.0" encoding="utf-8"?>
-<p:notes xmlns:a="http://schemas.openxmlformats.org/drawingml/2006/main" xmlns:r="http://schemas.openxmlformats.org/officeDocument/2006/relationships" xmlns:mc="http://schemas.openxmlformats.org/markup-compatibility/2006" xmlns:mv="urn:schemas-microsoft-com:mac:vml" xmlns:p="http://schemas.openxmlformats.org/presentationml/2006/main" xmlns:c="http://schemas.openxmlformats.org/drawingml/2006/chart" xmlns:dgm="http://schemas.openxmlformats.org/drawingml/2006/diagram" xmlns:o="urn:schemas-microsoft-com:office:office" xmlns:v="urn:schemas-microsoft-com:vml" xmlns:pvml="urn:schemas-microsoft-com:office:powerpoint" xmlns:com="http://schemas.openxmlformats.org/drawingml/2006/compatibility" xmlns:p14="http://schemas.microsoft.com/office/powerpoint/2010/main" xmlns:p15="http://schemas.microsoft.com/office/powerpoint/2012/main" showMasterPhAnim="0" showMasterSp="0">
+<p:notes xmlns:a="http://schemas.openxmlformats.org/drawingml/2006/main" xmlns:r="http://schemas.openxmlformats.org/officeDocument/2006/relationships" xmlns:p="http://schemas.openxmlformats.org/presentationml/2006/main" showMasterSp="0" showMasterPhAnim="0">
   <p:cSld>
     <p:spTree>
       <p:nvGrpSpPr>
-        <p:cNvPr id="197" name="Shape 197"/>
+        <p:cNvPr id="1" name="Shape 197"/>
         <p:cNvGrpSpPr/>
         <p:nvPr/>
       </p:nvGrpSpPr>
@@ -1685,19 +1769,26 @@
       <p:sp>
         <p:nvSpPr>
           <p:cNvPr id="198" name="Shape 198"/>
-          <p:cNvSpPr/>
+          <p:cNvSpPr>
+            <a:spLocks noGrp="1" noRot="1" noChangeAspect="1"/>
+          </p:cNvSpPr>
           <p:nvPr>
-            <p:ph idx="2" type="sldImg"/>
+            <p:ph type="sldImg" idx="2"/>
           </p:nvPr>
         </p:nvSpPr>
         <p:spPr>
           <a:xfrm>
-            <a:off x="381300" y="685800"/>
+            <a:off x="381000" y="685800"/>
             <a:ext cx="6096000" cy="3429000"/>
           </a:xfrm>
           <a:custGeom>
+            <a:avLst/>
+            <a:gdLst/>
+            <a:ahLst/>
+            <a:cxnLst/>
+            <a:rect l="0" t="0" r="0" b="0"/>
             <a:pathLst>
-              <a:path extrusionOk="0" h="120000" w="120000">
+              <a:path w="120000" h="120000" extrusionOk="0">
                 <a:moveTo>
                   <a:pt x="0" y="0"/>
                 </a:moveTo>
@@ -1719,9 +1810,11 @@
       <p:sp>
         <p:nvSpPr>
           <p:cNvPr id="199" name="Shape 199"/>
-          <p:cNvSpPr txBox="1"/>
+          <p:cNvSpPr txBox="1">
+            <a:spLocks noGrp="1"/>
+          </p:cNvSpPr>
           <p:nvPr>
-            <p:ph idx="1" type="body"/>
+            <p:ph type="body" idx="1"/>
           </p:nvPr>
         </p:nvSpPr>
         <p:spPr>
@@ -1734,23 +1827,20 @@
           </a:prstGeom>
         </p:spPr>
         <p:txBody>
-          <a:bodyPr anchorCtr="0" anchor="t" bIns="91425" lIns="91425" spcFirstLastPara="1" rIns="91425" wrap="square" tIns="91425">
+          <a:bodyPr spcFirstLastPara="1" wrap="square" lIns="91425" tIns="91425" rIns="91425" bIns="91425" anchor="t" anchorCtr="0">
             <a:noAutofit/>
           </a:bodyPr>
           <a:lstStyle/>
           <a:p>
-            <a:pPr indent="0" lvl="0" marL="0" rtl="0">
-              <a:spcBef>
-                <a:spcPts val="0"/>
-              </a:spcBef>
-              <a:spcAft>
-                <a:spcPts val="0"/>
-              </a:spcAft>
-              <a:buNone/>
-            </a:pPr>
-            <a:r>
-              <a:t/>
-            </a:r>
+            <a:pPr marL="0" lvl="0" indent="0" rtl="0">
+              <a:spcBef>
+                <a:spcPts val="0"/>
+              </a:spcBef>
+              <a:spcAft>
+                <a:spcPts val="0"/>
+              </a:spcAft>
+              <a:buNone/>
+            </a:pPr>
             <a:endParaRPr/>
           </a:p>
         </p:txBody>
@@ -1764,11 +1854,11 @@
 </file>
 
 <file path=ppt/notesSlides/notesSlide2.xml><?xml version="1.0" encoding="utf-8"?>
-<p:notes xmlns:a="http://schemas.openxmlformats.org/drawingml/2006/main" xmlns:r="http://schemas.openxmlformats.org/officeDocument/2006/relationships" xmlns:mc="http://schemas.openxmlformats.org/markup-compatibility/2006" xmlns:mv="urn:schemas-microsoft-com:mac:vml" xmlns:p="http://schemas.openxmlformats.org/presentationml/2006/main" xmlns:c="http://schemas.openxmlformats.org/drawingml/2006/chart" xmlns:dgm="http://schemas.openxmlformats.org/drawingml/2006/diagram" xmlns:o="urn:schemas-microsoft-com:office:office" xmlns:v="urn:schemas-microsoft-com:vml" xmlns:pvml="urn:schemas-microsoft-com:office:powerpoint" xmlns:com="http://schemas.openxmlformats.org/drawingml/2006/compatibility" xmlns:p14="http://schemas.microsoft.com/office/powerpoint/2010/main" xmlns:p15="http://schemas.microsoft.com/office/powerpoint/2012/main" showMasterPhAnim="0" showMasterSp="0">
+<p:notes xmlns:a="http://schemas.openxmlformats.org/drawingml/2006/main" xmlns:r="http://schemas.openxmlformats.org/officeDocument/2006/relationships" xmlns:p="http://schemas.openxmlformats.org/presentationml/2006/main" showMasterSp="0" showMasterPhAnim="0">
   <p:cSld>
     <p:spTree>
       <p:nvGrpSpPr>
-        <p:cNvPr id="56" name="Shape 56"/>
+        <p:cNvPr id="1" name="Shape 56"/>
         <p:cNvGrpSpPr/>
         <p:nvPr/>
       </p:nvGrpSpPr>
@@ -1783,9 +1873,11 @@
       <p:sp>
         <p:nvSpPr>
           <p:cNvPr id="57" name="Shape 57"/>
-          <p:cNvSpPr/>
+          <p:cNvSpPr>
+            <a:spLocks noGrp="1" noRot="1" noChangeAspect="1"/>
+          </p:cNvSpPr>
           <p:nvPr>
-            <p:ph idx="2" type="sldImg"/>
+            <p:ph type="sldImg" idx="2"/>
           </p:nvPr>
         </p:nvSpPr>
         <p:spPr>
@@ -1794,8 +1886,13 @@
             <a:ext cx="6096000" cy="3429000"/>
           </a:xfrm>
           <a:custGeom>
+            <a:avLst/>
+            <a:gdLst/>
+            <a:ahLst/>
+            <a:cxnLst/>
+            <a:rect l="0" t="0" r="0" b="0"/>
             <a:pathLst>
-              <a:path extrusionOk="0" h="120000" w="120000">
+              <a:path w="120000" h="120000" extrusionOk="0">
                 <a:moveTo>
                   <a:pt x="0" y="0"/>
                 </a:moveTo>
@@ -1817,9 +1914,11 @@
       <p:sp>
         <p:nvSpPr>
           <p:cNvPr id="58" name="Shape 58"/>
-          <p:cNvSpPr txBox="1"/>
+          <p:cNvSpPr txBox="1">
+            <a:spLocks noGrp="1"/>
+          </p:cNvSpPr>
           <p:nvPr>
-            <p:ph idx="1" type="body"/>
+            <p:ph type="body" idx="1"/>
           </p:nvPr>
         </p:nvSpPr>
         <p:spPr>
@@ -1832,23 +1931,20 @@
           </a:prstGeom>
         </p:spPr>
         <p:txBody>
-          <a:bodyPr anchorCtr="0" anchor="t" bIns="91425" lIns="91425" spcFirstLastPara="1" rIns="91425" wrap="square" tIns="91425">
+          <a:bodyPr spcFirstLastPara="1" wrap="square" lIns="91425" tIns="91425" rIns="91425" bIns="91425" anchor="t" anchorCtr="0">
             <a:noAutofit/>
           </a:bodyPr>
           <a:lstStyle/>
           <a:p>
-            <a:pPr indent="0" lvl="0" marL="0">
-              <a:spcBef>
-                <a:spcPts val="0"/>
-              </a:spcBef>
-              <a:spcAft>
-                <a:spcPts val="0"/>
-              </a:spcAft>
-              <a:buNone/>
-            </a:pPr>
-            <a:r>
-              <a:t/>
-            </a:r>
+            <a:pPr marL="0" lvl="0" indent="0">
+              <a:spcBef>
+                <a:spcPts val="0"/>
+              </a:spcBef>
+              <a:spcAft>
+                <a:spcPts val="0"/>
+              </a:spcAft>
+              <a:buNone/>
+            </a:pPr>
             <a:endParaRPr/>
           </a:p>
         </p:txBody>
@@ -1862,11 +1958,11 @@
 </file>
 
 <file path=ppt/notesSlides/notesSlide3.xml><?xml version="1.0" encoding="utf-8"?>
-<p:notes xmlns:a="http://schemas.openxmlformats.org/drawingml/2006/main" xmlns:r="http://schemas.openxmlformats.org/officeDocument/2006/relationships" xmlns:mc="http://schemas.openxmlformats.org/markup-compatibility/2006" xmlns:mv="urn:schemas-microsoft-com:mac:vml" xmlns:p="http://schemas.openxmlformats.org/presentationml/2006/main" xmlns:c="http://schemas.openxmlformats.org/drawingml/2006/chart" xmlns:dgm="http://schemas.openxmlformats.org/drawingml/2006/diagram" xmlns:o="urn:schemas-microsoft-com:office:office" xmlns:v="urn:schemas-microsoft-com:vml" xmlns:pvml="urn:schemas-microsoft-com:office:powerpoint" xmlns:com="http://schemas.openxmlformats.org/drawingml/2006/compatibility" xmlns:p14="http://schemas.microsoft.com/office/powerpoint/2010/main" xmlns:p15="http://schemas.microsoft.com/office/powerpoint/2012/main" showMasterPhAnim="0" showMasterSp="0">
+<p:notes xmlns:a="http://schemas.openxmlformats.org/drawingml/2006/main" xmlns:r="http://schemas.openxmlformats.org/officeDocument/2006/relationships" xmlns:p="http://schemas.openxmlformats.org/presentationml/2006/main" showMasterSp="0" showMasterPhAnim="0">
   <p:cSld>
     <p:spTree>
       <p:nvGrpSpPr>
-        <p:cNvPr id="65" name="Shape 65"/>
+        <p:cNvPr id="1" name="Shape 65"/>
         <p:cNvGrpSpPr/>
         <p:nvPr/>
       </p:nvGrpSpPr>
@@ -1881,9 +1977,11 @@
       <p:sp>
         <p:nvSpPr>
           <p:cNvPr id="66" name="Shape 66"/>
-          <p:cNvSpPr/>
+          <p:cNvSpPr>
+            <a:spLocks noGrp="1" noRot="1" noChangeAspect="1"/>
+          </p:cNvSpPr>
           <p:nvPr>
-            <p:ph idx="2" type="sldImg"/>
+            <p:ph type="sldImg" idx="2"/>
           </p:nvPr>
         </p:nvSpPr>
         <p:spPr>
@@ -1892,8 +1990,13 @@
             <a:ext cx="6096000" cy="3429000"/>
           </a:xfrm>
           <a:custGeom>
+            <a:avLst/>
+            <a:gdLst/>
+            <a:ahLst/>
+            <a:cxnLst/>
+            <a:rect l="0" t="0" r="0" b="0"/>
             <a:pathLst>
-              <a:path extrusionOk="0" h="120000" w="120000">
+              <a:path w="120000" h="120000" extrusionOk="0">
                 <a:moveTo>
                   <a:pt x="0" y="0"/>
                 </a:moveTo>
@@ -1915,9 +2018,11 @@
       <p:sp>
         <p:nvSpPr>
           <p:cNvPr id="67" name="Shape 67"/>
-          <p:cNvSpPr txBox="1"/>
+          <p:cNvSpPr txBox="1">
+            <a:spLocks noGrp="1"/>
+          </p:cNvSpPr>
           <p:nvPr>
-            <p:ph idx="1" type="body"/>
+            <p:ph type="body" idx="1"/>
           </p:nvPr>
         </p:nvSpPr>
         <p:spPr>
@@ -1930,23 +2035,20 @@
           </a:prstGeom>
         </p:spPr>
         <p:txBody>
-          <a:bodyPr anchorCtr="0" anchor="t" bIns="91425" lIns="91425" spcFirstLastPara="1" rIns="91425" wrap="square" tIns="91425">
+          <a:bodyPr spcFirstLastPara="1" wrap="square" lIns="91425" tIns="91425" rIns="91425" bIns="91425" anchor="t" anchorCtr="0">
             <a:noAutofit/>
           </a:bodyPr>
           <a:lstStyle/>
           <a:p>
-            <a:pPr indent="0" lvl="0" marL="0" rtl="0">
-              <a:spcBef>
-                <a:spcPts val="0"/>
-              </a:spcBef>
-              <a:spcAft>
-                <a:spcPts val="0"/>
-              </a:spcAft>
-              <a:buNone/>
-            </a:pPr>
-            <a:r>
-              <a:t/>
-            </a:r>
+            <a:pPr marL="0" lvl="0" indent="0" rtl="0">
+              <a:spcBef>
+                <a:spcPts val="0"/>
+              </a:spcBef>
+              <a:spcAft>
+                <a:spcPts val="0"/>
+              </a:spcAft>
+              <a:buNone/>
+            </a:pPr>
             <a:endParaRPr/>
           </a:p>
         </p:txBody>
@@ -1960,11 +2062,11 @@
 </file>
 
 <file path=ppt/notesSlides/notesSlide4.xml><?xml version="1.0" encoding="utf-8"?>
-<p:notes xmlns:a="http://schemas.openxmlformats.org/drawingml/2006/main" xmlns:r="http://schemas.openxmlformats.org/officeDocument/2006/relationships" xmlns:mc="http://schemas.openxmlformats.org/markup-compatibility/2006" xmlns:mv="urn:schemas-microsoft-com:mac:vml" xmlns:p="http://schemas.openxmlformats.org/presentationml/2006/main" xmlns:c="http://schemas.openxmlformats.org/drawingml/2006/chart" xmlns:dgm="http://schemas.openxmlformats.org/drawingml/2006/diagram" xmlns:o="urn:schemas-microsoft-com:office:office" xmlns:v="urn:schemas-microsoft-com:vml" xmlns:pvml="urn:schemas-microsoft-com:office:powerpoint" xmlns:com="http://schemas.openxmlformats.org/drawingml/2006/compatibility" xmlns:p14="http://schemas.microsoft.com/office/powerpoint/2010/main" xmlns:p15="http://schemas.microsoft.com/office/powerpoint/2012/main" showMasterPhAnim="0" showMasterSp="0">
+<p:notes xmlns:a="http://schemas.openxmlformats.org/drawingml/2006/main" xmlns:r="http://schemas.openxmlformats.org/officeDocument/2006/relationships" xmlns:p="http://schemas.openxmlformats.org/presentationml/2006/main" showMasterSp="0" showMasterPhAnim="0">
   <p:cSld>
     <p:spTree>
       <p:nvGrpSpPr>
-        <p:cNvPr id="74" name="Shape 74"/>
+        <p:cNvPr id="1" name="Shape 74"/>
         <p:cNvGrpSpPr/>
         <p:nvPr/>
       </p:nvGrpSpPr>
@@ -1979,9 +2081,11 @@
       <p:sp>
         <p:nvSpPr>
           <p:cNvPr id="75" name="Shape 75"/>
-          <p:cNvSpPr/>
+          <p:cNvSpPr>
+            <a:spLocks noGrp="1" noRot="1" noChangeAspect="1"/>
+          </p:cNvSpPr>
           <p:nvPr>
-            <p:ph idx="2" type="sldImg"/>
+            <p:ph type="sldImg" idx="2"/>
           </p:nvPr>
         </p:nvSpPr>
         <p:spPr>
@@ -1990,8 +2094,13 @@
             <a:ext cx="6096000" cy="3429000"/>
           </a:xfrm>
           <a:custGeom>
+            <a:avLst/>
+            <a:gdLst/>
+            <a:ahLst/>
+            <a:cxnLst/>
+            <a:rect l="0" t="0" r="0" b="0"/>
             <a:pathLst>
-              <a:path extrusionOk="0" h="120000" w="120000">
+              <a:path w="120000" h="120000" extrusionOk="0">
                 <a:moveTo>
                   <a:pt x="0" y="0"/>
                 </a:moveTo>
@@ -2013,9 +2122,11 @@
       <p:sp>
         <p:nvSpPr>
           <p:cNvPr id="76" name="Shape 76"/>
-          <p:cNvSpPr txBox="1"/>
+          <p:cNvSpPr txBox="1">
+            <a:spLocks noGrp="1"/>
+          </p:cNvSpPr>
           <p:nvPr>
-            <p:ph idx="1" type="body"/>
+            <p:ph type="body" idx="1"/>
           </p:nvPr>
         </p:nvSpPr>
         <p:spPr>
@@ -2028,23 +2139,20 @@
           </a:prstGeom>
         </p:spPr>
         <p:txBody>
-          <a:bodyPr anchorCtr="0" anchor="t" bIns="91425" lIns="91425" spcFirstLastPara="1" rIns="91425" wrap="square" tIns="91425">
+          <a:bodyPr spcFirstLastPara="1" wrap="square" lIns="91425" tIns="91425" rIns="91425" bIns="91425" anchor="t" anchorCtr="0">
             <a:noAutofit/>
           </a:bodyPr>
           <a:lstStyle/>
           <a:p>
-            <a:pPr indent="0" lvl="0" marL="0" rtl="0">
-              <a:spcBef>
-                <a:spcPts val="0"/>
-              </a:spcBef>
-              <a:spcAft>
-                <a:spcPts val="0"/>
-              </a:spcAft>
-              <a:buNone/>
-            </a:pPr>
-            <a:r>
-              <a:t/>
-            </a:r>
+            <a:pPr marL="0" lvl="0" indent="0" rtl="0">
+              <a:spcBef>
+                <a:spcPts val="0"/>
+              </a:spcBef>
+              <a:spcAft>
+                <a:spcPts val="0"/>
+              </a:spcAft>
+              <a:buNone/>
+            </a:pPr>
             <a:endParaRPr/>
           </a:p>
         </p:txBody>
@@ -2058,11 +2166,11 @@
 </file>
 
 <file path=ppt/notesSlides/notesSlide5.xml><?xml version="1.0" encoding="utf-8"?>
-<p:notes xmlns:a="http://schemas.openxmlformats.org/drawingml/2006/main" xmlns:r="http://schemas.openxmlformats.org/officeDocument/2006/relationships" xmlns:mc="http://schemas.openxmlformats.org/markup-compatibility/2006" xmlns:mv="urn:schemas-microsoft-com:mac:vml" xmlns:p="http://schemas.openxmlformats.org/presentationml/2006/main" xmlns:c="http://schemas.openxmlformats.org/drawingml/2006/chart" xmlns:dgm="http://schemas.openxmlformats.org/drawingml/2006/diagram" xmlns:o="urn:schemas-microsoft-com:office:office" xmlns:v="urn:schemas-microsoft-com:vml" xmlns:pvml="urn:schemas-microsoft-com:office:powerpoint" xmlns:com="http://schemas.openxmlformats.org/drawingml/2006/compatibility" xmlns:p14="http://schemas.microsoft.com/office/powerpoint/2010/main" xmlns:p15="http://schemas.microsoft.com/office/powerpoint/2012/main" showMasterPhAnim="0" showMasterSp="0">
+<p:notes xmlns:a="http://schemas.openxmlformats.org/drawingml/2006/main" xmlns:r="http://schemas.openxmlformats.org/officeDocument/2006/relationships" xmlns:p="http://schemas.openxmlformats.org/presentationml/2006/main" showMasterSp="0" showMasterPhAnim="0">
   <p:cSld>
     <p:spTree>
       <p:nvGrpSpPr>
-        <p:cNvPr id="84" name="Shape 84"/>
+        <p:cNvPr id="1" name="Shape 84"/>
         <p:cNvGrpSpPr/>
         <p:nvPr/>
       </p:nvGrpSpPr>
@@ -2077,9 +2185,11 @@
       <p:sp>
         <p:nvSpPr>
           <p:cNvPr id="85" name="Shape 85"/>
-          <p:cNvSpPr/>
+          <p:cNvSpPr>
+            <a:spLocks noGrp="1" noRot="1" noChangeAspect="1"/>
+          </p:cNvSpPr>
           <p:nvPr>
-            <p:ph idx="2" type="sldImg"/>
+            <p:ph type="sldImg" idx="2"/>
           </p:nvPr>
         </p:nvSpPr>
         <p:spPr>
@@ -2088,8 +2198,13 @@
             <a:ext cx="6096000" cy="3429000"/>
           </a:xfrm>
           <a:custGeom>
+            <a:avLst/>
+            <a:gdLst/>
+            <a:ahLst/>
+            <a:cxnLst/>
+            <a:rect l="0" t="0" r="0" b="0"/>
             <a:pathLst>
-              <a:path extrusionOk="0" h="120000" w="120000">
+              <a:path w="120000" h="120000" extrusionOk="0">
                 <a:moveTo>
                   <a:pt x="0" y="0"/>
                 </a:moveTo>
@@ -2111,9 +2226,11 @@
       <p:sp>
         <p:nvSpPr>
           <p:cNvPr id="86" name="Shape 86"/>
-          <p:cNvSpPr txBox="1"/>
+          <p:cNvSpPr txBox="1">
+            <a:spLocks noGrp="1"/>
+          </p:cNvSpPr>
           <p:nvPr>
-            <p:ph idx="1" type="body"/>
+            <p:ph type="body" idx="1"/>
           </p:nvPr>
         </p:nvSpPr>
         <p:spPr>
@@ -2126,23 +2243,20 @@
           </a:prstGeom>
         </p:spPr>
         <p:txBody>
-          <a:bodyPr anchorCtr="0" anchor="t" bIns="91425" lIns="91425" spcFirstLastPara="1" rIns="91425" wrap="square" tIns="91425">
+          <a:bodyPr spcFirstLastPara="1" wrap="square" lIns="91425" tIns="91425" rIns="91425" bIns="91425" anchor="t" anchorCtr="0">
             <a:noAutofit/>
           </a:bodyPr>
           <a:lstStyle/>
           <a:p>
-            <a:pPr indent="0" lvl="0" marL="0" rtl="0">
-              <a:spcBef>
-                <a:spcPts val="0"/>
-              </a:spcBef>
-              <a:spcAft>
-                <a:spcPts val="0"/>
-              </a:spcAft>
-              <a:buNone/>
-            </a:pPr>
-            <a:r>
-              <a:t/>
-            </a:r>
+            <a:pPr marL="0" lvl="0" indent="0" rtl="0">
+              <a:spcBef>
+                <a:spcPts val="0"/>
+              </a:spcBef>
+              <a:spcAft>
+                <a:spcPts val="0"/>
+              </a:spcAft>
+              <a:buNone/>
+            </a:pPr>
             <a:endParaRPr/>
           </a:p>
         </p:txBody>
@@ -2156,11 +2270,11 @@
 </file>
 
 <file path=ppt/notesSlides/notesSlide6.xml><?xml version="1.0" encoding="utf-8"?>
-<p:notes xmlns:a="http://schemas.openxmlformats.org/drawingml/2006/main" xmlns:r="http://schemas.openxmlformats.org/officeDocument/2006/relationships" xmlns:mc="http://schemas.openxmlformats.org/markup-compatibility/2006" xmlns:mv="urn:schemas-microsoft-com:mac:vml" xmlns:p="http://schemas.openxmlformats.org/presentationml/2006/main" xmlns:c="http://schemas.openxmlformats.org/drawingml/2006/chart" xmlns:dgm="http://schemas.openxmlformats.org/drawingml/2006/diagram" xmlns:o="urn:schemas-microsoft-com:office:office" xmlns:v="urn:schemas-microsoft-com:vml" xmlns:pvml="urn:schemas-microsoft-com:office:powerpoint" xmlns:com="http://schemas.openxmlformats.org/drawingml/2006/compatibility" xmlns:p14="http://schemas.microsoft.com/office/powerpoint/2010/main" xmlns:p15="http://schemas.microsoft.com/office/powerpoint/2012/main" showMasterPhAnim="0" showMasterSp="0">
+<p:notes xmlns:a="http://schemas.openxmlformats.org/drawingml/2006/main" xmlns:r="http://schemas.openxmlformats.org/officeDocument/2006/relationships" xmlns:p="http://schemas.openxmlformats.org/presentationml/2006/main" showMasterSp="0" showMasterPhAnim="0">
   <p:cSld>
     <p:spTree>
       <p:nvGrpSpPr>
-        <p:cNvPr id="96" name="Shape 96"/>
+        <p:cNvPr id="1" name="Shape 96"/>
         <p:cNvGrpSpPr/>
         <p:nvPr/>
       </p:nvGrpSpPr>
@@ -2175,9 +2289,11 @@
       <p:sp>
         <p:nvSpPr>
           <p:cNvPr id="97" name="Shape 97"/>
-          <p:cNvSpPr/>
+          <p:cNvSpPr>
+            <a:spLocks noGrp="1" noRot="1" noChangeAspect="1"/>
+          </p:cNvSpPr>
           <p:nvPr>
-            <p:ph idx="2" type="sldImg"/>
+            <p:ph type="sldImg" idx="2"/>
           </p:nvPr>
         </p:nvSpPr>
         <p:spPr>
@@ -2186,8 +2302,13 @@
             <a:ext cx="6096000" cy="3429000"/>
           </a:xfrm>
           <a:custGeom>
+            <a:avLst/>
+            <a:gdLst/>
+            <a:ahLst/>
+            <a:cxnLst/>
+            <a:rect l="0" t="0" r="0" b="0"/>
             <a:pathLst>
-              <a:path extrusionOk="0" h="120000" w="120000">
+              <a:path w="120000" h="120000" extrusionOk="0">
                 <a:moveTo>
                   <a:pt x="0" y="0"/>
                 </a:moveTo>
@@ -2209,9 +2330,11 @@
       <p:sp>
         <p:nvSpPr>
           <p:cNvPr id="98" name="Shape 98"/>
-          <p:cNvSpPr txBox="1"/>
+          <p:cNvSpPr txBox="1">
+            <a:spLocks noGrp="1"/>
+          </p:cNvSpPr>
           <p:nvPr>
-            <p:ph idx="1" type="body"/>
+            <p:ph type="body" idx="1"/>
           </p:nvPr>
         </p:nvSpPr>
         <p:spPr>
@@ -2224,23 +2347,20 @@
           </a:prstGeom>
         </p:spPr>
         <p:txBody>
-          <a:bodyPr anchorCtr="0" anchor="t" bIns="91425" lIns="91425" spcFirstLastPara="1" rIns="91425" wrap="square" tIns="91425">
+          <a:bodyPr spcFirstLastPara="1" wrap="square" lIns="91425" tIns="91425" rIns="91425" bIns="91425" anchor="t" anchorCtr="0">
             <a:noAutofit/>
           </a:bodyPr>
           <a:lstStyle/>
           <a:p>
-            <a:pPr indent="0" lvl="0" marL="0" rtl="0">
-              <a:spcBef>
-                <a:spcPts val="0"/>
-              </a:spcBef>
-              <a:spcAft>
-                <a:spcPts val="0"/>
-              </a:spcAft>
-              <a:buNone/>
-            </a:pPr>
-            <a:r>
-              <a:t/>
-            </a:r>
+            <a:pPr marL="0" lvl="0" indent="0" rtl="0">
+              <a:spcBef>
+                <a:spcPts val="0"/>
+              </a:spcBef>
+              <a:spcAft>
+                <a:spcPts val="0"/>
+              </a:spcAft>
+              <a:buNone/>
+            </a:pPr>
             <a:endParaRPr/>
           </a:p>
         </p:txBody>
@@ -2254,11 +2374,11 @@
 </file>
 
 <file path=ppt/notesSlides/notesSlide7.xml><?xml version="1.0" encoding="utf-8"?>
-<p:notes xmlns:a="http://schemas.openxmlformats.org/drawingml/2006/main" xmlns:r="http://schemas.openxmlformats.org/officeDocument/2006/relationships" xmlns:mc="http://schemas.openxmlformats.org/markup-compatibility/2006" xmlns:mv="urn:schemas-microsoft-com:mac:vml" xmlns:p="http://schemas.openxmlformats.org/presentationml/2006/main" xmlns:c="http://schemas.openxmlformats.org/drawingml/2006/chart" xmlns:dgm="http://schemas.openxmlformats.org/drawingml/2006/diagram" xmlns:o="urn:schemas-microsoft-com:office:office" xmlns:v="urn:schemas-microsoft-com:vml" xmlns:pvml="urn:schemas-microsoft-com:office:powerpoint" xmlns:com="http://schemas.openxmlformats.org/drawingml/2006/compatibility" xmlns:p14="http://schemas.microsoft.com/office/powerpoint/2010/main" xmlns:p15="http://schemas.microsoft.com/office/powerpoint/2012/main" showMasterPhAnim="0" showMasterSp="0">
+<p:notes xmlns:a="http://schemas.openxmlformats.org/drawingml/2006/main" xmlns:r="http://schemas.openxmlformats.org/officeDocument/2006/relationships" xmlns:p="http://schemas.openxmlformats.org/presentationml/2006/main" showMasterSp="0" showMasterPhAnim="0">
   <p:cSld>
     <p:spTree>
       <p:nvGrpSpPr>
-        <p:cNvPr id="108" name="Shape 108"/>
+        <p:cNvPr id="1" name="Shape 108"/>
         <p:cNvGrpSpPr/>
         <p:nvPr/>
       </p:nvGrpSpPr>
@@ -2273,9 +2393,11 @@
       <p:sp>
         <p:nvSpPr>
           <p:cNvPr id="109" name="Shape 109"/>
-          <p:cNvSpPr/>
+          <p:cNvSpPr>
+            <a:spLocks noGrp="1" noRot="1" noChangeAspect="1"/>
+          </p:cNvSpPr>
           <p:nvPr>
-            <p:ph idx="2" type="sldImg"/>
+            <p:ph type="sldImg" idx="2"/>
           </p:nvPr>
         </p:nvSpPr>
         <p:spPr>
@@ -2284,8 +2406,13 @@
             <a:ext cx="6096000" cy="3429000"/>
           </a:xfrm>
           <a:custGeom>
+            <a:avLst/>
+            <a:gdLst/>
+            <a:ahLst/>
+            <a:cxnLst/>
+            <a:rect l="0" t="0" r="0" b="0"/>
             <a:pathLst>
-              <a:path extrusionOk="0" h="120000" w="120000">
+              <a:path w="120000" h="120000" extrusionOk="0">
                 <a:moveTo>
                   <a:pt x="0" y="0"/>
                 </a:moveTo>
@@ -2307,9 +2434,11 @@
       <p:sp>
         <p:nvSpPr>
           <p:cNvPr id="110" name="Shape 110"/>
-          <p:cNvSpPr txBox="1"/>
+          <p:cNvSpPr txBox="1">
+            <a:spLocks noGrp="1"/>
+          </p:cNvSpPr>
           <p:nvPr>
-            <p:ph idx="1" type="body"/>
+            <p:ph type="body" idx="1"/>
           </p:nvPr>
         </p:nvSpPr>
         <p:spPr>
@@ -2322,23 +2451,20 @@
           </a:prstGeom>
         </p:spPr>
         <p:txBody>
-          <a:bodyPr anchorCtr="0" anchor="t" bIns="91425" lIns="91425" spcFirstLastPara="1" rIns="91425" wrap="square" tIns="91425">
+          <a:bodyPr spcFirstLastPara="1" wrap="square" lIns="91425" tIns="91425" rIns="91425" bIns="91425" anchor="t" anchorCtr="0">
             <a:noAutofit/>
           </a:bodyPr>
           <a:lstStyle/>
           <a:p>
-            <a:pPr indent="0" lvl="0" marL="0">
-              <a:spcBef>
-                <a:spcPts val="0"/>
-              </a:spcBef>
-              <a:spcAft>
-                <a:spcPts val="0"/>
-              </a:spcAft>
-              <a:buNone/>
-            </a:pPr>
-            <a:r>
-              <a:t/>
-            </a:r>
+            <a:pPr marL="0" lvl="0" indent="0">
+              <a:spcBef>
+                <a:spcPts val="0"/>
+              </a:spcBef>
+              <a:spcAft>
+                <a:spcPts val="0"/>
+              </a:spcAft>
+              <a:buNone/>
+            </a:pPr>
             <a:endParaRPr/>
           </a:p>
         </p:txBody>
@@ -2352,11 +2478,11 @@
 </file>
 
 <file path=ppt/notesSlides/notesSlide8.xml><?xml version="1.0" encoding="utf-8"?>
-<p:notes xmlns:a="http://schemas.openxmlformats.org/drawingml/2006/main" xmlns:r="http://schemas.openxmlformats.org/officeDocument/2006/relationships" xmlns:mc="http://schemas.openxmlformats.org/markup-compatibility/2006" xmlns:mv="urn:schemas-microsoft-com:mac:vml" xmlns:p="http://schemas.openxmlformats.org/presentationml/2006/main" xmlns:c="http://schemas.openxmlformats.org/drawingml/2006/chart" xmlns:dgm="http://schemas.openxmlformats.org/drawingml/2006/diagram" xmlns:o="urn:schemas-microsoft-com:office:office" xmlns:v="urn:schemas-microsoft-com:vml" xmlns:pvml="urn:schemas-microsoft-com:office:powerpoint" xmlns:com="http://schemas.openxmlformats.org/drawingml/2006/compatibility" xmlns:p14="http://schemas.microsoft.com/office/powerpoint/2010/main" xmlns:p15="http://schemas.microsoft.com/office/powerpoint/2012/main" showMasterPhAnim="0" showMasterSp="0">
+<p:notes xmlns:a="http://schemas.openxmlformats.org/drawingml/2006/main" xmlns:r="http://schemas.openxmlformats.org/officeDocument/2006/relationships" xmlns:p="http://schemas.openxmlformats.org/presentationml/2006/main" showMasterSp="0" showMasterPhAnim="0">
   <p:cSld>
     <p:spTree>
       <p:nvGrpSpPr>
-        <p:cNvPr id="114" name="Shape 114"/>
+        <p:cNvPr id="1" name="Shape 114"/>
         <p:cNvGrpSpPr/>
         <p:nvPr/>
       </p:nvGrpSpPr>
@@ -2371,9 +2497,11 @@
       <p:sp>
         <p:nvSpPr>
           <p:cNvPr id="115" name="Shape 115"/>
-          <p:cNvSpPr/>
+          <p:cNvSpPr>
+            <a:spLocks noGrp="1" noRot="1" noChangeAspect="1"/>
+          </p:cNvSpPr>
           <p:nvPr>
-            <p:ph idx="2" type="sldImg"/>
+            <p:ph type="sldImg" idx="2"/>
           </p:nvPr>
         </p:nvSpPr>
         <p:spPr>
@@ -2382,8 +2510,13 @@
             <a:ext cx="6096000" cy="3429000"/>
           </a:xfrm>
           <a:custGeom>
+            <a:avLst/>
+            <a:gdLst/>
+            <a:ahLst/>
+            <a:cxnLst/>
+            <a:rect l="0" t="0" r="0" b="0"/>
             <a:pathLst>
-              <a:path extrusionOk="0" h="120000" w="120000">
+              <a:path w="120000" h="120000" extrusionOk="0">
                 <a:moveTo>
                   <a:pt x="0" y="0"/>
                 </a:moveTo>
@@ -2405,9 +2538,11 @@
       <p:sp>
         <p:nvSpPr>
           <p:cNvPr id="116" name="Shape 116"/>
-          <p:cNvSpPr txBox="1"/>
+          <p:cNvSpPr txBox="1">
+            <a:spLocks noGrp="1"/>
+          </p:cNvSpPr>
           <p:nvPr>
-            <p:ph idx="1" type="body"/>
+            <p:ph type="body" idx="1"/>
           </p:nvPr>
         </p:nvSpPr>
         <p:spPr>
@@ -2420,23 +2555,20 @@
           </a:prstGeom>
         </p:spPr>
         <p:txBody>
-          <a:bodyPr anchorCtr="0" anchor="t" bIns="91425" lIns="91425" spcFirstLastPara="1" rIns="91425" wrap="square" tIns="91425">
+          <a:bodyPr spcFirstLastPara="1" wrap="square" lIns="91425" tIns="91425" rIns="91425" bIns="91425" anchor="t" anchorCtr="0">
             <a:noAutofit/>
           </a:bodyPr>
           <a:lstStyle/>
           <a:p>
-            <a:pPr indent="0" lvl="0" marL="0" rtl="0">
-              <a:spcBef>
-                <a:spcPts val="0"/>
-              </a:spcBef>
-              <a:spcAft>
-                <a:spcPts val="0"/>
-              </a:spcAft>
-              <a:buNone/>
-            </a:pPr>
-            <a:r>
-              <a:t/>
-            </a:r>
+            <a:pPr marL="0" lvl="0" indent="0" rtl="0">
+              <a:spcBef>
+                <a:spcPts val="0"/>
+              </a:spcBef>
+              <a:spcAft>
+                <a:spcPts val="0"/>
+              </a:spcAft>
+              <a:buNone/>
+            </a:pPr>
             <a:endParaRPr/>
           </a:p>
         </p:txBody>
@@ -2450,11 +2582,11 @@
 </file>
 
 <file path=ppt/notesSlides/notesSlide9.xml><?xml version="1.0" encoding="utf-8"?>
-<p:notes xmlns:a="http://schemas.openxmlformats.org/drawingml/2006/main" xmlns:r="http://schemas.openxmlformats.org/officeDocument/2006/relationships" xmlns:mc="http://schemas.openxmlformats.org/markup-compatibility/2006" xmlns:mv="urn:schemas-microsoft-com:mac:vml" xmlns:p="http://schemas.openxmlformats.org/presentationml/2006/main" xmlns:c="http://schemas.openxmlformats.org/drawingml/2006/chart" xmlns:dgm="http://schemas.openxmlformats.org/drawingml/2006/diagram" xmlns:o="urn:schemas-microsoft-com:office:office" xmlns:v="urn:schemas-microsoft-com:vml" xmlns:pvml="urn:schemas-microsoft-com:office:powerpoint" xmlns:com="http://schemas.openxmlformats.org/drawingml/2006/compatibility" xmlns:p14="http://schemas.microsoft.com/office/powerpoint/2010/main" xmlns:p15="http://schemas.microsoft.com/office/powerpoint/2012/main" showMasterPhAnim="0" showMasterSp="0">
+<p:notes xmlns:a="http://schemas.openxmlformats.org/drawingml/2006/main" xmlns:r="http://schemas.openxmlformats.org/officeDocument/2006/relationships" xmlns:p="http://schemas.openxmlformats.org/presentationml/2006/main" showMasterSp="0" showMasterPhAnim="0">
   <p:cSld>
     <p:spTree>
       <p:nvGrpSpPr>
-        <p:cNvPr id="126" name="Shape 126"/>
+        <p:cNvPr id="1" name="Shape 126"/>
         <p:cNvGrpSpPr/>
         <p:nvPr/>
       </p:nvGrpSpPr>
@@ -2469,9 +2601,11 @@
       <p:sp>
         <p:nvSpPr>
           <p:cNvPr id="127" name="Shape 127"/>
-          <p:cNvSpPr/>
+          <p:cNvSpPr>
+            <a:spLocks noGrp="1" noRot="1" noChangeAspect="1"/>
+          </p:cNvSpPr>
           <p:nvPr>
-            <p:ph idx="2" type="sldImg"/>
+            <p:ph type="sldImg" idx="2"/>
           </p:nvPr>
         </p:nvSpPr>
         <p:spPr>
@@ -2480,8 +2614,13 @@
             <a:ext cx="6096000" cy="3429000"/>
           </a:xfrm>
           <a:custGeom>
+            <a:avLst/>
+            <a:gdLst/>
+            <a:ahLst/>
+            <a:cxnLst/>
+            <a:rect l="0" t="0" r="0" b="0"/>
             <a:pathLst>
-              <a:path extrusionOk="0" h="120000" w="120000">
+              <a:path w="120000" h="120000" extrusionOk="0">
                 <a:moveTo>
                   <a:pt x="0" y="0"/>
                 </a:moveTo>
@@ -2503,9 +2642,11 @@
       <p:sp>
         <p:nvSpPr>
           <p:cNvPr id="128" name="Shape 128"/>
-          <p:cNvSpPr txBox="1"/>
+          <p:cNvSpPr txBox="1">
+            <a:spLocks noGrp="1"/>
+          </p:cNvSpPr>
           <p:nvPr>
-            <p:ph idx="1" type="body"/>
+            <p:ph type="body" idx="1"/>
           </p:nvPr>
         </p:nvSpPr>
         <p:spPr>
@@ -2518,23 +2659,20 @@
           </a:prstGeom>
         </p:spPr>
         <p:txBody>
-          <a:bodyPr anchorCtr="0" anchor="t" bIns="91425" lIns="91425" spcFirstLastPara="1" rIns="91425" wrap="square" tIns="91425">
+          <a:bodyPr spcFirstLastPara="1" wrap="square" lIns="91425" tIns="91425" rIns="91425" bIns="91425" anchor="t" anchorCtr="0">
             <a:noAutofit/>
           </a:bodyPr>
           <a:lstStyle/>
           <a:p>
-            <a:pPr indent="0" lvl="0" marL="0" rtl="0">
-              <a:spcBef>
-                <a:spcPts val="0"/>
-              </a:spcBef>
-              <a:spcAft>
-                <a:spcPts val="0"/>
-              </a:spcAft>
-              <a:buNone/>
-            </a:pPr>
-            <a:r>
-              <a:t/>
-            </a:r>
+            <a:pPr marL="0" lvl="0" indent="0" rtl="0">
+              <a:spcBef>
+                <a:spcPts val="0"/>
+              </a:spcBef>
+              <a:spcAft>
+                <a:spcPts val="0"/>
+              </a:spcAft>
+              <a:buNone/>
+            </a:pPr>
             <a:endParaRPr/>
           </a:p>
         </p:txBody>
@@ -2548,11 +2686,11 @@
 </file>
 
 <file path=ppt/slideLayouts/slideLayout1.xml><?xml version="1.0" encoding="utf-8"?>
-<p:sldLayout xmlns:a="http://schemas.openxmlformats.org/drawingml/2006/main" xmlns:r="http://schemas.openxmlformats.org/officeDocument/2006/relationships" xmlns:mc="http://schemas.openxmlformats.org/markup-compatibility/2006" xmlns:mv="urn:schemas-microsoft-com:mac:vml" xmlns:p="http://schemas.openxmlformats.org/presentationml/2006/main" xmlns:c="http://schemas.openxmlformats.org/drawingml/2006/chart" xmlns:dgm="http://schemas.openxmlformats.org/drawingml/2006/diagram" xmlns:o="urn:schemas-microsoft-com:office:office" xmlns:v="urn:schemas-microsoft-com:vml" xmlns:pvml="urn:schemas-microsoft-com:office:powerpoint" xmlns:com="http://schemas.openxmlformats.org/drawingml/2006/compatibility" xmlns:p14="http://schemas.microsoft.com/office/powerpoint/2010/main" xmlns:p15="http://schemas.microsoft.com/office/powerpoint/2012/main" matchingName="Title slide" type="title">
+<p:sldLayout xmlns:a="http://schemas.openxmlformats.org/drawingml/2006/main" xmlns:r="http://schemas.openxmlformats.org/officeDocument/2006/relationships" xmlns:p="http://schemas.openxmlformats.org/presentationml/2006/main" matchingName="Title slide" type="title">
   <p:cSld name="TITLE">
     <p:spTree>
       <p:nvGrpSpPr>
-        <p:cNvPr id="9" name="Shape 9"/>
+        <p:cNvPr id="1" name="Shape 9"/>
         <p:cNvGrpSpPr/>
         <p:nvPr/>
       </p:nvGrpSpPr>
@@ -2567,7 +2705,9 @@
       <p:sp>
         <p:nvSpPr>
           <p:cNvPr id="10" name="Shape 10"/>
-          <p:cNvSpPr txBox="1"/>
+          <p:cNvSpPr txBox="1">
+            <a:spLocks noGrp="1"/>
+          </p:cNvSpPr>
           <p:nvPr>
             <p:ph type="ctrTitle"/>
           </p:nvPr>
@@ -2582,7 +2722,7 @@
           </a:prstGeom>
         </p:spPr>
         <p:txBody>
-          <a:bodyPr anchorCtr="0" anchor="b" bIns="91425" lIns="91425" spcFirstLastPara="1" rIns="91425" wrap="square" tIns="91425"/>
+          <a:bodyPr spcFirstLastPara="1" wrap="square" lIns="91425" tIns="91425" rIns="91425" bIns="91425" anchor="b" anchorCtr="0"/>
           <a:lstStyle>
             <a:lvl1pPr lvl="0" algn="ctr">
               <a:spcBef>
@@ -2684,15 +2824,19 @@
               <a:defRPr sz="5200"/>
             </a:lvl9pPr>
           </a:lstStyle>
-          <a:p/>
+          <a:p>
+            <a:endParaRPr/>
+          </a:p>
         </p:txBody>
       </p:sp>
       <p:sp>
         <p:nvSpPr>
           <p:cNvPr id="11" name="Shape 11"/>
-          <p:cNvSpPr txBox="1"/>
+          <p:cNvSpPr txBox="1">
+            <a:spLocks noGrp="1"/>
+          </p:cNvSpPr>
           <p:nvPr>
-            <p:ph idx="1" type="subTitle"/>
+            <p:ph type="subTitle" idx="1"/>
           </p:nvPr>
         </p:nvSpPr>
         <p:spPr>
@@ -2705,7 +2849,7 @@
           </a:prstGeom>
         </p:spPr>
         <p:txBody>
-          <a:bodyPr anchorCtr="0" anchor="t" bIns="91425" lIns="91425" spcFirstLastPara="1" rIns="91425" wrap="square" tIns="91425"/>
+          <a:bodyPr spcFirstLastPara="1" wrap="square" lIns="91425" tIns="91425" rIns="91425" bIns="91425" anchor="t" anchorCtr="0"/>
           <a:lstStyle>
             <a:lvl1pPr lvl="0" algn="ctr">
               <a:lnSpc>
@@ -2834,15 +2978,19 @@
               <a:defRPr sz="2800"/>
             </a:lvl9pPr>
           </a:lstStyle>
-          <a:p/>
+          <a:p>
+            <a:endParaRPr/>
+          </a:p>
         </p:txBody>
       </p:sp>
       <p:sp>
         <p:nvSpPr>
           <p:cNvPr id="12" name="Shape 12"/>
-          <p:cNvSpPr txBox="1"/>
+          <p:cNvSpPr txBox="1">
+            <a:spLocks noGrp="1"/>
+          </p:cNvSpPr>
           <p:nvPr>
-            <p:ph idx="12" type="sldNum"/>
+            <p:ph type="sldNum" idx="12"/>
           </p:nvPr>
         </p:nvSpPr>
         <p:spPr>
@@ -2855,7 +3003,7 @@
           </a:prstGeom>
         </p:spPr>
         <p:txBody>
-          <a:bodyPr anchorCtr="0" anchor="ctr" bIns="91425" lIns="91425" spcFirstLastPara="1" rIns="91425" wrap="square" tIns="91425">
+          <a:bodyPr spcFirstLastPara="1" wrap="square" lIns="91425" tIns="91425" rIns="91425" bIns="91425" anchor="ctr" anchorCtr="0">
             <a:noAutofit/>
           </a:bodyPr>
           <a:lstStyle>
@@ -2897,7 +3045,7 @@
             </a:lvl9pPr>
           </a:lstStyle>
           <a:p>
-            <a:pPr indent="0" lvl="0" marL="0">
+            <a:pPr marL="0" lvl="0" indent="0">
               <a:spcBef>
                 <a:spcPts val="0"/>
               </a:spcBef>
@@ -2923,11 +3071,11 @@
 </file>
 
 <file path=ppt/slideLayouts/slideLayout10.xml><?xml version="1.0" encoding="utf-8"?>
-<p:sldLayout xmlns:a="http://schemas.openxmlformats.org/drawingml/2006/main" xmlns:r="http://schemas.openxmlformats.org/officeDocument/2006/relationships" xmlns:mc="http://schemas.openxmlformats.org/markup-compatibility/2006" xmlns:mv="urn:schemas-microsoft-com:mac:vml" xmlns:p="http://schemas.openxmlformats.org/presentationml/2006/main" xmlns:c="http://schemas.openxmlformats.org/drawingml/2006/chart" xmlns:dgm="http://schemas.openxmlformats.org/drawingml/2006/diagram" xmlns:o="urn:schemas-microsoft-com:office:office" xmlns:v="urn:schemas-microsoft-com:vml" xmlns:pvml="urn:schemas-microsoft-com:office:powerpoint" xmlns:com="http://schemas.openxmlformats.org/drawingml/2006/compatibility" xmlns:p14="http://schemas.microsoft.com/office/powerpoint/2010/main" xmlns:p15="http://schemas.microsoft.com/office/powerpoint/2012/main" matchingName="Big number">
+<p:sldLayout xmlns:a="http://schemas.openxmlformats.org/drawingml/2006/main" xmlns:r="http://schemas.openxmlformats.org/officeDocument/2006/relationships" xmlns:p="http://schemas.openxmlformats.org/presentationml/2006/main" matchingName="Big number">
   <p:cSld name="BIG_NUMBER">
     <p:spTree>
       <p:nvGrpSpPr>
-        <p:cNvPr id="44" name="Shape 44"/>
+        <p:cNvPr id="1" name="Shape 44"/>
         <p:cNvGrpSpPr/>
         <p:nvPr/>
       </p:nvGrpSpPr>
@@ -2942,9 +3090,11 @@
       <p:sp>
         <p:nvSpPr>
           <p:cNvPr id="45" name="Shape 45"/>
-          <p:cNvSpPr txBox="1"/>
+          <p:cNvSpPr txBox="1">
+            <a:spLocks noGrp="1"/>
+          </p:cNvSpPr>
           <p:nvPr>
-            <p:ph hasCustomPrompt="1" type="title"/>
+            <p:ph type="title" hasCustomPrompt="1"/>
           </p:nvPr>
         </p:nvSpPr>
         <p:spPr>
@@ -2957,7 +3107,7 @@
           </a:prstGeom>
         </p:spPr>
         <p:txBody>
-          <a:bodyPr anchorCtr="0" anchor="b" bIns="91425" lIns="91425" spcFirstLastPara="1" rIns="91425" wrap="square" tIns="91425"/>
+          <a:bodyPr spcFirstLastPara="1" wrap="square" lIns="91425" tIns="91425" rIns="91425" bIns="91425" anchor="b" anchorCtr="0"/>
           <a:lstStyle>
             <a:lvl1pPr lvl="0" algn="ctr">
               <a:spcBef>
@@ -3069,9 +3219,11 @@
       <p:sp>
         <p:nvSpPr>
           <p:cNvPr id="46" name="Shape 46"/>
-          <p:cNvSpPr txBox="1"/>
+          <p:cNvSpPr txBox="1">
+            <a:spLocks noGrp="1"/>
+          </p:cNvSpPr>
           <p:nvPr>
-            <p:ph idx="1" type="body"/>
+            <p:ph type="body" idx="1"/>
           </p:nvPr>
         </p:nvSpPr>
         <p:spPr>
@@ -3084,9 +3236,9 @@
           </a:prstGeom>
         </p:spPr>
         <p:txBody>
-          <a:bodyPr anchorCtr="0" anchor="t" bIns="91425" lIns="91425" spcFirstLastPara="1" rIns="91425" wrap="square" tIns="91425"/>
+          <a:bodyPr spcFirstLastPara="1" wrap="square" lIns="91425" tIns="91425" rIns="91425" bIns="91425" anchor="t" anchorCtr="0"/>
           <a:lstStyle>
-            <a:lvl1pPr indent="-342900" lvl="0" marL="457200" algn="ctr">
+            <a:lvl1pPr marL="457200" lvl="0" indent="-342900" algn="ctr">
               <a:spcBef>
                 <a:spcPts val="0"/>
               </a:spcBef>
@@ -3097,7 +3249,7 @@
               <a:buChar char="●"/>
               <a:defRPr/>
             </a:lvl1pPr>
-            <a:lvl2pPr indent="-317500" lvl="1" marL="914400" algn="ctr">
+            <a:lvl2pPr marL="914400" lvl="1" indent="-317500" algn="ctr">
               <a:spcBef>
                 <a:spcPts val="1600"/>
               </a:spcBef>
@@ -3108,7 +3260,7 @@
               <a:buChar char="○"/>
               <a:defRPr/>
             </a:lvl2pPr>
-            <a:lvl3pPr indent="-317500" lvl="2" marL="1371600" algn="ctr">
+            <a:lvl3pPr marL="1371600" lvl="2" indent="-317500" algn="ctr">
               <a:spcBef>
                 <a:spcPts val="1600"/>
               </a:spcBef>
@@ -3119,7 +3271,7 @@
               <a:buChar char="■"/>
               <a:defRPr/>
             </a:lvl3pPr>
-            <a:lvl4pPr indent="-317500" lvl="3" marL="1828800" algn="ctr">
+            <a:lvl4pPr marL="1828800" lvl="3" indent="-317500" algn="ctr">
               <a:spcBef>
                 <a:spcPts val="1600"/>
               </a:spcBef>
@@ -3130,7 +3282,7 @@
               <a:buChar char="●"/>
               <a:defRPr/>
             </a:lvl4pPr>
-            <a:lvl5pPr indent="-317500" lvl="4" marL="2286000" algn="ctr">
+            <a:lvl5pPr marL="2286000" lvl="4" indent="-317500" algn="ctr">
               <a:spcBef>
                 <a:spcPts val="1600"/>
               </a:spcBef>
@@ -3141,7 +3293,7 @@
               <a:buChar char="○"/>
               <a:defRPr/>
             </a:lvl5pPr>
-            <a:lvl6pPr indent="-317500" lvl="5" marL="2743200" algn="ctr">
+            <a:lvl6pPr marL="2743200" lvl="5" indent="-317500" algn="ctr">
               <a:spcBef>
                 <a:spcPts val="1600"/>
               </a:spcBef>
@@ -3152,7 +3304,7 @@
               <a:buChar char="■"/>
               <a:defRPr/>
             </a:lvl6pPr>
-            <a:lvl7pPr indent="-317500" lvl="6" marL="3200400" algn="ctr">
+            <a:lvl7pPr marL="3200400" lvl="6" indent="-317500" algn="ctr">
               <a:spcBef>
                 <a:spcPts val="1600"/>
               </a:spcBef>
@@ -3163,7 +3315,7 @@
               <a:buChar char="●"/>
               <a:defRPr/>
             </a:lvl7pPr>
-            <a:lvl8pPr indent="-317500" lvl="7" marL="3657600" algn="ctr">
+            <a:lvl8pPr marL="3657600" lvl="7" indent="-317500" algn="ctr">
               <a:spcBef>
                 <a:spcPts val="1600"/>
               </a:spcBef>
@@ -3174,7 +3326,7 @@
               <a:buChar char="○"/>
               <a:defRPr/>
             </a:lvl8pPr>
-            <a:lvl9pPr indent="-317500" lvl="8" marL="4114800" algn="ctr">
+            <a:lvl9pPr marL="4114800" lvl="8" indent="-317500" algn="ctr">
               <a:spcBef>
                 <a:spcPts val="1600"/>
               </a:spcBef>
@@ -3186,15 +3338,19 @@
               <a:defRPr/>
             </a:lvl9pPr>
           </a:lstStyle>
-          <a:p/>
+          <a:p>
+            <a:endParaRPr/>
+          </a:p>
         </p:txBody>
       </p:sp>
       <p:sp>
         <p:nvSpPr>
           <p:cNvPr id="47" name="Shape 47"/>
-          <p:cNvSpPr txBox="1"/>
+          <p:cNvSpPr txBox="1">
+            <a:spLocks noGrp="1"/>
+          </p:cNvSpPr>
           <p:nvPr>
-            <p:ph idx="12" type="sldNum"/>
+            <p:ph type="sldNum" idx="12"/>
           </p:nvPr>
         </p:nvSpPr>
         <p:spPr>
@@ -3207,7 +3363,7 @@
           </a:prstGeom>
         </p:spPr>
         <p:txBody>
-          <a:bodyPr anchorCtr="0" anchor="ctr" bIns="91425" lIns="91425" spcFirstLastPara="1" rIns="91425" wrap="square" tIns="91425">
+          <a:bodyPr spcFirstLastPara="1" wrap="square" lIns="91425" tIns="91425" rIns="91425" bIns="91425" anchor="ctr" anchorCtr="0">
             <a:noAutofit/>
           </a:bodyPr>
           <a:lstStyle>
@@ -3249,7 +3405,7 @@
             </a:lvl9pPr>
           </a:lstStyle>
           <a:p>
-            <a:pPr indent="0" lvl="0" marL="0">
+            <a:pPr marL="0" lvl="0" indent="0">
               <a:spcBef>
                 <a:spcPts val="0"/>
               </a:spcBef>
@@ -3275,11 +3431,11 @@
 </file>
 
 <file path=ppt/slideLayouts/slideLayout11.xml><?xml version="1.0" encoding="utf-8"?>
-<p:sldLayout xmlns:a="http://schemas.openxmlformats.org/drawingml/2006/main" xmlns:r="http://schemas.openxmlformats.org/officeDocument/2006/relationships" xmlns:mc="http://schemas.openxmlformats.org/markup-compatibility/2006" xmlns:mv="urn:schemas-microsoft-com:mac:vml" xmlns:p="http://schemas.openxmlformats.org/presentationml/2006/main" xmlns:c="http://schemas.openxmlformats.org/drawingml/2006/chart" xmlns:dgm="http://schemas.openxmlformats.org/drawingml/2006/diagram" xmlns:o="urn:schemas-microsoft-com:office:office" xmlns:v="urn:schemas-microsoft-com:vml" xmlns:pvml="urn:schemas-microsoft-com:office:powerpoint" xmlns:com="http://schemas.openxmlformats.org/drawingml/2006/compatibility" xmlns:p14="http://schemas.microsoft.com/office/powerpoint/2010/main" xmlns:p15="http://schemas.microsoft.com/office/powerpoint/2012/main" matchingName="Blank" type="blank">
+<p:sldLayout xmlns:a="http://schemas.openxmlformats.org/drawingml/2006/main" xmlns:r="http://schemas.openxmlformats.org/officeDocument/2006/relationships" xmlns:p="http://schemas.openxmlformats.org/presentationml/2006/main" matchingName="Blank" type="blank">
   <p:cSld name="BLANK">
     <p:spTree>
       <p:nvGrpSpPr>
-        <p:cNvPr id="48" name="Shape 48"/>
+        <p:cNvPr id="1" name="Shape 48"/>
         <p:cNvGrpSpPr/>
         <p:nvPr/>
       </p:nvGrpSpPr>
@@ -3294,9 +3450,11 @@
       <p:sp>
         <p:nvSpPr>
           <p:cNvPr id="49" name="Shape 49"/>
-          <p:cNvSpPr txBox="1"/>
+          <p:cNvSpPr txBox="1">
+            <a:spLocks noGrp="1"/>
+          </p:cNvSpPr>
           <p:nvPr>
-            <p:ph idx="12" type="sldNum"/>
+            <p:ph type="sldNum" idx="12"/>
           </p:nvPr>
         </p:nvSpPr>
         <p:spPr>
@@ -3309,7 +3467,7 @@
           </a:prstGeom>
         </p:spPr>
         <p:txBody>
-          <a:bodyPr anchorCtr="0" anchor="ctr" bIns="91425" lIns="91425" spcFirstLastPara="1" rIns="91425" wrap="square" tIns="91425">
+          <a:bodyPr spcFirstLastPara="1" wrap="square" lIns="91425" tIns="91425" rIns="91425" bIns="91425" anchor="ctr" anchorCtr="0">
             <a:noAutofit/>
           </a:bodyPr>
           <a:lstStyle>
@@ -3351,7 +3509,7 @@
             </a:lvl9pPr>
           </a:lstStyle>
           <a:p>
-            <a:pPr indent="0" lvl="0" marL="0">
+            <a:pPr marL="0" lvl="0" indent="0">
               <a:spcBef>
                 <a:spcPts val="0"/>
               </a:spcBef>
@@ -3377,11 +3535,11 @@
 </file>
 
 <file path=ppt/slideLayouts/slideLayout2.xml><?xml version="1.0" encoding="utf-8"?>
-<p:sldLayout xmlns:a="http://schemas.openxmlformats.org/drawingml/2006/main" xmlns:r="http://schemas.openxmlformats.org/officeDocument/2006/relationships" xmlns:mc="http://schemas.openxmlformats.org/markup-compatibility/2006" xmlns:mv="urn:schemas-microsoft-com:mac:vml" xmlns:p="http://schemas.openxmlformats.org/presentationml/2006/main" xmlns:c="http://schemas.openxmlformats.org/drawingml/2006/chart" xmlns:dgm="http://schemas.openxmlformats.org/drawingml/2006/diagram" xmlns:o="urn:schemas-microsoft-com:office:office" xmlns:v="urn:schemas-microsoft-com:vml" xmlns:pvml="urn:schemas-microsoft-com:office:powerpoint" xmlns:com="http://schemas.openxmlformats.org/drawingml/2006/compatibility" xmlns:p14="http://schemas.microsoft.com/office/powerpoint/2010/main" xmlns:p15="http://schemas.microsoft.com/office/powerpoint/2012/main" matchingName="Section header" type="secHead">
+<p:sldLayout xmlns:a="http://schemas.openxmlformats.org/drawingml/2006/main" xmlns:r="http://schemas.openxmlformats.org/officeDocument/2006/relationships" xmlns:p="http://schemas.openxmlformats.org/presentationml/2006/main" matchingName="Section header" type="secHead">
   <p:cSld name="SECTION_HEADER">
     <p:spTree>
       <p:nvGrpSpPr>
-        <p:cNvPr id="13" name="Shape 13"/>
+        <p:cNvPr id="1" name="Shape 13"/>
         <p:cNvGrpSpPr/>
         <p:nvPr/>
       </p:nvGrpSpPr>
@@ -3396,7 +3554,9 @@
       <p:sp>
         <p:nvSpPr>
           <p:cNvPr id="14" name="Shape 14"/>
-          <p:cNvSpPr txBox="1"/>
+          <p:cNvSpPr txBox="1">
+            <a:spLocks noGrp="1"/>
+          </p:cNvSpPr>
           <p:nvPr>
             <p:ph type="title"/>
           </p:nvPr>
@@ -3411,7 +3571,7 @@
           </a:prstGeom>
         </p:spPr>
         <p:txBody>
-          <a:bodyPr anchorCtr="0" anchor="ctr" bIns="91425" lIns="91425" spcFirstLastPara="1" rIns="91425" wrap="square" tIns="91425"/>
+          <a:bodyPr spcFirstLastPara="1" wrap="square" lIns="91425" tIns="91425" rIns="91425" bIns="91425" anchor="ctr" anchorCtr="0"/>
           <a:lstStyle>
             <a:lvl1pPr lvl="0" algn="ctr">
               <a:spcBef>
@@ -3513,15 +3673,19 @@
               <a:defRPr sz="3600"/>
             </a:lvl9pPr>
           </a:lstStyle>
-          <a:p/>
+          <a:p>
+            <a:endParaRPr/>
+          </a:p>
         </p:txBody>
       </p:sp>
       <p:sp>
         <p:nvSpPr>
           <p:cNvPr id="15" name="Shape 15"/>
-          <p:cNvSpPr txBox="1"/>
+          <p:cNvSpPr txBox="1">
+            <a:spLocks noGrp="1"/>
+          </p:cNvSpPr>
           <p:nvPr>
-            <p:ph idx="12" type="sldNum"/>
+            <p:ph type="sldNum" idx="12"/>
           </p:nvPr>
         </p:nvSpPr>
         <p:spPr>
@@ -3534,7 +3698,7 @@
           </a:prstGeom>
         </p:spPr>
         <p:txBody>
-          <a:bodyPr anchorCtr="0" anchor="ctr" bIns="91425" lIns="91425" spcFirstLastPara="1" rIns="91425" wrap="square" tIns="91425">
+          <a:bodyPr spcFirstLastPara="1" wrap="square" lIns="91425" tIns="91425" rIns="91425" bIns="91425" anchor="ctr" anchorCtr="0">
             <a:noAutofit/>
           </a:bodyPr>
           <a:lstStyle>
@@ -3576,7 +3740,7 @@
             </a:lvl9pPr>
           </a:lstStyle>
           <a:p>
-            <a:pPr indent="0" lvl="0" marL="0">
+            <a:pPr marL="0" lvl="0" indent="0">
               <a:spcBef>
                 <a:spcPts val="0"/>
               </a:spcBef>
@@ -3602,11 +3766,11 @@
 </file>
 
 <file path=ppt/slideLayouts/slideLayout3.xml><?xml version="1.0" encoding="utf-8"?>
-<p:sldLayout xmlns:a="http://schemas.openxmlformats.org/drawingml/2006/main" xmlns:r="http://schemas.openxmlformats.org/officeDocument/2006/relationships" xmlns:mc="http://schemas.openxmlformats.org/markup-compatibility/2006" xmlns:mv="urn:schemas-microsoft-com:mac:vml" xmlns:p="http://schemas.openxmlformats.org/presentationml/2006/main" xmlns:c="http://schemas.openxmlformats.org/drawingml/2006/chart" xmlns:dgm="http://schemas.openxmlformats.org/drawingml/2006/diagram" xmlns:o="urn:schemas-microsoft-com:office:office" xmlns:v="urn:schemas-microsoft-com:vml" xmlns:pvml="urn:schemas-microsoft-com:office:powerpoint" xmlns:com="http://schemas.openxmlformats.org/drawingml/2006/compatibility" xmlns:p14="http://schemas.microsoft.com/office/powerpoint/2010/main" xmlns:p15="http://schemas.microsoft.com/office/powerpoint/2012/main" matchingName="Title and body" type="tx">
+<p:sldLayout xmlns:a="http://schemas.openxmlformats.org/drawingml/2006/main" xmlns:r="http://schemas.openxmlformats.org/officeDocument/2006/relationships" xmlns:p="http://schemas.openxmlformats.org/presentationml/2006/main" matchingName="Title and body" type="tx">
   <p:cSld name="TITLE_AND_BODY">
     <p:spTree>
       <p:nvGrpSpPr>
-        <p:cNvPr id="16" name="Shape 16"/>
+        <p:cNvPr id="1" name="Shape 16"/>
         <p:cNvGrpSpPr/>
         <p:nvPr/>
       </p:nvGrpSpPr>
@@ -3621,7 +3785,9 @@
       <p:sp>
         <p:nvSpPr>
           <p:cNvPr id="17" name="Shape 17"/>
-          <p:cNvSpPr txBox="1"/>
+          <p:cNvSpPr txBox="1">
+            <a:spLocks noGrp="1"/>
+          </p:cNvSpPr>
           <p:nvPr>
             <p:ph type="title"/>
           </p:nvPr>
@@ -3636,7 +3802,7 @@
           </a:prstGeom>
         </p:spPr>
         <p:txBody>
-          <a:bodyPr anchorCtr="0" anchor="t" bIns="91425" lIns="91425" spcFirstLastPara="1" rIns="91425" wrap="square" tIns="91425"/>
+          <a:bodyPr spcFirstLastPara="1" wrap="square" lIns="91425" tIns="91425" rIns="91425" bIns="91425" anchor="t" anchorCtr="0"/>
           <a:lstStyle>
             <a:lvl1pPr lvl="0">
               <a:spcBef>
@@ -3738,15 +3904,19 @@
               <a:defRPr/>
             </a:lvl9pPr>
           </a:lstStyle>
-          <a:p/>
+          <a:p>
+            <a:endParaRPr/>
+          </a:p>
         </p:txBody>
       </p:sp>
       <p:sp>
         <p:nvSpPr>
           <p:cNvPr id="18" name="Shape 18"/>
-          <p:cNvSpPr txBox="1"/>
+          <p:cNvSpPr txBox="1">
+            <a:spLocks noGrp="1"/>
+          </p:cNvSpPr>
           <p:nvPr>
-            <p:ph idx="1" type="body"/>
+            <p:ph type="body" idx="1"/>
           </p:nvPr>
         </p:nvSpPr>
         <p:spPr>
@@ -3759,9 +3929,9 @@
           </a:prstGeom>
         </p:spPr>
         <p:txBody>
-          <a:bodyPr anchorCtr="0" anchor="t" bIns="91425" lIns="91425" spcFirstLastPara="1" rIns="91425" wrap="square" tIns="91425"/>
+          <a:bodyPr spcFirstLastPara="1" wrap="square" lIns="91425" tIns="91425" rIns="91425" bIns="91425" anchor="t" anchorCtr="0"/>
           <a:lstStyle>
-            <a:lvl1pPr indent="-342900" lvl="0" marL="457200">
+            <a:lvl1pPr marL="457200" lvl="0" indent="-342900">
               <a:spcBef>
                 <a:spcPts val="0"/>
               </a:spcBef>
@@ -3772,7 +3942,7 @@
               <a:buChar char="●"/>
               <a:defRPr/>
             </a:lvl1pPr>
-            <a:lvl2pPr indent="-317500" lvl="1" marL="914400">
+            <a:lvl2pPr marL="914400" lvl="1" indent="-317500">
               <a:spcBef>
                 <a:spcPts val="1600"/>
               </a:spcBef>
@@ -3783,7 +3953,7 @@
               <a:buChar char="○"/>
               <a:defRPr/>
             </a:lvl2pPr>
-            <a:lvl3pPr indent="-317500" lvl="2" marL="1371600">
+            <a:lvl3pPr marL="1371600" lvl="2" indent="-317500">
               <a:spcBef>
                 <a:spcPts val="1600"/>
               </a:spcBef>
@@ -3794,7 +3964,7 @@
               <a:buChar char="■"/>
               <a:defRPr/>
             </a:lvl3pPr>
-            <a:lvl4pPr indent="-317500" lvl="3" marL="1828800">
+            <a:lvl4pPr marL="1828800" lvl="3" indent="-317500">
               <a:spcBef>
                 <a:spcPts val="1600"/>
               </a:spcBef>
@@ -3805,7 +3975,7 @@
               <a:buChar char="●"/>
               <a:defRPr/>
             </a:lvl4pPr>
-            <a:lvl5pPr indent="-317500" lvl="4" marL="2286000">
+            <a:lvl5pPr marL="2286000" lvl="4" indent="-317500">
               <a:spcBef>
                 <a:spcPts val="1600"/>
               </a:spcBef>
@@ -3816,7 +3986,7 @@
               <a:buChar char="○"/>
               <a:defRPr/>
             </a:lvl5pPr>
-            <a:lvl6pPr indent="-317500" lvl="5" marL="2743200">
+            <a:lvl6pPr marL="2743200" lvl="5" indent="-317500">
               <a:spcBef>
                 <a:spcPts val="1600"/>
               </a:spcBef>
@@ -3827,7 +3997,7 @@
               <a:buChar char="■"/>
               <a:defRPr/>
             </a:lvl6pPr>
-            <a:lvl7pPr indent="-317500" lvl="6" marL="3200400">
+            <a:lvl7pPr marL="3200400" lvl="6" indent="-317500">
               <a:spcBef>
                 <a:spcPts val="1600"/>
               </a:spcBef>
@@ -3838,7 +4008,7 @@
               <a:buChar char="●"/>
               <a:defRPr/>
             </a:lvl7pPr>
-            <a:lvl8pPr indent="-317500" lvl="7" marL="3657600">
+            <a:lvl8pPr marL="3657600" lvl="7" indent="-317500">
               <a:spcBef>
                 <a:spcPts val="1600"/>
               </a:spcBef>
@@ -3849,7 +4019,7 @@
               <a:buChar char="○"/>
               <a:defRPr/>
             </a:lvl8pPr>
-            <a:lvl9pPr indent="-317500" lvl="8" marL="4114800">
+            <a:lvl9pPr marL="4114800" lvl="8" indent="-317500">
               <a:spcBef>
                 <a:spcPts val="1600"/>
               </a:spcBef>
@@ -3861,15 +4031,19 @@
               <a:defRPr/>
             </a:lvl9pPr>
           </a:lstStyle>
-          <a:p/>
+          <a:p>
+            <a:endParaRPr/>
+          </a:p>
         </p:txBody>
       </p:sp>
       <p:sp>
         <p:nvSpPr>
           <p:cNvPr id="19" name="Shape 19"/>
-          <p:cNvSpPr txBox="1"/>
+          <p:cNvSpPr txBox="1">
+            <a:spLocks noGrp="1"/>
+          </p:cNvSpPr>
           <p:nvPr>
-            <p:ph idx="12" type="sldNum"/>
+            <p:ph type="sldNum" idx="12"/>
           </p:nvPr>
         </p:nvSpPr>
         <p:spPr>
@@ -3882,7 +4056,7 @@
           </a:prstGeom>
         </p:spPr>
         <p:txBody>
-          <a:bodyPr anchorCtr="0" anchor="ctr" bIns="91425" lIns="91425" spcFirstLastPara="1" rIns="91425" wrap="square" tIns="91425">
+          <a:bodyPr spcFirstLastPara="1" wrap="square" lIns="91425" tIns="91425" rIns="91425" bIns="91425" anchor="ctr" anchorCtr="0">
             <a:noAutofit/>
           </a:bodyPr>
           <a:lstStyle>
@@ -3924,7 +4098,7 @@
             </a:lvl9pPr>
           </a:lstStyle>
           <a:p>
-            <a:pPr indent="0" lvl="0" marL="0">
+            <a:pPr marL="0" lvl="0" indent="0">
               <a:spcBef>
                 <a:spcPts val="0"/>
               </a:spcBef>
@@ -3950,11 +4124,11 @@
 </file>
 
 <file path=ppt/slideLayouts/slideLayout4.xml><?xml version="1.0" encoding="utf-8"?>
-<p:sldLayout xmlns:a="http://schemas.openxmlformats.org/drawingml/2006/main" xmlns:r="http://schemas.openxmlformats.org/officeDocument/2006/relationships" xmlns:mc="http://schemas.openxmlformats.org/markup-compatibility/2006" xmlns:mv="urn:schemas-microsoft-com:mac:vml" xmlns:p="http://schemas.openxmlformats.org/presentationml/2006/main" xmlns:c="http://schemas.openxmlformats.org/drawingml/2006/chart" xmlns:dgm="http://schemas.openxmlformats.org/drawingml/2006/diagram" xmlns:o="urn:schemas-microsoft-com:office:office" xmlns:v="urn:schemas-microsoft-com:vml" xmlns:pvml="urn:schemas-microsoft-com:office:powerpoint" xmlns:com="http://schemas.openxmlformats.org/drawingml/2006/compatibility" xmlns:p14="http://schemas.microsoft.com/office/powerpoint/2010/main" xmlns:p15="http://schemas.microsoft.com/office/powerpoint/2012/main" matchingName="Title and two columns" type="twoColTx">
+<p:sldLayout xmlns:a="http://schemas.openxmlformats.org/drawingml/2006/main" xmlns:r="http://schemas.openxmlformats.org/officeDocument/2006/relationships" xmlns:p="http://schemas.openxmlformats.org/presentationml/2006/main" matchingName="Title and two columns" type="twoColTx">
   <p:cSld name="TITLE_AND_TWO_COLUMNS">
     <p:spTree>
       <p:nvGrpSpPr>
-        <p:cNvPr id="20" name="Shape 20"/>
+        <p:cNvPr id="1" name="Shape 20"/>
         <p:cNvGrpSpPr/>
         <p:nvPr/>
       </p:nvGrpSpPr>
@@ -3969,7 +4143,9 @@
       <p:sp>
         <p:nvSpPr>
           <p:cNvPr id="21" name="Shape 21"/>
-          <p:cNvSpPr txBox="1"/>
+          <p:cNvSpPr txBox="1">
+            <a:spLocks noGrp="1"/>
+          </p:cNvSpPr>
           <p:nvPr>
             <p:ph type="title"/>
           </p:nvPr>
@@ -3984,7 +4160,7 @@
           </a:prstGeom>
         </p:spPr>
         <p:txBody>
-          <a:bodyPr anchorCtr="0" anchor="t" bIns="91425" lIns="91425" spcFirstLastPara="1" rIns="91425" wrap="square" tIns="91425"/>
+          <a:bodyPr spcFirstLastPara="1" wrap="square" lIns="91425" tIns="91425" rIns="91425" bIns="91425" anchor="t" anchorCtr="0"/>
           <a:lstStyle>
             <a:lvl1pPr lvl="0">
               <a:spcBef>
@@ -4086,15 +4262,19 @@
               <a:defRPr/>
             </a:lvl9pPr>
           </a:lstStyle>
-          <a:p/>
+          <a:p>
+            <a:endParaRPr/>
+          </a:p>
         </p:txBody>
       </p:sp>
       <p:sp>
         <p:nvSpPr>
           <p:cNvPr id="22" name="Shape 22"/>
-          <p:cNvSpPr txBox="1"/>
+          <p:cNvSpPr txBox="1">
+            <a:spLocks noGrp="1"/>
+          </p:cNvSpPr>
           <p:nvPr>
-            <p:ph idx="1" type="body"/>
+            <p:ph type="body" idx="1"/>
           </p:nvPr>
         </p:nvSpPr>
         <p:spPr>
@@ -4107,9 +4287,9 @@
           </a:prstGeom>
         </p:spPr>
         <p:txBody>
-          <a:bodyPr anchorCtr="0" anchor="t" bIns="91425" lIns="91425" spcFirstLastPara="1" rIns="91425" wrap="square" tIns="91425"/>
+          <a:bodyPr spcFirstLastPara="1" wrap="square" lIns="91425" tIns="91425" rIns="91425" bIns="91425" anchor="t" anchorCtr="0"/>
           <a:lstStyle>
-            <a:lvl1pPr indent="-317500" lvl="0" marL="457200">
+            <a:lvl1pPr marL="457200" lvl="0" indent="-317500">
               <a:spcBef>
                 <a:spcPts val="0"/>
               </a:spcBef>
@@ -4120,7 +4300,7 @@
               <a:buChar char="●"/>
               <a:defRPr sz="1400"/>
             </a:lvl1pPr>
-            <a:lvl2pPr indent="-304800" lvl="1" marL="914400">
+            <a:lvl2pPr marL="914400" lvl="1" indent="-304800">
               <a:spcBef>
                 <a:spcPts val="1600"/>
               </a:spcBef>
@@ -4131,7 +4311,7 @@
               <a:buChar char="○"/>
               <a:defRPr sz="1200"/>
             </a:lvl2pPr>
-            <a:lvl3pPr indent="-304800" lvl="2" marL="1371600">
+            <a:lvl3pPr marL="1371600" lvl="2" indent="-304800">
               <a:spcBef>
                 <a:spcPts val="1600"/>
               </a:spcBef>
@@ -4142,7 +4322,7 @@
               <a:buChar char="■"/>
               <a:defRPr sz="1200"/>
             </a:lvl3pPr>
-            <a:lvl4pPr indent="-304800" lvl="3" marL="1828800">
+            <a:lvl4pPr marL="1828800" lvl="3" indent="-304800">
               <a:spcBef>
                 <a:spcPts val="1600"/>
               </a:spcBef>
@@ -4153,7 +4333,7 @@
               <a:buChar char="●"/>
               <a:defRPr sz="1200"/>
             </a:lvl4pPr>
-            <a:lvl5pPr indent="-304800" lvl="4" marL="2286000">
+            <a:lvl5pPr marL="2286000" lvl="4" indent="-304800">
               <a:spcBef>
                 <a:spcPts val="1600"/>
               </a:spcBef>
@@ -4164,7 +4344,7 @@
               <a:buChar char="○"/>
               <a:defRPr sz="1200"/>
             </a:lvl5pPr>
-            <a:lvl6pPr indent="-304800" lvl="5" marL="2743200">
+            <a:lvl6pPr marL="2743200" lvl="5" indent="-304800">
               <a:spcBef>
                 <a:spcPts val="1600"/>
               </a:spcBef>
@@ -4175,7 +4355,7 @@
               <a:buChar char="■"/>
               <a:defRPr sz="1200"/>
             </a:lvl6pPr>
-            <a:lvl7pPr indent="-304800" lvl="6" marL="3200400">
+            <a:lvl7pPr marL="3200400" lvl="6" indent="-304800">
               <a:spcBef>
                 <a:spcPts val="1600"/>
               </a:spcBef>
@@ -4186,7 +4366,7 @@
               <a:buChar char="●"/>
               <a:defRPr sz="1200"/>
             </a:lvl7pPr>
-            <a:lvl8pPr indent="-304800" lvl="7" marL="3657600">
+            <a:lvl8pPr marL="3657600" lvl="7" indent="-304800">
               <a:spcBef>
                 <a:spcPts val="1600"/>
               </a:spcBef>
@@ -4197,7 +4377,7 @@
               <a:buChar char="○"/>
               <a:defRPr sz="1200"/>
             </a:lvl8pPr>
-            <a:lvl9pPr indent="-304800" lvl="8" marL="4114800">
+            <a:lvl9pPr marL="4114800" lvl="8" indent="-304800">
               <a:spcBef>
                 <a:spcPts val="1600"/>
               </a:spcBef>
@@ -4209,15 +4389,19 @@
               <a:defRPr sz="1200"/>
             </a:lvl9pPr>
           </a:lstStyle>
-          <a:p/>
+          <a:p>
+            <a:endParaRPr/>
+          </a:p>
         </p:txBody>
       </p:sp>
       <p:sp>
         <p:nvSpPr>
           <p:cNvPr id="23" name="Shape 23"/>
-          <p:cNvSpPr txBox="1"/>
+          <p:cNvSpPr txBox="1">
+            <a:spLocks noGrp="1"/>
+          </p:cNvSpPr>
           <p:nvPr>
-            <p:ph idx="2" type="body"/>
+            <p:ph type="body" idx="2"/>
           </p:nvPr>
         </p:nvSpPr>
         <p:spPr>
@@ -4230,9 +4414,9 @@
           </a:prstGeom>
         </p:spPr>
         <p:txBody>
-          <a:bodyPr anchorCtr="0" anchor="t" bIns="91425" lIns="91425" spcFirstLastPara="1" rIns="91425" wrap="square" tIns="91425"/>
+          <a:bodyPr spcFirstLastPara="1" wrap="square" lIns="91425" tIns="91425" rIns="91425" bIns="91425" anchor="t" anchorCtr="0"/>
           <a:lstStyle>
-            <a:lvl1pPr indent="-317500" lvl="0" marL="457200">
+            <a:lvl1pPr marL="457200" lvl="0" indent="-317500">
               <a:spcBef>
                 <a:spcPts val="0"/>
               </a:spcBef>
@@ -4243,7 +4427,7 @@
               <a:buChar char="●"/>
               <a:defRPr sz="1400"/>
             </a:lvl1pPr>
-            <a:lvl2pPr indent="-304800" lvl="1" marL="914400">
+            <a:lvl2pPr marL="914400" lvl="1" indent="-304800">
               <a:spcBef>
                 <a:spcPts val="1600"/>
               </a:spcBef>
@@ -4254,7 +4438,7 @@
               <a:buChar char="○"/>
               <a:defRPr sz="1200"/>
             </a:lvl2pPr>
-            <a:lvl3pPr indent="-304800" lvl="2" marL="1371600">
+            <a:lvl3pPr marL="1371600" lvl="2" indent="-304800">
               <a:spcBef>
                 <a:spcPts val="1600"/>
               </a:spcBef>
@@ -4265,7 +4449,7 @@
               <a:buChar char="■"/>
               <a:defRPr sz="1200"/>
             </a:lvl3pPr>
-            <a:lvl4pPr indent="-304800" lvl="3" marL="1828800">
+            <a:lvl4pPr marL="1828800" lvl="3" indent="-304800">
               <a:spcBef>
                 <a:spcPts val="1600"/>
               </a:spcBef>
@@ -4276,7 +4460,7 @@
               <a:buChar char="●"/>
               <a:defRPr sz="1200"/>
             </a:lvl4pPr>
-            <a:lvl5pPr indent="-304800" lvl="4" marL="2286000">
+            <a:lvl5pPr marL="2286000" lvl="4" indent="-304800">
               <a:spcBef>
                 <a:spcPts val="1600"/>
               </a:spcBef>
@@ -4287,7 +4471,7 @@
               <a:buChar char="○"/>
               <a:defRPr sz="1200"/>
             </a:lvl5pPr>
-            <a:lvl6pPr indent="-304800" lvl="5" marL="2743200">
+            <a:lvl6pPr marL="2743200" lvl="5" indent="-304800">
               <a:spcBef>
                 <a:spcPts val="1600"/>
               </a:spcBef>
@@ -4298,7 +4482,7 @@
               <a:buChar char="■"/>
               <a:defRPr sz="1200"/>
             </a:lvl6pPr>
-            <a:lvl7pPr indent="-304800" lvl="6" marL="3200400">
+            <a:lvl7pPr marL="3200400" lvl="6" indent="-304800">
               <a:spcBef>
                 <a:spcPts val="1600"/>
               </a:spcBef>
@@ -4309,7 +4493,7 @@
               <a:buChar char="●"/>
               <a:defRPr sz="1200"/>
             </a:lvl7pPr>
-            <a:lvl8pPr indent="-304800" lvl="7" marL="3657600">
+            <a:lvl8pPr marL="3657600" lvl="7" indent="-304800">
               <a:spcBef>
                 <a:spcPts val="1600"/>
               </a:spcBef>
@@ -4320,7 +4504,7 @@
               <a:buChar char="○"/>
               <a:defRPr sz="1200"/>
             </a:lvl8pPr>
-            <a:lvl9pPr indent="-304800" lvl="8" marL="4114800">
+            <a:lvl9pPr marL="4114800" lvl="8" indent="-304800">
               <a:spcBef>
                 <a:spcPts val="1600"/>
               </a:spcBef>
@@ -4332,15 +4516,19 @@
               <a:defRPr sz="1200"/>
             </a:lvl9pPr>
           </a:lstStyle>
-          <a:p/>
+          <a:p>
+            <a:endParaRPr/>
+          </a:p>
         </p:txBody>
       </p:sp>
       <p:sp>
         <p:nvSpPr>
           <p:cNvPr id="24" name="Shape 24"/>
-          <p:cNvSpPr txBox="1"/>
+          <p:cNvSpPr txBox="1">
+            <a:spLocks noGrp="1"/>
+          </p:cNvSpPr>
           <p:nvPr>
-            <p:ph idx="12" type="sldNum"/>
+            <p:ph type="sldNum" idx="12"/>
           </p:nvPr>
         </p:nvSpPr>
         <p:spPr>
@@ -4353,7 +4541,7 @@
           </a:prstGeom>
         </p:spPr>
         <p:txBody>
-          <a:bodyPr anchorCtr="0" anchor="ctr" bIns="91425" lIns="91425" spcFirstLastPara="1" rIns="91425" wrap="square" tIns="91425">
+          <a:bodyPr spcFirstLastPara="1" wrap="square" lIns="91425" tIns="91425" rIns="91425" bIns="91425" anchor="ctr" anchorCtr="0">
             <a:noAutofit/>
           </a:bodyPr>
           <a:lstStyle>
@@ -4395,7 +4583,7 @@
             </a:lvl9pPr>
           </a:lstStyle>
           <a:p>
-            <a:pPr indent="0" lvl="0" marL="0">
+            <a:pPr marL="0" lvl="0" indent="0">
               <a:spcBef>
                 <a:spcPts val="0"/>
               </a:spcBef>
@@ -4421,11 +4609,11 @@
 </file>
 
 <file path=ppt/slideLayouts/slideLayout5.xml><?xml version="1.0" encoding="utf-8"?>
-<p:sldLayout xmlns:a="http://schemas.openxmlformats.org/drawingml/2006/main" xmlns:r="http://schemas.openxmlformats.org/officeDocument/2006/relationships" xmlns:mc="http://schemas.openxmlformats.org/markup-compatibility/2006" xmlns:mv="urn:schemas-microsoft-com:mac:vml" xmlns:p="http://schemas.openxmlformats.org/presentationml/2006/main" xmlns:c="http://schemas.openxmlformats.org/drawingml/2006/chart" xmlns:dgm="http://schemas.openxmlformats.org/drawingml/2006/diagram" xmlns:o="urn:schemas-microsoft-com:office:office" xmlns:v="urn:schemas-microsoft-com:vml" xmlns:pvml="urn:schemas-microsoft-com:office:powerpoint" xmlns:com="http://schemas.openxmlformats.org/drawingml/2006/compatibility" xmlns:p14="http://schemas.microsoft.com/office/powerpoint/2010/main" xmlns:p15="http://schemas.microsoft.com/office/powerpoint/2012/main" matchingName="Title only" type="titleOnly">
+<p:sldLayout xmlns:a="http://schemas.openxmlformats.org/drawingml/2006/main" xmlns:r="http://schemas.openxmlformats.org/officeDocument/2006/relationships" xmlns:p="http://schemas.openxmlformats.org/presentationml/2006/main" matchingName="Title only" type="titleOnly">
   <p:cSld name="TITLE_ONLY">
     <p:spTree>
       <p:nvGrpSpPr>
-        <p:cNvPr id="25" name="Shape 25"/>
+        <p:cNvPr id="1" name="Shape 25"/>
         <p:cNvGrpSpPr/>
         <p:nvPr/>
       </p:nvGrpSpPr>
@@ -4440,7 +4628,9 @@
       <p:sp>
         <p:nvSpPr>
           <p:cNvPr id="26" name="Shape 26"/>
-          <p:cNvSpPr txBox="1"/>
+          <p:cNvSpPr txBox="1">
+            <a:spLocks noGrp="1"/>
+          </p:cNvSpPr>
           <p:nvPr>
             <p:ph type="title"/>
           </p:nvPr>
@@ -4455,7 +4645,7 @@
           </a:prstGeom>
         </p:spPr>
         <p:txBody>
-          <a:bodyPr anchorCtr="0" anchor="t" bIns="91425" lIns="91425" spcFirstLastPara="1" rIns="91425" wrap="square" tIns="91425"/>
+          <a:bodyPr spcFirstLastPara="1" wrap="square" lIns="91425" tIns="91425" rIns="91425" bIns="91425" anchor="t" anchorCtr="0"/>
           <a:lstStyle>
             <a:lvl1pPr lvl="0">
               <a:spcBef>
@@ -4557,15 +4747,19 @@
               <a:defRPr/>
             </a:lvl9pPr>
           </a:lstStyle>
-          <a:p/>
+          <a:p>
+            <a:endParaRPr/>
+          </a:p>
         </p:txBody>
       </p:sp>
       <p:sp>
         <p:nvSpPr>
           <p:cNvPr id="27" name="Shape 27"/>
-          <p:cNvSpPr txBox="1"/>
+          <p:cNvSpPr txBox="1">
+            <a:spLocks noGrp="1"/>
+          </p:cNvSpPr>
           <p:nvPr>
-            <p:ph idx="12" type="sldNum"/>
+            <p:ph type="sldNum" idx="12"/>
           </p:nvPr>
         </p:nvSpPr>
         <p:spPr>
@@ -4578,7 +4772,7 @@
           </a:prstGeom>
         </p:spPr>
         <p:txBody>
-          <a:bodyPr anchorCtr="0" anchor="ctr" bIns="91425" lIns="91425" spcFirstLastPara="1" rIns="91425" wrap="square" tIns="91425">
+          <a:bodyPr spcFirstLastPara="1" wrap="square" lIns="91425" tIns="91425" rIns="91425" bIns="91425" anchor="ctr" anchorCtr="0">
             <a:noAutofit/>
           </a:bodyPr>
           <a:lstStyle>
@@ -4620,7 +4814,7 @@
             </a:lvl9pPr>
           </a:lstStyle>
           <a:p>
-            <a:pPr indent="0" lvl="0" marL="0">
+            <a:pPr marL="0" lvl="0" indent="0">
               <a:spcBef>
                 <a:spcPts val="0"/>
               </a:spcBef>
@@ -4646,11 +4840,11 @@
 </file>
 
 <file path=ppt/slideLayouts/slideLayout6.xml><?xml version="1.0" encoding="utf-8"?>
-<p:sldLayout xmlns:a="http://schemas.openxmlformats.org/drawingml/2006/main" xmlns:r="http://schemas.openxmlformats.org/officeDocument/2006/relationships" xmlns:mc="http://schemas.openxmlformats.org/markup-compatibility/2006" xmlns:mv="urn:schemas-microsoft-com:mac:vml" xmlns:p="http://schemas.openxmlformats.org/presentationml/2006/main" xmlns:c="http://schemas.openxmlformats.org/drawingml/2006/chart" xmlns:dgm="http://schemas.openxmlformats.org/drawingml/2006/diagram" xmlns:o="urn:schemas-microsoft-com:office:office" xmlns:v="urn:schemas-microsoft-com:vml" xmlns:pvml="urn:schemas-microsoft-com:office:powerpoint" xmlns:com="http://schemas.openxmlformats.org/drawingml/2006/compatibility" xmlns:p14="http://schemas.microsoft.com/office/powerpoint/2010/main" xmlns:p15="http://schemas.microsoft.com/office/powerpoint/2012/main" matchingName="One column text">
+<p:sldLayout xmlns:a="http://schemas.openxmlformats.org/drawingml/2006/main" xmlns:r="http://schemas.openxmlformats.org/officeDocument/2006/relationships" xmlns:p="http://schemas.openxmlformats.org/presentationml/2006/main" matchingName="One column text">
   <p:cSld name="ONE_COLUMN_TEXT">
     <p:spTree>
       <p:nvGrpSpPr>
-        <p:cNvPr id="28" name="Shape 28"/>
+        <p:cNvPr id="1" name="Shape 28"/>
         <p:cNvGrpSpPr/>
         <p:nvPr/>
       </p:nvGrpSpPr>
@@ -4665,7 +4859,9 @@
       <p:sp>
         <p:nvSpPr>
           <p:cNvPr id="29" name="Shape 29"/>
-          <p:cNvSpPr txBox="1"/>
+          <p:cNvSpPr txBox="1">
+            <a:spLocks noGrp="1"/>
+          </p:cNvSpPr>
           <p:nvPr>
             <p:ph type="title"/>
           </p:nvPr>
@@ -4680,7 +4876,7 @@
           </a:prstGeom>
         </p:spPr>
         <p:txBody>
-          <a:bodyPr anchorCtr="0" anchor="b" bIns="91425" lIns="91425" spcFirstLastPara="1" rIns="91425" wrap="square" tIns="91425"/>
+          <a:bodyPr spcFirstLastPara="1" wrap="square" lIns="91425" tIns="91425" rIns="91425" bIns="91425" anchor="b" anchorCtr="0"/>
           <a:lstStyle>
             <a:lvl1pPr lvl="0">
               <a:spcBef>
@@ -4782,15 +4978,19 @@
               <a:defRPr sz="2400"/>
             </a:lvl9pPr>
           </a:lstStyle>
-          <a:p/>
+          <a:p>
+            <a:endParaRPr/>
+          </a:p>
         </p:txBody>
       </p:sp>
       <p:sp>
         <p:nvSpPr>
           <p:cNvPr id="30" name="Shape 30"/>
-          <p:cNvSpPr txBox="1"/>
+          <p:cNvSpPr txBox="1">
+            <a:spLocks noGrp="1"/>
+          </p:cNvSpPr>
           <p:nvPr>
-            <p:ph idx="1" type="body"/>
+            <p:ph type="body" idx="1"/>
           </p:nvPr>
         </p:nvSpPr>
         <p:spPr>
@@ -4803,9 +5003,9 @@
           </a:prstGeom>
         </p:spPr>
         <p:txBody>
-          <a:bodyPr anchorCtr="0" anchor="t" bIns="91425" lIns="91425" spcFirstLastPara="1" rIns="91425" wrap="square" tIns="91425"/>
+          <a:bodyPr spcFirstLastPara="1" wrap="square" lIns="91425" tIns="91425" rIns="91425" bIns="91425" anchor="t" anchorCtr="0"/>
           <a:lstStyle>
-            <a:lvl1pPr indent="-304800" lvl="0" marL="457200">
+            <a:lvl1pPr marL="457200" lvl="0" indent="-304800">
               <a:spcBef>
                 <a:spcPts val="0"/>
               </a:spcBef>
@@ -4816,7 +5016,7 @@
               <a:buChar char="●"/>
               <a:defRPr sz="1200"/>
             </a:lvl1pPr>
-            <a:lvl2pPr indent="-304800" lvl="1" marL="914400">
+            <a:lvl2pPr marL="914400" lvl="1" indent="-304800">
               <a:spcBef>
                 <a:spcPts val="1600"/>
               </a:spcBef>
@@ -4827,7 +5027,7 @@
               <a:buChar char="○"/>
               <a:defRPr sz="1200"/>
             </a:lvl2pPr>
-            <a:lvl3pPr indent="-304800" lvl="2" marL="1371600">
+            <a:lvl3pPr marL="1371600" lvl="2" indent="-304800">
               <a:spcBef>
                 <a:spcPts val="1600"/>
               </a:spcBef>
@@ -4838,7 +5038,7 @@
               <a:buChar char="■"/>
               <a:defRPr sz="1200"/>
             </a:lvl3pPr>
-            <a:lvl4pPr indent="-304800" lvl="3" marL="1828800">
+            <a:lvl4pPr marL="1828800" lvl="3" indent="-304800">
               <a:spcBef>
                 <a:spcPts val="1600"/>
               </a:spcBef>
@@ -4849,7 +5049,7 @@
               <a:buChar char="●"/>
               <a:defRPr sz="1200"/>
             </a:lvl4pPr>
-            <a:lvl5pPr indent="-304800" lvl="4" marL="2286000">
+            <a:lvl5pPr marL="2286000" lvl="4" indent="-304800">
               <a:spcBef>
                 <a:spcPts val="1600"/>
               </a:spcBef>
@@ -4860,7 +5060,7 @@
               <a:buChar char="○"/>
               <a:defRPr sz="1200"/>
             </a:lvl5pPr>
-            <a:lvl6pPr indent="-304800" lvl="5" marL="2743200">
+            <a:lvl6pPr marL="2743200" lvl="5" indent="-304800">
               <a:spcBef>
                 <a:spcPts val="1600"/>
               </a:spcBef>
@@ -4871,7 +5071,7 @@
               <a:buChar char="■"/>
               <a:defRPr sz="1200"/>
             </a:lvl6pPr>
-            <a:lvl7pPr indent="-304800" lvl="6" marL="3200400">
+            <a:lvl7pPr marL="3200400" lvl="6" indent="-304800">
               <a:spcBef>
                 <a:spcPts val="1600"/>
               </a:spcBef>
@@ -4882,7 +5082,7 @@
               <a:buChar char="●"/>
               <a:defRPr sz="1200"/>
             </a:lvl7pPr>
-            <a:lvl8pPr indent="-304800" lvl="7" marL="3657600">
+            <a:lvl8pPr marL="3657600" lvl="7" indent="-304800">
               <a:spcBef>
                 <a:spcPts val="1600"/>
               </a:spcBef>
@@ -4893,7 +5093,7 @@
               <a:buChar char="○"/>
               <a:defRPr sz="1200"/>
             </a:lvl8pPr>
-            <a:lvl9pPr indent="-304800" lvl="8" marL="4114800">
+            <a:lvl9pPr marL="4114800" lvl="8" indent="-304800">
               <a:spcBef>
                 <a:spcPts val="1600"/>
               </a:spcBef>
@@ -4905,15 +5105,19 @@
               <a:defRPr sz="1200"/>
             </a:lvl9pPr>
           </a:lstStyle>
-          <a:p/>
+          <a:p>
+            <a:endParaRPr/>
+          </a:p>
         </p:txBody>
       </p:sp>
       <p:sp>
         <p:nvSpPr>
           <p:cNvPr id="31" name="Shape 31"/>
-          <p:cNvSpPr txBox="1"/>
+          <p:cNvSpPr txBox="1">
+            <a:spLocks noGrp="1"/>
+          </p:cNvSpPr>
           <p:nvPr>
-            <p:ph idx="12" type="sldNum"/>
+            <p:ph type="sldNum" idx="12"/>
           </p:nvPr>
         </p:nvSpPr>
         <p:spPr>
@@ -4926,7 +5130,7 @@
           </a:prstGeom>
         </p:spPr>
         <p:txBody>
-          <a:bodyPr anchorCtr="0" anchor="ctr" bIns="91425" lIns="91425" spcFirstLastPara="1" rIns="91425" wrap="square" tIns="91425">
+          <a:bodyPr spcFirstLastPara="1" wrap="square" lIns="91425" tIns="91425" rIns="91425" bIns="91425" anchor="ctr" anchorCtr="0">
             <a:noAutofit/>
           </a:bodyPr>
           <a:lstStyle>
@@ -4968,7 +5172,7 @@
             </a:lvl9pPr>
           </a:lstStyle>
           <a:p>
-            <a:pPr indent="0" lvl="0" marL="0">
+            <a:pPr marL="0" lvl="0" indent="0">
               <a:spcBef>
                 <a:spcPts val="0"/>
               </a:spcBef>
@@ -4994,11 +5198,11 @@
 </file>
 
 <file path=ppt/slideLayouts/slideLayout7.xml><?xml version="1.0" encoding="utf-8"?>
-<p:sldLayout xmlns:a="http://schemas.openxmlformats.org/drawingml/2006/main" xmlns:r="http://schemas.openxmlformats.org/officeDocument/2006/relationships" xmlns:mc="http://schemas.openxmlformats.org/markup-compatibility/2006" xmlns:mv="urn:schemas-microsoft-com:mac:vml" xmlns:p="http://schemas.openxmlformats.org/presentationml/2006/main" xmlns:c="http://schemas.openxmlformats.org/drawingml/2006/chart" xmlns:dgm="http://schemas.openxmlformats.org/drawingml/2006/diagram" xmlns:o="urn:schemas-microsoft-com:office:office" xmlns:v="urn:schemas-microsoft-com:vml" xmlns:pvml="urn:schemas-microsoft-com:office:powerpoint" xmlns:com="http://schemas.openxmlformats.org/drawingml/2006/compatibility" xmlns:p14="http://schemas.microsoft.com/office/powerpoint/2010/main" xmlns:p15="http://schemas.microsoft.com/office/powerpoint/2012/main" matchingName="Main point">
+<p:sldLayout xmlns:a="http://schemas.openxmlformats.org/drawingml/2006/main" xmlns:r="http://schemas.openxmlformats.org/officeDocument/2006/relationships" xmlns:p="http://schemas.openxmlformats.org/presentationml/2006/main" matchingName="Main point">
   <p:cSld name="MAIN_POINT">
     <p:spTree>
       <p:nvGrpSpPr>
-        <p:cNvPr id="32" name="Shape 32"/>
+        <p:cNvPr id="1" name="Shape 32"/>
         <p:cNvGrpSpPr/>
         <p:nvPr/>
       </p:nvGrpSpPr>
@@ -5013,7 +5217,9 @@
       <p:sp>
         <p:nvSpPr>
           <p:cNvPr id="33" name="Shape 33"/>
-          <p:cNvSpPr txBox="1"/>
+          <p:cNvSpPr txBox="1">
+            <a:spLocks noGrp="1"/>
+          </p:cNvSpPr>
           <p:nvPr>
             <p:ph type="title"/>
           </p:nvPr>
@@ -5028,7 +5234,7 @@
           </a:prstGeom>
         </p:spPr>
         <p:txBody>
-          <a:bodyPr anchorCtr="0" anchor="ctr" bIns="91425" lIns="91425" spcFirstLastPara="1" rIns="91425" wrap="square" tIns="91425"/>
+          <a:bodyPr spcFirstLastPara="1" wrap="square" lIns="91425" tIns="91425" rIns="91425" bIns="91425" anchor="ctr" anchorCtr="0"/>
           <a:lstStyle>
             <a:lvl1pPr lvl="0">
               <a:spcBef>
@@ -5130,15 +5336,19 @@
               <a:defRPr sz="4800"/>
             </a:lvl9pPr>
           </a:lstStyle>
-          <a:p/>
+          <a:p>
+            <a:endParaRPr/>
+          </a:p>
         </p:txBody>
       </p:sp>
       <p:sp>
         <p:nvSpPr>
           <p:cNvPr id="34" name="Shape 34"/>
-          <p:cNvSpPr txBox="1"/>
+          <p:cNvSpPr txBox="1">
+            <a:spLocks noGrp="1"/>
+          </p:cNvSpPr>
           <p:nvPr>
-            <p:ph idx="12" type="sldNum"/>
+            <p:ph type="sldNum" idx="12"/>
           </p:nvPr>
         </p:nvSpPr>
         <p:spPr>
@@ -5151,7 +5361,7 @@
           </a:prstGeom>
         </p:spPr>
         <p:txBody>
-          <a:bodyPr anchorCtr="0" anchor="ctr" bIns="91425" lIns="91425" spcFirstLastPara="1" rIns="91425" wrap="square" tIns="91425">
+          <a:bodyPr spcFirstLastPara="1" wrap="square" lIns="91425" tIns="91425" rIns="91425" bIns="91425" anchor="ctr" anchorCtr="0">
             <a:noAutofit/>
           </a:bodyPr>
           <a:lstStyle>
@@ -5193,7 +5403,7 @@
             </a:lvl9pPr>
           </a:lstStyle>
           <a:p>
-            <a:pPr indent="0" lvl="0" marL="0">
+            <a:pPr marL="0" lvl="0" indent="0">
               <a:spcBef>
                 <a:spcPts val="0"/>
               </a:spcBef>
@@ -5219,11 +5429,11 @@
 </file>
 
 <file path=ppt/slideLayouts/slideLayout8.xml><?xml version="1.0" encoding="utf-8"?>
-<p:sldLayout xmlns:a="http://schemas.openxmlformats.org/drawingml/2006/main" xmlns:r="http://schemas.openxmlformats.org/officeDocument/2006/relationships" xmlns:mc="http://schemas.openxmlformats.org/markup-compatibility/2006" xmlns:mv="urn:schemas-microsoft-com:mac:vml" xmlns:p="http://schemas.openxmlformats.org/presentationml/2006/main" xmlns:c="http://schemas.openxmlformats.org/drawingml/2006/chart" xmlns:dgm="http://schemas.openxmlformats.org/drawingml/2006/diagram" xmlns:o="urn:schemas-microsoft-com:office:office" xmlns:v="urn:schemas-microsoft-com:vml" xmlns:pvml="urn:schemas-microsoft-com:office:powerpoint" xmlns:com="http://schemas.openxmlformats.org/drawingml/2006/compatibility" xmlns:p14="http://schemas.microsoft.com/office/powerpoint/2010/main" xmlns:p15="http://schemas.microsoft.com/office/powerpoint/2012/main" matchingName="Section title and description">
+<p:sldLayout xmlns:a="http://schemas.openxmlformats.org/drawingml/2006/main" xmlns:r="http://schemas.openxmlformats.org/officeDocument/2006/relationships" xmlns:p="http://schemas.openxmlformats.org/presentationml/2006/main" matchingName="Section title and description">
   <p:cSld name="SECTION_TITLE_AND_DESCRIPTION">
     <p:spTree>
       <p:nvGrpSpPr>
-        <p:cNvPr id="35" name="Shape 35"/>
+        <p:cNvPr id="1" name="Shape 35"/>
         <p:cNvGrpSpPr/>
         <p:nvPr/>
       </p:nvGrpSpPr>
@@ -5257,23 +5467,20 @@
           </a:ln>
         </p:spPr>
         <p:txBody>
-          <a:bodyPr anchorCtr="0" anchor="ctr" bIns="91425" lIns="91425" spcFirstLastPara="1" rIns="91425" wrap="square" tIns="91425">
+          <a:bodyPr spcFirstLastPara="1" wrap="square" lIns="91425" tIns="91425" rIns="91425" bIns="91425" anchor="ctr" anchorCtr="0">
             <a:noAutofit/>
           </a:bodyPr>
           <a:lstStyle/>
           <a:p>
-            <a:pPr indent="0" lvl="0" marL="0">
-              <a:spcBef>
-                <a:spcPts val="0"/>
-              </a:spcBef>
-              <a:spcAft>
-                <a:spcPts val="0"/>
-              </a:spcAft>
-              <a:buNone/>
-            </a:pPr>
-            <a:r>
-              <a:t/>
-            </a:r>
+            <a:pPr marL="0" lvl="0" indent="0">
+              <a:spcBef>
+                <a:spcPts val="0"/>
+              </a:spcBef>
+              <a:spcAft>
+                <a:spcPts val="0"/>
+              </a:spcAft>
+              <a:buNone/>
+            </a:pPr>
             <a:endParaRPr/>
           </a:p>
         </p:txBody>
@@ -5281,7 +5488,9 @@
       <p:sp>
         <p:nvSpPr>
           <p:cNvPr id="37" name="Shape 37"/>
-          <p:cNvSpPr txBox="1"/>
+          <p:cNvSpPr txBox="1">
+            <a:spLocks noGrp="1"/>
+          </p:cNvSpPr>
           <p:nvPr>
             <p:ph type="title"/>
           </p:nvPr>
@@ -5296,7 +5505,7 @@
           </a:prstGeom>
         </p:spPr>
         <p:txBody>
-          <a:bodyPr anchorCtr="0" anchor="b" bIns="91425" lIns="91425" spcFirstLastPara="1" rIns="91425" wrap="square" tIns="91425"/>
+          <a:bodyPr spcFirstLastPara="1" wrap="square" lIns="91425" tIns="91425" rIns="91425" bIns="91425" anchor="b" anchorCtr="0"/>
           <a:lstStyle>
             <a:lvl1pPr lvl="0" algn="ctr">
               <a:spcBef>
@@ -5398,15 +5607,19 @@
               <a:defRPr sz="4200"/>
             </a:lvl9pPr>
           </a:lstStyle>
-          <a:p/>
+          <a:p>
+            <a:endParaRPr/>
+          </a:p>
         </p:txBody>
       </p:sp>
       <p:sp>
         <p:nvSpPr>
           <p:cNvPr id="38" name="Shape 38"/>
-          <p:cNvSpPr txBox="1"/>
+          <p:cNvSpPr txBox="1">
+            <a:spLocks noGrp="1"/>
+          </p:cNvSpPr>
           <p:nvPr>
-            <p:ph idx="1" type="subTitle"/>
+            <p:ph type="subTitle" idx="1"/>
           </p:nvPr>
         </p:nvSpPr>
         <p:spPr>
@@ -5419,7 +5632,7 @@
           </a:prstGeom>
         </p:spPr>
         <p:txBody>
-          <a:bodyPr anchorCtr="0" anchor="t" bIns="91425" lIns="91425" spcFirstLastPara="1" rIns="91425" wrap="square" tIns="91425"/>
+          <a:bodyPr spcFirstLastPara="1" wrap="square" lIns="91425" tIns="91425" rIns="91425" bIns="91425" anchor="t" anchorCtr="0"/>
           <a:lstStyle>
             <a:lvl1pPr lvl="0" algn="ctr">
               <a:lnSpc>
@@ -5548,15 +5761,19 @@
               <a:defRPr sz="2100"/>
             </a:lvl9pPr>
           </a:lstStyle>
-          <a:p/>
+          <a:p>
+            <a:endParaRPr/>
+          </a:p>
         </p:txBody>
       </p:sp>
       <p:sp>
         <p:nvSpPr>
           <p:cNvPr id="39" name="Shape 39"/>
-          <p:cNvSpPr txBox="1"/>
+          <p:cNvSpPr txBox="1">
+            <a:spLocks noGrp="1"/>
+          </p:cNvSpPr>
           <p:nvPr>
-            <p:ph idx="2" type="body"/>
+            <p:ph type="body" idx="2"/>
           </p:nvPr>
         </p:nvSpPr>
         <p:spPr>
@@ -5569,9 +5786,9 @@
           </a:prstGeom>
         </p:spPr>
         <p:txBody>
-          <a:bodyPr anchorCtr="0" anchor="ctr" bIns="91425" lIns="91425" spcFirstLastPara="1" rIns="91425" wrap="square" tIns="91425"/>
+          <a:bodyPr spcFirstLastPara="1" wrap="square" lIns="91425" tIns="91425" rIns="91425" bIns="91425" anchor="ctr" anchorCtr="0"/>
           <a:lstStyle>
-            <a:lvl1pPr indent="-342900" lvl="0" marL="457200">
+            <a:lvl1pPr marL="457200" lvl="0" indent="-342900">
               <a:spcBef>
                 <a:spcPts val="0"/>
               </a:spcBef>
@@ -5582,7 +5799,7 @@
               <a:buChar char="●"/>
               <a:defRPr/>
             </a:lvl1pPr>
-            <a:lvl2pPr indent="-317500" lvl="1" marL="914400">
+            <a:lvl2pPr marL="914400" lvl="1" indent="-317500">
               <a:spcBef>
                 <a:spcPts val="1600"/>
               </a:spcBef>
@@ -5593,7 +5810,7 @@
               <a:buChar char="○"/>
               <a:defRPr/>
             </a:lvl2pPr>
-            <a:lvl3pPr indent="-317500" lvl="2" marL="1371600">
+            <a:lvl3pPr marL="1371600" lvl="2" indent="-317500">
               <a:spcBef>
                 <a:spcPts val="1600"/>
               </a:spcBef>
@@ -5604,7 +5821,7 @@
               <a:buChar char="■"/>
               <a:defRPr/>
             </a:lvl3pPr>
-            <a:lvl4pPr indent="-317500" lvl="3" marL="1828800">
+            <a:lvl4pPr marL="1828800" lvl="3" indent="-317500">
               <a:spcBef>
                 <a:spcPts val="1600"/>
               </a:spcBef>
@@ -5615,7 +5832,7 @@
               <a:buChar char="●"/>
               <a:defRPr/>
             </a:lvl4pPr>
-            <a:lvl5pPr indent="-317500" lvl="4" marL="2286000">
+            <a:lvl5pPr marL="2286000" lvl="4" indent="-317500">
               <a:spcBef>
                 <a:spcPts val="1600"/>
               </a:spcBef>
@@ -5626,7 +5843,7 @@
               <a:buChar char="○"/>
               <a:defRPr/>
             </a:lvl5pPr>
-            <a:lvl6pPr indent="-317500" lvl="5" marL="2743200">
+            <a:lvl6pPr marL="2743200" lvl="5" indent="-317500">
               <a:spcBef>
                 <a:spcPts val="1600"/>
               </a:spcBef>
@@ -5637,7 +5854,7 @@
               <a:buChar char="■"/>
               <a:defRPr/>
             </a:lvl6pPr>
-            <a:lvl7pPr indent="-317500" lvl="6" marL="3200400">
+            <a:lvl7pPr marL="3200400" lvl="6" indent="-317500">
               <a:spcBef>
                 <a:spcPts val="1600"/>
               </a:spcBef>
@@ -5648,7 +5865,7 @@
               <a:buChar char="●"/>
               <a:defRPr/>
             </a:lvl7pPr>
-            <a:lvl8pPr indent="-317500" lvl="7" marL="3657600">
+            <a:lvl8pPr marL="3657600" lvl="7" indent="-317500">
               <a:spcBef>
                 <a:spcPts val="1600"/>
               </a:spcBef>
@@ -5659,7 +5876,7 @@
               <a:buChar char="○"/>
               <a:defRPr/>
             </a:lvl8pPr>
-            <a:lvl9pPr indent="-317500" lvl="8" marL="4114800">
+            <a:lvl9pPr marL="4114800" lvl="8" indent="-317500">
               <a:spcBef>
                 <a:spcPts val="1600"/>
               </a:spcBef>
@@ -5671,15 +5888,19 @@
               <a:defRPr/>
             </a:lvl9pPr>
           </a:lstStyle>
-          <a:p/>
+          <a:p>
+            <a:endParaRPr/>
+          </a:p>
         </p:txBody>
       </p:sp>
       <p:sp>
         <p:nvSpPr>
           <p:cNvPr id="40" name="Shape 40"/>
-          <p:cNvSpPr txBox="1"/>
+          <p:cNvSpPr txBox="1">
+            <a:spLocks noGrp="1"/>
+          </p:cNvSpPr>
           <p:nvPr>
-            <p:ph idx="12" type="sldNum"/>
+            <p:ph type="sldNum" idx="12"/>
           </p:nvPr>
         </p:nvSpPr>
         <p:spPr>
@@ -5692,7 +5913,7 @@
           </a:prstGeom>
         </p:spPr>
         <p:txBody>
-          <a:bodyPr anchorCtr="0" anchor="ctr" bIns="91425" lIns="91425" spcFirstLastPara="1" rIns="91425" wrap="square" tIns="91425">
+          <a:bodyPr spcFirstLastPara="1" wrap="square" lIns="91425" tIns="91425" rIns="91425" bIns="91425" anchor="ctr" anchorCtr="0">
             <a:noAutofit/>
           </a:bodyPr>
           <a:lstStyle>
@@ -5734,7 +5955,7 @@
             </a:lvl9pPr>
           </a:lstStyle>
           <a:p>
-            <a:pPr indent="0" lvl="0" marL="0">
+            <a:pPr marL="0" lvl="0" indent="0">
               <a:spcBef>
                 <a:spcPts val="0"/>
               </a:spcBef>
@@ -5760,11 +5981,11 @@
 </file>
 
 <file path=ppt/slideLayouts/slideLayout9.xml><?xml version="1.0" encoding="utf-8"?>
-<p:sldLayout xmlns:a="http://schemas.openxmlformats.org/drawingml/2006/main" xmlns:r="http://schemas.openxmlformats.org/officeDocument/2006/relationships" xmlns:mc="http://schemas.openxmlformats.org/markup-compatibility/2006" xmlns:mv="urn:schemas-microsoft-com:mac:vml" xmlns:p="http://schemas.openxmlformats.org/presentationml/2006/main" xmlns:c="http://schemas.openxmlformats.org/drawingml/2006/chart" xmlns:dgm="http://schemas.openxmlformats.org/drawingml/2006/diagram" xmlns:o="urn:schemas-microsoft-com:office:office" xmlns:v="urn:schemas-microsoft-com:vml" xmlns:pvml="urn:schemas-microsoft-com:office:powerpoint" xmlns:com="http://schemas.openxmlformats.org/drawingml/2006/compatibility" xmlns:p14="http://schemas.microsoft.com/office/powerpoint/2010/main" xmlns:p15="http://schemas.microsoft.com/office/powerpoint/2012/main" matchingName="Caption">
+<p:sldLayout xmlns:a="http://schemas.openxmlformats.org/drawingml/2006/main" xmlns:r="http://schemas.openxmlformats.org/officeDocument/2006/relationships" xmlns:p="http://schemas.openxmlformats.org/presentationml/2006/main" matchingName="Caption">
   <p:cSld name="CAPTION_ONLY">
     <p:spTree>
       <p:nvGrpSpPr>
-        <p:cNvPr id="41" name="Shape 41"/>
+        <p:cNvPr id="1" name="Shape 41"/>
         <p:cNvGrpSpPr/>
         <p:nvPr/>
       </p:nvGrpSpPr>
@@ -5779,9 +6000,11 @@
       <p:sp>
         <p:nvSpPr>
           <p:cNvPr id="42" name="Shape 42"/>
-          <p:cNvSpPr txBox="1"/>
+          <p:cNvSpPr txBox="1">
+            <a:spLocks noGrp="1"/>
+          </p:cNvSpPr>
           <p:nvPr>
-            <p:ph idx="1" type="body"/>
+            <p:ph type="body" idx="1"/>
           </p:nvPr>
         </p:nvSpPr>
         <p:spPr>
@@ -5794,9 +6017,9 @@
           </a:prstGeom>
         </p:spPr>
         <p:txBody>
-          <a:bodyPr anchorCtr="0" anchor="ctr" bIns="91425" lIns="91425" spcFirstLastPara="1" rIns="91425" wrap="square" tIns="91425"/>
+          <a:bodyPr spcFirstLastPara="1" wrap="square" lIns="91425" tIns="91425" rIns="91425" bIns="91425" anchor="ctr" anchorCtr="0"/>
           <a:lstStyle>
-            <a:lvl1pPr indent="-228600" lvl="0" marL="457200">
+            <a:lvl1pPr marL="457200" lvl="0" indent="-228600">
               <a:lnSpc>
                 <a:spcPct val="100000"/>
               </a:lnSpc>
@@ -5811,15 +6034,19 @@
               <a:defRPr/>
             </a:lvl1pPr>
           </a:lstStyle>
-          <a:p/>
+          <a:p>
+            <a:endParaRPr/>
+          </a:p>
         </p:txBody>
       </p:sp>
       <p:sp>
         <p:nvSpPr>
           <p:cNvPr id="43" name="Shape 43"/>
-          <p:cNvSpPr txBox="1"/>
+          <p:cNvSpPr txBox="1">
+            <a:spLocks noGrp="1"/>
+          </p:cNvSpPr>
           <p:nvPr>
-            <p:ph idx="12" type="sldNum"/>
+            <p:ph type="sldNum" idx="12"/>
           </p:nvPr>
         </p:nvSpPr>
         <p:spPr>
@@ -5832,7 +6059,7 @@
           </a:prstGeom>
         </p:spPr>
         <p:txBody>
-          <a:bodyPr anchorCtr="0" anchor="ctr" bIns="91425" lIns="91425" spcFirstLastPara="1" rIns="91425" wrap="square" tIns="91425">
+          <a:bodyPr spcFirstLastPara="1" wrap="square" lIns="91425" tIns="91425" rIns="91425" bIns="91425" anchor="ctr" anchorCtr="0">
             <a:noAutofit/>
           </a:bodyPr>
           <a:lstStyle>
@@ -5874,7 +6101,7 @@
             </a:lvl9pPr>
           </a:lstStyle>
           <a:p>
-            <a:pPr indent="0" lvl="0" marL="0">
+            <a:pPr marL="0" lvl="0" indent="0">
               <a:spcBef>
                 <a:spcPts val="0"/>
               </a:spcBef>
@@ -5900,18 +6127,19 @@
 </file>
 
 <file path=ppt/slideMasters/slideMaster1.xml><?xml version="1.0" encoding="utf-8"?>
-<p:sldMaster xmlns:a="http://schemas.openxmlformats.org/drawingml/2006/main" xmlns:r="http://schemas.openxmlformats.org/officeDocument/2006/relationships" xmlns:mc="http://schemas.openxmlformats.org/markup-compatibility/2006" xmlns:mv="urn:schemas-microsoft-com:mac:vml" xmlns:p="http://schemas.openxmlformats.org/presentationml/2006/main" xmlns:c="http://schemas.openxmlformats.org/drawingml/2006/chart" xmlns:dgm="http://schemas.openxmlformats.org/drawingml/2006/diagram" xmlns:o="urn:schemas-microsoft-com:office:office" xmlns:v="urn:schemas-microsoft-com:vml" xmlns:pvml="urn:schemas-microsoft-com:office:powerpoint" xmlns:com="http://schemas.openxmlformats.org/drawingml/2006/compatibility" xmlns:p14="http://schemas.microsoft.com/office/powerpoint/2010/main" xmlns:p15="http://schemas.microsoft.com/office/powerpoint/2012/main">
+<p:sldMaster xmlns:a="http://schemas.openxmlformats.org/drawingml/2006/main" xmlns:r="http://schemas.openxmlformats.org/officeDocument/2006/relationships" xmlns:p="http://schemas.openxmlformats.org/presentationml/2006/main">
   <p:cSld name="simple-light-2">
     <p:bg>
       <p:bgPr>
         <a:solidFill>
           <a:schemeClr val="lt1"/>
         </a:solidFill>
+        <a:effectLst/>
       </p:bgPr>
     </p:bg>
     <p:spTree>
       <p:nvGrpSpPr>
-        <p:cNvPr id="5" name="Shape 5"/>
+        <p:cNvPr id="1" name="Shape 5"/>
         <p:cNvGrpSpPr/>
         <p:nvPr/>
       </p:nvGrpSpPr>
@@ -5926,7 +6154,9 @@
       <p:sp>
         <p:nvSpPr>
           <p:cNvPr id="6" name="Shape 6"/>
-          <p:cNvSpPr txBox="1"/>
+          <p:cNvSpPr txBox="1">
+            <a:spLocks noGrp="1"/>
+          </p:cNvSpPr>
           <p:nvPr>
             <p:ph type="title"/>
           </p:nvPr>
@@ -5945,7 +6175,7 @@
           </a:ln>
         </p:spPr>
         <p:txBody>
-          <a:bodyPr anchorCtr="0" anchor="t" bIns="91425" lIns="91425" spcFirstLastPara="1" rIns="91425" wrap="square" tIns="91425"/>
+          <a:bodyPr spcFirstLastPara="1" wrap="square" lIns="91425" tIns="91425" rIns="91425" bIns="91425" anchor="t" anchorCtr="0"/>
           <a:lstStyle>
             <a:lvl1pPr lvl="0">
               <a:spcBef>
@@ -6110,15 +6340,19 @@
               </a:defRPr>
             </a:lvl9pPr>
           </a:lstStyle>
-          <a:p/>
+          <a:p>
+            <a:endParaRPr/>
+          </a:p>
         </p:txBody>
       </p:sp>
       <p:sp>
         <p:nvSpPr>
           <p:cNvPr id="7" name="Shape 7"/>
-          <p:cNvSpPr txBox="1"/>
+          <p:cNvSpPr txBox="1">
+            <a:spLocks noGrp="1"/>
+          </p:cNvSpPr>
           <p:nvPr>
-            <p:ph idx="1" type="body"/>
+            <p:ph type="body" idx="1"/>
           </p:nvPr>
         </p:nvSpPr>
         <p:spPr>
@@ -6135,9 +6369,9 @@
           </a:ln>
         </p:spPr>
         <p:txBody>
-          <a:bodyPr anchorCtr="0" anchor="t" bIns="91425" lIns="91425" spcFirstLastPara="1" rIns="91425" wrap="square" tIns="91425"/>
+          <a:bodyPr spcFirstLastPara="1" wrap="square" lIns="91425" tIns="91425" rIns="91425" bIns="91425" anchor="t" anchorCtr="0"/>
           <a:lstStyle>
-            <a:lvl1pPr indent="-342900" lvl="0" marL="457200">
+            <a:lvl1pPr marL="457200" lvl="0" indent="-342900">
               <a:lnSpc>
                 <a:spcPct val="115000"/>
               </a:lnSpc>
@@ -6158,7 +6392,7 @@
                 </a:solidFill>
               </a:defRPr>
             </a:lvl1pPr>
-            <a:lvl2pPr indent="-317500" lvl="1" marL="914400">
+            <a:lvl2pPr marL="914400" lvl="1" indent="-317500">
               <a:lnSpc>
                 <a:spcPct val="115000"/>
               </a:lnSpc>
@@ -6179,7 +6413,7 @@
                 </a:solidFill>
               </a:defRPr>
             </a:lvl2pPr>
-            <a:lvl3pPr indent="-317500" lvl="2" marL="1371600">
+            <a:lvl3pPr marL="1371600" lvl="2" indent="-317500">
               <a:lnSpc>
                 <a:spcPct val="115000"/>
               </a:lnSpc>
@@ -6200,7 +6434,7 @@
                 </a:solidFill>
               </a:defRPr>
             </a:lvl3pPr>
-            <a:lvl4pPr indent="-317500" lvl="3" marL="1828800">
+            <a:lvl4pPr marL="1828800" lvl="3" indent="-317500">
               <a:lnSpc>
                 <a:spcPct val="115000"/>
               </a:lnSpc>
@@ -6221,7 +6455,7 @@
                 </a:solidFill>
               </a:defRPr>
             </a:lvl4pPr>
-            <a:lvl5pPr indent="-317500" lvl="4" marL="2286000">
+            <a:lvl5pPr marL="2286000" lvl="4" indent="-317500">
               <a:lnSpc>
                 <a:spcPct val="115000"/>
               </a:lnSpc>
@@ -6242,7 +6476,7 @@
                 </a:solidFill>
               </a:defRPr>
             </a:lvl5pPr>
-            <a:lvl6pPr indent="-317500" lvl="5" marL="2743200">
+            <a:lvl6pPr marL="2743200" lvl="5" indent="-317500">
               <a:lnSpc>
                 <a:spcPct val="115000"/>
               </a:lnSpc>
@@ -6263,7 +6497,7 @@
                 </a:solidFill>
               </a:defRPr>
             </a:lvl6pPr>
-            <a:lvl7pPr indent="-317500" lvl="6" marL="3200400">
+            <a:lvl7pPr marL="3200400" lvl="6" indent="-317500">
               <a:lnSpc>
                 <a:spcPct val="115000"/>
               </a:lnSpc>
@@ -6284,7 +6518,7 @@
                 </a:solidFill>
               </a:defRPr>
             </a:lvl7pPr>
-            <a:lvl8pPr indent="-317500" lvl="7" marL="3657600">
+            <a:lvl8pPr marL="3657600" lvl="7" indent="-317500">
               <a:lnSpc>
                 <a:spcPct val="115000"/>
               </a:lnSpc>
@@ -6305,7 +6539,7 @@
                 </a:solidFill>
               </a:defRPr>
             </a:lvl8pPr>
-            <a:lvl9pPr indent="-317500" lvl="8" marL="4114800">
+            <a:lvl9pPr marL="4114800" lvl="8" indent="-317500">
               <a:lnSpc>
                 <a:spcPct val="115000"/>
               </a:lnSpc>
@@ -6327,15 +6561,19 @@
               </a:defRPr>
             </a:lvl9pPr>
           </a:lstStyle>
-          <a:p/>
+          <a:p>
+            <a:endParaRPr/>
+          </a:p>
         </p:txBody>
       </p:sp>
       <p:sp>
         <p:nvSpPr>
           <p:cNvPr id="8" name="Shape 8"/>
-          <p:cNvSpPr txBox="1"/>
+          <p:cNvSpPr txBox="1">
+            <a:spLocks noGrp="1"/>
+          </p:cNvSpPr>
           <p:nvPr>
-            <p:ph idx="12" type="sldNum"/>
+            <p:ph type="sldNum" idx="12"/>
           </p:nvPr>
         </p:nvSpPr>
         <p:spPr>
@@ -6352,7 +6590,7 @@
           </a:ln>
         </p:spPr>
         <p:txBody>
-          <a:bodyPr anchorCtr="0" anchor="ctr" bIns="91425" lIns="91425" spcFirstLastPara="1" rIns="91425" wrap="square" tIns="91425">
+          <a:bodyPr spcFirstLastPara="1" wrap="square" lIns="91425" tIns="91425" rIns="91425" bIns="91425" anchor="ctr" anchorCtr="0">
             <a:noAutofit/>
           </a:bodyPr>
           <a:lstStyle>
@@ -6430,7 +6668,7 @@
             </a:lvl9pPr>
           </a:lstStyle>
           <a:p>
-            <a:pPr indent="0" lvl="0" marL="0">
+            <a:pPr marL="0" lvl="0" indent="0">
               <a:spcBef>
                 <a:spcPts val="0"/>
               </a:spcBef>
@@ -6449,7 +6687,7 @@
       </p:sp>
     </p:spTree>
   </p:cSld>
-  <p:clrMap accent1="accent1" accent2="accent2" accent3="accent3" accent4="accent4" accent5="accent5" accent6="accent6" bg1="lt1" bg2="dk2" tx1="dk1" tx2="lt2" folHlink="folHlink" hlink="hlink"/>
+  <p:clrMap bg1="lt1" tx1="dk1" bg2="dk2" tx2="lt2" accent1="accent1" accent2="accent2" accent3="accent3" accent4="accent4" accent5="accent5" accent6="accent6" hlink="hlink" folHlink="folHlink"/>
   <p:sldLayoutIdLst>
     <p:sldLayoutId id="2147483648" r:id="rId1"/>
     <p:sldLayoutId id="2147483649" r:id="rId2"/>
@@ -6463,10 +6701,10 @@
     <p:sldLayoutId id="2147483657" r:id="rId10"/>
     <p:sldLayoutId id="2147483658" r:id="rId11"/>
   </p:sldLayoutIdLst>
-  <p:hf dt="0" ftr="0" hdr="0" sldNum="0"/>
+  <p:hf sldNum="0" hdr="0" ftr="0" dt="0"/>
   <p:txStyles>
     <p:titleStyle>
-      <a:defPPr lvl="0" marR="0" rtl="0" algn="l">
+      <a:defPPr marR="0" lvl="0" algn="l" rtl="0">
         <a:lnSpc>
           <a:spcPct val="100000"/>
         </a:lnSpc>
@@ -6477,7 +6715,7 @@
           <a:spcPts val="0"/>
         </a:spcAft>
       </a:defPPr>
-      <a:lvl1pPr lvl="0" marR="0" rtl="0" algn="l">
+      <a:lvl1pPr marR="0" lvl="0" algn="l" rtl="0">
         <a:lnSpc>
           <a:spcPct val="100000"/>
         </a:lnSpc>
@@ -6491,7 +6729,7 @@
           <a:srgbClr val="000000"/>
         </a:buClr>
         <a:buFont typeface="Arial"/>
-        <a:defRPr b="0" i="0" sz="1400" u="none" cap="none" strike="noStrike">
+        <a:defRPr sz="1400" b="0" i="0" u="none" strike="noStrike" cap="none">
           <a:solidFill>
             <a:srgbClr val="000000"/>
           </a:solidFill>
@@ -6501,7 +6739,7 @@
           <a:sym typeface="Arial"/>
         </a:defRPr>
       </a:lvl1pPr>
-      <a:lvl2pPr lvl="1" marR="0" rtl="0" algn="l">
+      <a:lvl2pPr marR="0" lvl="1" algn="l" rtl="0">
         <a:lnSpc>
           <a:spcPct val="100000"/>
         </a:lnSpc>
@@ -6515,7 +6753,7 @@
           <a:srgbClr val="000000"/>
         </a:buClr>
         <a:buFont typeface="Arial"/>
-        <a:defRPr b="0" i="0" sz="1400" u="none" cap="none" strike="noStrike">
+        <a:defRPr sz="1400" b="0" i="0" u="none" strike="noStrike" cap="none">
           <a:solidFill>
             <a:srgbClr val="000000"/>
           </a:solidFill>
@@ -6525,7 +6763,7 @@
           <a:sym typeface="Arial"/>
         </a:defRPr>
       </a:lvl2pPr>
-      <a:lvl3pPr lvl="2" marR="0" rtl="0" algn="l">
+      <a:lvl3pPr marR="0" lvl="2" algn="l" rtl="0">
         <a:lnSpc>
           <a:spcPct val="100000"/>
         </a:lnSpc>
@@ -6539,7 +6777,7 @@
           <a:srgbClr val="000000"/>
         </a:buClr>
         <a:buFont typeface="Arial"/>
-        <a:defRPr b="0" i="0" sz="1400" u="none" cap="none" strike="noStrike">
+        <a:defRPr sz="1400" b="0" i="0" u="none" strike="noStrike" cap="none">
           <a:solidFill>
             <a:srgbClr val="000000"/>
           </a:solidFill>
@@ -6549,7 +6787,7 @@
           <a:sym typeface="Arial"/>
         </a:defRPr>
       </a:lvl3pPr>
-      <a:lvl4pPr lvl="3" marR="0" rtl="0" algn="l">
+      <a:lvl4pPr marR="0" lvl="3" algn="l" rtl="0">
         <a:lnSpc>
           <a:spcPct val="100000"/>
         </a:lnSpc>
@@ -6563,7 +6801,7 @@
           <a:srgbClr val="000000"/>
         </a:buClr>
         <a:buFont typeface="Arial"/>
-        <a:defRPr b="0" i="0" sz="1400" u="none" cap="none" strike="noStrike">
+        <a:defRPr sz="1400" b="0" i="0" u="none" strike="noStrike" cap="none">
           <a:solidFill>
             <a:srgbClr val="000000"/>
           </a:solidFill>
@@ -6573,7 +6811,7 @@
           <a:sym typeface="Arial"/>
         </a:defRPr>
       </a:lvl4pPr>
-      <a:lvl5pPr lvl="4" marR="0" rtl="0" algn="l">
+      <a:lvl5pPr marR="0" lvl="4" algn="l" rtl="0">
         <a:lnSpc>
           <a:spcPct val="100000"/>
         </a:lnSpc>
@@ -6587,7 +6825,7 @@
           <a:srgbClr val="000000"/>
         </a:buClr>
         <a:buFont typeface="Arial"/>
-        <a:defRPr b="0" i="0" sz="1400" u="none" cap="none" strike="noStrike">
+        <a:defRPr sz="1400" b="0" i="0" u="none" strike="noStrike" cap="none">
           <a:solidFill>
             <a:srgbClr val="000000"/>
           </a:solidFill>
@@ -6597,7 +6835,7 @@
           <a:sym typeface="Arial"/>
         </a:defRPr>
       </a:lvl5pPr>
-      <a:lvl6pPr lvl="5" marR="0" rtl="0" algn="l">
+      <a:lvl6pPr marR="0" lvl="5" algn="l" rtl="0">
         <a:lnSpc>
           <a:spcPct val="100000"/>
         </a:lnSpc>
@@ -6611,7 +6849,7 @@
           <a:srgbClr val="000000"/>
         </a:buClr>
         <a:buFont typeface="Arial"/>
-        <a:defRPr b="0" i="0" sz="1400" u="none" cap="none" strike="noStrike">
+        <a:defRPr sz="1400" b="0" i="0" u="none" strike="noStrike" cap="none">
           <a:solidFill>
             <a:srgbClr val="000000"/>
           </a:solidFill>
@@ -6621,7 +6859,7 @@
           <a:sym typeface="Arial"/>
         </a:defRPr>
       </a:lvl6pPr>
-      <a:lvl7pPr lvl="6" marR="0" rtl="0" algn="l">
+      <a:lvl7pPr marR="0" lvl="6" algn="l" rtl="0">
         <a:lnSpc>
           <a:spcPct val="100000"/>
         </a:lnSpc>
@@ -6635,7 +6873,7 @@
           <a:srgbClr val="000000"/>
         </a:buClr>
         <a:buFont typeface="Arial"/>
-        <a:defRPr b="0" i="0" sz="1400" u="none" cap="none" strike="noStrike">
+        <a:defRPr sz="1400" b="0" i="0" u="none" strike="noStrike" cap="none">
           <a:solidFill>
             <a:srgbClr val="000000"/>
           </a:solidFill>
@@ -6645,7 +6883,7 @@
           <a:sym typeface="Arial"/>
         </a:defRPr>
       </a:lvl7pPr>
-      <a:lvl8pPr lvl="7" marR="0" rtl="0" algn="l">
+      <a:lvl8pPr marR="0" lvl="7" algn="l" rtl="0">
         <a:lnSpc>
           <a:spcPct val="100000"/>
         </a:lnSpc>
@@ -6659,7 +6897,7 @@
           <a:srgbClr val="000000"/>
         </a:buClr>
         <a:buFont typeface="Arial"/>
-        <a:defRPr b="0" i="0" sz="1400" u="none" cap="none" strike="noStrike">
+        <a:defRPr sz="1400" b="0" i="0" u="none" strike="noStrike" cap="none">
           <a:solidFill>
             <a:srgbClr val="000000"/>
           </a:solidFill>
@@ -6669,7 +6907,7 @@
           <a:sym typeface="Arial"/>
         </a:defRPr>
       </a:lvl8pPr>
-      <a:lvl9pPr lvl="8" marR="0" rtl="0" algn="l">
+      <a:lvl9pPr marR="0" lvl="8" algn="l" rtl="0">
         <a:lnSpc>
           <a:spcPct val="100000"/>
         </a:lnSpc>
@@ -6683,7 +6921,7 @@
           <a:srgbClr val="000000"/>
         </a:buClr>
         <a:buFont typeface="Arial"/>
-        <a:defRPr b="0" i="0" sz="1400" u="none" cap="none" strike="noStrike">
+        <a:defRPr sz="1400" b="0" i="0" u="none" strike="noStrike" cap="none">
           <a:solidFill>
             <a:srgbClr val="000000"/>
           </a:solidFill>
@@ -6695,7 +6933,7 @@
       </a:lvl9pPr>
     </p:titleStyle>
     <p:bodyStyle>
-      <a:defPPr lvl="0" marR="0" rtl="0" algn="l">
+      <a:defPPr marR="0" lvl="0" algn="l" rtl="0">
         <a:lnSpc>
           <a:spcPct val="100000"/>
         </a:lnSpc>
@@ -6706,7 +6944,7 @@
           <a:spcPts val="0"/>
         </a:spcAft>
       </a:defPPr>
-      <a:lvl1pPr lvl="0" marR="0" rtl="0" algn="l">
+      <a:lvl1pPr marR="0" lvl="0" algn="l" rtl="0">
         <a:lnSpc>
           <a:spcPct val="100000"/>
         </a:lnSpc>
@@ -6720,7 +6958,7 @@
           <a:srgbClr val="000000"/>
         </a:buClr>
         <a:buFont typeface="Arial"/>
-        <a:defRPr b="0" i="0" sz="1400" u="none" cap="none" strike="noStrike">
+        <a:defRPr sz="1400" b="0" i="0" u="none" strike="noStrike" cap="none">
           <a:solidFill>
             <a:srgbClr val="000000"/>
           </a:solidFill>
@@ -6730,7 +6968,7 @@
           <a:sym typeface="Arial"/>
         </a:defRPr>
       </a:lvl1pPr>
-      <a:lvl2pPr lvl="1" marR="0" rtl="0" algn="l">
+      <a:lvl2pPr marR="0" lvl="1" algn="l" rtl="0">
         <a:lnSpc>
           <a:spcPct val="100000"/>
         </a:lnSpc>
@@ -6744,7 +6982,7 @@
           <a:srgbClr val="000000"/>
         </a:buClr>
         <a:buFont typeface="Arial"/>
-        <a:defRPr b="0" i="0" sz="1400" u="none" cap="none" strike="noStrike">
+        <a:defRPr sz="1400" b="0" i="0" u="none" strike="noStrike" cap="none">
           <a:solidFill>
             <a:srgbClr val="000000"/>
           </a:solidFill>
@@ -6754,7 +6992,7 @@
           <a:sym typeface="Arial"/>
         </a:defRPr>
       </a:lvl2pPr>
-      <a:lvl3pPr lvl="2" marR="0" rtl="0" algn="l">
+      <a:lvl3pPr marR="0" lvl="2" algn="l" rtl="0">
         <a:lnSpc>
           <a:spcPct val="100000"/>
         </a:lnSpc>
@@ -6768,7 +7006,7 @@
           <a:srgbClr val="000000"/>
         </a:buClr>
         <a:buFont typeface="Arial"/>
-        <a:defRPr b="0" i="0" sz="1400" u="none" cap="none" strike="noStrike">
+        <a:defRPr sz="1400" b="0" i="0" u="none" strike="noStrike" cap="none">
           <a:solidFill>
             <a:srgbClr val="000000"/>
           </a:solidFill>
@@ -6778,7 +7016,7 @@
           <a:sym typeface="Arial"/>
         </a:defRPr>
       </a:lvl3pPr>
-      <a:lvl4pPr lvl="3" marR="0" rtl="0" algn="l">
+      <a:lvl4pPr marR="0" lvl="3" algn="l" rtl="0">
         <a:lnSpc>
           <a:spcPct val="100000"/>
         </a:lnSpc>
@@ -6792,7 +7030,7 @@
           <a:srgbClr val="000000"/>
         </a:buClr>
         <a:buFont typeface="Arial"/>
-        <a:defRPr b="0" i="0" sz="1400" u="none" cap="none" strike="noStrike">
+        <a:defRPr sz="1400" b="0" i="0" u="none" strike="noStrike" cap="none">
           <a:solidFill>
             <a:srgbClr val="000000"/>
           </a:solidFill>
@@ -6802,7 +7040,7 @@
           <a:sym typeface="Arial"/>
         </a:defRPr>
       </a:lvl4pPr>
-      <a:lvl5pPr lvl="4" marR="0" rtl="0" algn="l">
+      <a:lvl5pPr marR="0" lvl="4" algn="l" rtl="0">
         <a:lnSpc>
           <a:spcPct val="100000"/>
         </a:lnSpc>
@@ -6816,7 +7054,7 @@
           <a:srgbClr val="000000"/>
         </a:buClr>
         <a:buFont typeface="Arial"/>
-        <a:defRPr b="0" i="0" sz="1400" u="none" cap="none" strike="noStrike">
+        <a:defRPr sz="1400" b="0" i="0" u="none" strike="noStrike" cap="none">
           <a:solidFill>
             <a:srgbClr val="000000"/>
           </a:solidFill>
@@ -6826,7 +7064,7 @@
           <a:sym typeface="Arial"/>
         </a:defRPr>
       </a:lvl5pPr>
-      <a:lvl6pPr lvl="5" marR="0" rtl="0" algn="l">
+      <a:lvl6pPr marR="0" lvl="5" algn="l" rtl="0">
         <a:lnSpc>
           <a:spcPct val="100000"/>
         </a:lnSpc>
@@ -6840,7 +7078,7 @@
           <a:srgbClr val="000000"/>
         </a:buClr>
         <a:buFont typeface="Arial"/>
-        <a:defRPr b="0" i="0" sz="1400" u="none" cap="none" strike="noStrike">
+        <a:defRPr sz="1400" b="0" i="0" u="none" strike="noStrike" cap="none">
           <a:solidFill>
             <a:srgbClr val="000000"/>
           </a:solidFill>
@@ -6850,7 +7088,7 @@
           <a:sym typeface="Arial"/>
         </a:defRPr>
       </a:lvl6pPr>
-      <a:lvl7pPr lvl="6" marR="0" rtl="0" algn="l">
+      <a:lvl7pPr marR="0" lvl="6" algn="l" rtl="0">
         <a:lnSpc>
           <a:spcPct val="100000"/>
         </a:lnSpc>
@@ -6864,7 +7102,7 @@
           <a:srgbClr val="000000"/>
         </a:buClr>
         <a:buFont typeface="Arial"/>
-        <a:defRPr b="0" i="0" sz="1400" u="none" cap="none" strike="noStrike">
+        <a:defRPr sz="1400" b="0" i="0" u="none" strike="noStrike" cap="none">
           <a:solidFill>
             <a:srgbClr val="000000"/>
           </a:solidFill>
@@ -6874,7 +7112,7 @@
           <a:sym typeface="Arial"/>
         </a:defRPr>
       </a:lvl7pPr>
-      <a:lvl8pPr lvl="7" marR="0" rtl="0" algn="l">
+      <a:lvl8pPr marR="0" lvl="7" algn="l" rtl="0">
         <a:lnSpc>
           <a:spcPct val="100000"/>
         </a:lnSpc>
@@ -6888,7 +7126,7 @@
           <a:srgbClr val="000000"/>
         </a:buClr>
         <a:buFont typeface="Arial"/>
-        <a:defRPr b="0" i="0" sz="1400" u="none" cap="none" strike="noStrike">
+        <a:defRPr sz="1400" b="0" i="0" u="none" strike="noStrike" cap="none">
           <a:solidFill>
             <a:srgbClr val="000000"/>
           </a:solidFill>
@@ -6898,7 +7136,7 @@
           <a:sym typeface="Arial"/>
         </a:defRPr>
       </a:lvl8pPr>
-      <a:lvl9pPr lvl="8" marR="0" rtl="0" algn="l">
+      <a:lvl9pPr marR="0" lvl="8" algn="l" rtl="0">
         <a:lnSpc>
           <a:spcPct val="100000"/>
         </a:lnSpc>
@@ -6912,7 +7150,7 @@
           <a:srgbClr val="000000"/>
         </a:buClr>
         <a:buFont typeface="Arial"/>
-        <a:defRPr b="0" i="0" sz="1400" u="none" cap="none" strike="noStrike">
+        <a:defRPr sz="1400" b="0" i="0" u="none" strike="noStrike" cap="none">
           <a:solidFill>
             <a:srgbClr val="000000"/>
           </a:solidFill>
@@ -6924,7 +7162,7 @@
       </a:lvl9pPr>
     </p:bodyStyle>
     <p:otherStyle>
-      <a:defPPr lvl="0" marR="0" rtl="0" algn="l">
+      <a:defPPr marR="0" lvl="0" algn="l" rtl="0">
         <a:lnSpc>
           <a:spcPct val="100000"/>
         </a:lnSpc>
@@ -6935,7 +7173,7 @@
           <a:spcPts val="0"/>
         </a:spcAft>
       </a:defPPr>
-      <a:lvl1pPr lvl="0" marR="0" rtl="0" algn="l">
+      <a:lvl1pPr marR="0" lvl="0" algn="l" rtl="0">
         <a:lnSpc>
           <a:spcPct val="100000"/>
         </a:lnSpc>
@@ -6949,7 +7187,7 @@
           <a:srgbClr val="000000"/>
         </a:buClr>
         <a:buFont typeface="Arial"/>
-        <a:defRPr b="0" i="0" sz="1400" u="none" cap="none" strike="noStrike">
+        <a:defRPr sz="1400" b="0" i="0" u="none" strike="noStrike" cap="none">
           <a:solidFill>
             <a:srgbClr val="000000"/>
           </a:solidFill>
@@ -6959,7 +7197,7 @@
           <a:sym typeface="Arial"/>
         </a:defRPr>
       </a:lvl1pPr>
-      <a:lvl2pPr lvl="1" marR="0" rtl="0" algn="l">
+      <a:lvl2pPr marR="0" lvl="1" algn="l" rtl="0">
         <a:lnSpc>
           <a:spcPct val="100000"/>
         </a:lnSpc>
@@ -6973,7 +7211,7 @@
           <a:srgbClr val="000000"/>
         </a:buClr>
         <a:buFont typeface="Arial"/>
-        <a:defRPr b="0" i="0" sz="1400" u="none" cap="none" strike="noStrike">
+        <a:defRPr sz="1400" b="0" i="0" u="none" strike="noStrike" cap="none">
           <a:solidFill>
             <a:srgbClr val="000000"/>
           </a:solidFill>
@@ -6983,7 +7221,7 @@
           <a:sym typeface="Arial"/>
         </a:defRPr>
       </a:lvl2pPr>
-      <a:lvl3pPr lvl="2" marR="0" rtl="0" algn="l">
+      <a:lvl3pPr marR="0" lvl="2" algn="l" rtl="0">
         <a:lnSpc>
           <a:spcPct val="100000"/>
         </a:lnSpc>
@@ -6997,7 +7235,7 @@
           <a:srgbClr val="000000"/>
         </a:buClr>
         <a:buFont typeface="Arial"/>
-        <a:defRPr b="0" i="0" sz="1400" u="none" cap="none" strike="noStrike">
+        <a:defRPr sz="1400" b="0" i="0" u="none" strike="noStrike" cap="none">
           <a:solidFill>
             <a:srgbClr val="000000"/>
           </a:solidFill>
@@ -7007,7 +7245,7 @@
           <a:sym typeface="Arial"/>
         </a:defRPr>
       </a:lvl3pPr>
-      <a:lvl4pPr lvl="3" marR="0" rtl="0" algn="l">
+      <a:lvl4pPr marR="0" lvl="3" algn="l" rtl="0">
         <a:lnSpc>
           <a:spcPct val="100000"/>
         </a:lnSpc>
@@ -7021,7 +7259,7 @@
           <a:srgbClr val="000000"/>
         </a:buClr>
         <a:buFont typeface="Arial"/>
-        <a:defRPr b="0" i="0" sz="1400" u="none" cap="none" strike="noStrike">
+        <a:defRPr sz="1400" b="0" i="0" u="none" strike="noStrike" cap="none">
           <a:solidFill>
             <a:srgbClr val="000000"/>
           </a:solidFill>
@@ -7031,7 +7269,7 @@
           <a:sym typeface="Arial"/>
         </a:defRPr>
       </a:lvl4pPr>
-      <a:lvl5pPr lvl="4" marR="0" rtl="0" algn="l">
+      <a:lvl5pPr marR="0" lvl="4" algn="l" rtl="0">
         <a:lnSpc>
           <a:spcPct val="100000"/>
         </a:lnSpc>
@@ -7045,7 +7283,7 @@
           <a:srgbClr val="000000"/>
         </a:buClr>
         <a:buFont typeface="Arial"/>
-        <a:defRPr b="0" i="0" sz="1400" u="none" cap="none" strike="noStrike">
+        <a:defRPr sz="1400" b="0" i="0" u="none" strike="noStrike" cap="none">
           <a:solidFill>
             <a:srgbClr val="000000"/>
           </a:solidFill>
@@ -7055,7 +7293,7 @@
           <a:sym typeface="Arial"/>
         </a:defRPr>
       </a:lvl5pPr>
-      <a:lvl6pPr lvl="5" marR="0" rtl="0" algn="l">
+      <a:lvl6pPr marR="0" lvl="5" algn="l" rtl="0">
         <a:lnSpc>
           <a:spcPct val="100000"/>
         </a:lnSpc>
@@ -7069,7 +7307,7 @@
           <a:srgbClr val="000000"/>
         </a:buClr>
         <a:buFont typeface="Arial"/>
-        <a:defRPr b="0" i="0" sz="1400" u="none" cap="none" strike="noStrike">
+        <a:defRPr sz="1400" b="0" i="0" u="none" strike="noStrike" cap="none">
           <a:solidFill>
             <a:srgbClr val="000000"/>
           </a:solidFill>
@@ -7079,7 +7317,7 @@
           <a:sym typeface="Arial"/>
         </a:defRPr>
       </a:lvl6pPr>
-      <a:lvl7pPr lvl="6" marR="0" rtl="0" algn="l">
+      <a:lvl7pPr marR="0" lvl="6" algn="l" rtl="0">
         <a:lnSpc>
           <a:spcPct val="100000"/>
         </a:lnSpc>
@@ -7093,7 +7331,7 @@
           <a:srgbClr val="000000"/>
         </a:buClr>
         <a:buFont typeface="Arial"/>
-        <a:defRPr b="0" i="0" sz="1400" u="none" cap="none" strike="noStrike">
+        <a:defRPr sz="1400" b="0" i="0" u="none" strike="noStrike" cap="none">
           <a:solidFill>
             <a:srgbClr val="000000"/>
           </a:solidFill>
@@ -7103,7 +7341,7 @@
           <a:sym typeface="Arial"/>
         </a:defRPr>
       </a:lvl7pPr>
-      <a:lvl8pPr lvl="7" marR="0" rtl="0" algn="l">
+      <a:lvl8pPr marR="0" lvl="7" algn="l" rtl="0">
         <a:lnSpc>
           <a:spcPct val="100000"/>
         </a:lnSpc>
@@ -7117,7 +7355,7 @@
           <a:srgbClr val="000000"/>
         </a:buClr>
         <a:buFont typeface="Arial"/>
-        <a:defRPr b="0" i="0" sz="1400" u="none" cap="none" strike="noStrike">
+        <a:defRPr sz="1400" b="0" i="0" u="none" strike="noStrike" cap="none">
           <a:solidFill>
             <a:srgbClr val="000000"/>
           </a:solidFill>
@@ -7127,7 +7365,7 @@
           <a:sym typeface="Arial"/>
         </a:defRPr>
       </a:lvl8pPr>
-      <a:lvl9pPr lvl="8" marR="0" rtl="0" algn="l">
+      <a:lvl9pPr marR="0" lvl="8" algn="l" rtl="0">
         <a:lnSpc>
           <a:spcPct val="100000"/>
         </a:lnSpc>
@@ -7141,7 +7379,7 @@
           <a:srgbClr val="000000"/>
         </a:buClr>
         <a:buFont typeface="Arial"/>
-        <a:defRPr b="0" i="0" sz="1400" u="none" cap="none" strike="noStrike">
+        <a:defRPr sz="1400" b="0" i="0" u="none" strike="noStrike" cap="none">
           <a:solidFill>
             <a:srgbClr val="000000"/>
           </a:solidFill>
@@ -7157,11 +7395,11 @@
 </file>
 
 <file path=ppt/slides/slide1.xml><?xml version="1.0" encoding="utf-8"?>
-<p:sld xmlns:a="http://schemas.openxmlformats.org/drawingml/2006/main" xmlns:r="http://schemas.openxmlformats.org/officeDocument/2006/relationships" xmlns:mc="http://schemas.openxmlformats.org/markup-compatibility/2006" xmlns:mv="urn:schemas-microsoft-com:mac:vml" xmlns:p="http://schemas.openxmlformats.org/presentationml/2006/main" xmlns:c="http://schemas.openxmlformats.org/drawingml/2006/chart" xmlns:dgm="http://schemas.openxmlformats.org/drawingml/2006/diagram" xmlns:o="urn:schemas-microsoft-com:office:office" xmlns:v="urn:schemas-microsoft-com:vml" xmlns:pvml="urn:schemas-microsoft-com:office:powerpoint" xmlns:com="http://schemas.openxmlformats.org/drawingml/2006/compatibility" xmlns:p14="http://schemas.microsoft.com/office/powerpoint/2010/main" xmlns:p15="http://schemas.microsoft.com/office/powerpoint/2012/main">
+<p:sld xmlns:a="http://schemas.openxmlformats.org/drawingml/2006/main" xmlns:r="http://schemas.openxmlformats.org/officeDocument/2006/relationships" xmlns:p="http://schemas.openxmlformats.org/presentationml/2006/main">
   <p:cSld>
     <p:spTree>
       <p:nvGrpSpPr>
-        <p:cNvPr id="53" name="Shape 53"/>
+        <p:cNvPr id="1" name="Shape 53"/>
         <p:cNvGrpSpPr/>
         <p:nvPr/>
       </p:nvGrpSpPr>
@@ -7176,7 +7414,9 @@
       <p:sp>
         <p:nvSpPr>
           <p:cNvPr id="54" name="Shape 54"/>
-          <p:cNvSpPr txBox="1"/>
+          <p:cNvSpPr txBox="1">
+            <a:spLocks noGrp="1"/>
+          </p:cNvSpPr>
           <p:nvPr>
             <p:ph type="ctrTitle"/>
           </p:nvPr>
@@ -7191,12 +7431,12 @@
           </a:prstGeom>
         </p:spPr>
         <p:txBody>
-          <a:bodyPr anchorCtr="0" anchor="b" bIns="91425" lIns="91425" spcFirstLastPara="1" rIns="91425" wrap="square" tIns="91425">
+          <a:bodyPr spcFirstLastPara="1" wrap="square" lIns="91425" tIns="91425" rIns="91425" bIns="91425" anchor="b" anchorCtr="0">
             <a:noAutofit/>
           </a:bodyPr>
           <a:lstStyle/>
           <a:p>
-            <a:pPr indent="0" lvl="0" marL="0">
+            <a:pPr marL="0" lvl="0" indent="0">
               <a:spcBef>
                 <a:spcPts val="0"/>
               </a:spcBef>
@@ -7223,9 +7463,11 @@
       <p:sp>
         <p:nvSpPr>
           <p:cNvPr id="55" name="Shape 55"/>
-          <p:cNvSpPr txBox="1"/>
+          <p:cNvSpPr txBox="1">
+            <a:spLocks noGrp="1"/>
+          </p:cNvSpPr>
           <p:nvPr>
-            <p:ph idx="1" type="subTitle"/>
+            <p:ph type="subTitle" idx="1"/>
           </p:nvPr>
         </p:nvSpPr>
         <p:spPr>
@@ -7238,12 +7480,12 @@
           </a:prstGeom>
         </p:spPr>
         <p:txBody>
-          <a:bodyPr anchorCtr="0" anchor="t" bIns="91425" lIns="91425" spcFirstLastPara="1" rIns="91425" wrap="square" tIns="91425">
+          <a:bodyPr spcFirstLastPara="1" wrap="square" lIns="91425" tIns="91425" rIns="91425" bIns="91425" anchor="t" anchorCtr="0">
             <a:noAutofit/>
           </a:bodyPr>
           <a:lstStyle/>
           <a:p>
-            <a:pPr indent="0" lvl="0" marL="0">
+            <a:pPr marL="0" lvl="0" indent="0">
               <a:spcBef>
                 <a:spcPts val="0"/>
               </a:spcBef>
@@ -7269,11 +7511,11 @@
 </file>
 
 <file path=ppt/slides/slide10.xml><?xml version="1.0" encoding="utf-8"?>
-<p:sld xmlns:a="http://schemas.openxmlformats.org/drawingml/2006/main" xmlns:r="http://schemas.openxmlformats.org/officeDocument/2006/relationships" xmlns:mc="http://schemas.openxmlformats.org/markup-compatibility/2006" xmlns:mv="urn:schemas-microsoft-com:mac:vml" xmlns:p="http://schemas.openxmlformats.org/presentationml/2006/main" xmlns:c="http://schemas.openxmlformats.org/drawingml/2006/chart" xmlns:dgm="http://schemas.openxmlformats.org/drawingml/2006/diagram" xmlns:o="urn:schemas-microsoft-com:office:office" xmlns:v="urn:schemas-microsoft-com:vml" xmlns:pvml="urn:schemas-microsoft-com:office:powerpoint" xmlns:com="http://schemas.openxmlformats.org/drawingml/2006/compatibility" xmlns:p14="http://schemas.microsoft.com/office/powerpoint/2010/main" xmlns:p15="http://schemas.microsoft.com/office/powerpoint/2012/main">
+<p:sld xmlns:a="http://schemas.openxmlformats.org/drawingml/2006/main" xmlns:r="http://schemas.openxmlformats.org/officeDocument/2006/relationships" xmlns:p="http://schemas.openxmlformats.org/presentationml/2006/main">
   <p:cSld>
     <p:spTree>
       <p:nvGrpSpPr>
-        <p:cNvPr id="141" name="Shape 141"/>
+        <p:cNvPr id="1" name="Shape 141"/>
         <p:cNvGrpSpPr/>
         <p:nvPr/>
       </p:nvGrpSpPr>
@@ -7288,7 +7530,9 @@
       <p:sp>
         <p:nvSpPr>
           <p:cNvPr id="142" name="Shape 142"/>
-          <p:cNvSpPr txBox="1"/>
+          <p:cNvSpPr txBox="1">
+            <a:spLocks noGrp="1"/>
+          </p:cNvSpPr>
           <p:nvPr>
             <p:ph type="title"/>
           </p:nvPr>
@@ -7303,12 +7547,12 @@
           </a:prstGeom>
         </p:spPr>
         <p:txBody>
-          <a:bodyPr anchorCtr="0" anchor="t" bIns="91425" lIns="91425" spcFirstLastPara="1" rIns="91425" wrap="square" tIns="91425">
+          <a:bodyPr spcFirstLastPara="1" wrap="square" lIns="91425" tIns="91425" rIns="91425" bIns="91425" anchor="t" anchorCtr="0">
             <a:noAutofit/>
           </a:bodyPr>
           <a:lstStyle/>
           <a:p>
-            <a:pPr indent="0" lvl="0" marL="0" rtl="0">
+            <a:pPr marL="0" lvl="0" indent="0" rtl="0">
               <a:spcBef>
                 <a:spcPts val="0"/>
               </a:spcBef>
@@ -7328,9 +7572,11 @@
       <p:sp>
         <p:nvSpPr>
           <p:cNvPr id="143" name="Shape 143"/>
-          <p:cNvSpPr txBox="1"/>
+          <p:cNvSpPr txBox="1">
+            <a:spLocks noGrp="1"/>
+          </p:cNvSpPr>
           <p:nvPr>
-            <p:ph idx="1" type="body"/>
+            <p:ph type="body" idx="1"/>
           </p:nvPr>
         </p:nvSpPr>
         <p:spPr>
@@ -7343,12 +7589,12 @@
           </a:prstGeom>
         </p:spPr>
         <p:txBody>
-          <a:bodyPr anchorCtr="0" anchor="t" bIns="91425" lIns="91425" spcFirstLastPara="1" rIns="91425" wrap="square" tIns="91425">
+          <a:bodyPr spcFirstLastPara="1" wrap="square" lIns="91425" tIns="91425" rIns="91425" bIns="91425" anchor="t" anchorCtr="0">
             <a:noAutofit/>
           </a:bodyPr>
           <a:lstStyle/>
           <a:p>
-            <a:pPr indent="0" lvl="0" marL="0" rtl="0">
+            <a:pPr marL="0" lvl="0" indent="0" rtl="0">
               <a:spcBef>
                 <a:spcPts val="0"/>
               </a:spcBef>
@@ -7358,7 +7604,7 @@
               <a:buNone/>
             </a:pPr>
             <a:r>
-              <a:rPr b="1" lang="en"/>
+              <a:rPr lang="en" b="1"/>
               <a:t>Body Camera</a:t>
             </a:r>
             <a:endParaRPr b="1"/>
@@ -7368,9 +7614,11 @@
       <p:sp>
         <p:nvSpPr>
           <p:cNvPr id="144" name="Shape 144"/>
-          <p:cNvSpPr txBox="1"/>
+          <p:cNvSpPr txBox="1">
+            <a:spLocks noGrp="1"/>
+          </p:cNvSpPr>
           <p:nvPr>
-            <p:ph idx="1" type="body"/>
+            <p:ph type="body" idx="1"/>
           </p:nvPr>
         </p:nvSpPr>
         <p:spPr>
@@ -7383,12 +7631,12 @@
           </a:prstGeom>
         </p:spPr>
         <p:txBody>
-          <a:bodyPr anchorCtr="0" anchor="t" bIns="91425" lIns="91425" spcFirstLastPara="1" rIns="91425" wrap="square" tIns="91425">
+          <a:bodyPr spcFirstLastPara="1" wrap="square" lIns="91425" tIns="91425" rIns="91425" bIns="91425" anchor="t" anchorCtr="0">
             <a:noAutofit/>
           </a:bodyPr>
           <a:lstStyle/>
           <a:p>
-            <a:pPr indent="0" lvl="0" marL="0" rtl="0">
+            <a:pPr marL="0" lvl="0" indent="0" rtl="0">
               <a:spcBef>
                 <a:spcPts val="0"/>
               </a:spcBef>
@@ -7398,7 +7646,7 @@
               <a:buNone/>
             </a:pPr>
             <a:r>
-              <a:rPr b="1" lang="en"/>
+              <a:rPr lang="en" b="1"/>
               <a:t>Use of Force</a:t>
             </a:r>
             <a:endParaRPr b="1"/>
@@ -7422,23 +7670,25 @@
             <a:avLst/>
           </a:prstGeom>
           <a:noFill/>
-          <a:ln cap="flat" cmpd="sng" w="28575">
+          <a:ln w="28575" cap="flat" cmpd="sng">
             <a:solidFill>
               <a:schemeClr val="dk2"/>
             </a:solidFill>
             <a:prstDash val="solid"/>
             <a:round/>
-            <a:headEnd len="med" w="med" type="none"/>
-            <a:tailEnd len="med" w="med" type="triangle"/>
+            <a:headEnd type="none" w="med" len="med"/>
+            <a:tailEnd type="triangle" w="med" len="med"/>
           </a:ln>
         </p:spPr>
       </p:cxnSp>
       <p:sp>
         <p:nvSpPr>
           <p:cNvPr id="146" name="Shape 146"/>
-          <p:cNvSpPr txBox="1"/>
+          <p:cNvSpPr txBox="1">
+            <a:spLocks noGrp="1"/>
+          </p:cNvSpPr>
           <p:nvPr>
-            <p:ph idx="1" type="body"/>
+            <p:ph type="body" idx="1"/>
           </p:nvPr>
         </p:nvSpPr>
         <p:spPr>
@@ -7451,12 +7701,12 @@
           </a:prstGeom>
         </p:spPr>
         <p:txBody>
-          <a:bodyPr anchorCtr="0" anchor="t" bIns="91425" lIns="91425" spcFirstLastPara="1" rIns="91425" wrap="square" tIns="91425">
+          <a:bodyPr spcFirstLastPara="1" wrap="square" lIns="91425" tIns="91425" rIns="91425" bIns="91425" anchor="t" anchorCtr="0">
             <a:noAutofit/>
           </a:bodyPr>
           <a:lstStyle/>
           <a:p>
-            <a:pPr indent="0" lvl="0" marL="0" marR="0" rtl="0" algn="l">
+            <a:pPr marL="0" marR="0" lvl="0" indent="0" algn="l" rtl="0">
               <a:lnSpc>
                 <a:spcPct val="115000"/>
               </a:lnSpc>
@@ -7479,9 +7729,11 @@
       <p:sp>
         <p:nvSpPr>
           <p:cNvPr id="147" name="Shape 147"/>
-          <p:cNvSpPr txBox="1"/>
+          <p:cNvSpPr txBox="1">
+            <a:spLocks noGrp="1"/>
+          </p:cNvSpPr>
           <p:nvPr>
-            <p:ph idx="1" type="body"/>
+            <p:ph type="body" idx="1"/>
           </p:nvPr>
         </p:nvSpPr>
         <p:spPr>
@@ -7494,12 +7746,12 @@
           </a:prstGeom>
         </p:spPr>
         <p:txBody>
-          <a:bodyPr anchorCtr="0" anchor="t" bIns="91425" lIns="91425" spcFirstLastPara="1" rIns="91425" wrap="square" tIns="91425">
+          <a:bodyPr spcFirstLastPara="1" wrap="square" lIns="91425" tIns="91425" rIns="91425" bIns="91425" anchor="t" anchorCtr="0">
             <a:noAutofit/>
           </a:bodyPr>
           <a:lstStyle/>
           <a:p>
-            <a:pPr indent="0" lvl="0" marL="0" rtl="0" algn="ctr">
+            <a:pPr marL="0" lvl="0" indent="0" algn="ctr" rtl="0">
               <a:spcBef>
                 <a:spcPts val="0"/>
               </a:spcBef>
@@ -7509,7 +7761,7 @@
               <a:buNone/>
             </a:pPr>
             <a:r>
-              <a:rPr b="1" lang="en"/>
+              <a:rPr lang="en" b="1"/>
               <a:t>Confounders</a:t>
             </a:r>
             <a:endParaRPr b="1"/>
@@ -7533,14 +7785,14 @@
             <a:avLst/>
           </a:prstGeom>
           <a:noFill/>
-          <a:ln cap="flat" cmpd="sng" w="28575">
+          <a:ln w="28575" cap="flat" cmpd="sng">
             <a:solidFill>
               <a:schemeClr val="dk2"/>
             </a:solidFill>
             <a:prstDash val="solid"/>
             <a:round/>
-            <a:headEnd len="med" w="med" type="none"/>
-            <a:tailEnd len="med" w="med" type="triangle"/>
+            <a:headEnd type="none" w="med" len="med"/>
+            <a:tailEnd type="triangle" w="med" len="med"/>
           </a:ln>
         </p:spPr>
       </p:cxnSp>
@@ -7561,14 +7813,14 @@
             <a:avLst/>
           </a:prstGeom>
           <a:noFill/>
-          <a:ln cap="flat" cmpd="sng" w="28575">
+          <a:ln w="28575" cap="flat" cmpd="sng">
             <a:solidFill>
               <a:schemeClr val="dk2"/>
             </a:solidFill>
             <a:prstDash val="solid"/>
             <a:round/>
-            <a:headEnd len="med" w="med" type="none"/>
-            <a:tailEnd len="med" w="med" type="triangle"/>
+            <a:headEnd type="none" w="med" len="med"/>
+            <a:tailEnd type="triangle" w="med" len="med"/>
           </a:ln>
         </p:spPr>
       </p:cxnSp>
@@ -7581,11 +7833,11 @@
 </file>
 
 <file path=ppt/slides/slide11.xml><?xml version="1.0" encoding="utf-8"?>
-<p:sld xmlns:a="http://schemas.openxmlformats.org/drawingml/2006/main" xmlns:r="http://schemas.openxmlformats.org/officeDocument/2006/relationships" xmlns:mc="http://schemas.openxmlformats.org/markup-compatibility/2006" xmlns:mv="urn:schemas-microsoft-com:mac:vml" xmlns:p="http://schemas.openxmlformats.org/presentationml/2006/main" xmlns:c="http://schemas.openxmlformats.org/drawingml/2006/chart" xmlns:dgm="http://schemas.openxmlformats.org/drawingml/2006/diagram" xmlns:o="urn:schemas-microsoft-com:office:office" xmlns:v="urn:schemas-microsoft-com:vml" xmlns:pvml="urn:schemas-microsoft-com:office:powerpoint" xmlns:com="http://schemas.openxmlformats.org/drawingml/2006/compatibility" xmlns:p14="http://schemas.microsoft.com/office/powerpoint/2010/main" xmlns:p15="http://schemas.microsoft.com/office/powerpoint/2012/main">
+<p:sld xmlns:a="http://schemas.openxmlformats.org/drawingml/2006/main" xmlns:r="http://schemas.openxmlformats.org/officeDocument/2006/relationships" xmlns:p="http://schemas.openxmlformats.org/presentationml/2006/main">
   <p:cSld>
     <p:spTree>
       <p:nvGrpSpPr>
-        <p:cNvPr id="153" name="Shape 153"/>
+        <p:cNvPr id="1" name="Shape 153"/>
         <p:cNvGrpSpPr/>
         <p:nvPr/>
       </p:nvGrpSpPr>
@@ -7599,7 +7851,7 @@
       </p:grpSpPr>
       <p:pic>
         <p:nvPicPr>
-          <p:cNvPr descr="pub" id="154" name="Shape 154"/>
+          <p:cNvPr id="154" name="Shape 154" descr="pub"/>
           <p:cNvPicPr preferRelativeResize="0"/>
           <p:nvPr/>
         </p:nvPicPr>
@@ -7634,11 +7886,11 @@
 </file>
 
 <file path=ppt/slides/slide12.xml><?xml version="1.0" encoding="utf-8"?>
-<p:sld xmlns:a="http://schemas.openxmlformats.org/drawingml/2006/main" xmlns:r="http://schemas.openxmlformats.org/officeDocument/2006/relationships" xmlns:mc="http://schemas.openxmlformats.org/markup-compatibility/2006" xmlns:mv="urn:schemas-microsoft-com:mac:vml" xmlns:p="http://schemas.openxmlformats.org/presentationml/2006/main" xmlns:c="http://schemas.openxmlformats.org/drawingml/2006/chart" xmlns:dgm="http://schemas.openxmlformats.org/drawingml/2006/diagram" xmlns:o="urn:schemas-microsoft-com:office:office" xmlns:v="urn:schemas-microsoft-com:vml" xmlns:pvml="urn:schemas-microsoft-com:office:powerpoint" xmlns:com="http://schemas.openxmlformats.org/drawingml/2006/compatibility" xmlns:p14="http://schemas.microsoft.com/office/powerpoint/2010/main" xmlns:p15="http://schemas.microsoft.com/office/powerpoint/2012/main">
+<p:sld xmlns:a="http://schemas.openxmlformats.org/drawingml/2006/main" xmlns:r="http://schemas.openxmlformats.org/officeDocument/2006/relationships" xmlns:p="http://schemas.openxmlformats.org/presentationml/2006/main">
   <p:cSld>
     <p:spTree>
       <p:nvGrpSpPr>
-        <p:cNvPr id="158" name="Shape 158"/>
+        <p:cNvPr id="1" name="Shape 158"/>
         <p:cNvGrpSpPr/>
         <p:nvPr/>
       </p:nvGrpSpPr>
@@ -7653,7 +7905,9 @@
       <p:sp>
         <p:nvSpPr>
           <p:cNvPr id="159" name="Shape 159"/>
-          <p:cNvSpPr txBox="1"/>
+          <p:cNvSpPr txBox="1">
+            <a:spLocks noGrp="1"/>
+          </p:cNvSpPr>
           <p:nvPr>
             <p:ph type="title"/>
           </p:nvPr>
@@ -7668,12 +7922,12 @@
           </a:prstGeom>
         </p:spPr>
         <p:txBody>
-          <a:bodyPr anchorCtr="0" anchor="t" bIns="91425" lIns="91425" spcFirstLastPara="1" rIns="91425" wrap="square" tIns="91425">
+          <a:bodyPr spcFirstLastPara="1" wrap="square" lIns="91425" tIns="91425" rIns="91425" bIns="91425" anchor="t" anchorCtr="0">
             <a:noAutofit/>
           </a:bodyPr>
           <a:lstStyle/>
           <a:p>
-            <a:pPr indent="0" lvl="0" marL="0">
+            <a:pPr marL="0" lvl="0" indent="0">
               <a:spcBef>
                 <a:spcPts val="0"/>
               </a:spcBef>
@@ -7693,9 +7947,11 @@
       <p:sp>
         <p:nvSpPr>
           <p:cNvPr id="160" name="Shape 160"/>
-          <p:cNvSpPr txBox="1"/>
+          <p:cNvSpPr txBox="1">
+            <a:spLocks noGrp="1"/>
+          </p:cNvSpPr>
           <p:nvPr>
-            <p:ph idx="1" type="body"/>
+            <p:ph type="body" idx="1"/>
           </p:nvPr>
         </p:nvSpPr>
         <p:spPr>
@@ -7708,12 +7964,12 @@
           </a:prstGeom>
         </p:spPr>
         <p:txBody>
-          <a:bodyPr anchorCtr="0" anchor="t" bIns="91425" lIns="91425" spcFirstLastPara="1" rIns="91425" wrap="square" tIns="91425">
+          <a:bodyPr spcFirstLastPara="1" wrap="square" lIns="91425" tIns="91425" rIns="91425" bIns="91425" anchor="t" anchorCtr="0">
             <a:noAutofit/>
           </a:bodyPr>
           <a:lstStyle/>
           <a:p>
-            <a:pPr indent="-342900" lvl="0" marL="457200" rtl="0">
+            <a:pPr marL="457200" lvl="0" indent="-342900" rtl="0">
               <a:spcBef>
                 <a:spcPts val="0"/>
               </a:spcBef>
@@ -7730,7 +7986,7 @@
             <a:endParaRPr/>
           </a:p>
           <a:p>
-            <a:pPr indent="-342900" lvl="0" marL="457200" rtl="0">
+            <a:pPr marL="457200" lvl="0" indent="-342900" rtl="0">
               <a:spcBef>
                 <a:spcPts val="0"/>
               </a:spcBef>
@@ -7747,7 +8003,7 @@
             <a:endParaRPr/>
           </a:p>
           <a:p>
-            <a:pPr indent="-342900" lvl="0" marL="457200" rtl="0">
+            <a:pPr marL="457200" lvl="0" indent="-342900" rtl="0">
               <a:spcBef>
                 <a:spcPts val="0"/>
               </a:spcBef>
@@ -7764,7 +8020,7 @@
             <a:endParaRPr/>
           </a:p>
           <a:p>
-            <a:pPr indent="0" lvl="0" marL="0" rtl="0">
+            <a:pPr marL="0" lvl="0" indent="0" rtl="0">
               <a:spcBef>
                 <a:spcPts val="1600"/>
               </a:spcBef>
@@ -7773,13 +8029,10 @@
               </a:spcAft>
               <a:buNone/>
             </a:pPr>
-            <a:r>
-              <a:t/>
-            </a:r>
             <a:endParaRPr/>
           </a:p>
           <a:p>
-            <a:pPr indent="0" lvl="0" marL="0" rtl="0" algn="ctr">
+            <a:pPr marL="0" lvl="0" indent="0" algn="ctr" rtl="0">
               <a:spcBef>
                 <a:spcPts val="1600"/>
               </a:spcBef>
@@ -7788,13 +8041,10 @@
               </a:spcAft>
               <a:buNone/>
             </a:pPr>
-            <a:r>
-              <a:t/>
-            </a:r>
             <a:endParaRPr b="1"/>
           </a:p>
           <a:p>
-            <a:pPr indent="0" lvl="0" marL="0">
+            <a:pPr marL="0" lvl="0" indent="0">
               <a:spcBef>
                 <a:spcPts val="1600"/>
               </a:spcBef>
@@ -7803,9 +8053,6 @@
               </a:spcAft>
               <a:buNone/>
             </a:pPr>
-            <a:r>
-              <a:t/>
-            </a:r>
             <a:endParaRPr/>
           </a:p>
         </p:txBody>
@@ -7819,11 +8066,11 @@
 </file>
 
 <file path=ppt/slides/slide13.xml><?xml version="1.0" encoding="utf-8"?>
-<p:sld xmlns:a="http://schemas.openxmlformats.org/drawingml/2006/main" xmlns:r="http://schemas.openxmlformats.org/officeDocument/2006/relationships" xmlns:mc="http://schemas.openxmlformats.org/markup-compatibility/2006" xmlns:mv="urn:schemas-microsoft-com:mac:vml" xmlns:p="http://schemas.openxmlformats.org/presentationml/2006/main" xmlns:c="http://schemas.openxmlformats.org/drawingml/2006/chart" xmlns:dgm="http://schemas.openxmlformats.org/drawingml/2006/diagram" xmlns:o="urn:schemas-microsoft-com:office:office" xmlns:v="urn:schemas-microsoft-com:vml" xmlns:pvml="urn:schemas-microsoft-com:office:powerpoint" xmlns:com="http://schemas.openxmlformats.org/drawingml/2006/compatibility" xmlns:p14="http://schemas.microsoft.com/office/powerpoint/2010/main" xmlns:p15="http://schemas.microsoft.com/office/powerpoint/2012/main">
+<p:sld xmlns:a="http://schemas.openxmlformats.org/drawingml/2006/main" xmlns:r="http://schemas.openxmlformats.org/officeDocument/2006/relationships" xmlns:p="http://schemas.openxmlformats.org/presentationml/2006/main">
   <p:cSld>
     <p:spTree>
       <p:nvGrpSpPr>
-        <p:cNvPr id="164" name="Shape 164"/>
+        <p:cNvPr id="1" name="Shape 164"/>
         <p:cNvGrpSpPr/>
         <p:nvPr/>
       </p:nvGrpSpPr>
@@ -7838,7 +8085,9 @@
       <p:sp>
         <p:nvSpPr>
           <p:cNvPr id="165" name="Shape 165"/>
-          <p:cNvSpPr txBox="1"/>
+          <p:cNvSpPr txBox="1">
+            <a:spLocks noGrp="1"/>
+          </p:cNvSpPr>
           <p:nvPr>
             <p:ph type="title"/>
           </p:nvPr>
@@ -7853,12 +8102,12 @@
           </a:prstGeom>
         </p:spPr>
         <p:txBody>
-          <a:bodyPr anchorCtr="0" anchor="t" bIns="91425" lIns="91425" spcFirstLastPara="1" rIns="91425" wrap="square" tIns="91425">
+          <a:bodyPr spcFirstLastPara="1" wrap="square" lIns="91425" tIns="91425" rIns="91425" bIns="91425" anchor="t" anchorCtr="0">
             <a:noAutofit/>
           </a:bodyPr>
           <a:lstStyle/>
           <a:p>
-            <a:pPr indent="0" lvl="0" marL="0" rtl="0">
+            <a:pPr marL="0" lvl="0" indent="0" rtl="0">
               <a:spcBef>
                 <a:spcPts val="0"/>
               </a:spcBef>
@@ -7878,9 +8127,11 @@
       <p:sp>
         <p:nvSpPr>
           <p:cNvPr id="166" name="Shape 166"/>
-          <p:cNvSpPr txBox="1"/>
+          <p:cNvSpPr txBox="1">
+            <a:spLocks noGrp="1"/>
+          </p:cNvSpPr>
           <p:nvPr>
-            <p:ph idx="1" type="body"/>
+            <p:ph type="body" idx="1"/>
           </p:nvPr>
         </p:nvSpPr>
         <p:spPr>
@@ -7893,12 +8144,12 @@
           </a:prstGeom>
         </p:spPr>
         <p:txBody>
-          <a:bodyPr anchorCtr="0" anchor="t" bIns="91425" lIns="91425" spcFirstLastPara="1" rIns="91425" wrap="square" tIns="91425">
+          <a:bodyPr spcFirstLastPara="1" wrap="square" lIns="91425" tIns="91425" rIns="91425" bIns="91425" anchor="t" anchorCtr="0">
             <a:noAutofit/>
           </a:bodyPr>
           <a:lstStyle/>
           <a:p>
-            <a:pPr indent="-342900" lvl="0" marL="457200" rtl="0">
+            <a:pPr marL="457200" lvl="0" indent="-342900" rtl="0">
               <a:spcBef>
                 <a:spcPts val="0"/>
               </a:spcBef>
@@ -7915,7 +8166,7 @@
             <a:endParaRPr/>
           </a:p>
           <a:p>
-            <a:pPr indent="-342900" lvl="0" marL="457200" rtl="0">
+            <a:pPr marL="457200" lvl="0" indent="-342900" rtl="0">
               <a:spcBef>
                 <a:spcPts val="0"/>
               </a:spcBef>
@@ -7932,7 +8183,7 @@
             <a:endParaRPr/>
           </a:p>
           <a:p>
-            <a:pPr indent="-342900" lvl="0" marL="457200" rtl="0">
+            <a:pPr marL="457200" lvl="0" indent="-342900" rtl="0">
               <a:spcBef>
                 <a:spcPts val="0"/>
               </a:spcBef>
@@ -7949,7 +8200,7 @@
             <a:endParaRPr/>
           </a:p>
           <a:p>
-            <a:pPr indent="0" lvl="0" marL="0" rtl="0">
+            <a:pPr marL="0" lvl="0" indent="0" rtl="0">
               <a:spcBef>
                 <a:spcPts val="1600"/>
               </a:spcBef>
@@ -7958,29 +8209,26 @@
               </a:spcAft>
               <a:buNone/>
             </a:pPr>
+            <a:endParaRPr/>
+          </a:p>
+          <a:p>
+            <a:pPr marL="0" lvl="0" indent="0" algn="ctr" rtl="0">
+              <a:spcBef>
+                <a:spcPts val="1600"/>
+              </a:spcBef>
+              <a:spcAft>
+                <a:spcPts val="0"/>
+              </a:spcAft>
+              <a:buNone/>
+            </a:pPr>
             <a:r>
-              <a:t/>
-            </a:r>
-            <a:endParaRPr/>
-          </a:p>
-          <a:p>
-            <a:pPr indent="0" lvl="0" marL="0" rtl="0" algn="ctr">
-              <a:spcBef>
-                <a:spcPts val="1600"/>
-              </a:spcBef>
-              <a:spcAft>
-                <a:spcPts val="0"/>
-              </a:spcAft>
-              <a:buNone/>
-            </a:pPr>
-            <a:r>
-              <a:rPr b="1" lang="en"/>
+              <a:rPr lang="en" b="1"/>
               <a:t>Social scientists have been thinking about these things for a long time</a:t>
             </a:r>
             <a:endParaRPr b="1"/>
           </a:p>
           <a:p>
-            <a:pPr indent="0" lvl="0" marL="0" rtl="0">
+            <a:pPr marL="0" lvl="0" indent="0" rtl="0">
               <a:spcBef>
                 <a:spcPts val="1600"/>
               </a:spcBef>
@@ -7989,9 +8237,6 @@
               </a:spcAft>
               <a:buNone/>
             </a:pPr>
-            <a:r>
-              <a:t/>
-            </a:r>
             <a:endParaRPr/>
           </a:p>
         </p:txBody>
@@ -8005,11 +8250,11 @@
 </file>
 
 <file path=ppt/slides/slide14.xml><?xml version="1.0" encoding="utf-8"?>
-<p:sld xmlns:a="http://schemas.openxmlformats.org/drawingml/2006/main" xmlns:r="http://schemas.openxmlformats.org/officeDocument/2006/relationships" xmlns:mc="http://schemas.openxmlformats.org/markup-compatibility/2006" xmlns:mv="urn:schemas-microsoft-com:mac:vml" xmlns:p="http://schemas.openxmlformats.org/presentationml/2006/main" xmlns:c="http://schemas.openxmlformats.org/drawingml/2006/chart" xmlns:dgm="http://schemas.openxmlformats.org/drawingml/2006/diagram" xmlns:o="urn:schemas-microsoft-com:office:office" xmlns:v="urn:schemas-microsoft-com:vml" xmlns:pvml="urn:schemas-microsoft-com:office:powerpoint" xmlns:com="http://schemas.openxmlformats.org/drawingml/2006/compatibility" xmlns:p14="http://schemas.microsoft.com/office/powerpoint/2010/main" xmlns:p15="http://schemas.microsoft.com/office/powerpoint/2012/main">
+<p:sld xmlns:a="http://schemas.openxmlformats.org/drawingml/2006/main" xmlns:r="http://schemas.openxmlformats.org/officeDocument/2006/relationships" xmlns:p="http://schemas.openxmlformats.org/presentationml/2006/main">
   <p:cSld>
     <p:spTree>
       <p:nvGrpSpPr>
-        <p:cNvPr id="170" name="Shape 170"/>
+        <p:cNvPr id="1" name="Shape 170"/>
         <p:cNvGrpSpPr/>
         <p:nvPr/>
       </p:nvGrpSpPr>
@@ -8024,7 +8269,9 @@
       <p:sp>
         <p:nvSpPr>
           <p:cNvPr id="171" name="Shape 171"/>
-          <p:cNvSpPr txBox="1"/>
+          <p:cNvSpPr txBox="1">
+            <a:spLocks noGrp="1"/>
+          </p:cNvSpPr>
           <p:nvPr>
             <p:ph type="title"/>
           </p:nvPr>
@@ -8039,12 +8286,12 @@
           </a:prstGeom>
         </p:spPr>
         <p:txBody>
-          <a:bodyPr anchorCtr="0" anchor="t" bIns="91425" lIns="91425" spcFirstLastPara="1" rIns="91425" wrap="square" tIns="91425">
+          <a:bodyPr spcFirstLastPara="1" wrap="square" lIns="91425" tIns="91425" rIns="91425" bIns="91425" anchor="t" anchorCtr="0">
             <a:noAutofit/>
           </a:bodyPr>
           <a:lstStyle/>
           <a:p>
-            <a:pPr indent="0" lvl="0" marL="0" rtl="0">
+            <a:pPr marL="0" lvl="0" indent="0" rtl="0">
               <a:spcBef>
                 <a:spcPts val="0"/>
               </a:spcBef>
@@ -8064,9 +8311,11 @@
       <p:sp>
         <p:nvSpPr>
           <p:cNvPr id="172" name="Shape 172"/>
-          <p:cNvSpPr txBox="1"/>
+          <p:cNvSpPr txBox="1">
+            <a:spLocks noGrp="1"/>
+          </p:cNvSpPr>
           <p:nvPr>
-            <p:ph idx="1" type="body"/>
+            <p:ph type="body" idx="1"/>
           </p:nvPr>
         </p:nvSpPr>
         <p:spPr>
@@ -8079,12 +8328,12 @@
           </a:prstGeom>
         </p:spPr>
         <p:txBody>
-          <a:bodyPr anchorCtr="0" anchor="t" bIns="91425" lIns="91425" spcFirstLastPara="1" rIns="91425" wrap="square" tIns="91425">
+          <a:bodyPr spcFirstLastPara="1" wrap="square" lIns="91425" tIns="91425" rIns="91425" bIns="91425" anchor="t" anchorCtr="0">
             <a:noAutofit/>
           </a:bodyPr>
           <a:lstStyle/>
           <a:p>
-            <a:pPr indent="-342900" lvl="0" marL="457200" rtl="0">
+            <a:pPr marL="457200" lvl="0" indent="-342900" rtl="0">
               <a:spcBef>
                 <a:spcPts val="0"/>
               </a:spcBef>
@@ -8095,13 +8344,13 @@
               <a:buChar char="●"/>
             </a:pPr>
             <a:r>
-              <a:rPr lang="en"/>
+              <a:rPr lang="en" dirty="0"/>
               <a:t>We’re interested in people</a:t>
             </a:r>
-            <a:endParaRPr/>
-          </a:p>
-          <a:p>
-            <a:pPr indent="-342900" lvl="0" marL="457200" rtl="0">
+            <a:endParaRPr dirty="0"/>
+          </a:p>
+          <a:p>
+            <a:pPr marL="457200" lvl="0" indent="-342900" rtl="0">
               <a:spcBef>
                 <a:spcPts val="0"/>
               </a:spcBef>
@@ -8112,13 +8361,13 @@
               <a:buChar char="●"/>
             </a:pPr>
             <a:r>
-              <a:rPr lang="en"/>
+              <a:rPr lang="en" dirty="0"/>
               <a:t>We want to change behaviors</a:t>
             </a:r>
-            <a:endParaRPr/>
-          </a:p>
-          <a:p>
-            <a:pPr indent="-342900" lvl="0" marL="457200" rtl="0">
+            <a:endParaRPr dirty="0"/>
+          </a:p>
+          <a:p>
+            <a:pPr marL="457200" lvl="0" indent="-342900" rtl="0">
               <a:spcBef>
                 <a:spcPts val="0"/>
               </a:spcBef>
@@ -8129,13 +8378,13 @@
               <a:buChar char="●"/>
             </a:pPr>
             <a:r>
-              <a:rPr lang="en"/>
+              <a:rPr lang="en" dirty="0"/>
               <a:t>Privacy, bias, inclusion</a:t>
             </a:r>
-            <a:endParaRPr/>
-          </a:p>
-          <a:p>
-            <a:pPr indent="0" lvl="0" marL="0" rtl="0">
+            <a:endParaRPr dirty="0"/>
+          </a:p>
+          <a:p>
+            <a:pPr marL="0" lvl="0" indent="0" rtl="0">
               <a:spcBef>
                 <a:spcPts val="1600"/>
               </a:spcBef>
@@ -8144,29 +8393,26 @@
               </a:spcAft>
               <a:buNone/>
             </a:pPr>
+            <a:endParaRPr dirty="0"/>
+          </a:p>
+          <a:p>
+            <a:pPr marL="0" lvl="0" indent="0" algn="ctr" rtl="0">
+              <a:spcBef>
+                <a:spcPts val="1600"/>
+              </a:spcBef>
+              <a:spcAft>
+                <a:spcPts val="0"/>
+              </a:spcAft>
+              <a:buNone/>
+            </a:pPr>
             <a:r>
-              <a:t/>
-            </a:r>
-            <a:endParaRPr/>
-          </a:p>
-          <a:p>
-            <a:pPr indent="0" lvl="0" marL="0" rtl="0" algn="ctr">
-              <a:spcBef>
-                <a:spcPts val="1600"/>
-              </a:spcBef>
-              <a:spcAft>
-                <a:spcPts val="0"/>
-              </a:spcAft>
-              <a:buNone/>
-            </a:pPr>
-            <a:r>
-              <a:rPr b="1" lang="en"/>
+              <a:rPr lang="en" b="1" dirty="0"/>
               <a:t>Social scientists have been thinking about these things for a long time</a:t>
             </a:r>
-            <a:endParaRPr b="1"/>
-          </a:p>
-          <a:p>
-            <a:pPr indent="0" lvl="0" marL="0" rtl="0" algn="ctr">
+            <a:endParaRPr b="1" dirty="0"/>
+          </a:p>
+          <a:p>
+            <a:pPr marL="0" lvl="0" indent="0" algn="ctr" rtl="0">
               <a:spcBef>
                 <a:spcPts val="1600"/>
               </a:spcBef>
@@ -8175,29 +8421,26 @@
               </a:spcAft>
               <a:buNone/>
             </a:pPr>
+            <a:endParaRPr b="1" dirty="0"/>
+          </a:p>
+          <a:p>
+            <a:pPr marL="0" lvl="0" indent="0" rtl="0">
+              <a:spcBef>
+                <a:spcPts val="1600"/>
+              </a:spcBef>
+              <a:spcAft>
+                <a:spcPts val="0"/>
+              </a:spcAft>
+              <a:buNone/>
+            </a:pPr>
             <a:r>
-              <a:t/>
-            </a:r>
-            <a:endParaRPr b="1"/>
-          </a:p>
-          <a:p>
-            <a:pPr indent="0" lvl="0" marL="0" rtl="0">
-              <a:spcBef>
-                <a:spcPts val="1600"/>
-              </a:spcBef>
-              <a:spcAft>
-                <a:spcPts val="0"/>
-              </a:spcAft>
-              <a:buNone/>
-            </a:pPr>
-            <a:r>
-              <a:rPr lang="en"/>
+              <a:rPr lang="en" dirty="0"/>
               <a:t>“Statistics”: from “state.” It was meant to improve government.</a:t>
             </a:r>
-            <a:endParaRPr/>
-          </a:p>
-          <a:p>
-            <a:pPr indent="0" lvl="0" marL="0" rtl="0">
+            <a:endParaRPr dirty="0"/>
+          </a:p>
+          <a:p>
+            <a:pPr marL="0" lvl="0" indent="0" rtl="0">
               <a:spcBef>
                 <a:spcPts val="1600"/>
               </a:spcBef>
@@ -8206,10 +8449,7 @@
               </a:spcAft>
               <a:buNone/>
             </a:pPr>
-            <a:r>
-              <a:t/>
-            </a:r>
-            <a:endParaRPr/>
+            <a:endParaRPr dirty="0"/>
           </a:p>
         </p:txBody>
       </p:sp>
@@ -8222,11 +8462,11 @@
 </file>
 
 <file path=ppt/slides/slide15.xml><?xml version="1.0" encoding="utf-8"?>
-<p:sld xmlns:a="http://schemas.openxmlformats.org/drawingml/2006/main" xmlns:r="http://schemas.openxmlformats.org/officeDocument/2006/relationships" xmlns:mc="http://schemas.openxmlformats.org/markup-compatibility/2006" xmlns:mv="urn:schemas-microsoft-com:mac:vml" xmlns:p="http://schemas.openxmlformats.org/presentationml/2006/main" xmlns:c="http://schemas.openxmlformats.org/drawingml/2006/chart" xmlns:dgm="http://schemas.openxmlformats.org/drawingml/2006/diagram" xmlns:o="urn:schemas-microsoft-com:office:office" xmlns:v="urn:schemas-microsoft-com:vml" xmlns:pvml="urn:schemas-microsoft-com:office:powerpoint" xmlns:com="http://schemas.openxmlformats.org/drawingml/2006/compatibility" xmlns:p14="http://schemas.microsoft.com/office/powerpoint/2010/main" xmlns:p15="http://schemas.microsoft.com/office/powerpoint/2012/main">
+<p:sld xmlns:a="http://schemas.openxmlformats.org/drawingml/2006/main" xmlns:r="http://schemas.openxmlformats.org/officeDocument/2006/relationships" xmlns:p="http://schemas.openxmlformats.org/presentationml/2006/main">
   <p:cSld>
     <p:spTree>
       <p:nvGrpSpPr>
-        <p:cNvPr id="176" name="Shape 176"/>
+        <p:cNvPr id="1" name="Shape 176"/>
         <p:cNvGrpSpPr/>
         <p:nvPr/>
       </p:nvGrpSpPr>
@@ -8241,7 +8481,9 @@
       <p:sp>
         <p:nvSpPr>
           <p:cNvPr id="177" name="Shape 177"/>
-          <p:cNvSpPr txBox="1"/>
+          <p:cNvSpPr txBox="1">
+            <a:spLocks noGrp="1"/>
+          </p:cNvSpPr>
           <p:nvPr>
             <p:ph type="title"/>
           </p:nvPr>
@@ -8256,12 +8498,12 @@
           </a:prstGeom>
         </p:spPr>
         <p:txBody>
-          <a:bodyPr anchorCtr="0" anchor="t" bIns="91425" lIns="91425" spcFirstLastPara="1" rIns="91425" wrap="square" tIns="91425">
+          <a:bodyPr spcFirstLastPara="1" wrap="square" lIns="91425" tIns="91425" rIns="91425" bIns="91425" anchor="t" anchorCtr="0">
             <a:noAutofit/>
           </a:bodyPr>
           <a:lstStyle/>
           <a:p>
-            <a:pPr indent="0" lvl="0" marL="0" rtl="0">
+            <a:pPr marL="0" lvl="0" indent="0" rtl="0">
               <a:spcBef>
                 <a:spcPts val="0"/>
               </a:spcBef>
@@ -8271,10 +8513,10 @@
               <a:buNone/>
             </a:pPr>
             <a:r>
-              <a:rPr lang="en"/>
+              <a:rPr lang="en" dirty="0"/>
               <a:t>Machine Learning vs Social Science</a:t>
             </a:r>
-            <a:endParaRPr/>
+            <a:endParaRPr dirty="0"/>
           </a:p>
         </p:txBody>
       </p:sp>
@@ -8286,7 +8528,7 @@
         </p:nvGraphicFramePr>
         <p:xfrm>
           <a:off x="650150" y="1297300"/>
-          <a:ext cx="3000000" cy="3000000"/>
+          <a:ext cx="7177425" cy="2719175"/>
         </p:xfrm>
         <a:graphic>
           <a:graphicData uri="http://schemas.openxmlformats.org/drawingml/2006/table">
@@ -8303,12 +8545,10 @@
               <a:tr h="906400">
                 <a:tc>
                   <a:txBody>
-                    <a:bodyPr>
-                      <a:noAutofit/>
-                    </a:bodyPr>
+                    <a:bodyPr/>
                     <a:lstStyle/>
                     <a:p>
-                      <a:pPr indent="0" lvl="0" marL="0" rtl="0">
+                      <a:pPr marL="0" lvl="0" indent="0" rtl="0">
                         <a:spcBef>
                           <a:spcPts val="0"/>
                         </a:spcBef>
@@ -8317,22 +8557,17 @@
                         </a:spcAft>
                         <a:buNone/>
                       </a:pPr>
-                      <a:r>
-                        <a:t/>
-                      </a:r>
                       <a:endParaRPr sz="1800"/>
                     </a:p>
                   </a:txBody>
-                  <a:tcPr marT="19050" marB="19050" marR="28575" marL="28575" anchor="b"/>
+                  <a:tcPr marL="28575" marR="28575" marT="19050" marB="19050" anchor="b"/>
                 </a:tc>
                 <a:tc>
                   <a:txBody>
-                    <a:bodyPr>
-                      <a:noAutofit/>
-                    </a:bodyPr>
+                    <a:bodyPr/>
                     <a:lstStyle/>
                     <a:p>
-                      <a:pPr indent="0" lvl="0" marL="0" rtl="0">
+                      <a:pPr marL="0" lvl="0" indent="0" rtl="0">
                         <a:lnSpc>
                           <a:spcPct val="115000"/>
                         </a:lnSpc>
@@ -8345,22 +8580,20 @@
                         <a:buNone/>
                       </a:pPr>
                       <a:r>
-                        <a:rPr b="1" lang="en" sz="1800"/>
+                        <a:rPr lang="en" sz="1800" b="1"/>
                         <a:t>Machine Learning</a:t>
                       </a:r>
-                      <a:endParaRPr b="1" sz="1800"/>
+                      <a:endParaRPr sz="1800" b="1"/>
                     </a:p>
                   </a:txBody>
-                  <a:tcPr marT="19050" marB="19050" marR="28575" marL="28575" anchor="b"/>
+                  <a:tcPr marL="28575" marR="28575" marT="19050" marB="19050" anchor="b"/>
                 </a:tc>
                 <a:tc>
                   <a:txBody>
-                    <a:bodyPr>
-                      <a:noAutofit/>
-                    </a:bodyPr>
+                    <a:bodyPr/>
                     <a:lstStyle/>
                     <a:p>
-                      <a:pPr indent="0" lvl="0" marL="0" rtl="0">
+                      <a:pPr marL="0" lvl="0" indent="0" rtl="0">
                         <a:lnSpc>
                           <a:spcPct val="115000"/>
                         </a:lnSpc>
@@ -8373,24 +8606,22 @@
                         <a:buNone/>
                       </a:pPr>
                       <a:r>
-                        <a:rPr b="1" lang="en" sz="1800"/>
+                        <a:rPr lang="en" sz="1800" b="1"/>
                         <a:t>Social Science</a:t>
                       </a:r>
-                      <a:endParaRPr b="1" sz="1800"/>
+                      <a:endParaRPr sz="1800" b="1"/>
                     </a:p>
                   </a:txBody>
-                  <a:tcPr marT="19050" marB="19050" marR="28575" marL="28575" anchor="b"/>
+                  <a:tcPr marL="28575" marR="28575" marT="19050" marB="19050" anchor="b"/>
                 </a:tc>
               </a:tr>
               <a:tr h="498500">
                 <a:tc>
                   <a:txBody>
-                    <a:bodyPr>
-                      <a:noAutofit/>
-                    </a:bodyPr>
+                    <a:bodyPr/>
                     <a:lstStyle/>
                     <a:p>
-                      <a:pPr indent="0" lvl="0" marL="0" rtl="0">
+                      <a:pPr marL="0" lvl="0" indent="0" rtl="0">
                         <a:lnSpc>
                           <a:spcPct val="115000"/>
                         </a:lnSpc>
@@ -8403,22 +8634,20 @@
                         <a:buNone/>
                       </a:pPr>
                       <a:r>
-                        <a:rPr b="1" lang="en" sz="1800"/>
+                        <a:rPr lang="en" sz="1800" b="1"/>
                         <a:t>Primary Goal</a:t>
                       </a:r>
-                      <a:endParaRPr b="1" sz="1800"/>
+                      <a:endParaRPr sz="1800" b="1"/>
                     </a:p>
                   </a:txBody>
-                  <a:tcPr marT="19050" marB="19050" marR="28575" marL="28575" anchor="b"/>
+                  <a:tcPr marL="28575" marR="28575" marT="19050" marB="19050" anchor="b"/>
                 </a:tc>
                 <a:tc>
                   <a:txBody>
-                    <a:bodyPr>
-                      <a:noAutofit/>
-                    </a:bodyPr>
+                    <a:bodyPr/>
                     <a:lstStyle/>
                     <a:p>
-                      <a:pPr indent="0" lvl="0" marL="0" rtl="0">
+                      <a:pPr marL="0" lvl="0" indent="0" rtl="0">
                         <a:lnSpc>
                           <a:spcPct val="115000"/>
                         </a:lnSpc>
@@ -8437,16 +8666,14 @@
                       <a:endParaRPr sz="1800"/>
                     </a:p>
                   </a:txBody>
-                  <a:tcPr marT="19050" marB="19050" marR="28575" marL="28575" anchor="b"/>
+                  <a:tcPr marL="28575" marR="28575" marT="19050" marB="19050" anchor="b"/>
                 </a:tc>
                 <a:tc>
                   <a:txBody>
-                    <a:bodyPr>
-                      <a:noAutofit/>
-                    </a:bodyPr>
+                    <a:bodyPr/>
                     <a:lstStyle/>
                     <a:p>
-                      <a:pPr indent="0" lvl="0" marL="0" rtl="0">
+                      <a:pPr marL="0" lvl="0" indent="0" rtl="0">
                         <a:lnSpc>
                           <a:spcPct val="115000"/>
                         </a:lnSpc>
@@ -8465,18 +8692,16 @@
                       <a:endParaRPr sz="1800"/>
                     </a:p>
                   </a:txBody>
-                  <a:tcPr marT="19050" marB="19050" marR="28575" marL="28575" anchor="b"/>
+                  <a:tcPr marL="28575" marR="28575" marT="19050" marB="19050" anchor="b"/>
                 </a:tc>
               </a:tr>
               <a:tr h="1314275">
                 <a:tc>
                   <a:txBody>
-                    <a:bodyPr>
-                      <a:noAutofit/>
-                    </a:bodyPr>
+                    <a:bodyPr/>
                     <a:lstStyle/>
                     <a:p>
-                      <a:pPr indent="0" lvl="0" marL="0" rtl="0">
+                      <a:pPr marL="0" lvl="0" indent="0" rtl="0">
                         <a:lnSpc>
                           <a:spcPct val="115000"/>
                         </a:lnSpc>
@@ -8489,22 +8714,20 @@
                         <a:buNone/>
                       </a:pPr>
                       <a:r>
-                        <a:rPr b="1" lang="en" sz="1800"/>
+                        <a:rPr lang="en" sz="1800" b="1"/>
                         <a:t>Model Selection</a:t>
                       </a:r>
-                      <a:endParaRPr b="1" sz="1800"/>
+                      <a:endParaRPr sz="1800" b="1"/>
                     </a:p>
                   </a:txBody>
-                  <a:tcPr marT="19050" marB="19050" marR="28575" marL="28575" anchor="b"/>
+                  <a:tcPr marL="28575" marR="28575" marT="19050" marB="19050" anchor="b"/>
                 </a:tc>
                 <a:tc>
                   <a:txBody>
-                    <a:bodyPr>
-                      <a:noAutofit/>
-                    </a:bodyPr>
+                    <a:bodyPr/>
                     <a:lstStyle/>
                     <a:p>
-                      <a:pPr indent="0" lvl="0" marL="0" rtl="0">
+                      <a:pPr marL="0" lvl="0" indent="0" rtl="0">
                         <a:lnSpc>
                           <a:spcPct val="115000"/>
                         </a:lnSpc>
@@ -8523,16 +8746,14 @@
                       <a:endParaRPr sz="1800"/>
                     </a:p>
                   </a:txBody>
-                  <a:tcPr marT="19050" marB="19050" marR="28575" marL="28575" anchor="b"/>
+                  <a:tcPr marL="28575" marR="28575" marT="19050" marB="19050" anchor="b"/>
                 </a:tc>
                 <a:tc>
                   <a:txBody>
-                    <a:bodyPr>
-                      <a:noAutofit/>
-                    </a:bodyPr>
+                    <a:bodyPr/>
                     <a:lstStyle/>
                     <a:p>
-                      <a:pPr indent="0" lvl="0" marL="0" rtl="0">
+                      <a:pPr marL="0" lvl="0" indent="0" rtl="0">
                         <a:lnSpc>
                           <a:spcPct val="115000"/>
                         </a:lnSpc>
@@ -8551,7 +8772,7 @@
                       <a:endParaRPr sz="1800"/>
                     </a:p>
                   </a:txBody>
-                  <a:tcPr marT="19050" marB="19050" marR="28575" marL="28575" anchor="b"/>
+                  <a:tcPr marL="28575" marR="28575" marT="19050" marB="19050" anchor="b"/>
                 </a:tc>
               </a:tr>
             </a:tbl>
@@ -8567,11 +8788,11 @@
 </file>
 
 <file path=ppt/slides/slide16.xml><?xml version="1.0" encoding="utf-8"?>
-<p:sld xmlns:a="http://schemas.openxmlformats.org/drawingml/2006/main" xmlns:r="http://schemas.openxmlformats.org/officeDocument/2006/relationships" xmlns:mc="http://schemas.openxmlformats.org/markup-compatibility/2006" xmlns:mv="urn:schemas-microsoft-com:mac:vml" xmlns:p="http://schemas.openxmlformats.org/presentationml/2006/main" xmlns:c="http://schemas.openxmlformats.org/drawingml/2006/chart" xmlns:dgm="http://schemas.openxmlformats.org/drawingml/2006/diagram" xmlns:o="urn:schemas-microsoft-com:office:office" xmlns:v="urn:schemas-microsoft-com:vml" xmlns:pvml="urn:schemas-microsoft-com:office:powerpoint" xmlns:com="http://schemas.openxmlformats.org/drawingml/2006/compatibility" xmlns:p14="http://schemas.microsoft.com/office/powerpoint/2010/main" xmlns:p15="http://schemas.microsoft.com/office/powerpoint/2012/main">
+<p:sld xmlns:a="http://schemas.openxmlformats.org/drawingml/2006/main" xmlns:r="http://schemas.openxmlformats.org/officeDocument/2006/relationships" xmlns:p="http://schemas.openxmlformats.org/presentationml/2006/main">
   <p:cSld>
     <p:spTree>
       <p:nvGrpSpPr>
-        <p:cNvPr id="182" name="Shape 182"/>
+        <p:cNvPr id="1" name="Shape 182"/>
         <p:cNvGrpSpPr/>
         <p:nvPr/>
       </p:nvGrpSpPr>
@@ -8586,7 +8807,9 @@
       <p:sp>
         <p:nvSpPr>
           <p:cNvPr id="183" name="Shape 183"/>
-          <p:cNvSpPr txBox="1"/>
+          <p:cNvSpPr txBox="1">
+            <a:spLocks noGrp="1"/>
+          </p:cNvSpPr>
           <p:nvPr>
             <p:ph type="title"/>
           </p:nvPr>
@@ -8601,12 +8824,12 @@
           </a:prstGeom>
         </p:spPr>
         <p:txBody>
-          <a:bodyPr anchorCtr="0" anchor="t" bIns="91425" lIns="91425" spcFirstLastPara="1" rIns="91425" wrap="square" tIns="91425">
+          <a:bodyPr spcFirstLastPara="1" wrap="square" lIns="91425" tIns="91425" rIns="91425" bIns="91425" anchor="t" anchorCtr="0">
             <a:noAutofit/>
           </a:bodyPr>
           <a:lstStyle/>
           <a:p>
-            <a:pPr indent="0" lvl="0" marL="0" rtl="0">
+            <a:pPr marL="0" lvl="0" indent="0" rtl="0">
               <a:spcBef>
                 <a:spcPts val="0"/>
               </a:spcBef>
@@ -8626,9 +8849,11 @@
       <p:sp>
         <p:nvSpPr>
           <p:cNvPr id="184" name="Shape 184"/>
-          <p:cNvSpPr txBox="1"/>
+          <p:cNvSpPr txBox="1">
+            <a:spLocks noGrp="1"/>
+          </p:cNvSpPr>
           <p:nvPr>
-            <p:ph idx="1" type="body"/>
+            <p:ph type="body" idx="1"/>
           </p:nvPr>
         </p:nvSpPr>
         <p:spPr>
@@ -8641,12 +8866,12 @@
           </a:prstGeom>
         </p:spPr>
         <p:txBody>
-          <a:bodyPr anchorCtr="0" anchor="t" bIns="91425" lIns="91425" spcFirstLastPara="1" rIns="91425" wrap="square" tIns="91425">
+          <a:bodyPr spcFirstLastPara="1" wrap="square" lIns="91425" tIns="91425" rIns="91425" bIns="91425" anchor="t" anchorCtr="0">
             <a:noAutofit/>
           </a:bodyPr>
           <a:lstStyle/>
           <a:p>
-            <a:pPr indent="-342900" lvl="0" marL="457200" rtl="0">
+            <a:pPr marL="457200" lvl="0" indent="-342900" rtl="0">
               <a:lnSpc>
                 <a:spcPct val="100000"/>
               </a:lnSpc>
@@ -8692,7 +8917,7 @@
             </a:endParaRPr>
           </a:p>
           <a:p>
-            <a:pPr indent="0" lvl="0" marL="0" rtl="0">
+            <a:pPr marL="0" lvl="0" indent="0" rtl="0">
               <a:lnSpc>
                 <a:spcPct val="100000"/>
               </a:lnSpc>
@@ -8704,9 +8929,6 @@
               </a:spcAft>
               <a:buNone/>
             </a:pPr>
-            <a:r>
-              <a:t/>
-            </a:r>
             <a:endParaRPr>
               <a:solidFill>
                 <a:schemeClr val="dk1"/>
@@ -8714,7 +8936,7 @@
             </a:endParaRPr>
           </a:p>
           <a:p>
-            <a:pPr indent="-342900" lvl="0" marL="457200" rtl="0">
+            <a:pPr marL="457200" lvl="0" indent="-342900" rtl="0">
               <a:lnSpc>
                 <a:spcPct val="100000"/>
               </a:lnSpc>
@@ -8756,22 +8978,19 @@
             <a:endParaRPr/>
           </a:p>
           <a:p>
-            <a:pPr indent="0" lvl="0" marL="0" rtl="0" algn="l">
-              <a:spcBef>
-                <a:spcPts val="0"/>
-              </a:spcBef>
-              <a:spcAft>
-                <a:spcPts val="0"/>
-              </a:spcAft>
-              <a:buNone/>
-            </a:pPr>
-            <a:r>
-              <a:t/>
-            </a:r>
+            <a:pPr marL="0" lvl="0" indent="0" algn="l" rtl="0">
+              <a:spcBef>
+                <a:spcPts val="0"/>
+              </a:spcBef>
+              <a:spcAft>
+                <a:spcPts val="0"/>
+              </a:spcAft>
+              <a:buNone/>
+            </a:pPr>
             <a:endParaRPr b="1"/>
           </a:p>
           <a:p>
-            <a:pPr indent="0" lvl="0" marL="0" rtl="0">
+            <a:pPr marL="0" lvl="0" indent="0" rtl="0">
               <a:spcBef>
                 <a:spcPts val="1600"/>
               </a:spcBef>
@@ -8780,9 +8999,6 @@
               </a:spcAft>
               <a:buNone/>
             </a:pPr>
-            <a:r>
-              <a:t/>
-            </a:r>
             <a:endParaRPr/>
           </a:p>
         </p:txBody>
@@ -8796,11 +9012,556 @@
 </file>
 
 <file path=ppt/slides/slide17.xml><?xml version="1.0" encoding="utf-8"?>
-<p:sld xmlns:a="http://schemas.openxmlformats.org/drawingml/2006/main" xmlns:r="http://schemas.openxmlformats.org/officeDocument/2006/relationships" xmlns:mc="http://schemas.openxmlformats.org/markup-compatibility/2006" xmlns:mv="urn:schemas-microsoft-com:mac:vml" xmlns:p="http://schemas.openxmlformats.org/presentationml/2006/main" xmlns:c="http://schemas.openxmlformats.org/drawingml/2006/chart" xmlns:dgm="http://schemas.openxmlformats.org/drawingml/2006/diagram" xmlns:o="urn:schemas-microsoft-com:office:office" xmlns:v="urn:schemas-microsoft-com:vml" xmlns:pvml="urn:schemas-microsoft-com:office:powerpoint" xmlns:com="http://schemas.openxmlformats.org/drawingml/2006/compatibility" xmlns:p14="http://schemas.microsoft.com/office/powerpoint/2010/main" xmlns:p15="http://schemas.microsoft.com/office/powerpoint/2012/main">
+<p:sld xmlns:a="http://schemas.openxmlformats.org/drawingml/2006/main" xmlns:r="http://schemas.openxmlformats.org/officeDocument/2006/relationships" xmlns:p="http://schemas.openxmlformats.org/presentationml/2006/main">
   <p:cSld>
     <p:spTree>
       <p:nvGrpSpPr>
-        <p:cNvPr id="188" name="Shape 188"/>
+        <p:cNvPr id="1" name=""/>
+        <p:cNvGrpSpPr/>
+        <p:nvPr/>
+      </p:nvGrpSpPr>
+      <p:grpSpPr>
+        <a:xfrm>
+          <a:off x="0" y="0"/>
+          <a:ext cx="0" cy="0"/>
+          <a:chOff x="0" y="0"/>
+          <a:chExt cx="0" cy="0"/>
+        </a:xfrm>
+      </p:grpSpPr>
+      <p:sp>
+        <p:nvSpPr>
+          <p:cNvPr id="4" name="Shape 177"/>
+          <p:cNvSpPr txBox="1">
+            <a:spLocks noGrp="1"/>
+          </p:cNvSpPr>
+          <p:nvPr>
+            <p:ph type="title"/>
+          </p:nvPr>
+        </p:nvSpPr>
+        <p:spPr>
+          <a:prstGeom prst="rect">
+            <a:avLst/>
+          </a:prstGeom>
+        </p:spPr>
+        <p:txBody>
+          <a:bodyPr spcFirstLastPara="1" wrap="square" lIns="91425" tIns="91425" rIns="91425" bIns="91425" anchor="t" anchorCtr="0">
+            <a:noAutofit/>
+          </a:bodyPr>
+          <a:lstStyle/>
+          <a:p>
+            <a:pPr marL="0" lvl="0" indent="0" rtl="0">
+              <a:spcBef>
+                <a:spcPts val="0"/>
+              </a:spcBef>
+              <a:spcAft>
+                <a:spcPts val="0"/>
+              </a:spcAft>
+              <a:buNone/>
+            </a:pPr>
+            <a:r>
+              <a:rPr lang="en" dirty="0"/>
+              <a:t>Machine Learning vs Social Science</a:t>
+            </a:r>
+            <a:endParaRPr dirty="0"/>
+          </a:p>
+        </p:txBody>
+      </p:sp>
+      <p:pic>
+        <p:nvPicPr>
+          <p:cNvPr id="5" name="Picture 4"/>
+          <p:cNvPicPr>
+            <a:picLocks noChangeAspect="1"/>
+          </p:cNvPicPr>
+          <p:nvPr/>
+        </p:nvPicPr>
+        <p:blipFill>
+          <a:blip r:embed="rId2"/>
+          <a:stretch>
+            <a:fillRect/>
+          </a:stretch>
+        </p:blipFill>
+        <p:spPr>
+          <a:xfrm>
+            <a:off x="2482637" y="1017725"/>
+            <a:ext cx="4201189" cy="4111611"/>
+          </a:xfrm>
+          <a:prstGeom prst="rect">
+            <a:avLst/>
+          </a:prstGeom>
+        </p:spPr>
+      </p:pic>
+    </p:spTree>
+    <p:extLst>
+      <p:ext uri="{BB962C8B-B14F-4D97-AF65-F5344CB8AC3E}">
+        <p14:creationId xmlns:p14="http://schemas.microsoft.com/office/powerpoint/2010/main" val="3584843513"/>
+      </p:ext>
+    </p:extLst>
+  </p:cSld>
+  <p:clrMapOvr>
+    <a:masterClrMapping/>
+  </p:clrMapOvr>
+</p:sld>
+</file>
+
+<file path=ppt/slides/slide18.xml><?xml version="1.0" encoding="utf-8"?>
+<p:sld xmlns:a="http://schemas.openxmlformats.org/drawingml/2006/main" xmlns:r="http://schemas.openxmlformats.org/officeDocument/2006/relationships" xmlns:p="http://schemas.openxmlformats.org/presentationml/2006/main">
+  <p:cSld>
+    <p:spTree>
+      <p:nvGrpSpPr>
+        <p:cNvPr id="1" name=""/>
+        <p:cNvGrpSpPr/>
+        <p:nvPr/>
+      </p:nvGrpSpPr>
+      <p:grpSpPr>
+        <a:xfrm>
+          <a:off x="0" y="0"/>
+          <a:ext cx="0" cy="0"/>
+          <a:chOff x="0" y="0"/>
+          <a:chExt cx="0" cy="0"/>
+        </a:xfrm>
+      </p:grpSpPr>
+      <p:sp>
+        <p:nvSpPr>
+          <p:cNvPr id="4" name="Shape 177"/>
+          <p:cNvSpPr txBox="1">
+            <a:spLocks noGrp="1"/>
+          </p:cNvSpPr>
+          <p:nvPr>
+            <p:ph type="title"/>
+          </p:nvPr>
+        </p:nvSpPr>
+        <p:spPr>
+          <a:prstGeom prst="rect">
+            <a:avLst/>
+          </a:prstGeom>
+        </p:spPr>
+        <p:txBody>
+          <a:bodyPr spcFirstLastPara="1" wrap="square" lIns="91425" tIns="91425" rIns="91425" bIns="91425" anchor="t" anchorCtr="0">
+            <a:noAutofit/>
+          </a:bodyPr>
+          <a:lstStyle/>
+          <a:p>
+            <a:pPr marL="0" lvl="0" indent="0" rtl="0">
+              <a:spcBef>
+                <a:spcPts val="0"/>
+              </a:spcBef>
+              <a:spcAft>
+                <a:spcPts val="0"/>
+              </a:spcAft>
+              <a:buNone/>
+            </a:pPr>
+            <a:r>
+              <a:rPr lang="en" dirty="0"/>
+              <a:t>Machine Learning vs Social Science</a:t>
+            </a:r>
+            <a:endParaRPr dirty="0"/>
+          </a:p>
+        </p:txBody>
+      </p:sp>
+      <p:pic>
+        <p:nvPicPr>
+          <p:cNvPr id="5" name="Picture 4"/>
+          <p:cNvPicPr>
+            <a:picLocks noChangeAspect="1"/>
+          </p:cNvPicPr>
+          <p:nvPr/>
+        </p:nvPicPr>
+        <p:blipFill>
+          <a:blip r:embed="rId2"/>
+          <a:stretch>
+            <a:fillRect/>
+          </a:stretch>
+        </p:blipFill>
+        <p:spPr>
+          <a:xfrm>
+            <a:off x="12700" y="1017725"/>
+            <a:ext cx="9105900" cy="3390900"/>
+          </a:xfrm>
+          <a:prstGeom prst="rect">
+            <a:avLst/>
+          </a:prstGeom>
+        </p:spPr>
+      </p:pic>
+    </p:spTree>
+    <p:extLst>
+      <p:ext uri="{BB962C8B-B14F-4D97-AF65-F5344CB8AC3E}">
+        <p14:creationId xmlns:p14="http://schemas.microsoft.com/office/powerpoint/2010/main" val="1885806830"/>
+      </p:ext>
+    </p:extLst>
+  </p:cSld>
+  <p:clrMapOvr>
+    <a:masterClrMapping/>
+  </p:clrMapOvr>
+</p:sld>
+</file>
+
+<file path=ppt/slides/slide19.xml><?xml version="1.0" encoding="utf-8"?>
+<p:sld xmlns:a="http://schemas.openxmlformats.org/drawingml/2006/main" xmlns:r="http://schemas.openxmlformats.org/officeDocument/2006/relationships" xmlns:p="http://schemas.openxmlformats.org/presentationml/2006/main">
+  <p:cSld>
+    <p:spTree>
+      <p:nvGrpSpPr>
+        <p:cNvPr id="1" name=""/>
+        <p:cNvGrpSpPr/>
+        <p:nvPr/>
+      </p:nvGrpSpPr>
+      <p:grpSpPr>
+        <a:xfrm>
+          <a:off x="0" y="0"/>
+          <a:ext cx="0" cy="0"/>
+          <a:chOff x="0" y="0"/>
+          <a:chExt cx="0" cy="0"/>
+        </a:xfrm>
+      </p:grpSpPr>
+      <p:sp>
+        <p:nvSpPr>
+          <p:cNvPr id="4" name="Shape 177"/>
+          <p:cNvSpPr txBox="1">
+            <a:spLocks noGrp="1"/>
+          </p:cNvSpPr>
+          <p:nvPr>
+            <p:ph type="title"/>
+          </p:nvPr>
+        </p:nvSpPr>
+        <p:spPr>
+          <a:prstGeom prst="rect">
+            <a:avLst/>
+          </a:prstGeom>
+        </p:spPr>
+        <p:txBody>
+          <a:bodyPr spcFirstLastPara="1" wrap="square" lIns="91425" tIns="91425" rIns="91425" bIns="91425" anchor="t" anchorCtr="0">
+            <a:noAutofit/>
+          </a:bodyPr>
+          <a:lstStyle/>
+          <a:p>
+            <a:pPr marL="0" lvl="0" indent="0" rtl="0">
+              <a:spcBef>
+                <a:spcPts val="0"/>
+              </a:spcBef>
+              <a:spcAft>
+                <a:spcPts val="0"/>
+              </a:spcAft>
+              <a:buNone/>
+            </a:pPr>
+            <a:r>
+              <a:rPr lang="en" dirty="0"/>
+              <a:t>Machine Learning vs Social Science</a:t>
+            </a:r>
+            <a:endParaRPr dirty="0"/>
+          </a:p>
+        </p:txBody>
+      </p:sp>
+      <p:pic>
+        <p:nvPicPr>
+          <p:cNvPr id="5" name="Picture 4"/>
+          <p:cNvPicPr>
+            <a:picLocks noChangeAspect="1"/>
+          </p:cNvPicPr>
+          <p:nvPr/>
+        </p:nvPicPr>
+        <p:blipFill>
+          <a:blip r:embed="rId2"/>
+          <a:stretch>
+            <a:fillRect/>
+          </a:stretch>
+        </p:blipFill>
+        <p:spPr>
+          <a:xfrm>
+            <a:off x="12700" y="1017725"/>
+            <a:ext cx="9105900" cy="3390900"/>
+          </a:xfrm>
+          <a:prstGeom prst="rect">
+            <a:avLst/>
+          </a:prstGeom>
+        </p:spPr>
+      </p:pic>
+      <p:sp>
+        <p:nvSpPr>
+          <p:cNvPr id="2" name="Rectangle 1"/>
+          <p:cNvSpPr/>
+          <p:nvPr/>
+        </p:nvSpPr>
+        <p:spPr>
+          <a:xfrm>
+            <a:off x="311700" y="4408625"/>
+            <a:ext cx="8520600" cy="369332"/>
+          </a:xfrm>
+          <a:prstGeom prst="rect">
+            <a:avLst/>
+          </a:prstGeom>
+        </p:spPr>
+        <p:txBody>
+          <a:bodyPr wrap="square">
+            <a:spAutoFit/>
+          </a:bodyPr>
+          <a:lstStyle/>
+          <a:p>
+            <a:pPr lvl="0" algn="ctr">
+              <a:spcBef>
+                <a:spcPts val="1600"/>
+              </a:spcBef>
+            </a:pPr>
+            <a:r>
+              <a:rPr lang="en" sz="1800" b="1" dirty="0" smtClean="0">
+                <a:solidFill>
+                  <a:schemeClr val="tx1">
+                    <a:lumMod val="65000"/>
+                    <a:lumOff val="35000"/>
+                  </a:schemeClr>
+                </a:solidFill>
+              </a:rPr>
+              <a:t>Reliability sets the upper bound on validity</a:t>
+            </a:r>
+            <a:endParaRPr lang="en" sz="1800" b="1" dirty="0">
+              <a:solidFill>
+                <a:schemeClr val="tx1">
+                  <a:lumMod val="65000"/>
+                  <a:lumOff val="35000"/>
+                </a:schemeClr>
+              </a:solidFill>
+            </a:endParaRPr>
+          </a:p>
+        </p:txBody>
+      </p:sp>
+    </p:spTree>
+    <p:extLst>
+      <p:ext uri="{BB962C8B-B14F-4D97-AF65-F5344CB8AC3E}">
+        <p14:creationId xmlns:p14="http://schemas.microsoft.com/office/powerpoint/2010/main" val="1974285080"/>
+      </p:ext>
+    </p:extLst>
+  </p:cSld>
+  <p:clrMapOvr>
+    <a:masterClrMapping/>
+  </p:clrMapOvr>
+</p:sld>
+</file>
+
+<file path=ppt/slides/slide2.xml><?xml version="1.0" encoding="utf-8"?>
+<p:sld xmlns:a="http://schemas.openxmlformats.org/drawingml/2006/main" xmlns:r="http://schemas.openxmlformats.org/officeDocument/2006/relationships" xmlns:p="http://schemas.openxmlformats.org/presentationml/2006/main">
+  <p:cSld>
+    <p:spTree>
+      <p:nvGrpSpPr>
+        <p:cNvPr id="1" name="Shape 59"/>
+        <p:cNvGrpSpPr/>
+        <p:nvPr/>
+      </p:nvGrpSpPr>
+      <p:grpSpPr>
+        <a:xfrm>
+          <a:off x="0" y="0"/>
+          <a:ext cx="0" cy="0"/>
+          <a:chOff x="0" y="0"/>
+          <a:chExt cx="0" cy="0"/>
+        </a:xfrm>
+      </p:grpSpPr>
+      <p:sp>
+        <p:nvSpPr>
+          <p:cNvPr id="60" name="Shape 60"/>
+          <p:cNvSpPr txBox="1">
+            <a:spLocks noGrp="1"/>
+          </p:cNvSpPr>
+          <p:nvPr>
+            <p:ph type="title"/>
+          </p:nvPr>
+        </p:nvSpPr>
+        <p:spPr>
+          <a:xfrm>
+            <a:off x="311700" y="445025"/>
+            <a:ext cx="8520600" cy="572700"/>
+          </a:xfrm>
+          <a:prstGeom prst="rect">
+            <a:avLst/>
+          </a:prstGeom>
+        </p:spPr>
+        <p:txBody>
+          <a:bodyPr spcFirstLastPara="1" wrap="square" lIns="91425" tIns="91425" rIns="91425" bIns="91425" anchor="t" anchorCtr="0">
+            <a:noAutofit/>
+          </a:bodyPr>
+          <a:lstStyle/>
+          <a:p>
+            <a:pPr marL="0" lvl="0" indent="0">
+              <a:spcBef>
+                <a:spcPts val="0"/>
+              </a:spcBef>
+              <a:spcAft>
+                <a:spcPts val="0"/>
+              </a:spcAft>
+              <a:buNone/>
+            </a:pPr>
+            <a:r>
+              <a:rPr lang="en"/>
+              <a:t>Do Police Body Cameras Affect the Use of Force?</a:t>
+            </a:r>
+            <a:endParaRPr/>
+          </a:p>
+        </p:txBody>
+      </p:sp>
+      <p:sp>
+        <p:nvSpPr>
+          <p:cNvPr id="61" name="Shape 61"/>
+          <p:cNvSpPr txBox="1">
+            <a:spLocks noGrp="1"/>
+          </p:cNvSpPr>
+          <p:nvPr>
+            <p:ph type="body" idx="1"/>
+          </p:nvPr>
+        </p:nvSpPr>
+        <p:spPr>
+          <a:xfrm>
+            <a:off x="726500" y="2622050"/>
+            <a:ext cx="1999500" cy="572700"/>
+          </a:xfrm>
+          <a:prstGeom prst="rect">
+            <a:avLst/>
+          </a:prstGeom>
+        </p:spPr>
+        <p:txBody>
+          <a:bodyPr spcFirstLastPara="1" wrap="square" lIns="91425" tIns="91425" rIns="91425" bIns="91425" anchor="t" anchorCtr="0">
+            <a:noAutofit/>
+          </a:bodyPr>
+          <a:lstStyle/>
+          <a:p>
+            <a:pPr marL="0" lvl="0" indent="0" rtl="0">
+              <a:spcBef>
+                <a:spcPts val="0"/>
+              </a:spcBef>
+              <a:spcAft>
+                <a:spcPts val="1600"/>
+              </a:spcAft>
+              <a:buNone/>
+            </a:pPr>
+            <a:r>
+              <a:rPr lang="en" b="1"/>
+              <a:t>Body Camera</a:t>
+            </a:r>
+            <a:endParaRPr b="1"/>
+          </a:p>
+        </p:txBody>
+      </p:sp>
+      <p:sp>
+        <p:nvSpPr>
+          <p:cNvPr id="62" name="Shape 62"/>
+          <p:cNvSpPr txBox="1">
+            <a:spLocks noGrp="1"/>
+          </p:cNvSpPr>
+          <p:nvPr>
+            <p:ph type="body" idx="1"/>
+          </p:nvPr>
+        </p:nvSpPr>
+        <p:spPr>
+          <a:xfrm>
+            <a:off x="5761675" y="2622050"/>
+            <a:ext cx="1999500" cy="572700"/>
+          </a:xfrm>
+          <a:prstGeom prst="rect">
+            <a:avLst/>
+          </a:prstGeom>
+        </p:spPr>
+        <p:txBody>
+          <a:bodyPr spcFirstLastPara="1" wrap="square" lIns="91425" tIns="91425" rIns="91425" bIns="91425" anchor="t" anchorCtr="0">
+            <a:noAutofit/>
+          </a:bodyPr>
+          <a:lstStyle/>
+          <a:p>
+            <a:pPr marL="0" lvl="0" indent="0" rtl="0">
+              <a:spcBef>
+                <a:spcPts val="0"/>
+              </a:spcBef>
+              <a:spcAft>
+                <a:spcPts val="1600"/>
+              </a:spcAft>
+              <a:buNone/>
+            </a:pPr>
+            <a:r>
+              <a:rPr lang="en" b="1"/>
+              <a:t>Use of Force</a:t>
+            </a:r>
+            <a:endParaRPr b="1"/>
+          </a:p>
+        </p:txBody>
+      </p:sp>
+      <p:cxnSp>
+        <p:nvCxnSpPr>
+          <p:cNvPr id="63" name="Shape 63"/>
+          <p:cNvCxnSpPr>
+            <a:endCxn id="62" idx="1"/>
+          </p:cNvCxnSpPr>
+          <p:nvPr/>
+        </p:nvCxnSpPr>
+        <p:spPr>
+          <a:xfrm>
+            <a:off x="2394175" y="2869100"/>
+            <a:ext cx="3367500" cy="39300"/>
+          </a:xfrm>
+          <a:prstGeom prst="straightConnector1">
+            <a:avLst/>
+          </a:prstGeom>
+          <a:noFill/>
+          <a:ln w="28575" cap="flat" cmpd="sng">
+            <a:solidFill>
+              <a:schemeClr val="dk2"/>
+            </a:solidFill>
+            <a:prstDash val="solid"/>
+            <a:round/>
+            <a:headEnd type="none" w="med" len="med"/>
+            <a:tailEnd type="triangle" w="med" len="med"/>
+          </a:ln>
+        </p:spPr>
+      </p:cxnSp>
+      <p:sp>
+        <p:nvSpPr>
+          <p:cNvPr id="64" name="Shape 64"/>
+          <p:cNvSpPr txBox="1">
+            <a:spLocks noGrp="1"/>
+          </p:cNvSpPr>
+          <p:nvPr>
+            <p:ph type="body" idx="1"/>
+          </p:nvPr>
+        </p:nvSpPr>
+        <p:spPr>
+          <a:xfrm>
+            <a:off x="3616550" y="2489775"/>
+            <a:ext cx="460500" cy="572700"/>
+          </a:xfrm>
+          <a:prstGeom prst="rect">
+            <a:avLst/>
+          </a:prstGeom>
+        </p:spPr>
+        <p:txBody>
+          <a:bodyPr spcFirstLastPara="1" wrap="square" lIns="91425" tIns="91425" rIns="91425" bIns="91425" anchor="t" anchorCtr="0">
+            <a:noAutofit/>
+          </a:bodyPr>
+          <a:lstStyle/>
+          <a:p>
+            <a:pPr marL="0" lvl="0" indent="0" rtl="0">
+              <a:spcBef>
+                <a:spcPts val="0"/>
+              </a:spcBef>
+              <a:spcAft>
+                <a:spcPts val="1600"/>
+              </a:spcAft>
+              <a:buNone/>
+            </a:pPr>
+            <a:r>
+              <a:rPr lang="en" b="1"/>
+              <a:t>?</a:t>
+            </a:r>
+            <a:endParaRPr b="1"/>
+          </a:p>
+        </p:txBody>
+      </p:sp>
+    </p:spTree>
+  </p:cSld>
+  <p:clrMapOvr>
+    <a:masterClrMapping/>
+  </p:clrMapOvr>
+</p:sld>
+</file>
+
+<file path=ppt/slides/slide20.xml><?xml version="1.0" encoding="utf-8"?>
+<p:sld xmlns:a="http://schemas.openxmlformats.org/drawingml/2006/main" xmlns:r="http://schemas.openxmlformats.org/officeDocument/2006/relationships" xmlns:p="http://schemas.openxmlformats.org/presentationml/2006/main">
+  <p:cSld>
+    <p:spTree>
+      <p:nvGrpSpPr>
+        <p:cNvPr id="1" name="Shape 188"/>
         <p:cNvGrpSpPr/>
         <p:nvPr/>
       </p:nvGrpSpPr>
@@ -8815,7 +9576,9 @@
       <p:sp>
         <p:nvSpPr>
           <p:cNvPr id="189" name="Shape 189"/>
-          <p:cNvSpPr txBox="1"/>
+          <p:cNvSpPr txBox="1">
+            <a:spLocks noGrp="1"/>
+          </p:cNvSpPr>
           <p:nvPr>
             <p:ph type="title"/>
           </p:nvPr>
@@ -8830,12 +9593,12 @@
           </a:prstGeom>
         </p:spPr>
         <p:txBody>
-          <a:bodyPr anchorCtr="0" anchor="t" bIns="91425" lIns="91425" spcFirstLastPara="1" rIns="91425" wrap="square" tIns="91425">
+          <a:bodyPr spcFirstLastPara="1" wrap="square" lIns="91425" tIns="91425" rIns="91425" bIns="91425" anchor="t" anchorCtr="0">
             <a:noAutofit/>
           </a:bodyPr>
           <a:lstStyle/>
           <a:p>
-            <a:pPr indent="0" lvl="0" marL="0" rtl="0">
+            <a:pPr marL="0" lvl="0" indent="0" rtl="0">
               <a:spcBef>
                 <a:spcPts val="0"/>
               </a:spcBef>
@@ -8855,9 +9618,11 @@
       <p:sp>
         <p:nvSpPr>
           <p:cNvPr id="190" name="Shape 190"/>
-          <p:cNvSpPr txBox="1"/>
+          <p:cNvSpPr txBox="1">
+            <a:spLocks noGrp="1"/>
+          </p:cNvSpPr>
           <p:nvPr>
-            <p:ph idx="1" type="body"/>
+            <p:ph type="body" idx="1"/>
           </p:nvPr>
         </p:nvSpPr>
         <p:spPr>
@@ -8870,12 +9635,12 @@
           </a:prstGeom>
         </p:spPr>
         <p:txBody>
-          <a:bodyPr anchorCtr="0" anchor="t" bIns="91425" lIns="91425" spcFirstLastPara="1" rIns="91425" wrap="square" tIns="91425">
+          <a:bodyPr spcFirstLastPara="1" wrap="square" lIns="91425" tIns="91425" rIns="91425" bIns="91425" anchor="t" anchorCtr="0">
             <a:noAutofit/>
           </a:bodyPr>
           <a:lstStyle/>
           <a:p>
-            <a:pPr indent="-342900" lvl="0" marL="457200" rtl="0">
+            <a:pPr marL="457200" lvl="0" indent="-342900" rtl="0">
               <a:lnSpc>
                 <a:spcPct val="100000"/>
               </a:lnSpc>
@@ -8892,21 +9657,21 @@
               <a:buChar char="●"/>
             </a:pPr>
             <a:r>
-              <a:rPr lang="en">
+              <a:rPr lang="en" dirty="0">
                 <a:solidFill>
                   <a:schemeClr val="dk1"/>
                 </a:solidFill>
               </a:rPr>
               <a:t>Too few rows</a:t>
             </a:r>
-            <a:endParaRPr>
+            <a:endParaRPr dirty="0">
               <a:solidFill>
                 <a:schemeClr val="dk1"/>
               </a:solidFill>
             </a:endParaRPr>
           </a:p>
           <a:p>
-            <a:pPr indent="-317500" lvl="1" marL="914400" rtl="0">
+            <a:pPr marL="914400" lvl="1" indent="-317500" rtl="0">
               <a:lnSpc>
                 <a:spcPct val="100000"/>
               </a:lnSpc>
@@ -8923,21 +9688,21 @@
               <a:buChar char="○"/>
             </a:pPr>
             <a:r>
-              <a:rPr lang="en">
+              <a:rPr lang="en" dirty="0">
                 <a:solidFill>
                   <a:schemeClr val="dk1"/>
                 </a:solidFill>
               </a:rPr>
               <a:t>No counterfactuals</a:t>
             </a:r>
-            <a:endParaRPr>
+            <a:endParaRPr dirty="0">
               <a:solidFill>
                 <a:schemeClr val="dk1"/>
               </a:solidFill>
             </a:endParaRPr>
           </a:p>
           <a:p>
-            <a:pPr indent="-317500" lvl="1" marL="914400" rtl="0">
+            <a:pPr marL="914400" lvl="1" indent="-317500" rtl="0">
               <a:lnSpc>
                 <a:spcPct val="100000"/>
               </a:lnSpc>
@@ -8954,21 +9719,37 @@
               <a:buChar char="○"/>
             </a:pPr>
             <a:r>
-              <a:rPr lang="en">
+              <a:rPr lang="en" dirty="0">
                 <a:solidFill>
                   <a:schemeClr val="dk1"/>
                 </a:solidFill>
               </a:rPr>
-              <a:t>External validity</a:t>
+              <a:t>External </a:t>
             </a:r>
-            <a:endParaRPr>
+            <a:r>
+              <a:rPr lang="en" dirty="0" smtClean="0">
+                <a:solidFill>
+                  <a:schemeClr val="dk1"/>
+                </a:solidFill>
+              </a:rPr>
+              <a:t>validity</a:t>
+            </a:r>
+            <a:r>
+              <a:rPr lang="en-US" dirty="0" smtClean="0">
+                <a:solidFill>
+                  <a:schemeClr val="dk1"/>
+                </a:solidFill>
+              </a:rPr>
+              <a:t>: E.g. studying self-control fatigue in the lab</a:t>
+            </a:r>
+            <a:endParaRPr dirty="0">
               <a:solidFill>
                 <a:schemeClr val="dk1"/>
               </a:solidFill>
             </a:endParaRPr>
           </a:p>
           <a:p>
-            <a:pPr indent="-317500" lvl="1" marL="914400" rtl="0">
+            <a:pPr marL="914400" lvl="1" indent="-317500" rtl="0">
               <a:lnSpc>
                 <a:spcPct val="100000"/>
               </a:lnSpc>
@@ -8985,29 +9766,21 @@
               <a:buChar char="○"/>
             </a:pPr>
             <a:r>
-              <a:rPr lang="en">
+              <a:rPr lang="en" dirty="0">
                 <a:solidFill>
                   <a:schemeClr val="dk1"/>
                 </a:solidFill>
               </a:rPr>
-              <a:t>Selection effect: </a:t>
+              <a:t>Selection effect: E.g. vulnerable populations are less likely to report police misconduct</a:t>
             </a:r>
-            <a:r>
-              <a:rPr lang="en">
-                <a:solidFill>
-                  <a:schemeClr val="dk1"/>
-                </a:solidFill>
-              </a:rPr>
-              <a:t>E.g. vulnerable populations are less likely to report police misconduct</a:t>
-            </a:r>
-            <a:endParaRPr>
+            <a:endParaRPr dirty="0">
               <a:solidFill>
                 <a:schemeClr val="dk1"/>
               </a:solidFill>
             </a:endParaRPr>
           </a:p>
           <a:p>
-            <a:pPr indent="-317500" lvl="1" marL="914400" rtl="0">
+            <a:pPr marL="914400" lvl="1" indent="-317500" rtl="0">
               <a:lnSpc>
                 <a:spcPct val="100000"/>
               </a:lnSpc>
@@ -9024,21 +9797,21 @@
               <a:buChar char="○"/>
             </a:pPr>
             <a:r>
-              <a:rPr lang="en">
+              <a:rPr lang="en" dirty="0">
                 <a:solidFill>
                   <a:schemeClr val="dk1"/>
                 </a:solidFill>
               </a:rPr>
               <a:t>Ecological inference</a:t>
             </a:r>
-            <a:endParaRPr>
+            <a:endParaRPr dirty="0">
               <a:solidFill>
                 <a:schemeClr val="dk1"/>
               </a:solidFill>
             </a:endParaRPr>
           </a:p>
           <a:p>
-            <a:pPr indent="-342900" lvl="0" marL="457200" rtl="0">
+            <a:pPr marL="457200" lvl="0" indent="-342900" rtl="0">
               <a:lnSpc>
                 <a:spcPct val="100000"/>
               </a:lnSpc>
@@ -9055,21 +9828,21 @@
               <a:buChar char="●"/>
             </a:pPr>
             <a:r>
-              <a:rPr lang="en">
+              <a:rPr lang="en" dirty="0">
                 <a:solidFill>
                   <a:schemeClr val="dk1"/>
                 </a:solidFill>
               </a:rPr>
               <a:t>Too many rows </a:t>
             </a:r>
-            <a:endParaRPr>
+            <a:endParaRPr dirty="0">
               <a:solidFill>
                 <a:schemeClr val="dk1"/>
               </a:solidFill>
             </a:endParaRPr>
           </a:p>
           <a:p>
-            <a:pPr indent="-317500" lvl="1" marL="914400" rtl="0">
+            <a:pPr marL="914400" lvl="1" indent="-317500" rtl="0">
               <a:lnSpc>
                 <a:spcPct val="100000"/>
               </a:lnSpc>
@@ -9086,21 +9859,37 @@
               <a:buChar char="○"/>
             </a:pPr>
             <a:r>
-              <a:rPr lang="en">
+              <a:rPr lang="en" dirty="0">
                 <a:solidFill>
                   <a:schemeClr val="dk1"/>
                 </a:solidFill>
               </a:rPr>
-              <a:t>p hacking, in-sample fitting and testing</a:t>
+              <a:t>p hacking, in-sample fitting and </a:t>
             </a:r>
-            <a:endParaRPr>
+            <a:r>
+              <a:rPr lang="en" dirty="0" smtClean="0">
+                <a:solidFill>
+                  <a:schemeClr val="dk1"/>
+                </a:solidFill>
+              </a:rPr>
+              <a:t>testing</a:t>
+            </a:r>
+            <a:r>
+              <a:rPr lang="en-US" dirty="0" smtClean="0">
+                <a:solidFill>
+                  <a:schemeClr val="dk1"/>
+                </a:solidFill>
+              </a:rPr>
+              <a:t>: E.g., flexible post-hoc outlier exclusion</a:t>
+            </a:r>
+            <a:endParaRPr dirty="0">
               <a:solidFill>
                 <a:schemeClr val="dk1"/>
               </a:solidFill>
             </a:endParaRPr>
           </a:p>
           <a:p>
-            <a:pPr indent="-342900" lvl="0" marL="457200" rtl="0">
+            <a:pPr marL="457200" lvl="0" indent="-342900" rtl="0">
               <a:lnSpc>
                 <a:spcPct val="100000"/>
               </a:lnSpc>
@@ -9117,21 +9906,21 @@
               <a:buChar char="●"/>
             </a:pPr>
             <a:r>
-              <a:rPr lang="en">
+              <a:rPr lang="en" dirty="0">
                 <a:solidFill>
                   <a:schemeClr val="dk1"/>
                 </a:solidFill>
               </a:rPr>
               <a:t>Too few columns</a:t>
             </a:r>
-            <a:endParaRPr>
+            <a:endParaRPr dirty="0">
               <a:solidFill>
                 <a:schemeClr val="dk1"/>
               </a:solidFill>
             </a:endParaRPr>
           </a:p>
           <a:p>
-            <a:pPr indent="-317500" lvl="1" marL="914400" rtl="0">
+            <a:pPr marL="914400" lvl="1" indent="-317500" rtl="0">
               <a:lnSpc>
                 <a:spcPct val="100000"/>
               </a:lnSpc>
@@ -9148,21 +9937,21 @@
               <a:buChar char="○"/>
             </a:pPr>
             <a:r>
-              <a:rPr lang="en">
+              <a:rPr lang="en" dirty="0">
                 <a:solidFill>
                   <a:schemeClr val="dk1"/>
                 </a:solidFill>
               </a:rPr>
               <a:t>Unobserved variables: E.g. 2013 NFP project: motivation of mothers in/out of the program</a:t>
             </a:r>
-            <a:endParaRPr>
+            <a:endParaRPr dirty="0">
               <a:solidFill>
                 <a:schemeClr val="dk1"/>
               </a:solidFill>
             </a:endParaRPr>
           </a:p>
           <a:p>
-            <a:pPr indent="-342900" lvl="0" marL="457200" rtl="0">
+            <a:pPr marL="457200" lvl="0" indent="-342900" rtl="0">
               <a:lnSpc>
                 <a:spcPct val="100000"/>
               </a:lnSpc>
@@ -9179,21 +9968,21 @@
               <a:buChar char="●"/>
             </a:pPr>
             <a:r>
-              <a:rPr lang="en">
+              <a:rPr lang="en" dirty="0">
                 <a:solidFill>
                   <a:schemeClr val="dk1"/>
                 </a:solidFill>
               </a:rPr>
               <a:t>Too many columns</a:t>
             </a:r>
-            <a:endParaRPr>
+            <a:endParaRPr dirty="0">
               <a:solidFill>
                 <a:schemeClr val="dk1"/>
               </a:solidFill>
             </a:endParaRPr>
           </a:p>
           <a:p>
-            <a:pPr indent="-317500" lvl="1" marL="914400" rtl="0">
+            <a:pPr marL="914400" lvl="1" indent="-317500" rtl="0">
               <a:lnSpc>
                 <a:spcPct val="100000"/>
               </a:lnSpc>
@@ -9210,21 +9999,29 @@
               <a:buChar char="○"/>
             </a:pPr>
             <a:r>
-              <a:rPr lang="en">
+              <a:rPr lang="en" dirty="0">
                 <a:solidFill>
                   <a:schemeClr val="dk1"/>
                 </a:solidFill>
               </a:rPr>
-              <a:t>Post-treatment controls</a:t>
+              <a:t>Post-treatment </a:t>
             </a:r>
-            <a:endParaRPr>
+            <a:r>
+              <a:rPr lang="en" dirty="0" smtClean="0">
+                <a:solidFill>
+                  <a:schemeClr val="dk1"/>
+                </a:solidFill>
+              </a:rPr>
+              <a:t>controls</a:t>
+            </a:r>
+            <a:endParaRPr dirty="0">
               <a:solidFill>
                 <a:schemeClr val="dk1"/>
               </a:solidFill>
             </a:endParaRPr>
           </a:p>
           <a:p>
-            <a:pPr indent="-317500" lvl="1" marL="914400" rtl="0">
+            <a:pPr marL="914400" lvl="1" indent="-317500" rtl="0">
               <a:lnSpc>
                 <a:spcPct val="100000"/>
               </a:lnSpc>
@@ -9241,21 +10038,21 @@
               <a:buChar char="○"/>
             </a:pPr>
             <a:r>
-              <a:rPr lang="en">
+              <a:rPr lang="en" dirty="0">
                 <a:solidFill>
                   <a:schemeClr val="dk1"/>
                 </a:solidFill>
               </a:rPr>
               <a:t>Noise</a:t>
             </a:r>
-            <a:endParaRPr>
+            <a:endParaRPr dirty="0">
               <a:solidFill>
                 <a:schemeClr val="dk1"/>
               </a:solidFill>
             </a:endParaRPr>
           </a:p>
           <a:p>
-            <a:pPr indent="-342900" lvl="0" marL="457200" rtl="0">
+            <a:pPr marL="457200" lvl="0" indent="-342900" rtl="0">
               <a:lnSpc>
                 <a:spcPct val="100000"/>
               </a:lnSpc>
@@ -9272,21 +10069,21 @@
               <a:buChar char="●"/>
             </a:pPr>
             <a:r>
-              <a:rPr lang="en">
+              <a:rPr lang="en" dirty="0">
                 <a:solidFill>
                   <a:schemeClr val="dk1"/>
                 </a:solidFill>
               </a:rPr>
               <a:t>The wrong values</a:t>
             </a:r>
-            <a:endParaRPr>
+            <a:endParaRPr dirty="0">
               <a:solidFill>
                 <a:schemeClr val="dk1"/>
               </a:solidFill>
             </a:endParaRPr>
           </a:p>
           <a:p>
-            <a:pPr indent="-317500" lvl="1" marL="914400" rtl="0">
+            <a:pPr marL="914400" lvl="1" indent="-317500" rtl="0">
               <a:lnSpc>
                 <a:spcPct val="100000"/>
               </a:lnSpc>
@@ -9303,21 +10100,21 @@
               <a:buChar char="○"/>
             </a:pPr>
             <a:r>
-              <a:rPr lang="en">
+              <a:rPr lang="en" dirty="0">
                 <a:solidFill>
                   <a:schemeClr val="dk1"/>
                 </a:solidFill>
               </a:rPr>
               <a:t>Missing values</a:t>
             </a:r>
-            <a:endParaRPr>
+            <a:endParaRPr dirty="0">
               <a:solidFill>
                 <a:schemeClr val="dk1"/>
               </a:solidFill>
             </a:endParaRPr>
           </a:p>
           <a:p>
-            <a:pPr indent="-317500" lvl="1" marL="914400" rtl="0">
+            <a:pPr marL="914400" lvl="1" indent="-317500" rtl="0">
               <a:lnSpc>
                 <a:spcPct val="100000"/>
               </a:lnSpc>
@@ -9334,21 +10131,21 @@
               <a:buChar char="○"/>
             </a:pPr>
             <a:r>
-              <a:rPr lang="en">
+              <a:rPr lang="en" dirty="0">
                 <a:solidFill>
                   <a:schemeClr val="dk1"/>
                 </a:solidFill>
               </a:rPr>
               <a:t>Noisy values (e.g. conceptualization - operationalization - measurement)</a:t>
             </a:r>
-            <a:endParaRPr>
+            <a:endParaRPr dirty="0">
               <a:solidFill>
                 <a:schemeClr val="dk1"/>
               </a:solidFill>
             </a:endParaRPr>
           </a:p>
           <a:p>
-            <a:pPr indent="-317500" lvl="1" marL="914400" rtl="0">
+            <a:pPr marL="914400" lvl="1" indent="-317500" rtl="0">
               <a:lnSpc>
                 <a:spcPct val="100000"/>
               </a:lnSpc>
@@ -9365,21 +10162,21 @@
               <a:buChar char="○"/>
             </a:pPr>
             <a:r>
-              <a:rPr lang="en">
+              <a:rPr lang="en" dirty="0">
                 <a:solidFill>
                   <a:schemeClr val="dk1"/>
                 </a:solidFill>
               </a:rPr>
               <a:t>Systematically biased values</a:t>
             </a:r>
-            <a:endParaRPr>
+            <a:endParaRPr dirty="0">
               <a:solidFill>
                 <a:schemeClr val="dk1"/>
               </a:solidFill>
             </a:endParaRPr>
           </a:p>
           <a:p>
-            <a:pPr indent="-342900" lvl="0" marL="457200" rtl="0">
+            <a:pPr marL="457200" lvl="0" indent="-342900" rtl="0">
               <a:lnSpc>
                 <a:spcPct val="100000"/>
               </a:lnSpc>
@@ -9396,21 +10193,21 @@
               <a:buChar char="●"/>
             </a:pPr>
             <a:r>
-              <a:rPr lang="en">
+              <a:rPr lang="en" dirty="0">
                 <a:solidFill>
                   <a:schemeClr val="dk1"/>
                 </a:solidFill>
               </a:rPr>
               <a:t>Model specification</a:t>
             </a:r>
-            <a:endParaRPr>
+            <a:endParaRPr dirty="0">
               <a:solidFill>
                 <a:schemeClr val="dk1"/>
               </a:solidFill>
             </a:endParaRPr>
           </a:p>
           <a:p>
-            <a:pPr indent="-317500" lvl="1" marL="914400" rtl="0">
+            <a:pPr marL="914400" lvl="1" indent="-317500" rtl="0">
               <a:lnSpc>
                 <a:spcPct val="100000"/>
               </a:lnSpc>
@@ -9427,21 +10224,21 @@
               <a:buChar char="○"/>
             </a:pPr>
             <a:r>
-              <a:rPr lang="en">
+              <a:rPr lang="en" dirty="0">
                 <a:solidFill>
                   <a:schemeClr val="dk1"/>
                 </a:solidFill>
               </a:rPr>
               <a:t>Relationship between rows, columns, values, e.g. linear v. non-linear, SUTVA</a:t>
             </a:r>
-            <a:endParaRPr>
+            <a:endParaRPr dirty="0">
               <a:solidFill>
                 <a:schemeClr val="dk1"/>
               </a:solidFill>
             </a:endParaRPr>
           </a:p>
           <a:p>
-            <a:pPr indent="-342900" lvl="0" marL="457200" rtl="0">
+            <a:pPr marL="457200" lvl="0" indent="-342900" rtl="0">
               <a:lnSpc>
                 <a:spcPct val="100000"/>
               </a:lnSpc>
@@ -9458,21 +10255,21 @@
               <a:buChar char="●"/>
             </a:pPr>
             <a:r>
-              <a:rPr lang="en">
+              <a:rPr lang="en" dirty="0">
                 <a:solidFill>
                   <a:schemeClr val="dk1"/>
                 </a:solidFill>
               </a:rPr>
               <a:t>Ethics</a:t>
             </a:r>
-            <a:endParaRPr>
+            <a:endParaRPr dirty="0">
               <a:solidFill>
                 <a:schemeClr val="dk1"/>
               </a:solidFill>
             </a:endParaRPr>
           </a:p>
           <a:p>
-            <a:pPr indent="-317500" lvl="1" marL="914400" rtl="0">
+            <a:pPr marL="914400" lvl="1" indent="-317500" rtl="0">
               <a:lnSpc>
                 <a:spcPct val="100000"/>
               </a:lnSpc>
@@ -9489,36 +10286,33 @@
               <a:buChar char="○"/>
             </a:pPr>
             <a:r>
-              <a:rPr lang="en">
+              <a:rPr lang="en" dirty="0">
                 <a:solidFill>
                   <a:schemeClr val="dk1"/>
                 </a:solidFill>
               </a:rPr>
               <a:t>E.g. send mailers placing non-partisan judicial candidates with Montana state seal</a:t>
             </a:r>
-            <a:endParaRPr>
+            <a:endParaRPr dirty="0">
               <a:solidFill>
                 <a:schemeClr val="dk1"/>
               </a:solidFill>
             </a:endParaRPr>
           </a:p>
           <a:p>
-            <a:pPr indent="0" lvl="0" marL="0" rtl="0" algn="l">
-              <a:spcBef>
-                <a:spcPts val="0"/>
-              </a:spcBef>
-              <a:spcAft>
-                <a:spcPts val="0"/>
-              </a:spcAft>
-              <a:buNone/>
-            </a:pPr>
-            <a:r>
-              <a:t/>
-            </a:r>
-            <a:endParaRPr b="1"/>
-          </a:p>
-          <a:p>
-            <a:pPr indent="0" lvl="0" marL="0" rtl="0">
+            <a:pPr marL="0" lvl="0" indent="0" algn="l" rtl="0">
+              <a:spcBef>
+                <a:spcPts val="0"/>
+              </a:spcBef>
+              <a:spcAft>
+                <a:spcPts val="0"/>
+              </a:spcAft>
+              <a:buNone/>
+            </a:pPr>
+            <a:endParaRPr b="1" dirty="0"/>
+          </a:p>
+          <a:p>
+            <a:pPr marL="0" lvl="0" indent="0" rtl="0">
               <a:spcBef>
                 <a:spcPts val="1600"/>
               </a:spcBef>
@@ -9527,10 +10321,7 @@
               </a:spcAft>
               <a:buNone/>
             </a:pPr>
-            <a:r>
-              <a:t/>
-            </a:r>
-            <a:endParaRPr/>
+            <a:endParaRPr dirty="0"/>
           </a:p>
         </p:txBody>
       </p:sp>
@@ -9542,12 +10333,12 @@
 </p:sld>
 </file>
 
-<file path=ppt/slides/slide18.xml><?xml version="1.0" encoding="utf-8"?>
-<p:sld xmlns:a="http://schemas.openxmlformats.org/drawingml/2006/main" xmlns:r="http://schemas.openxmlformats.org/officeDocument/2006/relationships" xmlns:mc="http://schemas.openxmlformats.org/markup-compatibility/2006" xmlns:mv="urn:schemas-microsoft-com:mac:vml" xmlns:p="http://schemas.openxmlformats.org/presentationml/2006/main" xmlns:c="http://schemas.openxmlformats.org/drawingml/2006/chart" xmlns:dgm="http://schemas.openxmlformats.org/drawingml/2006/diagram" xmlns:o="urn:schemas-microsoft-com:office:office" xmlns:v="urn:schemas-microsoft-com:vml" xmlns:pvml="urn:schemas-microsoft-com:office:powerpoint" xmlns:com="http://schemas.openxmlformats.org/drawingml/2006/compatibility" xmlns:p14="http://schemas.microsoft.com/office/powerpoint/2010/main" xmlns:p15="http://schemas.microsoft.com/office/powerpoint/2012/main">
+<file path=ppt/slides/slide21.xml><?xml version="1.0" encoding="utf-8"?>
+<p:sld xmlns:a="http://schemas.openxmlformats.org/drawingml/2006/main" xmlns:r="http://schemas.openxmlformats.org/officeDocument/2006/relationships" xmlns:p="http://schemas.openxmlformats.org/presentationml/2006/main">
   <p:cSld>
     <p:spTree>
       <p:nvGrpSpPr>
-        <p:cNvPr id="194" name="Shape 194"/>
+        <p:cNvPr id="1" name="Shape 194"/>
         <p:cNvGrpSpPr/>
         <p:nvPr/>
       </p:nvGrpSpPr>
@@ -9562,7 +10353,9 @@
       <p:sp>
         <p:nvSpPr>
           <p:cNvPr id="195" name="Shape 195"/>
-          <p:cNvSpPr txBox="1"/>
+          <p:cNvSpPr txBox="1">
+            <a:spLocks noGrp="1"/>
+          </p:cNvSpPr>
           <p:nvPr>
             <p:ph type="title"/>
           </p:nvPr>
@@ -9577,12 +10370,12 @@
           </a:prstGeom>
         </p:spPr>
         <p:txBody>
-          <a:bodyPr anchorCtr="0" anchor="t" bIns="91425" lIns="91425" spcFirstLastPara="1" rIns="91425" wrap="square" tIns="91425">
+          <a:bodyPr spcFirstLastPara="1" wrap="square" lIns="91425" tIns="91425" rIns="91425" bIns="91425" anchor="t" anchorCtr="0">
             <a:noAutofit/>
           </a:bodyPr>
           <a:lstStyle/>
           <a:p>
-            <a:pPr indent="0" lvl="0" marL="0" rtl="0">
+            <a:pPr marL="0" lvl="0" indent="0" rtl="0">
               <a:spcBef>
                 <a:spcPts val="0"/>
               </a:spcBef>
@@ -9602,9 +10395,11 @@
       <p:sp>
         <p:nvSpPr>
           <p:cNvPr id="196" name="Shape 196"/>
-          <p:cNvSpPr txBox="1"/>
+          <p:cNvSpPr txBox="1">
+            <a:spLocks noGrp="1"/>
+          </p:cNvSpPr>
           <p:nvPr>
-            <p:ph idx="1" type="body"/>
+            <p:ph type="body" idx="1"/>
           </p:nvPr>
         </p:nvSpPr>
         <p:spPr>
@@ -9617,12 +10412,12 @@
           </a:prstGeom>
         </p:spPr>
         <p:txBody>
-          <a:bodyPr anchorCtr="0" anchor="t" bIns="91425" lIns="91425" spcFirstLastPara="1" rIns="91425" wrap="square" tIns="91425">
+          <a:bodyPr spcFirstLastPara="1" wrap="square" lIns="91425" tIns="91425" rIns="91425" bIns="91425" anchor="t" anchorCtr="0">
             <a:noAutofit/>
           </a:bodyPr>
           <a:lstStyle/>
           <a:p>
-            <a:pPr indent="-342900" lvl="0" marL="457200" rtl="0">
+            <a:pPr marL="457200" lvl="0" indent="-342900" rtl="0">
               <a:spcBef>
                 <a:spcPts val="0"/>
               </a:spcBef>
@@ -9639,7 +10434,7 @@
             <a:endParaRPr/>
           </a:p>
           <a:p>
-            <a:pPr indent="-342900" lvl="0" marL="457200" rtl="0">
+            <a:pPr marL="457200" lvl="0" indent="-342900" rtl="0">
               <a:spcBef>
                 <a:spcPts val="0"/>
               </a:spcBef>
@@ -9656,7 +10451,7 @@
             <a:endParaRPr/>
           </a:p>
           <a:p>
-            <a:pPr indent="-317500" lvl="1" marL="914400" rtl="0">
+            <a:pPr marL="914400" lvl="1" indent="-317500" rtl="0">
               <a:spcBef>
                 <a:spcPts val="0"/>
               </a:spcBef>
@@ -9673,7 +10468,7 @@
             <a:endParaRPr/>
           </a:p>
           <a:p>
-            <a:pPr indent="-317500" lvl="1" marL="914400" rtl="0">
+            <a:pPr marL="914400" lvl="1" indent="-317500" rtl="0">
               <a:spcBef>
                 <a:spcPts val="0"/>
               </a:spcBef>
@@ -9690,7 +10485,7 @@
             <a:endParaRPr/>
           </a:p>
           <a:p>
-            <a:pPr indent="-317500" lvl="1" marL="914400" rtl="0">
+            <a:pPr marL="914400" lvl="1" indent="-317500" rtl="0">
               <a:spcBef>
                 <a:spcPts val="0"/>
               </a:spcBef>
@@ -9707,7 +10502,7 @@
             <a:endParaRPr/>
           </a:p>
           <a:p>
-            <a:pPr indent="-317500" lvl="1" marL="914400" rtl="0">
+            <a:pPr marL="914400" lvl="1" indent="-317500" rtl="0">
               <a:spcBef>
                 <a:spcPts val="0"/>
               </a:spcBef>
@@ -9724,7 +10519,7 @@
             <a:endParaRPr/>
           </a:p>
           <a:p>
-            <a:pPr indent="-317500" lvl="1" marL="914400" rtl="0">
+            <a:pPr marL="914400" lvl="1" indent="-317500" rtl="0">
               <a:spcBef>
                 <a:spcPts val="0"/>
               </a:spcBef>
@@ -9741,7 +10536,7 @@
             <a:endParaRPr/>
           </a:p>
           <a:p>
-            <a:pPr indent="-342900" lvl="0" marL="457200" rtl="0">
+            <a:pPr marL="457200" lvl="0" indent="-342900" rtl="0">
               <a:spcBef>
                 <a:spcPts val="0"/>
               </a:spcBef>
@@ -9758,7 +10553,7 @@
             <a:endParaRPr/>
           </a:p>
           <a:p>
-            <a:pPr indent="-317500" lvl="1" marL="914400" rtl="0">
+            <a:pPr marL="914400" lvl="1" indent="-317500" rtl="0">
               <a:spcBef>
                 <a:spcPts val="0"/>
               </a:spcBef>
@@ -9775,7 +10570,7 @@
             <a:endParaRPr/>
           </a:p>
           <a:p>
-            <a:pPr indent="-317500" lvl="1" marL="914400" rtl="0">
+            <a:pPr marL="914400" lvl="1" indent="-317500" rtl="0">
               <a:spcBef>
                 <a:spcPts val="0"/>
               </a:spcBef>
@@ -9792,7 +10587,7 @@
             <a:endParaRPr/>
           </a:p>
           <a:p>
-            <a:pPr indent="-317500" lvl="1" marL="914400" rtl="0">
+            <a:pPr marL="914400" lvl="1" indent="-317500" rtl="0">
               <a:spcBef>
                 <a:spcPts val="0"/>
               </a:spcBef>
@@ -9809,7 +10604,7 @@
             <a:endParaRPr/>
           </a:p>
           <a:p>
-            <a:pPr indent="-317500" lvl="1" marL="914400" rtl="0">
+            <a:pPr marL="914400" lvl="1" indent="-317500" rtl="0">
               <a:spcBef>
                 <a:spcPts val="0"/>
               </a:spcBef>
@@ -9826,7 +10621,7 @@
             <a:endParaRPr/>
           </a:p>
           <a:p>
-            <a:pPr indent="-342900" lvl="0" marL="457200" rtl="0">
+            <a:pPr marL="457200" lvl="0" indent="-342900" rtl="0">
               <a:spcBef>
                 <a:spcPts val="0"/>
               </a:spcBef>
@@ -9843,7 +10638,7 @@
             <a:endParaRPr/>
           </a:p>
           <a:p>
-            <a:pPr indent="-342900" lvl="0" marL="457200" rtl="0">
+            <a:pPr marL="457200" lvl="0" indent="-342900" rtl="0">
               <a:spcBef>
                 <a:spcPts val="0"/>
               </a:spcBef>
@@ -9869,12 +10664,12 @@
 </p:sld>
 </file>
 
-<file path=ppt/slides/slide19.xml><?xml version="1.0" encoding="utf-8"?>
-<p:sld xmlns:a="http://schemas.openxmlformats.org/drawingml/2006/main" xmlns:r="http://schemas.openxmlformats.org/officeDocument/2006/relationships" xmlns:mc="http://schemas.openxmlformats.org/markup-compatibility/2006" xmlns:mv="urn:schemas-microsoft-com:mac:vml" xmlns:p="http://schemas.openxmlformats.org/presentationml/2006/main" xmlns:c="http://schemas.openxmlformats.org/drawingml/2006/chart" xmlns:dgm="http://schemas.openxmlformats.org/drawingml/2006/diagram" xmlns:o="urn:schemas-microsoft-com:office:office" xmlns:v="urn:schemas-microsoft-com:vml" xmlns:pvml="urn:schemas-microsoft-com:office:powerpoint" xmlns:com="http://schemas.openxmlformats.org/drawingml/2006/compatibility" xmlns:p14="http://schemas.microsoft.com/office/powerpoint/2010/main" xmlns:p15="http://schemas.microsoft.com/office/powerpoint/2012/main">
+<file path=ppt/slides/slide22.xml><?xml version="1.0" encoding="utf-8"?>
+<p:sld xmlns:a="http://schemas.openxmlformats.org/drawingml/2006/main" xmlns:r="http://schemas.openxmlformats.org/officeDocument/2006/relationships" xmlns:p="http://schemas.openxmlformats.org/presentationml/2006/main">
   <p:cSld>
     <p:spTree>
       <p:nvGrpSpPr>
-        <p:cNvPr id="200" name="Shape 200"/>
+        <p:cNvPr id="1" name="Shape 200"/>
         <p:cNvGrpSpPr/>
         <p:nvPr/>
       </p:nvGrpSpPr>
@@ -9889,7 +10684,9 @@
       <p:sp>
         <p:nvSpPr>
           <p:cNvPr id="201" name="Shape 201"/>
-          <p:cNvSpPr txBox="1"/>
+          <p:cNvSpPr txBox="1">
+            <a:spLocks noGrp="1"/>
+          </p:cNvSpPr>
           <p:nvPr>
             <p:ph type="title"/>
           </p:nvPr>
@@ -9904,12 +10701,12 @@
           </a:prstGeom>
         </p:spPr>
         <p:txBody>
-          <a:bodyPr anchorCtr="0" anchor="t" bIns="91425" lIns="91425" spcFirstLastPara="1" rIns="91425" wrap="square" tIns="91425">
+          <a:bodyPr spcFirstLastPara="1" wrap="square" lIns="91425" tIns="91425" rIns="91425" bIns="91425" anchor="t" anchorCtr="0">
             <a:noAutofit/>
           </a:bodyPr>
           <a:lstStyle/>
           <a:p>
-            <a:pPr indent="0" lvl="0" marL="0" rtl="0">
+            <a:pPr marL="0" lvl="0" indent="0" rtl="0">
               <a:spcBef>
                 <a:spcPts val="0"/>
               </a:spcBef>
@@ -9929,9 +10726,11 @@
       <p:sp>
         <p:nvSpPr>
           <p:cNvPr id="202" name="Shape 202"/>
-          <p:cNvSpPr txBox="1"/>
+          <p:cNvSpPr txBox="1">
+            <a:spLocks noGrp="1"/>
+          </p:cNvSpPr>
           <p:nvPr>
-            <p:ph idx="1" type="body"/>
+            <p:ph type="body" idx="1"/>
           </p:nvPr>
         </p:nvSpPr>
         <p:spPr>
@@ -9944,12 +10743,12 @@
           </a:prstGeom>
         </p:spPr>
         <p:txBody>
-          <a:bodyPr anchorCtr="0" anchor="t" bIns="91425" lIns="91425" spcFirstLastPara="1" rIns="91425" wrap="square" tIns="91425">
+          <a:bodyPr spcFirstLastPara="1" wrap="square" lIns="91425" tIns="91425" rIns="91425" bIns="91425" anchor="t" anchorCtr="0">
             <a:noAutofit/>
           </a:bodyPr>
           <a:lstStyle/>
           <a:p>
-            <a:pPr indent="-342900" lvl="0" marL="457200" rtl="0">
+            <a:pPr marL="457200" lvl="0" indent="-342900" rtl="0">
               <a:spcBef>
                 <a:spcPts val="0"/>
               </a:spcBef>
@@ -9960,13 +10759,13 @@
               <a:buChar char="●"/>
             </a:pPr>
             <a:r>
-              <a:rPr lang="en"/>
-              <a:t>Stanford Prison Experiment</a:t>
+              <a:rPr lang="en-US" dirty="0" smtClean="0"/>
+              <a:t>Miller’s Law: 7 +/- 2</a:t>
             </a:r>
-            <a:endParaRPr/>
-          </a:p>
-          <a:p>
-            <a:pPr indent="-342900" lvl="0" marL="457200" rtl="0">
+            <a:endParaRPr dirty="0"/>
+          </a:p>
+          <a:p>
+            <a:pPr marL="457200" lvl="0" indent="-342900" rtl="0">
               <a:spcBef>
                 <a:spcPts val="0"/>
               </a:spcBef>
@@ -9977,13 +10776,13 @@
               <a:buChar char="●"/>
             </a:pPr>
             <a:r>
-              <a:rPr lang="en"/>
-              <a:t>Milgram’s Obedience Experiment</a:t>
+              <a:rPr lang="en-US" dirty="0" smtClean="0"/>
+              <a:t>Culture of Honor</a:t>
             </a:r>
-            <a:endParaRPr/>
-          </a:p>
-          <a:p>
-            <a:pPr indent="-342900" lvl="0" marL="457200" rtl="0">
+            <a:endParaRPr dirty="0"/>
+          </a:p>
+          <a:p>
+            <a:pPr marL="457200" lvl="0" indent="-342900" rtl="0">
               <a:spcBef>
                 <a:spcPts val="0"/>
               </a:spcBef>
@@ -9994,13 +10793,13 @@
               <a:buChar char="●"/>
             </a:pPr>
             <a:r>
-              <a:rPr lang="en"/>
-              <a:t>Asch Conformity Study</a:t>
+              <a:rPr lang="en-US" dirty="0" smtClean="0"/>
+              <a:t>Invisible Gorilla: Selective Attention</a:t>
             </a:r>
-            <a:endParaRPr/>
-          </a:p>
-          <a:p>
-            <a:pPr indent="-342900" lvl="0" marL="457200" rtl="0">
+            <a:endParaRPr dirty="0"/>
+          </a:p>
+          <a:p>
+            <a:pPr marL="457200" lvl="0" indent="-342900" rtl="0">
               <a:spcBef>
                 <a:spcPts val="0"/>
               </a:spcBef>
@@ -10011,13 +10810,13 @@
               <a:buChar char="●"/>
             </a:pPr>
             <a:r>
-              <a:rPr lang="en"/>
+              <a:rPr lang="en" dirty="0"/>
               <a:t>Implicit Association Test</a:t>
             </a:r>
-            <a:endParaRPr/>
-          </a:p>
-          <a:p>
-            <a:pPr indent="-342900" lvl="0" marL="457200" rtl="0">
+            <a:endParaRPr dirty="0"/>
+          </a:p>
+          <a:p>
+            <a:pPr marL="457200" lvl="0" indent="-342900" rtl="0">
               <a:spcBef>
                 <a:spcPts val="0"/>
               </a:spcBef>
@@ -10028,13 +10827,13 @@
               <a:buChar char="●"/>
             </a:pPr>
             <a:r>
-              <a:rPr lang="en"/>
+              <a:rPr lang="en" dirty="0"/>
               <a:t>Social Pressure and Voter Turnout</a:t>
             </a:r>
-            <a:endParaRPr/>
-          </a:p>
-          <a:p>
-            <a:pPr indent="-342900" lvl="0" marL="457200" rtl="0">
+            <a:endParaRPr dirty="0"/>
+          </a:p>
+          <a:p>
+            <a:pPr marL="457200" lvl="0" indent="-342900" rtl="0">
               <a:spcBef>
                 <a:spcPts val="0"/>
               </a:spcBef>
@@ -10045,13 +10844,13 @@
               <a:buChar char="●"/>
             </a:pPr>
             <a:r>
-              <a:rPr lang="en"/>
+              <a:rPr lang="en" dirty="0"/>
               <a:t>The Michigan Model (partisan ID)</a:t>
             </a:r>
-            <a:endParaRPr/>
-          </a:p>
-          <a:p>
-            <a:pPr indent="-342900" lvl="0" marL="457200" rtl="0">
+            <a:endParaRPr dirty="0"/>
+          </a:p>
+          <a:p>
+            <a:pPr marL="457200" lvl="0" indent="-342900" rtl="0">
               <a:spcBef>
                 <a:spcPts val="0"/>
               </a:spcBef>
@@ -10062,13 +10861,13 @@
               <a:buChar char="●"/>
             </a:pPr>
             <a:r>
-              <a:rPr lang="en"/>
+              <a:rPr lang="en" dirty="0"/>
               <a:t>Republicans Should Pray for Rain</a:t>
             </a:r>
-            <a:endParaRPr/>
-          </a:p>
-          <a:p>
-            <a:pPr indent="-342900" lvl="0" marL="457200" rtl="0">
+            <a:endParaRPr dirty="0"/>
+          </a:p>
+          <a:p>
+            <a:pPr marL="457200" lvl="0" indent="-342900" rtl="0">
               <a:spcBef>
                 <a:spcPts val="0"/>
               </a:spcBef>
@@ -10079,13 +10878,13 @@
               <a:buChar char="●"/>
             </a:pPr>
             <a:r>
-              <a:rPr lang="en"/>
+              <a:rPr lang="en" dirty="0"/>
               <a:t>The Political Legacy of American Slavery</a:t>
             </a:r>
-            <a:endParaRPr/>
-          </a:p>
-          <a:p>
-            <a:pPr indent="-342900" lvl="0" marL="457200" rtl="0">
+            <a:endParaRPr dirty="0"/>
+          </a:p>
+          <a:p>
+            <a:pPr marL="457200" lvl="0" indent="-342900" rtl="0">
               <a:spcBef>
                 <a:spcPts val="0"/>
               </a:spcBef>
@@ -10096,13 +10895,13 @@
               <a:buChar char="●"/>
             </a:pPr>
             <a:r>
-              <a:rPr lang="en"/>
+              <a:rPr lang="en" dirty="0"/>
               <a:t>Effective Messages in Vaccine Promotion</a:t>
             </a:r>
-            <a:endParaRPr/>
-          </a:p>
-          <a:p>
-            <a:pPr indent="-342900" lvl="0" marL="457200" rtl="0">
+            <a:endParaRPr dirty="0"/>
+          </a:p>
+          <a:p>
+            <a:pPr marL="457200" lvl="0" indent="-342900" rtl="0">
               <a:spcBef>
                 <a:spcPts val="0"/>
               </a:spcBef>
@@ -10113,13 +10912,13 @@
               <a:buChar char="●"/>
             </a:pPr>
             <a:r>
-              <a:rPr lang="en"/>
+              <a:rPr lang="en" dirty="0"/>
               <a:t>Crime and Punishment</a:t>
             </a:r>
-            <a:endParaRPr/>
-          </a:p>
-          <a:p>
-            <a:pPr indent="-342900" lvl="0" marL="457200" rtl="0">
+            <a:endParaRPr dirty="0"/>
+          </a:p>
+          <a:p>
+            <a:pPr marL="457200" lvl="0" indent="-342900" rtl="0">
               <a:spcBef>
                 <a:spcPts val="0"/>
               </a:spcBef>
@@ -10130,13 +10929,13 @@
               <a:buChar char="●"/>
             </a:pPr>
             <a:r>
-              <a:rPr lang="en"/>
+              <a:rPr lang="en" dirty="0"/>
               <a:t>Geography and Trade</a:t>
             </a:r>
-            <a:endParaRPr/>
-          </a:p>
-          <a:p>
-            <a:pPr indent="-342900" lvl="0" marL="457200" rtl="0">
+            <a:endParaRPr dirty="0"/>
+          </a:p>
+          <a:p>
+            <a:pPr marL="457200" lvl="0" indent="-342900" rtl="0">
               <a:spcBef>
                 <a:spcPts val="0"/>
               </a:spcBef>
@@ -10147,13 +10946,13 @@
               <a:buChar char="●"/>
             </a:pPr>
             <a:r>
-              <a:rPr lang="en"/>
+              <a:rPr lang="en" dirty="0"/>
               <a:t>Political Economy of Terrorism</a:t>
             </a:r>
-            <a:endParaRPr/>
-          </a:p>
-          <a:p>
-            <a:pPr indent="-342900" lvl="0" marL="457200" rtl="0">
+            <a:endParaRPr dirty="0"/>
+          </a:p>
+          <a:p>
+            <a:pPr marL="457200" lvl="0" indent="-342900" rtl="0">
               <a:spcBef>
                 <a:spcPts val="0"/>
               </a:spcBef>
@@ -10164,223 +10963,10 @@
               <a:buChar char="●"/>
             </a:pPr>
             <a:r>
-              <a:rPr lang="en"/>
+              <a:rPr lang="en" dirty="0"/>
               <a:t>Minimum Wages and Employment</a:t>
             </a:r>
-            <a:endParaRPr/>
-          </a:p>
-        </p:txBody>
-      </p:sp>
-    </p:spTree>
-  </p:cSld>
-  <p:clrMapOvr>
-    <a:masterClrMapping/>
-  </p:clrMapOvr>
-</p:sld>
-</file>
-
-<file path=ppt/slides/slide2.xml><?xml version="1.0" encoding="utf-8"?>
-<p:sld xmlns:a="http://schemas.openxmlformats.org/drawingml/2006/main" xmlns:r="http://schemas.openxmlformats.org/officeDocument/2006/relationships" xmlns:mc="http://schemas.openxmlformats.org/markup-compatibility/2006" xmlns:mv="urn:schemas-microsoft-com:mac:vml" xmlns:p="http://schemas.openxmlformats.org/presentationml/2006/main" xmlns:c="http://schemas.openxmlformats.org/drawingml/2006/chart" xmlns:dgm="http://schemas.openxmlformats.org/drawingml/2006/diagram" xmlns:o="urn:schemas-microsoft-com:office:office" xmlns:v="urn:schemas-microsoft-com:vml" xmlns:pvml="urn:schemas-microsoft-com:office:powerpoint" xmlns:com="http://schemas.openxmlformats.org/drawingml/2006/compatibility" xmlns:p14="http://schemas.microsoft.com/office/powerpoint/2010/main" xmlns:p15="http://schemas.microsoft.com/office/powerpoint/2012/main">
-  <p:cSld>
-    <p:spTree>
-      <p:nvGrpSpPr>
-        <p:cNvPr id="59" name="Shape 59"/>
-        <p:cNvGrpSpPr/>
-        <p:nvPr/>
-      </p:nvGrpSpPr>
-      <p:grpSpPr>
-        <a:xfrm>
-          <a:off x="0" y="0"/>
-          <a:ext cx="0" cy="0"/>
-          <a:chOff x="0" y="0"/>
-          <a:chExt cx="0" cy="0"/>
-        </a:xfrm>
-      </p:grpSpPr>
-      <p:sp>
-        <p:nvSpPr>
-          <p:cNvPr id="60" name="Shape 60"/>
-          <p:cNvSpPr txBox="1"/>
-          <p:nvPr>
-            <p:ph type="title"/>
-          </p:nvPr>
-        </p:nvSpPr>
-        <p:spPr>
-          <a:xfrm>
-            <a:off x="311700" y="445025"/>
-            <a:ext cx="8520600" cy="572700"/>
-          </a:xfrm>
-          <a:prstGeom prst="rect">
-            <a:avLst/>
-          </a:prstGeom>
-        </p:spPr>
-        <p:txBody>
-          <a:bodyPr anchorCtr="0" anchor="t" bIns="91425" lIns="91425" spcFirstLastPara="1" rIns="91425" wrap="square" tIns="91425">
-            <a:noAutofit/>
-          </a:bodyPr>
-          <a:lstStyle/>
-          <a:p>
-            <a:pPr indent="0" lvl="0" marL="0">
-              <a:spcBef>
-                <a:spcPts val="0"/>
-              </a:spcBef>
-              <a:spcAft>
-                <a:spcPts val="0"/>
-              </a:spcAft>
-              <a:buNone/>
-            </a:pPr>
-            <a:r>
-              <a:rPr lang="en"/>
-              <a:t>Do Police Body Cameras Affect the Use of Force?</a:t>
-            </a:r>
-            <a:endParaRPr/>
-          </a:p>
-        </p:txBody>
-      </p:sp>
-      <p:sp>
-        <p:nvSpPr>
-          <p:cNvPr id="61" name="Shape 61"/>
-          <p:cNvSpPr txBox="1"/>
-          <p:nvPr>
-            <p:ph idx="1" type="body"/>
-          </p:nvPr>
-        </p:nvSpPr>
-        <p:spPr>
-          <a:xfrm>
-            <a:off x="726500" y="2622050"/>
-            <a:ext cx="1999500" cy="572700"/>
-          </a:xfrm>
-          <a:prstGeom prst="rect">
-            <a:avLst/>
-          </a:prstGeom>
-        </p:spPr>
-        <p:txBody>
-          <a:bodyPr anchorCtr="0" anchor="t" bIns="91425" lIns="91425" spcFirstLastPara="1" rIns="91425" wrap="square" tIns="91425">
-            <a:noAutofit/>
-          </a:bodyPr>
-          <a:lstStyle/>
-          <a:p>
-            <a:pPr indent="0" lvl="0" marL="0" rtl="0">
-              <a:spcBef>
-                <a:spcPts val="0"/>
-              </a:spcBef>
-              <a:spcAft>
-                <a:spcPts val="1600"/>
-              </a:spcAft>
-              <a:buNone/>
-            </a:pPr>
-            <a:r>
-              <a:rPr b="1" lang="en"/>
-              <a:t>Body Camera</a:t>
-            </a:r>
-            <a:endParaRPr b="1"/>
-          </a:p>
-        </p:txBody>
-      </p:sp>
-      <p:sp>
-        <p:nvSpPr>
-          <p:cNvPr id="62" name="Shape 62"/>
-          <p:cNvSpPr txBox="1"/>
-          <p:nvPr>
-            <p:ph idx="1" type="body"/>
-          </p:nvPr>
-        </p:nvSpPr>
-        <p:spPr>
-          <a:xfrm>
-            <a:off x="5761675" y="2622050"/>
-            <a:ext cx="1999500" cy="572700"/>
-          </a:xfrm>
-          <a:prstGeom prst="rect">
-            <a:avLst/>
-          </a:prstGeom>
-        </p:spPr>
-        <p:txBody>
-          <a:bodyPr anchorCtr="0" anchor="t" bIns="91425" lIns="91425" spcFirstLastPara="1" rIns="91425" wrap="square" tIns="91425">
-            <a:noAutofit/>
-          </a:bodyPr>
-          <a:lstStyle/>
-          <a:p>
-            <a:pPr indent="0" lvl="0" marL="0" rtl="0">
-              <a:spcBef>
-                <a:spcPts val="0"/>
-              </a:spcBef>
-              <a:spcAft>
-                <a:spcPts val="1600"/>
-              </a:spcAft>
-              <a:buNone/>
-            </a:pPr>
-            <a:r>
-              <a:rPr b="1" lang="en"/>
-              <a:t>Use of Force</a:t>
-            </a:r>
-            <a:endParaRPr b="1"/>
-          </a:p>
-        </p:txBody>
-      </p:sp>
-      <p:cxnSp>
-        <p:nvCxnSpPr>
-          <p:cNvPr id="63" name="Shape 63"/>
-          <p:cNvCxnSpPr>
-            <a:endCxn id="62" idx="1"/>
-          </p:cNvCxnSpPr>
-          <p:nvPr/>
-        </p:nvCxnSpPr>
-        <p:spPr>
-          <a:xfrm>
-            <a:off x="2394175" y="2869100"/>
-            <a:ext cx="3367500" cy="39300"/>
-          </a:xfrm>
-          <a:prstGeom prst="straightConnector1">
-            <a:avLst/>
-          </a:prstGeom>
-          <a:noFill/>
-          <a:ln cap="flat" cmpd="sng" w="28575">
-            <a:solidFill>
-              <a:schemeClr val="dk2"/>
-            </a:solidFill>
-            <a:prstDash val="solid"/>
-            <a:round/>
-            <a:headEnd len="med" w="med" type="none"/>
-            <a:tailEnd len="med" w="med" type="triangle"/>
-          </a:ln>
-        </p:spPr>
-      </p:cxnSp>
-      <p:sp>
-        <p:nvSpPr>
-          <p:cNvPr id="64" name="Shape 64"/>
-          <p:cNvSpPr txBox="1"/>
-          <p:nvPr>
-            <p:ph idx="1" type="body"/>
-          </p:nvPr>
-        </p:nvSpPr>
-        <p:spPr>
-          <a:xfrm>
-            <a:off x="3616550" y="2489775"/>
-            <a:ext cx="460500" cy="572700"/>
-          </a:xfrm>
-          <a:prstGeom prst="rect">
-            <a:avLst/>
-          </a:prstGeom>
-        </p:spPr>
-        <p:txBody>
-          <a:bodyPr anchorCtr="0" anchor="t" bIns="91425" lIns="91425" spcFirstLastPara="1" rIns="91425" wrap="square" tIns="91425">
-            <a:noAutofit/>
-          </a:bodyPr>
-          <a:lstStyle/>
-          <a:p>
-            <a:pPr indent="0" lvl="0" marL="0" rtl="0">
-              <a:spcBef>
-                <a:spcPts val="0"/>
-              </a:spcBef>
-              <a:spcAft>
-                <a:spcPts val="1600"/>
-              </a:spcAft>
-              <a:buNone/>
-            </a:pPr>
-            <a:r>
-              <a:rPr b="1" lang="en"/>
-              <a:t>?</a:t>
-            </a:r>
-            <a:endParaRPr b="1"/>
+            <a:endParaRPr dirty="0"/>
           </a:p>
         </p:txBody>
       </p:sp>
@@ -10393,11 +10979,11 @@
 </file>
 
 <file path=ppt/slides/slide3.xml><?xml version="1.0" encoding="utf-8"?>
-<p:sld xmlns:a="http://schemas.openxmlformats.org/drawingml/2006/main" xmlns:r="http://schemas.openxmlformats.org/officeDocument/2006/relationships" xmlns:mc="http://schemas.openxmlformats.org/markup-compatibility/2006" xmlns:mv="urn:schemas-microsoft-com:mac:vml" xmlns:p="http://schemas.openxmlformats.org/presentationml/2006/main" xmlns:c="http://schemas.openxmlformats.org/drawingml/2006/chart" xmlns:dgm="http://schemas.openxmlformats.org/drawingml/2006/diagram" xmlns:o="urn:schemas-microsoft-com:office:office" xmlns:v="urn:schemas-microsoft-com:vml" xmlns:pvml="urn:schemas-microsoft-com:office:powerpoint" xmlns:com="http://schemas.openxmlformats.org/drawingml/2006/compatibility" xmlns:p14="http://schemas.microsoft.com/office/powerpoint/2010/main" xmlns:p15="http://schemas.microsoft.com/office/powerpoint/2012/main">
+<p:sld xmlns:a="http://schemas.openxmlformats.org/drawingml/2006/main" xmlns:r="http://schemas.openxmlformats.org/officeDocument/2006/relationships" xmlns:p="http://schemas.openxmlformats.org/presentationml/2006/main">
   <p:cSld>
     <p:spTree>
       <p:nvGrpSpPr>
-        <p:cNvPr id="68" name="Shape 68"/>
+        <p:cNvPr id="1" name="Shape 68"/>
         <p:cNvGrpSpPr/>
         <p:nvPr/>
       </p:nvGrpSpPr>
@@ -10412,7 +10998,9 @@
       <p:sp>
         <p:nvSpPr>
           <p:cNvPr id="69" name="Shape 69"/>
-          <p:cNvSpPr txBox="1"/>
+          <p:cNvSpPr txBox="1">
+            <a:spLocks noGrp="1"/>
+          </p:cNvSpPr>
           <p:nvPr>
             <p:ph type="title"/>
           </p:nvPr>
@@ -10427,12 +11015,12 @@
           </a:prstGeom>
         </p:spPr>
         <p:txBody>
-          <a:bodyPr anchorCtr="0" anchor="t" bIns="91425" lIns="91425" spcFirstLastPara="1" rIns="91425" wrap="square" tIns="91425">
+          <a:bodyPr spcFirstLastPara="1" wrap="square" lIns="91425" tIns="91425" rIns="91425" bIns="91425" anchor="t" anchorCtr="0">
             <a:noAutofit/>
           </a:bodyPr>
           <a:lstStyle/>
           <a:p>
-            <a:pPr indent="0" lvl="0" marL="0" rtl="0">
+            <a:pPr marL="0" lvl="0" indent="0" rtl="0">
               <a:spcBef>
                 <a:spcPts val="0"/>
               </a:spcBef>
@@ -10446,7 +11034,7 @@
               <a:t>Do Police Body Cameras </a:t>
             </a:r>
             <a:r>
-              <a:rPr b="1" lang="en"/>
+              <a:rPr lang="en" b="1"/>
               <a:t>Affect</a:t>
             </a:r>
             <a:r>
@@ -10460,9 +11048,11 @@
       <p:sp>
         <p:nvSpPr>
           <p:cNvPr id="70" name="Shape 70"/>
-          <p:cNvSpPr txBox="1"/>
+          <p:cNvSpPr txBox="1">
+            <a:spLocks noGrp="1"/>
+          </p:cNvSpPr>
           <p:nvPr>
-            <p:ph idx="1" type="body"/>
+            <p:ph type="body" idx="1"/>
           </p:nvPr>
         </p:nvSpPr>
         <p:spPr>
@@ -10475,12 +11065,12 @@
           </a:prstGeom>
         </p:spPr>
         <p:txBody>
-          <a:bodyPr anchorCtr="0" anchor="t" bIns="91425" lIns="91425" spcFirstLastPara="1" rIns="91425" wrap="square" tIns="91425">
+          <a:bodyPr spcFirstLastPara="1" wrap="square" lIns="91425" tIns="91425" rIns="91425" bIns="91425" anchor="t" anchorCtr="0">
             <a:noAutofit/>
           </a:bodyPr>
           <a:lstStyle/>
           <a:p>
-            <a:pPr indent="0" lvl="0" marL="0" rtl="0">
+            <a:pPr marL="0" lvl="0" indent="0" rtl="0">
               <a:spcBef>
                 <a:spcPts val="0"/>
               </a:spcBef>
@@ -10490,7 +11080,7 @@
               <a:buNone/>
             </a:pPr>
             <a:r>
-              <a:rPr b="1" lang="en"/>
+              <a:rPr lang="en" b="1"/>
               <a:t>Body Camera</a:t>
             </a:r>
             <a:endParaRPr b="1"/>
@@ -10500,9 +11090,11 @@
       <p:sp>
         <p:nvSpPr>
           <p:cNvPr id="71" name="Shape 71"/>
-          <p:cNvSpPr txBox="1"/>
+          <p:cNvSpPr txBox="1">
+            <a:spLocks noGrp="1"/>
+          </p:cNvSpPr>
           <p:nvPr>
-            <p:ph idx="1" type="body"/>
+            <p:ph type="body" idx="1"/>
           </p:nvPr>
         </p:nvSpPr>
         <p:spPr>
@@ -10515,12 +11107,12 @@
           </a:prstGeom>
         </p:spPr>
         <p:txBody>
-          <a:bodyPr anchorCtr="0" anchor="t" bIns="91425" lIns="91425" spcFirstLastPara="1" rIns="91425" wrap="square" tIns="91425">
+          <a:bodyPr spcFirstLastPara="1" wrap="square" lIns="91425" tIns="91425" rIns="91425" bIns="91425" anchor="t" anchorCtr="0">
             <a:noAutofit/>
           </a:bodyPr>
           <a:lstStyle/>
           <a:p>
-            <a:pPr indent="0" lvl="0" marL="0" rtl="0">
+            <a:pPr marL="0" lvl="0" indent="0" rtl="0">
               <a:spcBef>
                 <a:spcPts val="0"/>
               </a:spcBef>
@@ -10530,7 +11122,7 @@
               <a:buNone/>
             </a:pPr>
             <a:r>
-              <a:rPr b="1" lang="en"/>
+              <a:rPr lang="en" b="1"/>
               <a:t>Use of Force</a:t>
             </a:r>
             <a:endParaRPr b="1"/>
@@ -10554,23 +11146,25 @@
             <a:avLst/>
           </a:prstGeom>
           <a:noFill/>
-          <a:ln cap="flat" cmpd="sng" w="28575">
+          <a:ln w="28575" cap="flat" cmpd="sng">
             <a:solidFill>
               <a:schemeClr val="dk2"/>
             </a:solidFill>
             <a:prstDash val="solid"/>
             <a:round/>
-            <a:headEnd len="med" w="med" type="none"/>
-            <a:tailEnd len="med" w="med" type="triangle"/>
+            <a:headEnd type="none" w="med" len="med"/>
+            <a:tailEnd type="triangle" w="med" len="med"/>
           </a:ln>
         </p:spPr>
       </p:cxnSp>
       <p:sp>
         <p:nvSpPr>
           <p:cNvPr id="73" name="Shape 73"/>
-          <p:cNvSpPr txBox="1"/>
+          <p:cNvSpPr txBox="1">
+            <a:spLocks noGrp="1"/>
+          </p:cNvSpPr>
           <p:nvPr>
-            <p:ph idx="1" type="body"/>
+            <p:ph type="body" idx="1"/>
           </p:nvPr>
         </p:nvSpPr>
         <p:spPr>
@@ -10583,12 +11177,12 @@
           </a:prstGeom>
         </p:spPr>
         <p:txBody>
-          <a:bodyPr anchorCtr="0" anchor="t" bIns="91425" lIns="91425" spcFirstLastPara="1" rIns="91425" wrap="square" tIns="91425">
+          <a:bodyPr spcFirstLastPara="1" wrap="square" lIns="91425" tIns="91425" rIns="91425" bIns="91425" anchor="t" anchorCtr="0">
             <a:noAutofit/>
           </a:bodyPr>
           <a:lstStyle/>
           <a:p>
-            <a:pPr indent="0" lvl="0" marL="0" rtl="0">
+            <a:pPr marL="0" lvl="0" indent="0" rtl="0">
               <a:spcBef>
                 <a:spcPts val="0"/>
               </a:spcBef>
@@ -10598,7 +11192,7 @@
               <a:buNone/>
             </a:pPr>
             <a:r>
-              <a:rPr b="1" lang="en"/>
+              <a:rPr lang="en" b="1"/>
               <a:t>?</a:t>
             </a:r>
             <a:endParaRPr b="1"/>
@@ -10614,11 +11208,11 @@
 </file>
 
 <file path=ppt/slides/slide4.xml><?xml version="1.0" encoding="utf-8"?>
-<p:sld xmlns:a="http://schemas.openxmlformats.org/drawingml/2006/main" xmlns:r="http://schemas.openxmlformats.org/officeDocument/2006/relationships" xmlns:mc="http://schemas.openxmlformats.org/markup-compatibility/2006" xmlns:mv="urn:schemas-microsoft-com:mac:vml" xmlns:p="http://schemas.openxmlformats.org/presentationml/2006/main" xmlns:c="http://schemas.openxmlformats.org/drawingml/2006/chart" xmlns:dgm="http://schemas.openxmlformats.org/drawingml/2006/diagram" xmlns:o="urn:schemas-microsoft-com:office:office" xmlns:v="urn:schemas-microsoft-com:vml" xmlns:pvml="urn:schemas-microsoft-com:office:powerpoint" xmlns:com="http://schemas.openxmlformats.org/drawingml/2006/compatibility" xmlns:p14="http://schemas.microsoft.com/office/powerpoint/2010/main" xmlns:p15="http://schemas.microsoft.com/office/powerpoint/2012/main">
+<p:sld xmlns:a="http://schemas.openxmlformats.org/drawingml/2006/main" xmlns:r="http://schemas.openxmlformats.org/officeDocument/2006/relationships" xmlns:p="http://schemas.openxmlformats.org/presentationml/2006/main">
   <p:cSld>
     <p:spTree>
       <p:nvGrpSpPr>
-        <p:cNvPr id="77" name="Shape 77"/>
+        <p:cNvPr id="1" name="Shape 77"/>
         <p:cNvGrpSpPr/>
         <p:nvPr/>
       </p:nvGrpSpPr>
@@ -10633,7 +11227,9 @@
       <p:sp>
         <p:nvSpPr>
           <p:cNvPr id="78" name="Shape 78"/>
-          <p:cNvSpPr txBox="1"/>
+          <p:cNvSpPr txBox="1">
+            <a:spLocks noGrp="1"/>
+          </p:cNvSpPr>
           <p:nvPr>
             <p:ph type="title"/>
           </p:nvPr>
@@ -10648,12 +11244,12 @@
           </a:prstGeom>
         </p:spPr>
         <p:txBody>
-          <a:bodyPr anchorCtr="0" anchor="t" bIns="91425" lIns="91425" spcFirstLastPara="1" rIns="91425" wrap="square" tIns="91425">
+          <a:bodyPr spcFirstLastPara="1" wrap="square" lIns="91425" tIns="91425" rIns="91425" bIns="91425" anchor="t" anchorCtr="0">
             <a:noAutofit/>
           </a:bodyPr>
           <a:lstStyle/>
           <a:p>
-            <a:pPr indent="0" lvl="0" marL="0" rtl="0">
+            <a:pPr marL="0" lvl="0" indent="0" rtl="0">
               <a:spcBef>
                 <a:spcPts val="0"/>
               </a:spcBef>
@@ -10673,9 +11269,11 @@
       <p:sp>
         <p:nvSpPr>
           <p:cNvPr id="79" name="Shape 79"/>
-          <p:cNvSpPr txBox="1"/>
+          <p:cNvSpPr txBox="1">
+            <a:spLocks noGrp="1"/>
+          </p:cNvSpPr>
           <p:nvPr>
-            <p:ph idx="1" type="body"/>
+            <p:ph type="body" idx="1"/>
           </p:nvPr>
         </p:nvSpPr>
         <p:spPr>
@@ -10688,12 +11286,12 @@
           </a:prstGeom>
         </p:spPr>
         <p:txBody>
-          <a:bodyPr anchorCtr="0" anchor="t" bIns="91425" lIns="91425" spcFirstLastPara="1" rIns="91425" wrap="square" tIns="91425">
+          <a:bodyPr spcFirstLastPara="1" wrap="square" lIns="91425" tIns="91425" rIns="91425" bIns="91425" anchor="t" anchorCtr="0">
             <a:noAutofit/>
           </a:bodyPr>
           <a:lstStyle/>
           <a:p>
-            <a:pPr indent="0" lvl="0" marL="0" rtl="0">
+            <a:pPr marL="0" lvl="0" indent="0" rtl="0">
               <a:spcBef>
                 <a:spcPts val="0"/>
               </a:spcBef>
@@ -10703,7 +11301,7 @@
               <a:buNone/>
             </a:pPr>
             <a:r>
-              <a:rPr b="1" lang="en"/>
+              <a:rPr lang="en" b="1"/>
               <a:t>Body Camera</a:t>
             </a:r>
             <a:endParaRPr b="1"/>
@@ -10713,9 +11311,11 @@
       <p:sp>
         <p:nvSpPr>
           <p:cNvPr id="80" name="Shape 80"/>
-          <p:cNvSpPr txBox="1"/>
+          <p:cNvSpPr txBox="1">
+            <a:spLocks noGrp="1"/>
+          </p:cNvSpPr>
           <p:nvPr>
-            <p:ph idx="1" type="body"/>
+            <p:ph type="body" idx="1"/>
           </p:nvPr>
         </p:nvSpPr>
         <p:spPr>
@@ -10728,12 +11328,12 @@
           </a:prstGeom>
         </p:spPr>
         <p:txBody>
-          <a:bodyPr anchorCtr="0" anchor="t" bIns="91425" lIns="91425" spcFirstLastPara="1" rIns="91425" wrap="square" tIns="91425">
+          <a:bodyPr spcFirstLastPara="1" wrap="square" lIns="91425" tIns="91425" rIns="91425" bIns="91425" anchor="t" anchorCtr="0">
             <a:noAutofit/>
           </a:bodyPr>
           <a:lstStyle/>
           <a:p>
-            <a:pPr indent="0" lvl="0" marL="0" rtl="0">
+            <a:pPr marL="0" lvl="0" indent="0" rtl="0">
               <a:spcBef>
                 <a:spcPts val="0"/>
               </a:spcBef>
@@ -10743,7 +11343,7 @@
               <a:buNone/>
             </a:pPr>
             <a:r>
-              <a:rPr b="1" lang="en"/>
+              <a:rPr lang="en" b="1"/>
               <a:t>Use of Force</a:t>
             </a:r>
             <a:endParaRPr b="1"/>
@@ -10767,23 +11367,25 @@
             <a:avLst/>
           </a:prstGeom>
           <a:noFill/>
-          <a:ln cap="flat" cmpd="sng" w="28575">
+          <a:ln w="28575" cap="flat" cmpd="sng">
             <a:solidFill>
               <a:schemeClr val="dk2"/>
             </a:solidFill>
             <a:prstDash val="solid"/>
             <a:round/>
-            <a:headEnd len="med" w="med" type="none"/>
-            <a:tailEnd len="med" w="med" type="triangle"/>
+            <a:headEnd type="none" w="med" len="med"/>
+            <a:tailEnd type="triangle" w="med" len="med"/>
           </a:ln>
         </p:spPr>
       </p:cxnSp>
       <p:sp>
         <p:nvSpPr>
           <p:cNvPr id="82" name="Shape 82"/>
-          <p:cNvSpPr txBox="1"/>
+          <p:cNvSpPr txBox="1">
+            <a:spLocks noGrp="1"/>
+          </p:cNvSpPr>
           <p:nvPr>
-            <p:ph idx="1" type="body"/>
+            <p:ph type="body" idx="1"/>
           </p:nvPr>
         </p:nvSpPr>
         <p:spPr>
@@ -10796,12 +11398,12 @@
           </a:prstGeom>
         </p:spPr>
         <p:txBody>
-          <a:bodyPr anchorCtr="0" anchor="t" bIns="91425" lIns="91425" spcFirstLastPara="1" rIns="91425" wrap="square" tIns="91425">
+          <a:bodyPr spcFirstLastPara="1" wrap="square" lIns="91425" tIns="91425" rIns="91425" bIns="91425" anchor="t" anchorCtr="0">
             <a:noAutofit/>
           </a:bodyPr>
           <a:lstStyle/>
           <a:p>
-            <a:pPr indent="0" lvl="0" marL="0" rtl="0">
+            <a:pPr marL="0" lvl="0" indent="0" rtl="0">
               <a:spcBef>
                 <a:spcPts val="0"/>
               </a:spcBef>
@@ -10811,7 +11413,7 @@
               <a:buNone/>
             </a:pPr>
             <a:r>
-              <a:rPr b="1" lang="en"/>
+              <a:rPr lang="en" b="1"/>
               <a:t>?</a:t>
             </a:r>
             <a:endParaRPr b="1"/>
@@ -10821,9 +11423,11 @@
       <p:sp>
         <p:nvSpPr>
           <p:cNvPr id="83" name="Shape 83"/>
-          <p:cNvSpPr txBox="1"/>
+          <p:cNvSpPr txBox="1">
+            <a:spLocks noGrp="1"/>
+          </p:cNvSpPr>
           <p:nvPr>
-            <p:ph idx="1" type="body"/>
+            <p:ph type="body" idx="1"/>
           </p:nvPr>
         </p:nvSpPr>
         <p:spPr>
@@ -10836,12 +11440,12 @@
           </a:prstGeom>
         </p:spPr>
         <p:txBody>
-          <a:bodyPr anchorCtr="0" anchor="t" bIns="91425" lIns="91425" spcFirstLastPara="1" rIns="91425" wrap="square" tIns="91425">
+          <a:bodyPr spcFirstLastPara="1" wrap="square" lIns="91425" tIns="91425" rIns="91425" bIns="91425" anchor="t" anchorCtr="0">
             <a:noAutofit/>
           </a:bodyPr>
           <a:lstStyle/>
           <a:p>
-            <a:pPr indent="0" lvl="0" marL="0">
+            <a:pPr marL="0" lvl="0" indent="0">
               <a:spcBef>
                 <a:spcPts val="0"/>
               </a:spcBef>
@@ -10857,7 +11461,7 @@
             <a:endParaRPr/>
           </a:p>
           <a:p>
-            <a:pPr indent="0" lvl="0" marL="0" rtl="0">
+            <a:pPr marL="0" lvl="0" indent="0" rtl="0">
               <a:spcBef>
                 <a:spcPts val="1600"/>
               </a:spcBef>
@@ -10866,9 +11470,6 @@
               </a:spcAft>
               <a:buNone/>
             </a:pPr>
-            <a:r>
-              <a:t/>
-            </a:r>
             <a:endParaRPr/>
           </a:p>
         </p:txBody>
@@ -10882,11 +11483,11 @@
 </file>
 
 <file path=ppt/slides/slide5.xml><?xml version="1.0" encoding="utf-8"?>
-<p:sld xmlns:a="http://schemas.openxmlformats.org/drawingml/2006/main" xmlns:r="http://schemas.openxmlformats.org/officeDocument/2006/relationships" xmlns:mc="http://schemas.openxmlformats.org/markup-compatibility/2006" xmlns:mv="urn:schemas-microsoft-com:mac:vml" xmlns:p="http://schemas.openxmlformats.org/presentationml/2006/main" xmlns:c="http://schemas.openxmlformats.org/drawingml/2006/chart" xmlns:dgm="http://schemas.openxmlformats.org/drawingml/2006/diagram" xmlns:o="urn:schemas-microsoft-com:office:office" xmlns:v="urn:schemas-microsoft-com:vml" xmlns:pvml="urn:schemas-microsoft-com:office:powerpoint" xmlns:com="http://schemas.openxmlformats.org/drawingml/2006/compatibility" xmlns:p14="http://schemas.microsoft.com/office/powerpoint/2010/main" xmlns:p15="http://schemas.microsoft.com/office/powerpoint/2012/main">
+<p:sld xmlns:a="http://schemas.openxmlformats.org/drawingml/2006/main" xmlns:r="http://schemas.openxmlformats.org/officeDocument/2006/relationships" xmlns:p="http://schemas.openxmlformats.org/presentationml/2006/main">
   <p:cSld>
     <p:spTree>
       <p:nvGrpSpPr>
-        <p:cNvPr id="87" name="Shape 87"/>
+        <p:cNvPr id="1" name="Shape 87"/>
         <p:cNvGrpSpPr/>
         <p:nvPr/>
       </p:nvGrpSpPr>
@@ -10901,7 +11502,9 @@
       <p:sp>
         <p:nvSpPr>
           <p:cNvPr id="88" name="Shape 88"/>
-          <p:cNvSpPr txBox="1"/>
+          <p:cNvSpPr txBox="1">
+            <a:spLocks noGrp="1"/>
+          </p:cNvSpPr>
           <p:nvPr>
             <p:ph type="title"/>
           </p:nvPr>
@@ -10916,12 +11519,12 @@
           </a:prstGeom>
         </p:spPr>
         <p:txBody>
-          <a:bodyPr anchorCtr="0" anchor="t" bIns="91425" lIns="91425" spcFirstLastPara="1" rIns="91425" wrap="square" tIns="91425">
+          <a:bodyPr spcFirstLastPara="1" wrap="square" lIns="91425" tIns="91425" rIns="91425" bIns="91425" anchor="t" anchorCtr="0">
             <a:noAutofit/>
           </a:bodyPr>
           <a:lstStyle/>
           <a:p>
-            <a:pPr indent="0" lvl="0" marL="0" rtl="0">
+            <a:pPr marL="0" lvl="0" indent="0" rtl="0">
               <a:spcBef>
                 <a:spcPts val="0"/>
               </a:spcBef>
@@ -10941,9 +11544,11 @@
       <p:sp>
         <p:nvSpPr>
           <p:cNvPr id="89" name="Shape 89"/>
-          <p:cNvSpPr txBox="1"/>
+          <p:cNvSpPr txBox="1">
+            <a:spLocks noGrp="1"/>
+          </p:cNvSpPr>
           <p:nvPr>
-            <p:ph idx="1" type="body"/>
+            <p:ph type="body" idx="1"/>
           </p:nvPr>
         </p:nvSpPr>
         <p:spPr>
@@ -10956,12 +11561,12 @@
           </a:prstGeom>
         </p:spPr>
         <p:txBody>
-          <a:bodyPr anchorCtr="0" anchor="t" bIns="91425" lIns="91425" spcFirstLastPara="1" rIns="91425" wrap="square" tIns="91425">
+          <a:bodyPr spcFirstLastPara="1" wrap="square" lIns="91425" tIns="91425" rIns="91425" bIns="91425" anchor="t" anchorCtr="0">
             <a:noAutofit/>
           </a:bodyPr>
           <a:lstStyle/>
           <a:p>
-            <a:pPr indent="0" lvl="0" marL="0" rtl="0">
+            <a:pPr marL="0" lvl="0" indent="0" rtl="0">
               <a:spcBef>
                 <a:spcPts val="0"/>
               </a:spcBef>
@@ -10971,7 +11576,7 @@
               <a:buNone/>
             </a:pPr>
             <a:r>
-              <a:rPr b="1" lang="en"/>
+              <a:rPr lang="en" b="1"/>
               <a:t>Body Camera</a:t>
             </a:r>
             <a:endParaRPr b="1"/>
@@ -10981,9 +11586,11 @@
       <p:sp>
         <p:nvSpPr>
           <p:cNvPr id="90" name="Shape 90"/>
-          <p:cNvSpPr txBox="1"/>
+          <p:cNvSpPr txBox="1">
+            <a:spLocks noGrp="1"/>
+          </p:cNvSpPr>
           <p:nvPr>
-            <p:ph idx="1" type="body"/>
+            <p:ph type="body" idx="1"/>
           </p:nvPr>
         </p:nvSpPr>
         <p:spPr>
@@ -10996,12 +11603,12 @@
           </a:prstGeom>
         </p:spPr>
         <p:txBody>
-          <a:bodyPr anchorCtr="0" anchor="t" bIns="91425" lIns="91425" spcFirstLastPara="1" rIns="91425" wrap="square" tIns="91425">
+          <a:bodyPr spcFirstLastPara="1" wrap="square" lIns="91425" tIns="91425" rIns="91425" bIns="91425" anchor="t" anchorCtr="0">
             <a:noAutofit/>
           </a:bodyPr>
           <a:lstStyle/>
           <a:p>
-            <a:pPr indent="0" lvl="0" marL="0" rtl="0">
+            <a:pPr marL="0" lvl="0" indent="0" rtl="0">
               <a:spcBef>
                 <a:spcPts val="0"/>
               </a:spcBef>
@@ -11011,7 +11618,7 @@
               <a:buNone/>
             </a:pPr>
             <a:r>
-              <a:rPr b="1" lang="en"/>
+              <a:rPr lang="en" b="1"/>
               <a:t>Use of Force</a:t>
             </a:r>
             <a:endParaRPr b="1"/>
@@ -11035,23 +11642,25 @@
             <a:avLst/>
           </a:prstGeom>
           <a:noFill/>
-          <a:ln cap="flat" cmpd="sng" w="28575">
+          <a:ln w="28575" cap="flat" cmpd="sng">
             <a:solidFill>
               <a:schemeClr val="dk2"/>
             </a:solidFill>
             <a:prstDash val="solid"/>
             <a:round/>
-            <a:headEnd len="med" w="med" type="none"/>
-            <a:tailEnd len="med" w="med" type="triangle"/>
+            <a:headEnd type="none" w="med" len="med"/>
+            <a:tailEnd type="triangle" w="med" len="med"/>
           </a:ln>
         </p:spPr>
       </p:cxnSp>
       <p:sp>
         <p:nvSpPr>
           <p:cNvPr id="92" name="Shape 92"/>
-          <p:cNvSpPr txBox="1"/>
+          <p:cNvSpPr txBox="1">
+            <a:spLocks noGrp="1"/>
+          </p:cNvSpPr>
           <p:nvPr>
-            <p:ph idx="1" type="body"/>
+            <p:ph type="body" idx="1"/>
           </p:nvPr>
         </p:nvSpPr>
         <p:spPr>
@@ -11064,12 +11673,12 @@
           </a:prstGeom>
         </p:spPr>
         <p:txBody>
-          <a:bodyPr anchorCtr="0" anchor="t" bIns="91425" lIns="91425" spcFirstLastPara="1" rIns="91425" wrap="square" tIns="91425">
+          <a:bodyPr spcFirstLastPara="1" wrap="square" lIns="91425" tIns="91425" rIns="91425" bIns="91425" anchor="t" anchorCtr="0">
             <a:noAutofit/>
           </a:bodyPr>
           <a:lstStyle/>
           <a:p>
-            <a:pPr indent="-342900" lvl="0" marL="457200" rtl="0">
+            <a:pPr marL="457200" lvl="0" indent="-342900" rtl="0">
               <a:spcBef>
                 <a:spcPts val="0"/>
               </a:spcBef>
@@ -11090,9 +11699,11 @@
       <p:sp>
         <p:nvSpPr>
           <p:cNvPr id="93" name="Shape 93"/>
-          <p:cNvSpPr txBox="1"/>
+          <p:cNvSpPr txBox="1">
+            <a:spLocks noGrp="1"/>
+          </p:cNvSpPr>
           <p:nvPr>
-            <p:ph idx="1" type="body"/>
+            <p:ph type="body" idx="1"/>
           </p:nvPr>
         </p:nvSpPr>
         <p:spPr>
@@ -11105,12 +11716,12 @@
           </a:prstGeom>
         </p:spPr>
         <p:txBody>
-          <a:bodyPr anchorCtr="0" anchor="t" bIns="91425" lIns="91425" spcFirstLastPara="1" rIns="91425" wrap="square" tIns="91425">
+          <a:bodyPr spcFirstLastPara="1" wrap="square" lIns="91425" tIns="91425" rIns="91425" bIns="91425" anchor="t" anchorCtr="0">
             <a:noAutofit/>
           </a:bodyPr>
           <a:lstStyle/>
           <a:p>
-            <a:pPr indent="0" lvl="0" marL="0" rtl="0" algn="ctr">
+            <a:pPr marL="0" lvl="0" indent="0" algn="ctr" rtl="0">
               <a:spcBef>
                 <a:spcPts val="0"/>
               </a:spcBef>
@@ -11120,7 +11731,7 @@
               <a:buNone/>
             </a:pPr>
             <a:r>
-              <a:rPr b="1" lang="en"/>
+              <a:rPr lang="en" b="1"/>
               <a:t>Confounders</a:t>
             </a:r>
             <a:endParaRPr b="1"/>
@@ -11144,14 +11755,14 @@
             <a:avLst/>
           </a:prstGeom>
           <a:noFill/>
-          <a:ln cap="flat" cmpd="sng" w="28575">
+          <a:ln w="28575" cap="flat" cmpd="sng">
             <a:solidFill>
               <a:schemeClr val="dk2"/>
             </a:solidFill>
             <a:prstDash val="solid"/>
             <a:round/>
-            <a:headEnd len="med" w="med" type="none"/>
-            <a:tailEnd len="med" w="med" type="triangle"/>
+            <a:headEnd type="none" w="med" len="med"/>
+            <a:tailEnd type="triangle" w="med" len="med"/>
           </a:ln>
         </p:spPr>
       </p:cxnSp>
@@ -11172,14 +11783,14 @@
             <a:avLst/>
           </a:prstGeom>
           <a:noFill/>
-          <a:ln cap="flat" cmpd="sng" w="28575">
+          <a:ln w="28575" cap="flat" cmpd="sng">
             <a:solidFill>
               <a:schemeClr val="dk2"/>
             </a:solidFill>
             <a:prstDash val="solid"/>
             <a:round/>
-            <a:headEnd len="med" w="med" type="none"/>
-            <a:tailEnd len="med" w="med" type="triangle"/>
+            <a:headEnd type="none" w="med" len="med"/>
+            <a:tailEnd type="triangle" w="med" len="med"/>
           </a:ln>
         </p:spPr>
       </p:cxnSp>
@@ -11192,11 +11803,11 @@
 </file>
 
 <file path=ppt/slides/slide6.xml><?xml version="1.0" encoding="utf-8"?>
-<p:sld xmlns:a="http://schemas.openxmlformats.org/drawingml/2006/main" xmlns:r="http://schemas.openxmlformats.org/officeDocument/2006/relationships" xmlns:mc="http://schemas.openxmlformats.org/markup-compatibility/2006" xmlns:mv="urn:schemas-microsoft-com:mac:vml" xmlns:p="http://schemas.openxmlformats.org/presentationml/2006/main" xmlns:c="http://schemas.openxmlformats.org/drawingml/2006/chart" xmlns:dgm="http://schemas.openxmlformats.org/drawingml/2006/diagram" xmlns:o="urn:schemas-microsoft-com:office:office" xmlns:v="urn:schemas-microsoft-com:vml" xmlns:pvml="urn:schemas-microsoft-com:office:powerpoint" xmlns:com="http://schemas.openxmlformats.org/drawingml/2006/compatibility" xmlns:p14="http://schemas.microsoft.com/office/powerpoint/2010/main" xmlns:p15="http://schemas.microsoft.com/office/powerpoint/2012/main">
+<p:sld xmlns:a="http://schemas.openxmlformats.org/drawingml/2006/main" xmlns:r="http://schemas.openxmlformats.org/officeDocument/2006/relationships" xmlns:p="http://schemas.openxmlformats.org/presentationml/2006/main">
   <p:cSld>
     <p:spTree>
       <p:nvGrpSpPr>
-        <p:cNvPr id="99" name="Shape 99"/>
+        <p:cNvPr id="1" name="Shape 99"/>
         <p:cNvGrpSpPr/>
         <p:nvPr/>
       </p:nvGrpSpPr>
@@ -11211,7 +11822,9 @@
       <p:sp>
         <p:nvSpPr>
           <p:cNvPr id="100" name="Shape 100"/>
-          <p:cNvSpPr txBox="1"/>
+          <p:cNvSpPr txBox="1">
+            <a:spLocks noGrp="1"/>
+          </p:cNvSpPr>
           <p:nvPr>
             <p:ph type="title"/>
           </p:nvPr>
@@ -11226,12 +11839,12 @@
           </a:prstGeom>
         </p:spPr>
         <p:txBody>
-          <a:bodyPr anchorCtr="0" anchor="t" bIns="91425" lIns="91425" spcFirstLastPara="1" rIns="91425" wrap="square" tIns="91425">
+          <a:bodyPr spcFirstLastPara="1" wrap="square" lIns="91425" tIns="91425" rIns="91425" bIns="91425" anchor="t" anchorCtr="0">
             <a:noAutofit/>
           </a:bodyPr>
           <a:lstStyle/>
           <a:p>
-            <a:pPr indent="0" lvl="0" marL="0" rtl="0">
+            <a:pPr marL="0" lvl="0" indent="0" rtl="0">
               <a:spcBef>
                 <a:spcPts val="0"/>
               </a:spcBef>
@@ -11251,9 +11864,11 @@
       <p:sp>
         <p:nvSpPr>
           <p:cNvPr id="101" name="Shape 101"/>
-          <p:cNvSpPr txBox="1"/>
+          <p:cNvSpPr txBox="1">
+            <a:spLocks noGrp="1"/>
+          </p:cNvSpPr>
           <p:nvPr>
-            <p:ph idx="1" type="body"/>
+            <p:ph type="body" idx="1"/>
           </p:nvPr>
         </p:nvSpPr>
         <p:spPr>
@@ -11266,12 +11881,12 @@
           </a:prstGeom>
         </p:spPr>
         <p:txBody>
-          <a:bodyPr anchorCtr="0" anchor="t" bIns="91425" lIns="91425" spcFirstLastPara="1" rIns="91425" wrap="square" tIns="91425">
+          <a:bodyPr spcFirstLastPara="1" wrap="square" lIns="91425" tIns="91425" rIns="91425" bIns="91425" anchor="t" anchorCtr="0">
             <a:noAutofit/>
           </a:bodyPr>
           <a:lstStyle/>
           <a:p>
-            <a:pPr indent="0" lvl="0" marL="0" rtl="0">
+            <a:pPr marL="0" lvl="0" indent="0" rtl="0">
               <a:spcBef>
                 <a:spcPts val="0"/>
               </a:spcBef>
@@ -11281,7 +11896,7 @@
               <a:buNone/>
             </a:pPr>
             <a:r>
-              <a:rPr b="1" lang="en"/>
+              <a:rPr lang="en" b="1"/>
               <a:t>Body Camera</a:t>
             </a:r>
             <a:endParaRPr b="1"/>
@@ -11291,9 +11906,11 @@
       <p:sp>
         <p:nvSpPr>
           <p:cNvPr id="102" name="Shape 102"/>
-          <p:cNvSpPr txBox="1"/>
+          <p:cNvSpPr txBox="1">
+            <a:spLocks noGrp="1"/>
+          </p:cNvSpPr>
           <p:nvPr>
-            <p:ph idx="1" type="body"/>
+            <p:ph type="body" idx="1"/>
           </p:nvPr>
         </p:nvSpPr>
         <p:spPr>
@@ -11306,12 +11923,12 @@
           </a:prstGeom>
         </p:spPr>
         <p:txBody>
-          <a:bodyPr anchorCtr="0" anchor="t" bIns="91425" lIns="91425" spcFirstLastPara="1" rIns="91425" wrap="square" tIns="91425">
+          <a:bodyPr spcFirstLastPara="1" wrap="square" lIns="91425" tIns="91425" rIns="91425" bIns="91425" anchor="t" anchorCtr="0">
             <a:noAutofit/>
           </a:bodyPr>
           <a:lstStyle/>
           <a:p>
-            <a:pPr indent="0" lvl="0" marL="0" rtl="0">
+            <a:pPr marL="0" lvl="0" indent="0" rtl="0">
               <a:spcBef>
                 <a:spcPts val="0"/>
               </a:spcBef>
@@ -11321,7 +11938,7 @@
               <a:buNone/>
             </a:pPr>
             <a:r>
-              <a:rPr b="1" lang="en"/>
+              <a:rPr lang="en" b="1"/>
               <a:t>Use of Force</a:t>
             </a:r>
             <a:endParaRPr b="1"/>
@@ -11345,23 +11962,25 @@
             <a:avLst/>
           </a:prstGeom>
           <a:noFill/>
-          <a:ln cap="flat" cmpd="sng" w="28575">
+          <a:ln w="28575" cap="flat" cmpd="sng">
             <a:solidFill>
               <a:schemeClr val="dk2"/>
             </a:solidFill>
             <a:prstDash val="solid"/>
             <a:round/>
-            <a:headEnd len="med" w="med" type="none"/>
-            <a:tailEnd len="med" w="med" type="triangle"/>
+            <a:headEnd type="none" w="med" len="med"/>
+            <a:tailEnd type="triangle" w="med" len="med"/>
           </a:ln>
         </p:spPr>
       </p:cxnSp>
       <p:sp>
         <p:nvSpPr>
           <p:cNvPr id="104" name="Shape 104"/>
-          <p:cNvSpPr txBox="1"/>
+          <p:cNvSpPr txBox="1">
+            <a:spLocks noGrp="1"/>
+          </p:cNvSpPr>
           <p:nvPr>
-            <p:ph idx="1" type="body"/>
+            <p:ph type="body" idx="1"/>
           </p:nvPr>
         </p:nvSpPr>
         <p:spPr>
@@ -11374,12 +11993,12 @@
           </a:prstGeom>
         </p:spPr>
         <p:txBody>
-          <a:bodyPr anchorCtr="0" anchor="t" bIns="91425" lIns="91425" spcFirstLastPara="1" rIns="91425" wrap="square" tIns="91425">
+          <a:bodyPr spcFirstLastPara="1" wrap="square" lIns="91425" tIns="91425" rIns="91425" bIns="91425" anchor="t" anchorCtr="0">
             <a:noAutofit/>
           </a:bodyPr>
           <a:lstStyle/>
           <a:p>
-            <a:pPr indent="-342900" lvl="0" marL="457200" rtl="0">
+            <a:pPr marL="457200" lvl="0" indent="-342900" rtl="0">
               <a:spcBef>
                 <a:spcPts val="0"/>
               </a:spcBef>
@@ -11396,7 +12015,7 @@
             <a:endParaRPr/>
           </a:p>
           <a:p>
-            <a:pPr indent="-342900" lvl="1" marL="914400" rtl="0">
+            <a:pPr marL="914400" lvl="1" indent="-342900" rtl="0">
               <a:spcBef>
                 <a:spcPts val="0"/>
               </a:spcBef>
@@ -11417,9 +12036,11 @@
       <p:sp>
         <p:nvSpPr>
           <p:cNvPr id="105" name="Shape 105"/>
-          <p:cNvSpPr txBox="1"/>
+          <p:cNvSpPr txBox="1">
+            <a:spLocks noGrp="1"/>
+          </p:cNvSpPr>
           <p:nvPr>
-            <p:ph idx="1" type="body"/>
+            <p:ph type="body" idx="1"/>
           </p:nvPr>
         </p:nvSpPr>
         <p:spPr>
@@ -11432,12 +12053,12 @@
           </a:prstGeom>
         </p:spPr>
         <p:txBody>
-          <a:bodyPr anchorCtr="0" anchor="t" bIns="91425" lIns="91425" spcFirstLastPara="1" rIns="91425" wrap="square" tIns="91425">
+          <a:bodyPr spcFirstLastPara="1" wrap="square" lIns="91425" tIns="91425" rIns="91425" bIns="91425" anchor="t" anchorCtr="0">
             <a:noAutofit/>
           </a:bodyPr>
           <a:lstStyle/>
           <a:p>
-            <a:pPr indent="0" lvl="0" marL="0" rtl="0" algn="ctr">
+            <a:pPr marL="0" lvl="0" indent="0" algn="ctr" rtl="0">
               <a:spcBef>
                 <a:spcPts val="0"/>
               </a:spcBef>
@@ -11447,7 +12068,7 @@
               <a:buNone/>
             </a:pPr>
             <a:r>
-              <a:rPr b="1" lang="en"/>
+              <a:rPr lang="en" b="1"/>
               <a:t>Confounders</a:t>
             </a:r>
             <a:endParaRPr b="1"/>
@@ -11471,14 +12092,14 @@
             <a:avLst/>
           </a:prstGeom>
           <a:noFill/>
-          <a:ln cap="flat" cmpd="sng" w="28575">
+          <a:ln w="28575" cap="flat" cmpd="sng">
             <a:solidFill>
               <a:schemeClr val="dk2"/>
             </a:solidFill>
             <a:prstDash val="solid"/>
             <a:round/>
-            <a:headEnd len="med" w="med" type="none"/>
-            <a:tailEnd len="med" w="med" type="triangle"/>
+            <a:headEnd type="none" w="med" len="med"/>
+            <a:tailEnd type="triangle" w="med" len="med"/>
           </a:ln>
         </p:spPr>
       </p:cxnSp>
@@ -11499,14 +12120,14 @@
             <a:avLst/>
           </a:prstGeom>
           <a:noFill/>
-          <a:ln cap="flat" cmpd="sng" w="28575">
+          <a:ln w="28575" cap="flat" cmpd="sng">
             <a:solidFill>
               <a:schemeClr val="dk2"/>
             </a:solidFill>
             <a:prstDash val="solid"/>
             <a:round/>
-            <a:headEnd len="med" w="med" type="none"/>
-            <a:tailEnd len="med" w="med" type="triangle"/>
+            <a:headEnd type="none" w="med" len="med"/>
+            <a:tailEnd type="triangle" w="med" len="med"/>
           </a:ln>
         </p:spPr>
       </p:cxnSp>
@@ -11519,11 +12140,11 @@
 </file>
 
 <file path=ppt/slides/slide7.xml><?xml version="1.0" encoding="utf-8"?>
-<p:sld xmlns:a="http://schemas.openxmlformats.org/drawingml/2006/main" xmlns:r="http://schemas.openxmlformats.org/officeDocument/2006/relationships" xmlns:mc="http://schemas.openxmlformats.org/markup-compatibility/2006" xmlns:mv="urn:schemas-microsoft-com:mac:vml" xmlns:p="http://schemas.openxmlformats.org/presentationml/2006/main" xmlns:c="http://schemas.openxmlformats.org/drawingml/2006/chart" xmlns:dgm="http://schemas.openxmlformats.org/drawingml/2006/diagram" xmlns:o="urn:schemas-microsoft-com:office:office" xmlns:v="urn:schemas-microsoft-com:vml" xmlns:pvml="urn:schemas-microsoft-com:office:powerpoint" xmlns:com="http://schemas.openxmlformats.org/drawingml/2006/compatibility" xmlns:p14="http://schemas.microsoft.com/office/powerpoint/2010/main" xmlns:p15="http://schemas.microsoft.com/office/powerpoint/2012/main">
+<p:sld xmlns:a="http://schemas.openxmlformats.org/drawingml/2006/main" xmlns:r="http://schemas.openxmlformats.org/officeDocument/2006/relationships" xmlns:p="http://schemas.openxmlformats.org/presentationml/2006/main">
   <p:cSld>
     <p:spTree>
       <p:nvGrpSpPr>
-        <p:cNvPr id="111" name="Shape 111"/>
+        <p:cNvPr id="1" name="Shape 111"/>
         <p:cNvGrpSpPr/>
         <p:nvPr/>
       </p:nvGrpSpPr>
@@ -11538,7 +12159,9 @@
       <p:sp>
         <p:nvSpPr>
           <p:cNvPr id="112" name="Shape 112"/>
-          <p:cNvSpPr txBox="1"/>
+          <p:cNvSpPr txBox="1">
+            <a:spLocks noGrp="1"/>
+          </p:cNvSpPr>
           <p:nvPr>
             <p:ph type="title"/>
           </p:nvPr>
@@ -11553,12 +12176,12 @@
           </a:prstGeom>
         </p:spPr>
         <p:txBody>
-          <a:bodyPr anchorCtr="0" anchor="t" bIns="91425" lIns="91425" spcFirstLastPara="1" rIns="91425" wrap="square" tIns="91425">
+          <a:bodyPr spcFirstLastPara="1" wrap="square" lIns="91425" tIns="91425" rIns="91425" bIns="91425" anchor="t" anchorCtr="0">
             <a:noAutofit/>
           </a:bodyPr>
           <a:lstStyle/>
           <a:p>
-            <a:pPr indent="0" lvl="0" marL="0">
+            <a:pPr marL="0" lvl="0" indent="0">
               <a:spcBef>
                 <a:spcPts val="0"/>
               </a:spcBef>
@@ -11578,9 +12201,11 @@
       <p:sp>
         <p:nvSpPr>
           <p:cNvPr id="113" name="Shape 113"/>
-          <p:cNvSpPr txBox="1"/>
+          <p:cNvSpPr txBox="1">
+            <a:spLocks noGrp="1"/>
+          </p:cNvSpPr>
           <p:nvPr>
-            <p:ph idx="1" type="body"/>
+            <p:ph type="body" idx="1"/>
           </p:nvPr>
         </p:nvSpPr>
         <p:spPr>
@@ -11593,12 +12218,12 @@
           </a:prstGeom>
         </p:spPr>
         <p:txBody>
-          <a:bodyPr anchorCtr="0" anchor="t" bIns="91425" lIns="91425" spcFirstLastPara="1" rIns="91425" wrap="square" tIns="91425">
+          <a:bodyPr spcFirstLastPara="1" wrap="square" lIns="91425" tIns="91425" rIns="91425" bIns="91425" anchor="t" anchorCtr="0">
             <a:noAutofit/>
           </a:bodyPr>
           <a:lstStyle/>
           <a:p>
-            <a:pPr indent="-342900" lvl="0" marL="457200" rtl="0">
+            <a:pPr marL="457200" lvl="0" indent="-342900" rtl="0">
               <a:spcBef>
                 <a:spcPts val="0"/>
               </a:spcBef>
@@ -11615,7 +12240,7 @@
             <a:endParaRPr/>
           </a:p>
           <a:p>
-            <a:pPr indent="-342900" lvl="0" marL="457200" rtl="0">
+            <a:pPr marL="457200" lvl="0" indent="-342900" rtl="0">
               <a:spcBef>
                 <a:spcPts val="0"/>
               </a:spcBef>
@@ -11632,7 +12257,7 @@
             <a:endParaRPr/>
           </a:p>
           <a:p>
-            <a:pPr indent="-342900" lvl="0" marL="457200">
+            <a:pPr marL="457200" lvl="0" indent="-342900">
               <a:spcBef>
                 <a:spcPts val="0"/>
               </a:spcBef>
@@ -11659,11 +12284,11 @@
 </file>
 
 <file path=ppt/slides/slide8.xml><?xml version="1.0" encoding="utf-8"?>
-<p:sld xmlns:a="http://schemas.openxmlformats.org/drawingml/2006/main" xmlns:r="http://schemas.openxmlformats.org/officeDocument/2006/relationships" xmlns:mc="http://schemas.openxmlformats.org/markup-compatibility/2006" xmlns:mv="urn:schemas-microsoft-com:mac:vml" xmlns:p="http://schemas.openxmlformats.org/presentationml/2006/main" xmlns:c="http://schemas.openxmlformats.org/drawingml/2006/chart" xmlns:dgm="http://schemas.openxmlformats.org/drawingml/2006/diagram" xmlns:o="urn:schemas-microsoft-com:office:office" xmlns:v="urn:schemas-microsoft-com:vml" xmlns:pvml="urn:schemas-microsoft-com:office:powerpoint" xmlns:com="http://schemas.openxmlformats.org/drawingml/2006/compatibility" xmlns:p14="http://schemas.microsoft.com/office/powerpoint/2010/main" xmlns:p15="http://schemas.microsoft.com/office/powerpoint/2012/main">
+<p:sld xmlns:a="http://schemas.openxmlformats.org/drawingml/2006/main" xmlns:r="http://schemas.openxmlformats.org/officeDocument/2006/relationships" xmlns:p="http://schemas.openxmlformats.org/presentationml/2006/main">
   <p:cSld>
     <p:spTree>
       <p:nvGrpSpPr>
-        <p:cNvPr id="117" name="Shape 117"/>
+        <p:cNvPr id="1" name="Shape 117"/>
         <p:cNvGrpSpPr/>
         <p:nvPr/>
       </p:nvGrpSpPr>
@@ -11678,7 +12303,9 @@
       <p:sp>
         <p:nvSpPr>
           <p:cNvPr id="118" name="Shape 118"/>
-          <p:cNvSpPr txBox="1"/>
+          <p:cNvSpPr txBox="1">
+            <a:spLocks noGrp="1"/>
+          </p:cNvSpPr>
           <p:nvPr>
             <p:ph type="title"/>
           </p:nvPr>
@@ -11693,12 +12320,12 @@
           </a:prstGeom>
         </p:spPr>
         <p:txBody>
-          <a:bodyPr anchorCtr="0" anchor="t" bIns="91425" lIns="91425" spcFirstLastPara="1" rIns="91425" wrap="square" tIns="91425">
+          <a:bodyPr spcFirstLastPara="1" wrap="square" lIns="91425" tIns="91425" rIns="91425" bIns="91425" anchor="t" anchorCtr="0">
             <a:noAutofit/>
           </a:bodyPr>
           <a:lstStyle/>
           <a:p>
-            <a:pPr indent="0" lvl="0" marL="0" rtl="0">
+            <a:pPr marL="0" lvl="0" indent="0" rtl="0">
               <a:spcBef>
                 <a:spcPts val="0"/>
               </a:spcBef>
@@ -11718,9 +12345,11 @@
       <p:sp>
         <p:nvSpPr>
           <p:cNvPr id="119" name="Shape 119"/>
-          <p:cNvSpPr txBox="1"/>
+          <p:cNvSpPr txBox="1">
+            <a:spLocks noGrp="1"/>
+          </p:cNvSpPr>
           <p:nvPr>
-            <p:ph idx="1" type="body"/>
+            <p:ph type="body" idx="1"/>
           </p:nvPr>
         </p:nvSpPr>
         <p:spPr>
@@ -11733,12 +12362,12 @@
           </a:prstGeom>
         </p:spPr>
         <p:txBody>
-          <a:bodyPr anchorCtr="0" anchor="t" bIns="91425" lIns="91425" spcFirstLastPara="1" rIns="91425" wrap="square" tIns="91425">
+          <a:bodyPr spcFirstLastPara="1" wrap="square" lIns="91425" tIns="91425" rIns="91425" bIns="91425" anchor="t" anchorCtr="0">
             <a:noAutofit/>
           </a:bodyPr>
           <a:lstStyle/>
           <a:p>
-            <a:pPr indent="0" lvl="0" marL="0" rtl="0">
+            <a:pPr marL="0" lvl="0" indent="0" rtl="0">
               <a:spcBef>
                 <a:spcPts val="0"/>
               </a:spcBef>
@@ -11748,7 +12377,7 @@
               <a:buNone/>
             </a:pPr>
             <a:r>
-              <a:rPr b="1" lang="en"/>
+              <a:rPr lang="en" b="1"/>
               <a:t>Body Camera</a:t>
             </a:r>
             <a:endParaRPr b="1"/>
@@ -11758,9 +12387,11 @@
       <p:sp>
         <p:nvSpPr>
           <p:cNvPr id="120" name="Shape 120"/>
-          <p:cNvSpPr txBox="1"/>
+          <p:cNvSpPr txBox="1">
+            <a:spLocks noGrp="1"/>
+          </p:cNvSpPr>
           <p:nvPr>
-            <p:ph idx="1" type="body"/>
+            <p:ph type="body" idx="1"/>
           </p:nvPr>
         </p:nvSpPr>
         <p:spPr>
@@ -11773,12 +12404,12 @@
           </a:prstGeom>
         </p:spPr>
         <p:txBody>
-          <a:bodyPr anchorCtr="0" anchor="t" bIns="91425" lIns="91425" spcFirstLastPara="1" rIns="91425" wrap="square" tIns="91425">
+          <a:bodyPr spcFirstLastPara="1" wrap="square" lIns="91425" tIns="91425" rIns="91425" bIns="91425" anchor="t" anchorCtr="0">
             <a:noAutofit/>
           </a:bodyPr>
           <a:lstStyle/>
           <a:p>
-            <a:pPr indent="0" lvl="0" marL="0" rtl="0">
+            <a:pPr marL="0" lvl="0" indent="0" rtl="0">
               <a:spcBef>
                 <a:spcPts val="0"/>
               </a:spcBef>
@@ -11788,7 +12419,7 @@
               <a:buNone/>
             </a:pPr>
             <a:r>
-              <a:rPr b="1" lang="en"/>
+              <a:rPr lang="en" b="1"/>
               <a:t>Use of Force</a:t>
             </a:r>
             <a:endParaRPr b="1"/>
@@ -11812,23 +12443,25 @@
             <a:avLst/>
           </a:prstGeom>
           <a:noFill/>
-          <a:ln cap="flat" cmpd="sng" w="28575">
+          <a:ln w="28575" cap="flat" cmpd="sng">
             <a:solidFill>
               <a:schemeClr val="dk2"/>
             </a:solidFill>
             <a:prstDash val="solid"/>
             <a:round/>
-            <a:headEnd len="med" w="med" type="none"/>
-            <a:tailEnd len="med" w="med" type="triangle"/>
+            <a:headEnd type="none" w="med" len="med"/>
+            <a:tailEnd type="triangle" w="med" len="med"/>
           </a:ln>
         </p:spPr>
       </p:cxnSp>
       <p:sp>
         <p:nvSpPr>
           <p:cNvPr id="122" name="Shape 122"/>
-          <p:cNvSpPr txBox="1"/>
+          <p:cNvSpPr txBox="1">
+            <a:spLocks noGrp="1"/>
+          </p:cNvSpPr>
           <p:nvPr>
-            <p:ph idx="1" type="body"/>
+            <p:ph type="body" idx="1"/>
           </p:nvPr>
         </p:nvSpPr>
         <p:spPr>
@@ -11841,12 +12474,12 @@
           </a:prstGeom>
         </p:spPr>
         <p:txBody>
-          <a:bodyPr anchorCtr="0" anchor="t" bIns="91425" lIns="91425" spcFirstLastPara="1" rIns="91425" wrap="square" tIns="91425">
+          <a:bodyPr spcFirstLastPara="1" wrap="square" lIns="91425" tIns="91425" rIns="91425" bIns="91425" anchor="t" anchorCtr="0">
             <a:noAutofit/>
           </a:bodyPr>
           <a:lstStyle/>
           <a:p>
-            <a:pPr indent="0" lvl="0" marL="0" rtl="0" algn="ctr">
+            <a:pPr marL="0" lvl="0" indent="0" algn="ctr" rtl="0">
               <a:spcBef>
                 <a:spcPts val="0"/>
               </a:spcBef>
@@ -11856,7 +12489,7 @@
               <a:buNone/>
             </a:pPr>
             <a:r>
-              <a:rPr b="1" lang="en"/>
+              <a:rPr lang="en" b="1"/>
               <a:t>Confounders</a:t>
             </a:r>
             <a:endParaRPr b="1"/>
@@ -11866,9 +12499,11 @@
       <p:sp>
         <p:nvSpPr>
           <p:cNvPr id="123" name="Shape 123"/>
-          <p:cNvSpPr txBox="1"/>
+          <p:cNvSpPr txBox="1">
+            <a:spLocks noGrp="1"/>
+          </p:cNvSpPr>
           <p:nvPr>
-            <p:ph idx="1" type="body"/>
+            <p:ph type="body" idx="1"/>
           </p:nvPr>
         </p:nvSpPr>
         <p:spPr>
@@ -11881,12 +12516,12 @@
           </a:prstGeom>
         </p:spPr>
         <p:txBody>
-          <a:bodyPr anchorCtr="0" anchor="t" bIns="91425" lIns="91425" spcFirstLastPara="1" rIns="91425" wrap="square" tIns="91425">
+          <a:bodyPr spcFirstLastPara="1" wrap="square" lIns="91425" tIns="91425" rIns="91425" bIns="91425" anchor="t" anchorCtr="0">
             <a:noAutofit/>
           </a:bodyPr>
           <a:lstStyle/>
           <a:p>
-            <a:pPr indent="0" lvl="0" marL="0" rtl="0" algn="ctr">
+            <a:pPr marL="0" lvl="0" indent="0" algn="ctr" rtl="0">
               <a:spcBef>
                 <a:spcPts val="0"/>
               </a:spcBef>
@@ -11896,7 +12531,7 @@
               <a:buNone/>
             </a:pPr>
             <a:r>
-              <a:rPr b="1" lang="en"/>
+              <a:rPr lang="en" b="1"/>
               <a:t>Researcher randomly assigns body cams</a:t>
             </a:r>
             <a:endParaRPr b="1"/>
@@ -11913,7 +12548,7 @@
           <p:nvPr/>
         </p:nvCxnSpPr>
         <p:spPr>
-          <a:xfrm flipH="1" rot="10800000">
+          <a:xfrm rot="10800000" flipH="1">
             <a:off x="1725275" y="3194600"/>
             <a:ext cx="900" cy="930900"/>
           </a:xfrm>
@@ -11921,14 +12556,14 @@
             <a:avLst/>
           </a:prstGeom>
           <a:noFill/>
-          <a:ln cap="flat" cmpd="sng" w="28575">
+          <a:ln w="28575" cap="flat" cmpd="sng">
             <a:solidFill>
               <a:schemeClr val="dk2"/>
             </a:solidFill>
             <a:prstDash val="solid"/>
             <a:round/>
-            <a:headEnd len="med" w="med" type="none"/>
-            <a:tailEnd len="med" w="med" type="triangle"/>
+            <a:headEnd type="none" w="med" len="med"/>
+            <a:tailEnd type="triangle" w="med" len="med"/>
           </a:ln>
         </p:spPr>
       </p:cxnSp>
@@ -11949,14 +12584,14 @@
             <a:avLst/>
           </a:prstGeom>
           <a:noFill/>
-          <a:ln cap="flat" cmpd="sng" w="28575">
+          <a:ln w="28575" cap="flat" cmpd="sng">
             <a:solidFill>
               <a:schemeClr val="dk2"/>
             </a:solidFill>
             <a:prstDash val="solid"/>
             <a:round/>
-            <a:headEnd len="med" w="med" type="none"/>
-            <a:tailEnd len="med" w="med" type="triangle"/>
+            <a:headEnd type="none" w="med" len="med"/>
+            <a:tailEnd type="triangle" w="med" len="med"/>
           </a:ln>
         </p:spPr>
       </p:cxnSp>
@@ -11969,11 +12604,11 @@
 </file>
 
 <file path=ppt/slides/slide9.xml><?xml version="1.0" encoding="utf-8"?>
-<p:sld xmlns:a="http://schemas.openxmlformats.org/drawingml/2006/main" xmlns:r="http://schemas.openxmlformats.org/officeDocument/2006/relationships" xmlns:mc="http://schemas.openxmlformats.org/markup-compatibility/2006" xmlns:mv="urn:schemas-microsoft-com:mac:vml" xmlns:p="http://schemas.openxmlformats.org/presentationml/2006/main" xmlns:c="http://schemas.openxmlformats.org/drawingml/2006/chart" xmlns:dgm="http://schemas.openxmlformats.org/drawingml/2006/diagram" xmlns:o="urn:schemas-microsoft-com:office:office" xmlns:v="urn:schemas-microsoft-com:vml" xmlns:pvml="urn:schemas-microsoft-com:office:powerpoint" xmlns:com="http://schemas.openxmlformats.org/drawingml/2006/compatibility" xmlns:p14="http://schemas.microsoft.com/office/powerpoint/2010/main" xmlns:p15="http://schemas.microsoft.com/office/powerpoint/2012/main">
+<p:sld xmlns:a="http://schemas.openxmlformats.org/drawingml/2006/main" xmlns:r="http://schemas.openxmlformats.org/officeDocument/2006/relationships" xmlns:p="http://schemas.openxmlformats.org/presentationml/2006/main">
   <p:cSld>
     <p:spTree>
       <p:nvGrpSpPr>
-        <p:cNvPr id="129" name="Shape 129"/>
+        <p:cNvPr id="1" name="Shape 129"/>
         <p:cNvGrpSpPr/>
         <p:nvPr/>
       </p:nvGrpSpPr>
@@ -11988,7 +12623,9 @@
       <p:sp>
         <p:nvSpPr>
           <p:cNvPr id="130" name="Shape 130"/>
-          <p:cNvSpPr txBox="1"/>
+          <p:cNvSpPr txBox="1">
+            <a:spLocks noGrp="1"/>
+          </p:cNvSpPr>
           <p:nvPr>
             <p:ph type="title"/>
           </p:nvPr>
@@ -12003,12 +12640,12 @@
           </a:prstGeom>
         </p:spPr>
         <p:txBody>
-          <a:bodyPr anchorCtr="0" anchor="t" bIns="91425" lIns="91425" spcFirstLastPara="1" rIns="91425" wrap="square" tIns="91425">
+          <a:bodyPr spcFirstLastPara="1" wrap="square" lIns="91425" tIns="91425" rIns="91425" bIns="91425" anchor="t" anchorCtr="0">
             <a:noAutofit/>
           </a:bodyPr>
           <a:lstStyle/>
           <a:p>
-            <a:pPr indent="0" lvl="0" marL="0" rtl="0">
+            <a:pPr marL="0" lvl="0" indent="0" rtl="0">
               <a:spcBef>
                 <a:spcPts val="0"/>
               </a:spcBef>
@@ -12028,9 +12665,11 @@
       <p:sp>
         <p:nvSpPr>
           <p:cNvPr id="131" name="Shape 131"/>
-          <p:cNvSpPr txBox="1"/>
+          <p:cNvSpPr txBox="1">
+            <a:spLocks noGrp="1"/>
+          </p:cNvSpPr>
           <p:nvPr>
-            <p:ph idx="1" type="body"/>
+            <p:ph type="body" idx="1"/>
           </p:nvPr>
         </p:nvSpPr>
         <p:spPr>
@@ -12043,12 +12682,12 @@
           </a:prstGeom>
         </p:spPr>
         <p:txBody>
-          <a:bodyPr anchorCtr="0" anchor="t" bIns="91425" lIns="91425" spcFirstLastPara="1" rIns="91425" wrap="square" tIns="91425">
+          <a:bodyPr spcFirstLastPara="1" wrap="square" lIns="91425" tIns="91425" rIns="91425" bIns="91425" anchor="t" anchorCtr="0">
             <a:noAutofit/>
           </a:bodyPr>
           <a:lstStyle/>
           <a:p>
-            <a:pPr indent="0" lvl="0" marL="0" rtl="0">
+            <a:pPr marL="0" lvl="0" indent="0" rtl="0">
               <a:spcBef>
                 <a:spcPts val="0"/>
               </a:spcBef>
@@ -12058,7 +12697,7 @@
               <a:buNone/>
             </a:pPr>
             <a:r>
-              <a:rPr b="1" lang="en"/>
+              <a:rPr lang="en" b="1"/>
               <a:t>Body Camera</a:t>
             </a:r>
             <a:endParaRPr b="1"/>
@@ -12068,9 +12707,11 @@
       <p:sp>
         <p:nvSpPr>
           <p:cNvPr id="132" name="Shape 132"/>
-          <p:cNvSpPr txBox="1"/>
+          <p:cNvSpPr txBox="1">
+            <a:spLocks noGrp="1"/>
+          </p:cNvSpPr>
           <p:nvPr>
-            <p:ph idx="1" type="body"/>
+            <p:ph type="body" idx="1"/>
           </p:nvPr>
         </p:nvSpPr>
         <p:spPr>
@@ -12083,12 +12724,12 @@
           </a:prstGeom>
         </p:spPr>
         <p:txBody>
-          <a:bodyPr anchorCtr="0" anchor="t" bIns="91425" lIns="91425" spcFirstLastPara="1" rIns="91425" wrap="square" tIns="91425">
+          <a:bodyPr spcFirstLastPara="1" wrap="square" lIns="91425" tIns="91425" rIns="91425" bIns="91425" anchor="t" anchorCtr="0">
             <a:noAutofit/>
           </a:bodyPr>
           <a:lstStyle/>
           <a:p>
-            <a:pPr indent="0" lvl="0" marL="0" rtl="0">
+            <a:pPr marL="0" lvl="0" indent="0" rtl="0">
               <a:spcBef>
                 <a:spcPts val="0"/>
               </a:spcBef>
@@ -12098,7 +12739,7 @@
               <a:buNone/>
             </a:pPr>
             <a:r>
-              <a:rPr b="1" lang="en"/>
+              <a:rPr lang="en" b="1"/>
               <a:t>Use of Force</a:t>
             </a:r>
             <a:endParaRPr b="1"/>
@@ -12122,23 +12763,25 @@
             <a:avLst/>
           </a:prstGeom>
           <a:noFill/>
-          <a:ln cap="flat" cmpd="sng" w="28575">
+          <a:ln w="28575" cap="flat" cmpd="sng">
             <a:solidFill>
               <a:schemeClr val="dk2"/>
             </a:solidFill>
             <a:prstDash val="solid"/>
             <a:round/>
-            <a:headEnd len="med" w="med" type="none"/>
-            <a:tailEnd len="med" w="med" type="triangle"/>
+            <a:headEnd type="none" w="med" len="med"/>
+            <a:tailEnd type="triangle" w="med" len="med"/>
           </a:ln>
         </p:spPr>
       </p:cxnSp>
       <p:sp>
         <p:nvSpPr>
           <p:cNvPr id="134" name="Shape 134"/>
-          <p:cNvSpPr txBox="1"/>
+          <p:cNvSpPr txBox="1">
+            <a:spLocks noGrp="1"/>
+          </p:cNvSpPr>
           <p:nvPr>
-            <p:ph idx="1" type="body"/>
+            <p:ph type="body" idx="1"/>
           </p:nvPr>
         </p:nvSpPr>
         <p:spPr>
@@ -12151,12 +12794,12 @@
           </a:prstGeom>
         </p:spPr>
         <p:txBody>
-          <a:bodyPr anchorCtr="0" anchor="t" bIns="91425" lIns="91425" spcFirstLastPara="1" rIns="91425" wrap="square" tIns="91425">
+          <a:bodyPr spcFirstLastPara="1" wrap="square" lIns="91425" tIns="91425" rIns="91425" bIns="91425" anchor="t" anchorCtr="0">
             <a:noAutofit/>
           </a:bodyPr>
           <a:lstStyle/>
           <a:p>
-            <a:pPr indent="0" lvl="0" marL="0" rtl="0" algn="ctr">
+            <a:pPr marL="0" lvl="0" indent="0" algn="ctr" rtl="0">
               <a:spcBef>
                 <a:spcPts val="0"/>
               </a:spcBef>
@@ -12166,7 +12809,7 @@
               <a:buNone/>
             </a:pPr>
             <a:r>
-              <a:rPr b="1" lang="en"/>
+              <a:rPr lang="en" b="1"/>
               <a:t>Confounders</a:t>
             </a:r>
             <a:endParaRPr b="1"/>
@@ -12176,9 +12819,11 @@
       <p:sp>
         <p:nvSpPr>
           <p:cNvPr id="135" name="Shape 135"/>
-          <p:cNvSpPr txBox="1"/>
+          <p:cNvSpPr txBox="1">
+            <a:spLocks noGrp="1"/>
+          </p:cNvSpPr>
           <p:nvPr>
-            <p:ph idx="1" type="body"/>
+            <p:ph type="body" idx="1"/>
           </p:nvPr>
         </p:nvSpPr>
         <p:spPr>
@@ -12191,12 +12836,12 @@
           </a:prstGeom>
         </p:spPr>
         <p:txBody>
-          <a:bodyPr anchorCtr="0" anchor="t" bIns="91425" lIns="91425" spcFirstLastPara="1" rIns="91425" wrap="square" tIns="91425">
+          <a:bodyPr spcFirstLastPara="1" wrap="square" lIns="91425" tIns="91425" rIns="91425" bIns="91425" anchor="t" anchorCtr="0">
             <a:noAutofit/>
           </a:bodyPr>
           <a:lstStyle/>
           <a:p>
-            <a:pPr indent="0" lvl="0" marL="0" rtl="0" algn="ctr">
+            <a:pPr marL="0" lvl="0" indent="0" algn="ctr" rtl="0">
               <a:spcBef>
                 <a:spcPts val="0"/>
               </a:spcBef>
@@ -12206,14 +12851,14 @@
               <a:buNone/>
             </a:pPr>
             <a:r>
-              <a:rPr b="1" lang="en"/>
+              <a:rPr lang="en" b="1"/>
               <a:t>Nature</a:t>
             </a:r>
             <a:br>
-              <a:rPr b="1" lang="en"/>
+              <a:rPr lang="en" b="1"/>
             </a:br>
             <a:r>
-              <a:rPr b="1" lang="en"/>
+              <a:rPr lang="en" b="1"/>
               <a:t> randomly assigns body cams</a:t>
             </a:r>
             <a:endParaRPr b="1"/>
@@ -12230,7 +12875,7 @@
           <p:nvPr/>
         </p:nvCxnSpPr>
         <p:spPr>
-          <a:xfrm flipH="1" rot="10800000">
+          <a:xfrm rot="10800000" flipH="1">
             <a:off x="1725275" y="3194600"/>
             <a:ext cx="900" cy="930900"/>
           </a:xfrm>
@@ -12238,14 +12883,14 @@
             <a:avLst/>
           </a:prstGeom>
           <a:noFill/>
-          <a:ln cap="flat" cmpd="sng" w="28575">
+          <a:ln w="28575" cap="flat" cmpd="sng">
             <a:solidFill>
               <a:schemeClr val="dk2"/>
             </a:solidFill>
             <a:prstDash val="solid"/>
             <a:round/>
-            <a:headEnd len="med" w="med" type="none"/>
-            <a:tailEnd len="med" w="med" type="triangle"/>
+            <a:headEnd type="none" w="med" len="med"/>
+            <a:tailEnd type="triangle" w="med" len="med"/>
           </a:ln>
         </p:spPr>
       </p:cxnSp>
@@ -12266,14 +12911,14 @@
             <a:avLst/>
           </a:prstGeom>
           <a:noFill/>
-          <a:ln cap="flat" cmpd="sng" w="28575">
+          <a:ln w="28575" cap="flat" cmpd="sng">
             <a:solidFill>
               <a:schemeClr val="dk2"/>
             </a:solidFill>
             <a:prstDash val="solid"/>
             <a:round/>
-            <a:headEnd len="med" w="med" type="none"/>
-            <a:tailEnd len="med" w="med" type="triangle"/>
+            <a:headEnd type="none" w="med" len="med"/>
+            <a:tailEnd type="triangle" w="med" len="med"/>
           </a:ln>
         </p:spPr>
       </p:cxnSp>
@@ -12286,7 +12931,288 @@
 </file>
 
 <file path=ppt/theme/theme1.xml><?xml version="1.0" encoding="utf-8"?>
-<a:theme xmlns:a="http://schemas.openxmlformats.org/drawingml/2006/main" xmlns:r="http://schemas.openxmlformats.org/officeDocument/2006/relationships">
+<a:theme xmlns:a="http://schemas.openxmlformats.org/drawingml/2006/main" name="Simple Light">
+  <a:themeElements>
+    <a:clrScheme name="Simple Light">
+      <a:dk1>
+        <a:srgbClr val="000000"/>
+      </a:dk1>
+      <a:lt1>
+        <a:srgbClr val="FFFFFF"/>
+      </a:lt1>
+      <a:dk2>
+        <a:srgbClr val="595959"/>
+      </a:dk2>
+      <a:lt2>
+        <a:srgbClr val="EEEEEE"/>
+      </a:lt2>
+      <a:accent1>
+        <a:srgbClr val="FFAB40"/>
+      </a:accent1>
+      <a:accent2>
+        <a:srgbClr val="212121"/>
+      </a:accent2>
+      <a:accent3>
+        <a:srgbClr val="78909C"/>
+      </a:accent3>
+      <a:accent4>
+        <a:srgbClr val="FFAB40"/>
+      </a:accent4>
+      <a:accent5>
+        <a:srgbClr val="0097A7"/>
+      </a:accent5>
+      <a:accent6>
+        <a:srgbClr val="EEFF41"/>
+      </a:accent6>
+      <a:hlink>
+        <a:srgbClr val="0097A7"/>
+      </a:hlink>
+      <a:folHlink>
+        <a:srgbClr val="0097A7"/>
+      </a:folHlink>
+    </a:clrScheme>
+    <a:fontScheme name="Office">
+      <a:majorFont>
+        <a:latin typeface="Arial"/>
+        <a:ea typeface=""/>
+        <a:cs typeface=""/>
+        <a:font script="Jpan" typeface="ＭＳ Ｐゴシック"/>
+        <a:font script="Hang" typeface="맑은 고딕"/>
+        <a:font script="Hans" typeface="宋体"/>
+        <a:font script="Hant" typeface="新細明體"/>
+        <a:font script="Arab" typeface="Times New Roman"/>
+        <a:font script="Hebr" typeface="Times New Roman"/>
+        <a:font script="Thai" typeface="Angsana New"/>
+        <a:font script="Ethi" typeface="Nyala"/>
+        <a:font script="Beng" typeface="Vrinda"/>
+        <a:font script="Gujr" typeface="Shruti"/>
+        <a:font script="Khmr" typeface="MoolBoran"/>
+        <a:font script="Knda" typeface="Tunga"/>
+        <a:font script="Guru" typeface="Raavi"/>
+        <a:font script="Cans" typeface="Euphemia"/>
+        <a:font script="Cher" typeface="Plantagenet Cherokee"/>
+        <a:font script="Yiii" typeface="Microsoft Yi Baiti"/>
+        <a:font script="Tibt" typeface="Microsoft Himalaya"/>
+        <a:font script="Thaa" typeface="MV Boli"/>
+        <a:font script="Deva" typeface="Mangal"/>
+        <a:font script="Telu" typeface="Gautami"/>
+        <a:font script="Taml" typeface="Latha"/>
+        <a:font script="Syrc" typeface="Estrangelo Edessa"/>
+        <a:font script="Orya" typeface="Kalinga"/>
+        <a:font script="Mlym" typeface="Kartika"/>
+        <a:font script="Laoo" typeface="DokChampa"/>
+        <a:font script="Sinh" typeface="Iskoola Pota"/>
+        <a:font script="Mong" typeface="Mongolian Baiti"/>
+        <a:font script="Viet" typeface="Times New Roman"/>
+        <a:font script="Uigh" typeface="Microsoft Uighur"/>
+        <a:font script="Geor" typeface="Sylfaen"/>
+      </a:majorFont>
+      <a:minorFont>
+        <a:latin typeface="Arial"/>
+        <a:ea typeface=""/>
+        <a:cs typeface=""/>
+        <a:font script="Jpan" typeface="ＭＳ Ｐゴシック"/>
+        <a:font script="Hang" typeface="맑은 고딕"/>
+        <a:font script="Hans" typeface="宋体"/>
+        <a:font script="Hant" typeface="新細明體"/>
+        <a:font script="Arab" typeface="Arial"/>
+        <a:font script="Hebr" typeface="Arial"/>
+        <a:font script="Thai" typeface="Cordia New"/>
+        <a:font script="Ethi" typeface="Nyala"/>
+        <a:font script="Beng" typeface="Vrinda"/>
+        <a:font script="Gujr" typeface="Shruti"/>
+        <a:font script="Khmr" typeface="DaunPenh"/>
+        <a:font script="Knda" typeface="Tunga"/>
+        <a:font script="Guru" typeface="Raavi"/>
+        <a:font script="Cans" typeface="Euphemia"/>
+        <a:font script="Cher" typeface="Plantagenet Cherokee"/>
+        <a:font script="Yiii" typeface="Microsoft Yi Baiti"/>
+        <a:font script="Tibt" typeface="Microsoft Himalaya"/>
+        <a:font script="Thaa" typeface="MV Boli"/>
+        <a:font script="Deva" typeface="Mangal"/>
+        <a:font script="Telu" typeface="Gautami"/>
+        <a:font script="Taml" typeface="Latha"/>
+        <a:font script="Syrc" typeface="Estrangelo Edessa"/>
+        <a:font script="Orya" typeface="Kalinga"/>
+        <a:font script="Mlym" typeface="Kartika"/>
+        <a:font script="Laoo" typeface="DokChampa"/>
+        <a:font script="Sinh" typeface="Iskoola Pota"/>
+        <a:font script="Mong" typeface="Mongolian Baiti"/>
+        <a:font script="Viet" typeface="Arial"/>
+        <a:font script="Uigh" typeface="Microsoft Uighur"/>
+        <a:font script="Geor" typeface="Sylfaen"/>
+      </a:minorFont>
+    </a:fontScheme>
+    <a:fmtScheme name="Office">
+      <a:fillStyleLst>
+        <a:solidFill>
+          <a:schemeClr val="phClr"/>
+        </a:solidFill>
+        <a:gradFill rotWithShape="1">
+          <a:gsLst>
+            <a:gs pos="0">
+              <a:schemeClr val="phClr">
+                <a:tint val="50000"/>
+                <a:satMod val="300000"/>
+              </a:schemeClr>
+            </a:gs>
+            <a:gs pos="35000">
+              <a:schemeClr val="phClr">
+                <a:tint val="37000"/>
+                <a:satMod val="300000"/>
+              </a:schemeClr>
+            </a:gs>
+            <a:gs pos="100000">
+              <a:schemeClr val="phClr">
+                <a:tint val="15000"/>
+                <a:satMod val="350000"/>
+              </a:schemeClr>
+            </a:gs>
+          </a:gsLst>
+          <a:lin ang="16200000" scaled="1"/>
+        </a:gradFill>
+        <a:gradFill rotWithShape="1">
+          <a:gsLst>
+            <a:gs pos="0">
+              <a:schemeClr val="phClr">
+                <a:tint val="100000"/>
+                <a:shade val="100000"/>
+                <a:satMod val="130000"/>
+              </a:schemeClr>
+            </a:gs>
+            <a:gs pos="100000">
+              <a:schemeClr val="phClr">
+                <a:tint val="50000"/>
+                <a:shade val="100000"/>
+                <a:satMod val="350000"/>
+              </a:schemeClr>
+            </a:gs>
+          </a:gsLst>
+          <a:lin ang="16200000" scaled="0"/>
+        </a:gradFill>
+      </a:fillStyleLst>
+      <a:lnStyleLst>
+        <a:ln w="9525" cap="flat" cmpd="sng" algn="ctr">
+          <a:solidFill>
+            <a:schemeClr val="phClr">
+              <a:shade val="95000"/>
+              <a:satMod val="105000"/>
+            </a:schemeClr>
+          </a:solidFill>
+          <a:prstDash val="solid"/>
+        </a:ln>
+        <a:ln w="25400" cap="flat" cmpd="sng" algn="ctr">
+          <a:solidFill>
+            <a:schemeClr val="phClr"/>
+          </a:solidFill>
+          <a:prstDash val="solid"/>
+        </a:ln>
+        <a:ln w="38100" cap="flat" cmpd="sng" algn="ctr">
+          <a:solidFill>
+            <a:schemeClr val="phClr"/>
+          </a:solidFill>
+          <a:prstDash val="solid"/>
+        </a:ln>
+      </a:lnStyleLst>
+      <a:effectStyleLst>
+        <a:effectStyle>
+          <a:effectLst>
+            <a:outerShdw blurRad="40000" dist="20000" dir="5400000" rotWithShape="0">
+              <a:srgbClr val="000000">
+                <a:alpha val="38000"/>
+              </a:srgbClr>
+            </a:outerShdw>
+          </a:effectLst>
+        </a:effectStyle>
+        <a:effectStyle>
+          <a:effectLst>
+            <a:outerShdw blurRad="40000" dist="23000" dir="5400000" rotWithShape="0">
+              <a:srgbClr val="000000">
+                <a:alpha val="35000"/>
+              </a:srgbClr>
+            </a:outerShdw>
+          </a:effectLst>
+        </a:effectStyle>
+        <a:effectStyle>
+          <a:effectLst>
+            <a:outerShdw blurRad="40000" dist="23000" dir="5400000" rotWithShape="0">
+              <a:srgbClr val="000000">
+                <a:alpha val="35000"/>
+              </a:srgbClr>
+            </a:outerShdw>
+          </a:effectLst>
+          <a:scene3d>
+            <a:camera prst="orthographicFront">
+              <a:rot lat="0" lon="0" rev="0"/>
+            </a:camera>
+            <a:lightRig rig="threePt" dir="t">
+              <a:rot lat="0" lon="0" rev="1200000"/>
+            </a:lightRig>
+          </a:scene3d>
+          <a:sp3d>
+            <a:bevelT w="63500" h="25400"/>
+          </a:sp3d>
+        </a:effectStyle>
+      </a:effectStyleLst>
+      <a:bgFillStyleLst>
+        <a:solidFill>
+          <a:schemeClr val="phClr"/>
+        </a:solidFill>
+        <a:gradFill rotWithShape="1">
+          <a:gsLst>
+            <a:gs pos="0">
+              <a:schemeClr val="phClr">
+                <a:tint val="40000"/>
+                <a:satMod val="350000"/>
+              </a:schemeClr>
+            </a:gs>
+            <a:gs pos="40000">
+              <a:schemeClr val="phClr">
+                <a:tint val="45000"/>
+                <a:shade val="99000"/>
+                <a:satMod val="350000"/>
+              </a:schemeClr>
+            </a:gs>
+            <a:gs pos="100000">
+              <a:schemeClr val="phClr">
+                <a:shade val="20000"/>
+                <a:satMod val="255000"/>
+              </a:schemeClr>
+            </a:gs>
+          </a:gsLst>
+          <a:path path="circle">
+            <a:fillToRect l="50000" t="-80000" r="50000" b="180000"/>
+          </a:path>
+        </a:gradFill>
+        <a:gradFill rotWithShape="1">
+          <a:gsLst>
+            <a:gs pos="0">
+              <a:schemeClr val="phClr">
+                <a:tint val="80000"/>
+                <a:satMod val="300000"/>
+              </a:schemeClr>
+            </a:gs>
+            <a:gs pos="100000">
+              <a:schemeClr val="phClr">
+                <a:shade val="30000"/>
+                <a:satMod val="200000"/>
+              </a:schemeClr>
+            </a:gs>
+          </a:gsLst>
+          <a:path path="circle">
+            <a:fillToRect l="50000" t="50000" r="50000" b="50000"/>
+          </a:path>
+        </a:gradFill>
+      </a:bgFillStyleLst>
+    </a:fmtScheme>
+  </a:themeElements>
+  <a:objectDefaults/>
+  <a:extraClrSchemeLst/>
+</a:theme>
+</file>
+
+<file path=ppt/theme/theme2.xml><?xml version="1.0" encoding="utf-8"?>
+<a:theme xmlns:a="http://schemas.openxmlformats.org/drawingml/2006/main">
   <a:themeElements>
     <a:clrScheme name="Default">
       <a:dk1>
@@ -12561,284 +13487,7 @@
       </a:bgFillStyleLst>
     </a:fmtScheme>
   </a:themeElements>
-</a:theme>
-</file>
-
-<file path=ppt/theme/theme2.xml><?xml version="1.0" encoding="utf-8"?>
-<a:theme xmlns:a="http://schemas.openxmlformats.org/drawingml/2006/main" xmlns:r="http://schemas.openxmlformats.org/officeDocument/2006/relationships" name="Simple Light">
-  <a:themeElements>
-    <a:clrScheme name="Simple Light">
-      <a:dk1>
-        <a:srgbClr val="000000"/>
-      </a:dk1>
-      <a:lt1>
-        <a:srgbClr val="FFFFFF"/>
-      </a:lt1>
-      <a:dk2>
-        <a:srgbClr val="595959"/>
-      </a:dk2>
-      <a:lt2>
-        <a:srgbClr val="EEEEEE"/>
-      </a:lt2>
-      <a:accent1>
-        <a:srgbClr val="FFAB40"/>
-      </a:accent1>
-      <a:accent2>
-        <a:srgbClr val="212121"/>
-      </a:accent2>
-      <a:accent3>
-        <a:srgbClr val="78909C"/>
-      </a:accent3>
-      <a:accent4>
-        <a:srgbClr val="FFAB40"/>
-      </a:accent4>
-      <a:accent5>
-        <a:srgbClr val="0097A7"/>
-      </a:accent5>
-      <a:accent6>
-        <a:srgbClr val="EEFF41"/>
-      </a:accent6>
-      <a:hlink>
-        <a:srgbClr val="0097A7"/>
-      </a:hlink>
-      <a:folHlink>
-        <a:srgbClr val="0097A7"/>
-      </a:folHlink>
-    </a:clrScheme>
-    <a:fontScheme name="Office">
-      <a:majorFont>
-        <a:latin typeface="Arial"/>
-        <a:ea typeface=""/>
-        <a:cs typeface=""/>
-        <a:font script="Jpan" typeface="ＭＳ Ｐゴシック"/>
-        <a:font script="Hang" typeface="맑은 고딕"/>
-        <a:font script="Hans" typeface="宋体"/>
-        <a:font script="Hant" typeface="新細明體"/>
-        <a:font script="Arab" typeface="Times New Roman"/>
-        <a:font script="Hebr" typeface="Times New Roman"/>
-        <a:font script="Thai" typeface="Angsana New"/>
-        <a:font script="Ethi" typeface="Nyala"/>
-        <a:font script="Beng" typeface="Vrinda"/>
-        <a:font script="Gujr" typeface="Shruti"/>
-        <a:font script="Khmr" typeface="MoolBoran"/>
-        <a:font script="Knda" typeface="Tunga"/>
-        <a:font script="Guru" typeface="Raavi"/>
-        <a:font script="Cans" typeface="Euphemia"/>
-        <a:font script="Cher" typeface="Plantagenet Cherokee"/>
-        <a:font script="Yiii" typeface="Microsoft Yi Baiti"/>
-        <a:font script="Tibt" typeface="Microsoft Himalaya"/>
-        <a:font script="Thaa" typeface="MV Boli"/>
-        <a:font script="Deva" typeface="Mangal"/>
-        <a:font script="Telu" typeface="Gautami"/>
-        <a:font script="Taml" typeface="Latha"/>
-        <a:font script="Syrc" typeface="Estrangelo Edessa"/>
-        <a:font script="Orya" typeface="Kalinga"/>
-        <a:font script="Mlym" typeface="Kartika"/>
-        <a:font script="Laoo" typeface="DokChampa"/>
-        <a:font script="Sinh" typeface="Iskoola Pota"/>
-        <a:font script="Mong" typeface="Mongolian Baiti"/>
-        <a:font script="Viet" typeface="Times New Roman"/>
-        <a:font script="Uigh" typeface="Microsoft Uighur"/>
-        <a:font script="Geor" typeface="Sylfaen"/>
-      </a:majorFont>
-      <a:minorFont>
-        <a:latin typeface="Arial"/>
-        <a:ea typeface=""/>
-        <a:cs typeface=""/>
-        <a:font script="Jpan" typeface="ＭＳ Ｐゴシック"/>
-        <a:font script="Hang" typeface="맑은 고딕"/>
-        <a:font script="Hans" typeface="宋体"/>
-        <a:font script="Hant" typeface="新細明體"/>
-        <a:font script="Arab" typeface="Arial"/>
-        <a:font script="Hebr" typeface="Arial"/>
-        <a:font script="Thai" typeface="Cordia New"/>
-        <a:font script="Ethi" typeface="Nyala"/>
-        <a:font script="Beng" typeface="Vrinda"/>
-        <a:font script="Gujr" typeface="Shruti"/>
-        <a:font script="Khmr" typeface="DaunPenh"/>
-        <a:font script="Knda" typeface="Tunga"/>
-        <a:font script="Guru" typeface="Raavi"/>
-        <a:font script="Cans" typeface="Euphemia"/>
-        <a:font script="Cher" typeface="Plantagenet Cherokee"/>
-        <a:font script="Yiii" typeface="Microsoft Yi Baiti"/>
-        <a:font script="Tibt" typeface="Microsoft Himalaya"/>
-        <a:font script="Thaa" typeface="MV Boli"/>
-        <a:font script="Deva" typeface="Mangal"/>
-        <a:font script="Telu" typeface="Gautami"/>
-        <a:font script="Taml" typeface="Latha"/>
-        <a:font script="Syrc" typeface="Estrangelo Edessa"/>
-        <a:font script="Orya" typeface="Kalinga"/>
-        <a:font script="Mlym" typeface="Kartika"/>
-        <a:font script="Laoo" typeface="DokChampa"/>
-        <a:font script="Sinh" typeface="Iskoola Pota"/>
-        <a:font script="Mong" typeface="Mongolian Baiti"/>
-        <a:font script="Viet" typeface="Arial"/>
-        <a:font script="Uigh" typeface="Microsoft Uighur"/>
-        <a:font script="Geor" typeface="Sylfaen"/>
-      </a:minorFont>
-    </a:fontScheme>
-    <a:fmtScheme name="Office">
-      <a:fillStyleLst>
-        <a:solidFill>
-          <a:schemeClr val="phClr"/>
-        </a:solidFill>
-        <a:gradFill rotWithShape="1">
-          <a:gsLst>
-            <a:gs pos="0">
-              <a:schemeClr val="phClr">
-                <a:tint val="50000"/>
-                <a:satMod val="300000"/>
-              </a:schemeClr>
-            </a:gs>
-            <a:gs pos="35000">
-              <a:schemeClr val="phClr">
-                <a:tint val="37000"/>
-                <a:satMod val="300000"/>
-              </a:schemeClr>
-            </a:gs>
-            <a:gs pos="100000">
-              <a:schemeClr val="phClr">
-                <a:tint val="15000"/>
-                <a:satMod val="350000"/>
-              </a:schemeClr>
-            </a:gs>
-          </a:gsLst>
-          <a:lin ang="16200000" scaled="1"/>
-        </a:gradFill>
-        <a:gradFill rotWithShape="1">
-          <a:gsLst>
-            <a:gs pos="0">
-              <a:schemeClr val="phClr">
-                <a:tint val="100000"/>
-                <a:shade val="100000"/>
-                <a:satMod val="130000"/>
-              </a:schemeClr>
-            </a:gs>
-            <a:gs pos="100000">
-              <a:schemeClr val="phClr">
-                <a:tint val="50000"/>
-                <a:shade val="100000"/>
-                <a:satMod val="350000"/>
-              </a:schemeClr>
-            </a:gs>
-          </a:gsLst>
-          <a:lin ang="16200000" scaled="0"/>
-        </a:gradFill>
-      </a:fillStyleLst>
-      <a:lnStyleLst>
-        <a:ln w="9525" cap="flat" cmpd="sng" algn="ctr">
-          <a:solidFill>
-            <a:schemeClr val="phClr">
-              <a:shade val="95000"/>
-              <a:satMod val="105000"/>
-            </a:schemeClr>
-          </a:solidFill>
-          <a:prstDash val="solid"/>
-        </a:ln>
-        <a:ln w="25400" cap="flat" cmpd="sng" algn="ctr">
-          <a:solidFill>
-            <a:schemeClr val="phClr"/>
-          </a:solidFill>
-          <a:prstDash val="solid"/>
-        </a:ln>
-        <a:ln w="38100" cap="flat" cmpd="sng" algn="ctr">
-          <a:solidFill>
-            <a:schemeClr val="phClr"/>
-          </a:solidFill>
-          <a:prstDash val="solid"/>
-        </a:ln>
-      </a:lnStyleLst>
-      <a:effectStyleLst>
-        <a:effectStyle>
-          <a:effectLst>
-            <a:outerShdw blurRad="40000" dist="20000" dir="5400000" rotWithShape="0">
-              <a:srgbClr val="000000">
-                <a:alpha val="38000"/>
-              </a:srgbClr>
-            </a:outerShdw>
-          </a:effectLst>
-        </a:effectStyle>
-        <a:effectStyle>
-          <a:effectLst>
-            <a:outerShdw blurRad="40000" dist="23000" dir="5400000" rotWithShape="0">
-              <a:srgbClr val="000000">
-                <a:alpha val="35000"/>
-              </a:srgbClr>
-            </a:outerShdw>
-          </a:effectLst>
-        </a:effectStyle>
-        <a:effectStyle>
-          <a:effectLst>
-            <a:outerShdw blurRad="40000" dist="23000" dir="5400000" rotWithShape="0">
-              <a:srgbClr val="000000">
-                <a:alpha val="35000"/>
-              </a:srgbClr>
-            </a:outerShdw>
-          </a:effectLst>
-          <a:scene3d>
-            <a:camera prst="orthographicFront">
-              <a:rot lat="0" lon="0" rev="0"/>
-            </a:camera>
-            <a:lightRig rig="threePt" dir="t">
-              <a:rot lat="0" lon="0" rev="1200000"/>
-            </a:lightRig>
-          </a:scene3d>
-          <a:sp3d>
-            <a:bevelT w="63500" h="25400"/>
-          </a:sp3d>
-        </a:effectStyle>
-      </a:effectStyleLst>
-      <a:bgFillStyleLst>
-        <a:solidFill>
-          <a:schemeClr val="phClr"/>
-        </a:solidFill>
-        <a:gradFill rotWithShape="1">
-          <a:gsLst>
-            <a:gs pos="0">
-              <a:schemeClr val="phClr">
-                <a:tint val="40000"/>
-                <a:satMod val="350000"/>
-              </a:schemeClr>
-            </a:gs>
-            <a:gs pos="40000">
-              <a:schemeClr val="phClr">
-                <a:tint val="45000"/>
-                <a:shade val="99000"/>
-                <a:satMod val="350000"/>
-              </a:schemeClr>
-            </a:gs>
-            <a:gs pos="100000">
-              <a:schemeClr val="phClr">
-                <a:shade val="20000"/>
-                <a:satMod val="255000"/>
-              </a:schemeClr>
-            </a:gs>
-          </a:gsLst>
-          <a:path path="circle">
-            <a:fillToRect l="50000" t="-80000" r="50000" b="180000"/>
-          </a:path>
-        </a:gradFill>
-        <a:gradFill rotWithShape="1">
-          <a:gsLst>
-            <a:gs pos="0">
-              <a:schemeClr val="phClr">
-                <a:tint val="80000"/>
-                <a:satMod val="300000"/>
-              </a:schemeClr>
-            </a:gs>
-            <a:gs pos="100000">
-              <a:schemeClr val="phClr">
-                <a:shade val="30000"/>
-                <a:satMod val="200000"/>
-              </a:schemeClr>
-            </a:gs>
-          </a:gsLst>
-          <a:path path="circle">
-            <a:fillToRect l="50000" t="50000" r="50000" b="50000"/>
-          </a:path>
-        </a:gradFill>
-      </a:bgFillStyleLst>
-    </a:fmtScheme>
-  </a:themeElements>
+  <a:objectDefaults/>
+  <a:extraClrSchemeLst/>
 </a:theme>
 </file>